--- a/result/guigui- FR001400B4A4result.pptx
+++ b/result/guigui- FR001400B4A4result.pptx
@@ -145,7 +145,7 @@
 <file path=ppt/revisionInfo.xml><?xml version="1.0" encoding="utf-8"?>
 <p1510:revInfo xmlns:a="http://schemas.openxmlformats.org/drawingml/2006/main" xmlns:r="http://schemas.openxmlformats.org/officeDocument/2006/relationships" xmlns:p1510="http://schemas.microsoft.com/office/powerpoint/2015/10/main">
   <p1510:revLst>
-    <p1510:client id="{1AF5CBAA-8B19-4E30-AE3F-FD654036B3A2}" v="14" dt="2022-06-13T14:39:49.257"/>
+    <p1510:client id="{A5289BD9-B288-479C-9C53-1CB8B081C19E}" v="554" dt="2022-05-25T07:55:00.233"/>
   </p1510:revLst>
 </p1510:revInfo>
 </file>
@@ -232,7 +232,7 @@
           <a:p>
             <a:fld id="{515CCE07-1711-4DC7-A7D8-7ED312C82FB8}" type="datetimeFigureOut">
               <a:rPr lang="fr-FR" smtClean="0"/>
-              <a:t>21/06/2022</a:t>
+              <a:t>27/06/2022</a:t>
             </a:fld>
             <a:endParaRPr lang="fr-FR"/>
           </a:p>
@@ -339,6 +339,164 @@
       </p:grpSpPr>
       <p:sp>
         <p:nvSpPr>
+          <p:cNvPr id="2" name="Espace réservé de l'en-tête 1"/>
+          <p:cNvSpPr>
+            <a:spLocks noGrp="1"/>
+          </p:cNvSpPr>
+          <p:nvPr>
+            <p:ph type="hdr" sz="quarter"/>
+          </p:nvPr>
+        </p:nvSpPr>
+        <p:spPr>
+          <a:xfrm>
+            <a:off x="0" y="0"/>
+            <a:ext cx="2945659" cy="498136"/>
+          </a:xfrm>
+          <a:prstGeom prst="rect">
+            <a:avLst/>
+          </a:prstGeom>
+        </p:spPr>
+        <p:txBody>
+          <a:bodyPr vert="horz" lIns="90999" tIns="45499" rIns="90999" bIns="45499" rtlCol="0"/>
+          <a:lstStyle>
+            <a:lvl1pPr algn="l">
+              <a:defRPr sz="1200"/>
+            </a:lvl1pPr>
+          </a:lstStyle>
+          <a:p>
+            <a:endParaRPr lang="fr-FR"/>
+          </a:p>
+        </p:txBody>
+      </p:sp>
+      <p:sp>
+        <p:nvSpPr>
+          <p:cNvPr id="3" name="Espace réservé de la date 2"/>
+          <p:cNvSpPr>
+            <a:spLocks noGrp="1"/>
+          </p:cNvSpPr>
+          <p:nvPr>
+            <p:ph type="dt" idx="1"/>
+          </p:nvPr>
+        </p:nvSpPr>
+        <p:spPr>
+          <a:xfrm>
+            <a:off x="3850444" y="0"/>
+            <a:ext cx="2945659" cy="498136"/>
+          </a:xfrm>
+          <a:prstGeom prst="rect">
+            <a:avLst/>
+          </a:prstGeom>
+        </p:spPr>
+        <p:txBody>
+          <a:bodyPr vert="horz" lIns="90999" tIns="45499" rIns="90999" bIns="45499" rtlCol="0"/>
+          <a:lstStyle>
+            <a:lvl1pPr algn="r">
+              <a:defRPr sz="1200"/>
+            </a:lvl1pPr>
+          </a:lstStyle>
+          <a:p>
+            <a:fld id="{014ABEAC-8B63-4BD1-9569-A14EB8752A94}" type="datetimeFigureOut">
+              <a:rPr lang="fr-FR" smtClean="0"/>
+              <a:t>27/06/2022</a:t>
+            </a:fld>
+            <a:endParaRPr lang="fr-FR"/>
+          </a:p>
+        </p:txBody>
+      </p:sp>
+      <p:sp>
+        <p:nvSpPr>
+          <p:cNvPr id="4" name="Espace réservé de l'image des diapositives 3"/>
+          <p:cNvSpPr>
+            <a:spLocks noGrp="1" noRot="1" noChangeAspect="1"/>
+          </p:cNvSpPr>
+          <p:nvPr>
+            <p:ph type="sldImg" idx="2"/>
+          </p:nvPr>
+        </p:nvSpPr>
+        <p:spPr>
+          <a:xfrm>
+            <a:off x="2214563" y="1241425"/>
+            <a:ext cx="2368550" cy="3351213"/>
+          </a:xfrm>
+          <a:prstGeom prst="rect">
+            <a:avLst/>
+          </a:prstGeom>
+          <a:noFill/>
+          <a:ln w="12700">
+            <a:solidFill>
+              <a:prstClr val="black"/>
+            </a:solidFill>
+          </a:ln>
+        </p:spPr>
+        <p:txBody>
+          <a:bodyPr vert="horz" lIns="90999" tIns="45499" rIns="90999" bIns="45499" rtlCol="0" anchor="ctr"/>
+          <a:lstStyle/>
+          <a:p>
+            <a:endParaRPr lang="fr-FR"/>
+          </a:p>
+        </p:txBody>
+      </p:sp>
+      <p:sp>
+        <p:nvSpPr>
+          <p:cNvPr id="5" name="Espace réservé des notes 4"/>
+          <p:cNvSpPr>
+            <a:spLocks noGrp="1"/>
+          </p:cNvSpPr>
+          <p:nvPr>
+            <p:ph type="body" sz="quarter" idx="3"/>
+          </p:nvPr>
+        </p:nvSpPr>
+        <p:spPr>
+          <a:xfrm>
+            <a:off x="679768" y="4777959"/>
+            <a:ext cx="5438140" cy="3909239"/>
+          </a:xfrm>
+          <a:prstGeom prst="rect">
+            <a:avLst/>
+          </a:prstGeom>
+        </p:spPr>
+        <p:txBody>
+          <a:bodyPr vert="horz" lIns="90999" tIns="45499" rIns="90999" bIns="45499" rtlCol="0"/>
+          <a:lstStyle/>
+          <a:p>
+            <a:pPr lvl="0"/>
+            <a:r>
+              <a:rPr lang="fr-FR"/>
+              <a:t>Modifier les styles du texte du masque</a:t>
+            </a:r>
+          </a:p>
+          <a:p>
+            <a:pPr lvl="1"/>
+            <a:r>
+              <a:rPr lang="fr-FR"/>
+              <a:t>Deuxième niveau</a:t>
+            </a:r>
+          </a:p>
+          <a:p>
+            <a:pPr lvl="2"/>
+            <a:r>
+              <a:rPr lang="fr-FR"/>
+              <a:t>Troisième niveau</a:t>
+            </a:r>
+          </a:p>
+          <a:p>
+            <a:pPr lvl="3"/>
+            <a:r>
+              <a:rPr lang="fr-FR"/>
+              <a:t>Quatrième niveau</a:t>
+            </a:r>
+          </a:p>
+          <a:p>
+            <a:pPr lvl="4"/>
+            <a:r>
+              <a:rPr lang="fr-FR"/>
+              <a:t>Cinquième niveau</a:t>
+            </a:r>
+          </a:p>
+        </p:txBody>
+      </p:sp>
+      <p:sp>
+        <p:nvSpPr>
           <p:cNvPr id="6" name="Espace réservé du pied de page 5"/>
           <p:cNvSpPr>
             <a:spLocks noGrp="1"/>
@@ -349,8 +507,8 @@
         </p:nvSpPr>
         <p:spPr>
           <a:xfrm>
-            <a:off x="0" y="8079289"/>
-            <a:ext cx="2945659" cy="1848940"/>
+            <a:off x="0" y="9430093"/>
+            <a:ext cx="2945659" cy="498135"/>
           </a:xfrm>
           <a:prstGeom prst="rect">
             <a:avLst/>
@@ -364,7 +522,7 @@
             </a:lvl1pPr>
           </a:lstStyle>
           <a:p>
-            <a:endParaRPr lang="fr-FR" dirty="0"/>
+            <a:endParaRPr lang="fr-FR"/>
           </a:p>
         </p:txBody>
       </p:sp>
@@ -570,7 +728,7 @@
         </p:nvSpPr>
         <p:spPr>
           <a:xfrm>
-            <a:off x="359837" y="684422"/>
+            <a:off x="359837" y="589166"/>
             <a:ext cx="6840000" cy="6846"/>
           </a:xfrm>
           <a:prstGeom prst="rect">
@@ -626,7 +784,7 @@
         </p:blipFill>
         <p:spPr>
           <a:xfrm>
-            <a:off x="469449" y="-82081"/>
+            <a:off x="469449" y="22704"/>
             <a:ext cx="1765100" cy="567402"/>
           </a:xfrm>
           <a:prstGeom prst="rect">
@@ -723,6 +881,55 @@
               <a:t>‹N°›</a:t>
             </a:fld>
             <a:endParaRPr lang="fr-FR" dirty="0"/>
+          </a:p>
+        </p:txBody>
+      </p:sp>
+      <p:sp>
+        <p:nvSpPr>
+          <p:cNvPr id="22" name="Rectangle">
+            <a:extLst>
+              <a:ext uri="{FF2B5EF4-FFF2-40B4-BE49-F238E27FC236}">
+                <a16:creationId xmlns:a16="http://schemas.microsoft.com/office/drawing/2014/main" id="{0C591005-A978-4017-82AC-F4C5CD330576}"/>
+              </a:ext>
+            </a:extLst>
+          </p:cNvPr>
+          <p:cNvSpPr/>
+          <p:nvPr userDrawn="1"/>
+        </p:nvSpPr>
+        <p:spPr>
+          <a:xfrm>
+            <a:off x="359837" y="9707143"/>
+            <a:ext cx="6840000" cy="6846"/>
+          </a:xfrm>
+          <a:prstGeom prst="rect">
+            <a:avLst/>
+          </a:prstGeom>
+          <a:solidFill>
+            <a:srgbClr val="C5AF5C"/>
+          </a:solidFill>
+          <a:ln w="3175">
+            <a:miter lim="400000"/>
+          </a:ln>
+        </p:spPr>
+        <p:txBody>
+          <a:bodyPr lIns="20981" tIns="20981" rIns="20981" bIns="20981" anchor="ctr"/>
+          <a:lstStyle/>
+          <a:p>
+            <a:pPr algn="ctr" defTabSz="825500">
+              <a:lnSpc>
+                <a:spcPct val="100000"/>
+              </a:lnSpc>
+              <a:defRPr sz="3200" b="0">
+                <a:solidFill>
+                  <a:srgbClr val="FFFFFF"/>
+                </a:solidFill>
+                <a:latin typeface="Helvetica Neue Medium"/>
+                <a:ea typeface="Helvetica Neue Medium"/>
+                <a:cs typeface="Helvetica Neue Medium"/>
+                <a:sym typeface="Helvetica Neue Medium"/>
+              </a:defRPr>
+            </a:pPr>
+            <a:endParaRPr/>
           </a:p>
         </p:txBody>
       </p:sp>
@@ -865,7 +1072,7 @@
         </p:nvSpPr>
         <p:spPr>
           <a:xfrm>
-            <a:off x="359837" y="693949"/>
+            <a:off x="359837" y="589166"/>
             <a:ext cx="6840000" cy="6846"/>
           </a:xfrm>
           <a:prstGeom prst="rect">
@@ -921,7 +1128,7 @@
         </p:blipFill>
         <p:spPr>
           <a:xfrm>
-            <a:off x="464686" y="-53501"/>
+            <a:off x="469449" y="22704"/>
             <a:ext cx="1765100" cy="567402"/>
           </a:xfrm>
           <a:prstGeom prst="rect">
@@ -1682,8 +1889,15 @@
           </a:lstStyle>
           <a:p>
             <a:pPr marL="171450" indent="-171450" algn="just">
-              <a:buFont typeface="Arial" panose="020B0604020202020204" pitchFamily="34" charset="0"/>
-              <a:buChar char="•"/>
+              <a:spcBef>
+                <a:spcPts val="400"/>
+              </a:spcBef>
+              <a:buClr>
+                <a:srgbClr val="000000"/>
+              </a:buClr>
+              <a:buSzPct val="120000"/>
+              <a:buFont typeface="Wingdings" panose="05000000000000000000" pitchFamily="2" charset="2"/>
+              <a:buChar char="§"/>
             </a:pPr>
             <a:r>
               <a:rPr lang="fr-FR" sz="800" b="1" dirty="0">
@@ -1696,35 +1910,46 @@
             </a:r>
             <a:r>
               <a:rPr lang="fr-FR" sz="800" b="1" cap="none" dirty="0"/>
-              <a:t>de droit français </a:t>
+              <a:t>de droit français présentant un risque de perte en capital partielle ou totale en cours de vie</a:t>
+            </a:r>
+            <a:r>
+              <a:rPr lang="fr-FR" sz="800" b="1" cap="none" baseline="30000" dirty="0"/>
+              <a:t>⁽¹⁾</a:t>
+            </a:r>
+            <a:r>
+              <a:rPr lang="fr-FR" sz="800" b="1" cap="none" dirty="0"/>
+              <a:t> et à l’échéance</a:t>
+            </a:r>
+            <a:r>
+              <a:rPr lang="fr-FR" sz="800" baseline="30000" dirty="0">
+                <a:solidFill>
+                  <a:schemeClr val="tx2"/>
+                </a:solidFill>
+              </a:rPr>
+              <a:t> </a:t>
+            </a:r>
+            <a:r>
+              <a:rPr lang="fr-FR" sz="800" b="1" baseline="30000" dirty="0">
+                <a:solidFill>
+                  <a:schemeClr val="tx2"/>
+                </a:solidFill>
+              </a:rPr>
+              <a:t>⁽¹⁾</a:t>
             </a:r>
             <a:r>
               <a:rPr lang="fr-FR" sz="800" b="1" cap="none" dirty="0">
                 <a:solidFill>
-                  <a:srgbClr val="000000"/>
+                  <a:schemeClr val="tx2"/>
                 </a:solidFill>
                 <a:latin typeface="Proxima Nova Rg" panose="02000506030000020004" pitchFamily="2" charset="0"/>
               </a:rPr>
-              <a:t>pouvant être difficile à comprendre et présentant un risque de perte en capital partielle ou totale en cours de vie et à l’ échéance</a:t>
-            </a:r>
-            <a:r>
-              <a:rPr lang="fr-FR" sz="800" b="1" cap="none" baseline="30000" dirty="0">
-                <a:solidFill>
-                  <a:srgbClr val="000000"/>
-                </a:solidFill>
-                <a:latin typeface="Proxima Nova Rg" panose="02000506030000020004" pitchFamily="2" charset="0"/>
-              </a:rPr>
-              <a:t>⁽¹⁾</a:t>
-            </a:r>
-            <a:r>
-              <a:rPr lang="fr-FR" sz="800" b="1" cap="none" dirty="0">
-                <a:solidFill>
-                  <a:srgbClr val="000000"/>
-                </a:solidFill>
-                <a:latin typeface="Proxima Nova Rg" panose="02000506030000020004" pitchFamily="2" charset="0"/>
-              </a:rPr>
-              <a:t>.</a:t>
-            </a:r>
+              <a:t> .</a:t>
+            </a:r>
+            <a:endParaRPr lang="fr-FR" sz="800" b="1" cap="none" dirty="0">
+              <a:highlight>
+                <a:srgbClr val="FFFF00"/>
+              </a:highlight>
+            </a:endParaRPr>
           </a:p>
           <a:p>
             <a:pPr marL="171450" indent="-171450" algn="just">
@@ -1775,8 +2000,16 @@
               <a:t>Durée d’investissement conseillée : </a:t>
             </a:r>
             <a:r>
-              <a:rPr lang="fr-FR" sz="800" b="1" cap="none" dirty="0"/>
-              <a:t>10 ans (</a:t>
+              <a:rPr lang="fr-FR" sz="800" b="1" dirty="0"/>
+              <a:t>10 ans</a:t>
+            </a:r>
+            <a:r>
+              <a:rPr lang="fr-FR" sz="800" b="1" dirty="0">
+                <a:solidFill>
+                  <a:srgbClr val="B9A049"/>
+                </a:solidFill>
+              </a:rPr>
+              <a:t> </a:t>
             </a:r>
             <a:r>
               <a:rPr lang="fr-FR" sz="800" cap="none" dirty="0">
@@ -1784,7 +2017,7 @@
                   <a:schemeClr val="tx2"/>
                 </a:solidFill>
               </a:rPr>
-              <a:t>hors remboursement anticipé automatique). </a:t>
+              <a:t>(hors remboursement anticipé automatique). </a:t>
             </a:r>
           </a:p>
           <a:p>
@@ -1863,7 +2096,7 @@
         <p:spPr>
           <a:xfrm>
             <a:off x="4175836" y="6069790"/>
-            <a:ext cx="3024000" cy="1815882"/>
+            <a:ext cx="3024000" cy="1754326"/>
           </a:xfrm>
           <a:prstGeom prst="rect">
             <a:avLst/>
@@ -1960,42 +2193,10 @@
           </a:p>
           <a:p>
             <a:pPr marL="171450" indent="-171450" algn="just">
-              <a:spcBef>
-                <a:spcPts val="1200"/>
-              </a:spcBef>
               <a:buClr>
-                <a:srgbClr val="1C1C1C"/>
+                <a:srgbClr val="000000"/>
               </a:buClr>
-              <a:buFont typeface="Wingdings" panose="05000000000000000000" pitchFamily="2" charset="2"/>
-              <a:buChar char="§"/>
-            </a:pPr>
-            <a:r>
-              <a:rPr lang="fr-FR" sz="800" b="1" cap="all" dirty="0">
-                <a:solidFill>
-                  <a:srgbClr val="B9A049"/>
-                </a:solidFill>
-                <a:latin typeface="Futura PT" panose="020B0902020204020203" pitchFamily="34" charset="0"/>
-              </a:rPr>
-              <a:t>Cotation : </a:t>
-            </a:r>
-            <a:r>
-              <a:rPr lang="fr-FR" sz="800" cap="none" dirty="0">
-                <a:solidFill>
-                  <a:schemeClr val="tx2"/>
-                </a:solidFill>
-                <a:latin typeface="Proxima Nova Rg" panose="02000506030000020004" pitchFamily="2" charset="0"/>
-              </a:rPr>
-              <a:t>Marché officiel de la bourse de Luxembourg (marché réglementé)</a:t>
-            </a:r>
-          </a:p>
-          <a:p>
-            <a:pPr marL="171450" indent="-171450" algn="just">
-              <a:spcBef>
-                <a:spcPts val="1200"/>
-              </a:spcBef>
-              <a:buClr>
-                <a:srgbClr val="1C1C1C"/>
-              </a:buClr>
+              <a:buSzPct val="100000"/>
               <a:buFont typeface="Wingdings" panose="05000000000000000000" pitchFamily="2" charset="2"/>
               <a:buChar char="§"/>
             </a:pPr>
@@ -2009,7 +2210,7 @@
           <a:p>
             <a:pPr marL="171450" indent="-171450" algn="just">
               <a:buClr>
-                <a:srgbClr val="000000"/>
+                <a:srgbClr val="04202E"/>
               </a:buClr>
               <a:buSzPct val="100000"/>
               <a:buFont typeface="Wingdings" panose="05000000000000000000" pitchFamily="2" charset="2"/>
@@ -2022,7 +2223,7 @@
                 </a:solidFill>
                 <a:latin typeface="Futura PT" panose="020B0902020204020203" pitchFamily="34" charset="0"/>
               </a:rPr>
-              <a:t>Produit émis par </a:t>
+              <a:t>Titre de créance émis par Sg </a:t>
             </a:r>
             <a:r>
               <a:rPr lang="fr-FR" sz="800" b="1" cap="all" dirty="0" err="1">
@@ -2031,7 +2232,7 @@
                 </a:solidFill>
                 <a:latin typeface="Futura PT" panose="020B0902020204020203" pitchFamily="34" charset="0"/>
               </a:rPr>
-              <a:t>morgan</a:t>
+              <a:t>issuer</a:t>
             </a:r>
             <a:r>
               <a:rPr lang="fr-FR" sz="800" b="1" cap="all" dirty="0">
@@ -2043,13 +2244,13 @@
               <a:t> </a:t>
             </a:r>
             <a:r>
-              <a:rPr lang="fr-FR" sz="800" b="1" cap="all" dirty="0" err="1">
+              <a:rPr lang="fr-FR" sz="800" b="1" baseline="30000" dirty="0">
                 <a:solidFill>
                   <a:srgbClr val="B9A049"/>
                 </a:solidFill>
                 <a:latin typeface="Futura PT" panose="020B0902020204020203" pitchFamily="34" charset="0"/>
               </a:rPr>
-              <a:t>stanley</a:t>
+              <a:t>(3)</a:t>
             </a:r>
             <a:r>
               <a:rPr lang="fr-FR" sz="800" b="1" cap="all" dirty="0">
@@ -2058,43 +2259,25 @@
                 </a:solidFill>
                 <a:latin typeface="Futura PT" panose="020B0902020204020203" pitchFamily="34" charset="0"/>
               </a:rPr>
-              <a:t> &amp; </a:t>
-            </a:r>
-            <a:r>
-              <a:rPr lang="fr-FR" sz="800" b="1" cap="all" dirty="0" err="1">
-                <a:solidFill>
-                  <a:srgbClr val="B9A049"/>
-                </a:solidFill>
-                <a:latin typeface="Futura PT" panose="020B0902020204020203" pitchFamily="34" charset="0"/>
-              </a:rPr>
-              <a:t>co</a:t>
-            </a:r>
-            <a:r>
-              <a:rPr lang="fr-FR" sz="800" b="1" cap="all" dirty="0">
-                <a:solidFill>
-                  <a:srgbClr val="B9A049"/>
-                </a:solidFill>
-                <a:latin typeface="Futura PT" panose="020B0902020204020203" pitchFamily="34" charset="0"/>
-              </a:rPr>
-              <a:t> international PLC</a:t>
-            </a:r>
-            <a:r>
-              <a:rPr lang="fr-FR" sz="800" b="1" baseline="30000" dirty="0">
-                <a:solidFill>
-                  <a:srgbClr val="B9A049"/>
+              <a:t>, </a:t>
+            </a:r>
+            <a:r>
+              <a:rPr lang="fr-FR" sz="800" cap="none" dirty="0">
+                <a:solidFill>
+                  <a:schemeClr val="tx2"/>
                 </a:solidFill>
                 <a:latin typeface="Proxima Nova Rg" panose="02000506030000020004" pitchFamily="2" charset="0"/>
               </a:rPr>
-              <a:t>(3)</a:t>
-            </a:r>
-            <a:r>
-              <a:rPr lang="fr-FR" sz="800" b="1" cap="all" dirty="0">
-                <a:solidFill>
-                  <a:srgbClr val="B9A049"/>
-                </a:solidFill>
-                <a:latin typeface="Futura PT" panose="020B0902020204020203" pitchFamily="34" charset="0"/>
-              </a:rPr>
-              <a:t>, </a:t>
+              <a:t>véhicule d’émission dédié de droit luxembourgeois, bénéficiant d’une garantie donnée par Société Générale</a:t>
+            </a:r>
+            <a:r>
+              <a:rPr lang="fr-FR" sz="800" cap="none" baseline="30000" dirty="0">
+                <a:solidFill>
+                  <a:schemeClr val="tx2"/>
+                </a:solidFill>
+                <a:latin typeface="Proxima Nova Rg" panose="02000506030000020004" pitchFamily="2" charset="0"/>
+              </a:rPr>
+              <a:t> </a:t>
             </a:r>
             <a:r>
               <a:rPr lang="fr-FR" sz="800" cap="none" dirty="0">
@@ -2103,17 +2286,15 @@
                 </a:solidFill>
                 <a:latin typeface="Proxima Nova Rg" panose="02000506030000020004" pitchFamily="2" charset="0"/>
               </a:rPr>
-              <a:t>l’investisseur est par conséquent soumis au risque de défaut de paiement, de faillite ainsi que de mise en résolution de Morgan Stanley &amp; Co International Plc.</a:t>
+              <a:t>de la formule de remboursement et du paiement des sommes dues par l’Émetteur au titre du produit. L’investisseur est par conséquent soumis au risque de défaut de paiement et de faillite de l’Émetteur, SG ISSUER, ainsi que de défaut de paiement, faillite et de mise en résolution du Garant, Société Générale.</a:t>
             </a:r>
           </a:p>
           <a:p>
-            <a:pPr marL="171450" indent="-171450" algn="just">
+            <a:pPr algn="just">
               <a:buClr>
                 <a:srgbClr val="000000"/>
               </a:buClr>
               <a:buSzPct val="100000"/>
-              <a:buFont typeface="Wingdings" panose="05000000000000000000" pitchFamily="2" charset="2"/>
-              <a:buChar char="§"/>
             </a:pPr>
             <a:endParaRPr lang="fr-FR" sz="800" cap="none" dirty="0">
               <a:solidFill>
@@ -2279,7 +2460,7 @@
         <p:spPr bwMode="auto">
           <a:xfrm>
             <a:off x="359839" y="9765983"/>
-            <a:ext cx="6485461" cy="569387"/>
+            <a:ext cx="6485461" cy="800219"/>
           </a:xfrm>
           <a:prstGeom prst="rect">
             <a:avLst/>
@@ -2300,82 +2481,100 @@
           <a:p>
             <a:pPr algn="just" defTabSz="914400"/>
             <a:r>
-              <a:rPr lang="fr-FR" sz="600" i="1" baseline="30000" dirty="0">
-                <a:solidFill>
-                  <a:schemeClr val="tx2"/>
+              <a:rPr lang="fr-FR" sz="650" baseline="30000" dirty="0">
+                <a:solidFill>
+                  <a:srgbClr val="04202E"/>
                 </a:solidFill>
                 <a:latin typeface="Proxima Nova Rg" panose="02000506030000020004" pitchFamily="2" charset="0"/>
               </a:rPr>
               <a:t>⁽¹⁾ </a:t>
             </a:r>
             <a:r>
-              <a:rPr lang="fr-FR" sz="600" i="1" dirty="0">
-                <a:solidFill>
-                  <a:schemeClr val="tx2"/>
+              <a:rPr lang="fr-FR" sz="650" dirty="0">
+                <a:solidFill>
+                  <a:srgbClr val="04202E"/>
                 </a:solidFill>
                 <a:latin typeface="Proxima Nova Rg" panose="02000506030000020004" pitchFamily="2" charset="0"/>
               </a:rPr>
-              <a:t>L’investisseur prend un risque de perte en capital non mesurable a priori si les titres de créance sont revendus avant la date d’échéance ou de remboursement automatique anticipé. L'investisseur supporte le risque de défaut de paiement et/ou faillite de l’Émetteur. Pour les autres risques de perte en capital, voir pages suivantes.</a:t>
+              <a:t>L’investisseur prend un risque de perte en capital non mesurable a priori si les titres de créance sont revendus avant la date d’échéance ou de remboursement automatique anticipé. L’investisseur supporte le risque de défaut de paiement et/ou de faillite de l’Émetteur et/ou Garant, ainsi que de mise en résolution du Garant. Pour les autres risques de perte en capital, voir pages suivantes. </a:t>
             </a:r>
           </a:p>
           <a:p>
             <a:pPr algn="just" defTabSz="914400"/>
             <a:r>
-              <a:rPr lang="fr-FR" sz="600" i="1" baseline="30000" dirty="0">
-                <a:solidFill>
-                  <a:schemeClr val="tx2"/>
+              <a:rPr lang="fr-FR" sz="650" baseline="30000" dirty="0">
+                <a:solidFill>
+                  <a:srgbClr val="04202E"/>
                 </a:solidFill>
                 <a:latin typeface="Proxima Nova Rg" panose="02000506030000020004" pitchFamily="2" charset="0"/>
               </a:rPr>
               <a:t>⁽²⁾ </a:t>
             </a:r>
             <a:r>
-              <a:rPr lang="fr-FR" sz="600" i="1" dirty="0">
-                <a:solidFill>
-                  <a:schemeClr val="tx2"/>
+              <a:rPr lang="fr-FR" sz="650" dirty="0">
+                <a:solidFill>
+                  <a:srgbClr val="04202E"/>
                 </a:solidFill>
                 <a:latin typeface="Proxima Nova Rg" panose="02000506030000020004" pitchFamily="2" charset="0"/>
               </a:rPr>
-              <a:t>L’Assureur s’engage exclusivement sur le nombre d’unités de compte mais non sur leur valeur, qu’il ne garantit pas. Il est précisé que l’Assureur d’une part et l’Émetteur d’autre part, sont des entités juridiques indépendantes. Ce document n’a pas été rédigé par l’Assureur.</a:t>
+              <a:t>L’assureur s’engage exclusivement sur le nombre d’unités de compte mais non sur leur valeur, qu’il ne garantit pas. Il est précisé que l’assureur d’une part, l’Émetteur et le Garant d’autre part sont des entités juridiques indépendantes. Ce document n’a pas été rédigé par l’assureur. </a:t>
             </a:r>
           </a:p>
           <a:p>
             <a:pPr algn="just" defTabSz="914400"/>
             <a:r>
-              <a:rPr lang="fr-FR" sz="600" i="1" baseline="30000" dirty="0">
+              <a:rPr lang="fr-FR" sz="650" baseline="30000" dirty="0">
+                <a:solidFill>
+                  <a:srgbClr val="04202E"/>
+                </a:solidFill>
+                <a:latin typeface="Proxima Nova Rg" panose="02000506030000020004" pitchFamily="2" charset="0"/>
+              </a:rPr>
+              <a:t>(3) </a:t>
+            </a:r>
+            <a:r>
+              <a:rPr lang="fr-FR" sz="650" dirty="0">
+                <a:solidFill>
+                  <a:srgbClr val="04202E"/>
+                </a:solidFill>
+                <a:latin typeface="Proxima Nova Rg" panose="02000506030000020004" pitchFamily="2" charset="0"/>
+              </a:rPr>
+              <a:t>Filiale à 100% de Société Générale Luxembourg SA, elle-même filiale à 100% de Société Générale : Moody’s : A1 / Standard &amp; </a:t>
+            </a:r>
+            <a:r>
+              <a:rPr lang="fr-FR" sz="650" dirty="0" err="1">
+                <a:solidFill>
+                  <a:srgbClr val="04202E"/>
+                </a:solidFill>
+                <a:latin typeface="Proxima Nova Rg" panose="02000506030000020004" pitchFamily="2" charset="0"/>
+              </a:rPr>
+              <a:t>Poor’s</a:t>
+            </a:r>
+            <a:r>
+              <a:rPr lang="fr-FR" sz="650" dirty="0">
+                <a:solidFill>
+                  <a:srgbClr val="04202E"/>
+                </a:solidFill>
+                <a:latin typeface="Proxima Nova Rg" panose="02000506030000020004" pitchFamily="2" charset="0"/>
+              </a:rPr>
+              <a:t> : A. Notations en vigueur au moment de la rédaction de la présente brochure le </a:t>
+            </a:r>
+            <a:r>
+              <a:rPr lang="fr-FR" sz="650" dirty="0">
                 <a:solidFill>
                   <a:schemeClr val="tx2"/>
                 </a:solidFill>
                 <a:latin typeface="Proxima Nova Rg" panose="02000506030000020004" pitchFamily="2" charset="0"/>
               </a:rPr>
-              <a:t>(3) </a:t>
-            </a:r>
-            <a:r>
-              <a:rPr lang="fr-FR" sz="600" i="1" dirty="0">
-                <a:solidFill>
-                  <a:schemeClr val="tx2"/>
+              <a:t>27 juin 2022. </a:t>
+            </a:r>
+            <a:r>
+              <a:rPr lang="fr-FR" sz="650" dirty="0">
+                <a:solidFill>
+                  <a:srgbClr val="04202E"/>
                 </a:solidFill>
                 <a:latin typeface="Proxima Nova Rg" panose="02000506030000020004" pitchFamily="2" charset="0"/>
               </a:rPr>
-              <a:t>Morgan Stanley &amp; Co International Plc : Moody’s Aa3 / S&amp;P A+. Notations en vigueur au moment de la rédaction de la présente brochure le </a:t>
-            </a:r>
-            <a:r>
-              <a:rPr lang="fr-FR" sz="650" dirty="0">
-                <a:solidFill>
-                  <a:schemeClr val="tx2"/>
-                </a:solidFill>
-                <a:latin typeface="Proxima Nova Rg" panose="02000506030000020004" pitchFamily="2" charset="0"/>
-              </a:rPr>
-              <a:t>21 juin 2022. </a:t>
-            </a:r>
-            <a:r>
-              <a:rPr lang="fr-FR" sz="600" i="1" dirty="0">
-                <a:solidFill>
-                  <a:schemeClr val="tx2"/>
-                </a:solidFill>
-                <a:latin typeface="Proxima Nova Rg" panose="02000506030000020004" pitchFamily="2" charset="0"/>
-              </a:rPr>
-              <a:t>Ces notations peuvent être révisées à tout moment et ne sont pas une garantie de solvabilité de l’Émetteur. Elles ne sauraient constituer un argument de souscription au produit.</a:t>
+              <a:t>Ces notations peuvent être révisées à tout moment et ne sont pas une garantie de solvabilité de l’Émetteur ni du Garant. Elles ne sauraient constituer un argument de souscription au titres de créance.</a:t>
             </a:r>
             <a:endParaRPr lang="fr-FR" sz="650" dirty="0">
               <a:solidFill>
@@ -2383,55 +2582,6 @@
               </a:solidFill>
               <a:latin typeface="Proxima Nova Rg" panose="02000506030000020004" pitchFamily="2" charset="0"/>
             </a:endParaRPr>
-          </a:p>
-        </p:txBody>
-      </p:sp>
-      <p:sp>
-        <p:nvSpPr>
-          <p:cNvPr id="10" name="Rectangle">
-            <a:extLst>
-              <a:ext uri="{FF2B5EF4-FFF2-40B4-BE49-F238E27FC236}">
-                <a16:creationId xmlns:a16="http://schemas.microsoft.com/office/drawing/2014/main" id="{6AB66FB1-4D6F-30FB-00E3-544C3BFCAA95}"/>
-              </a:ext>
-            </a:extLst>
-          </p:cNvPr>
-          <p:cNvSpPr/>
-          <p:nvPr/>
-        </p:nvSpPr>
-        <p:spPr>
-          <a:xfrm>
-            <a:off x="359837" y="9684283"/>
-            <a:ext cx="6840000" cy="6846"/>
-          </a:xfrm>
-          <a:prstGeom prst="rect">
-            <a:avLst/>
-          </a:prstGeom>
-          <a:solidFill>
-            <a:srgbClr val="C5AF5C"/>
-          </a:solidFill>
-          <a:ln w="3175">
-            <a:miter lim="400000"/>
-          </a:ln>
-        </p:spPr>
-        <p:txBody>
-          <a:bodyPr lIns="20981" tIns="20981" rIns="20981" bIns="20981" anchor="ctr"/>
-          <a:lstStyle/>
-          <a:p>
-            <a:pPr algn="ctr" defTabSz="825500">
-              <a:lnSpc>
-                <a:spcPct val="100000"/>
-              </a:lnSpc>
-              <a:defRPr sz="3200" b="0">
-                <a:solidFill>
-                  <a:srgbClr val="FFFFFF"/>
-                </a:solidFill>
-                <a:latin typeface="Helvetica Neue Medium"/>
-                <a:ea typeface="Helvetica Neue Medium"/>
-                <a:cs typeface="Helvetica Neue Medium"/>
-                <a:sym typeface="Helvetica Neue Medium"/>
-              </a:defRPr>
-            </a:pPr>
-            <a:endParaRPr/>
           </a:p>
         </p:txBody>
       </p:sp>
@@ -2511,7 +2661,7 @@
         </p:nvSpPr>
         <p:spPr>
           <a:xfrm>
-            <a:off x="458462" y="751048"/>
+            <a:off x="458462" y="670080"/>
             <a:ext cx="6804000" cy="230950"/>
           </a:xfrm>
           <a:prstGeom prst="rect">
@@ -2713,7 +2863,7 @@
         </p:nvSpPr>
         <p:spPr>
           <a:xfrm>
-            <a:off x="361950" y="774785"/>
+            <a:off x="361950" y="703340"/>
             <a:ext cx="45719" cy="138398"/>
           </a:xfrm>
           <a:prstGeom prst="rect">
@@ -3013,7 +3163,7 @@
           <p:nvPr>
             <p:extLst>
               <p:ext uri="{D42A27DB-BD31-4B8C-83A1-F6EECF244321}">
-                <p14:modId xmlns:p14="http://schemas.microsoft.com/office/powerpoint/2010/main" val="1794499229"/>
+                <p14:modId xmlns:p14="http://schemas.microsoft.com/office/powerpoint/2010/main" val="566184000"/>
               </p:ext>
             </p:extLst>
           </p:nvPr>
@@ -3080,7 +3230,7 @@
                         <a:defRPr sz="700"/>
                       </a:pPr>
                       <a:r>
-                        <a:t>Performances au 20/06/2022</a:t>
+                        <a:t>Performances au 26/06/2022</a:t>
                       </a:r>
                     </a:p>
                   </a:txBody>
@@ -3428,18 +3578,12 @@
                     <a:bodyPr/>
                     <a:lstStyle/>
                     <a:p>
-                      <a:pPr marL="0" algn="ctr" defTabSz="755934" rtl="0" eaLnBrk="1" fontAlgn="ctr" latinLnBrk="0" hangingPunct="1">
+                      <a:pPr>
                         <a:defRPr sz="700"/>
                       </a:pPr>
-                      <a:endParaRPr lang="fr-FR" sz="800" b="1" i="0" u="none" strike="noStrike" kern="1200" dirty="0">
-                        <a:solidFill>
-                          <a:srgbClr val="004F74"/>
-                        </a:solidFill>
-                        <a:effectLst/>
-                        <a:latin typeface="Proxima Nova Rg" panose="02000506030000020004" pitchFamily="2" charset="0"/>
-                        <a:ea typeface="+mn-ea"/>
-                        <a:cs typeface="+mn-cs"/>
-                      </a:endParaRPr>
+                      <a:r>
+                        <a:t>0,62%</a:t>
+                      </a:r>
                     </a:p>
                   </a:txBody>
                   <a:tcPr marL="9525" marR="9525" marT="9525" marB="0" anchor="ctr">
@@ -3474,18 +3618,12 @@
                     <a:bodyPr/>
                     <a:lstStyle/>
                     <a:p>
-                      <a:pPr marL="0" algn="ctr" defTabSz="755934" rtl="0" eaLnBrk="1" fontAlgn="ctr" latinLnBrk="0" hangingPunct="1">
+                      <a:pPr>
                         <a:defRPr sz="700"/>
                       </a:pPr>
-                      <a:endParaRPr lang="fr-FR" sz="800" b="1" i="0" u="none" strike="noStrike" kern="1200" dirty="0">
-                        <a:solidFill>
-                          <a:srgbClr val="004F74"/>
-                        </a:solidFill>
-                        <a:effectLst/>
-                        <a:latin typeface="Proxima Nova Rg" panose="02000506030000020004" pitchFamily="2" charset="0"/>
-                        <a:ea typeface="+mn-ea"/>
-                        <a:cs typeface="+mn-cs"/>
-                      </a:endParaRPr>
+                      <a:r>
+                        <a:t>0,76%</a:t>
+                      </a:r>
                     </a:p>
                   </a:txBody>
                   <a:tcPr marL="9525" marR="9525" marT="9525" marB="0" anchor="ctr">
@@ -3520,18 +3658,12 @@
                     <a:bodyPr/>
                     <a:lstStyle/>
                     <a:p>
-                      <a:pPr marL="0" algn="ctr" defTabSz="755934" rtl="0" eaLnBrk="1" fontAlgn="ctr" latinLnBrk="0" hangingPunct="1">
+                      <a:pPr>
                         <a:defRPr sz="700"/>
                       </a:pPr>
-                      <a:endParaRPr lang="fr-FR" sz="800" b="1" i="0" u="none" strike="noStrike" kern="1200" dirty="0">
-                        <a:solidFill>
-                          <a:srgbClr val="004F74"/>
-                        </a:solidFill>
-                        <a:effectLst/>
-                        <a:latin typeface="Proxima Nova Rg" panose="02000506030000020004" pitchFamily="2" charset="0"/>
-                        <a:ea typeface="+mn-ea"/>
-                        <a:cs typeface="+mn-cs"/>
-                      </a:endParaRPr>
+                      <a:r>
+                        <a:t>0,71%</a:t>
+                      </a:r>
                     </a:p>
                   </a:txBody>
                   <a:tcPr marL="9525" marR="9525" marT="9525" marB="0" anchor="ctr">
@@ -3566,18 +3698,12 @@
                     <a:bodyPr/>
                     <a:lstStyle/>
                     <a:p>
-                      <a:pPr marL="0" algn="ctr" defTabSz="755934" rtl="0" eaLnBrk="1" fontAlgn="ctr" latinLnBrk="0" hangingPunct="1">
+                      <a:pPr>
                         <a:defRPr sz="700"/>
                       </a:pPr>
-                      <a:endParaRPr lang="fr-FR" sz="800" b="1" i="0" u="none" strike="noStrike" kern="1200" dirty="0">
-                        <a:solidFill>
-                          <a:srgbClr val="004F74"/>
-                        </a:solidFill>
-                        <a:effectLst/>
-                        <a:latin typeface="Proxima Nova Rg" panose="02000506030000020004" pitchFamily="2" charset="0"/>
-                        <a:ea typeface="+mn-ea"/>
-                        <a:cs typeface="+mn-cs"/>
-                      </a:endParaRPr>
+                      <a:r>
+                        <a:t>1,18%</a:t>
+                      </a:r>
                     </a:p>
                   </a:txBody>
                   <a:tcPr marL="9525" marR="9525" marT="9525" marB="0" anchor="ctr">
@@ -3612,18 +3738,12 @@
                     <a:bodyPr/>
                     <a:lstStyle/>
                     <a:p>
-                      <a:pPr marL="0" algn="ctr" defTabSz="755934" rtl="0" eaLnBrk="1" fontAlgn="ctr" latinLnBrk="0" hangingPunct="1">
+                      <a:pPr>
                         <a:defRPr sz="700"/>
                       </a:pPr>
-                      <a:endParaRPr lang="fr-FR" sz="800" b="1" i="0" u="none" strike="noStrike" kern="1200" dirty="0">
-                        <a:solidFill>
-                          <a:srgbClr val="004F74"/>
-                        </a:solidFill>
-                        <a:effectLst/>
-                        <a:latin typeface="Proxima Nova Rg" panose="02000506030000020004" pitchFamily="2" charset="0"/>
-                        <a:ea typeface="+mn-ea"/>
-                        <a:cs typeface="+mn-cs"/>
-                      </a:endParaRPr>
+                      <a:r>
+                        <a:t>1,00%</a:t>
+                      </a:r>
                     </a:p>
                   </a:txBody>
                   <a:tcPr marL="9525" marR="9525" marT="9525" marB="0" anchor="ctr">
@@ -3721,7 +3841,7 @@
         <p:spPr>
           <a:xfrm>
             <a:off x="359839" y="9771664"/>
-            <a:ext cx="6482920" cy="300082"/>
+            <a:ext cx="6482920" cy="500137"/>
           </a:xfrm>
           <a:prstGeom prst="rect">
             <a:avLst/>
@@ -3895,6 +4015,18 @@
               </a:defRPr>
             </a:lvl9pPr>
           </a:lstStyle>
+          <a:p>
+            <a:pPr algn="just"/>
+            <a:r>
+              <a:rPr lang="fr-FR" sz="650" dirty="0">
+                <a:solidFill>
+                  <a:schemeClr val="tx2"/>
+                </a:solidFill>
+                <a:latin typeface="+mn-lt"/>
+              </a:rPr>
+              <a:t>LES DONNÉES RELATIVES AUX PERFORMANCES PASSÉES ONT TRAIT OU SE RÉFÈRENT À DES PÉRIODES PASSÉES ET NE SONT PAS UN INDICATEUR FIABLE DES RÉSULTATS FUTURS. CECI EST VALABLE ÉGALEMENT POUR CE QUI EST DES DONNÉES HISTORIQUES DE MARCHÉ. </a:t>
+            </a:r>
+          </a:p>
           <a:p>
             <a:pPr lvl="1" algn="just"/>
             <a:r>
@@ -3959,14 +4091,14 @@
               <a:rPr lang="fr-FR" sz="1200" cap="none" dirty="0">
                 <a:latin typeface="Futura PT" panose="020B0902020204020203" pitchFamily="34" charset="0"/>
               </a:rPr>
-              <a:t>ÉVOLUTION DE L'INDICE  EURO STOXX 50 PRICE EUR ENTRE LE </a:t>
+              <a:t>ÉVOLUTION DE L'ACTION  EURO STOXX 50 PRICE EUR ENTRE LE </a:t>
             </a:r>
             <a:r>
               <a:rPr lang="en-US" sz="1200" b="0" dirty="0">
                 <a:effectLst/>
                 <a:latin typeface="+mj-lt"/>
               </a:rPr>
-              <a:t>20 JUIN 2010</a:t>
+              <a:t>26 JUIN 2010</a:t>
             </a:r>
             <a:r>
               <a:rPr lang="en-US" sz="1200" dirty="0">
@@ -3978,7 +4110,7 @@
               <a:rPr lang="fr-FR" sz="1200" cap="none" dirty="0">
                 <a:latin typeface="Futura PT" panose="020B0902020204020203" pitchFamily="34" charset="0"/>
               </a:rPr>
-              <a:t>ET LE 20 JUIN 2022</a:t>
+              <a:t>ET LE 26 JUIN 2022</a:t>
             </a:r>
           </a:p>
         </p:txBody>
@@ -4235,7 +4367,7 @@
         <p:spPr>
           <a:xfrm>
             <a:off x="5417820" y="9174546"/>
-            <a:ext cx="1913222" cy="338554"/>
+            <a:ext cx="1913222" cy="215444"/>
           </a:xfrm>
           <a:prstGeom prst="rect">
             <a:avLst/>
@@ -4249,7 +4381,7 @@
           <a:lstStyle/>
           <a:p>
             <a:r>
-              <a:rPr lang="fr-FR" sz="800" u="sng" dirty="0">
+              <a:rPr lang="fr-FR" sz="800" u="sng">
                 <a:highlight>
                   <a:srgbClr val="FF00FF"/>
                 </a:highlight>
@@ -4257,7 +4389,7 @@
               <a:t>Source :</a:t>
             </a:r>
             <a:r>
-              <a:rPr lang="fr-FR" sz="800" dirty="0">
+              <a:rPr lang="fr-FR" sz="800">
                 <a:highlight>
                   <a:srgbClr val="FF00FF"/>
                 </a:highlight>
@@ -4265,7 +4397,7 @@
               <a:t> Bloomberg, le </a:t>
             </a:r>
             <a:r>
-              <a:rPr lang="fr-FR" sz="800" dirty="0">
+              <a:rPr lang="fr-FR" sz="800">
                 <a:solidFill>
                   <a:schemeClr val="tx2"/>
                 </a:solidFill>
@@ -4273,9 +4405,9 @@
                   <a:srgbClr val="FF00FF"/>
                 </a:highlight>
               </a:rPr>
-              <a:t>20 juin 2022 </a:t>
-            </a:r>
-            <a:endParaRPr lang="fr-FR" sz="800" dirty="0">
+              <a:t>26 JUIN 2022</a:t>
+            </a:r>
+            <a:endParaRPr lang="fr-FR" sz="800">
               <a:highlight>
                 <a:srgbClr val="FF00FF"/>
               </a:highlight>
@@ -4285,10 +4417,10 @@
       </p:sp>
       <p:sp>
         <p:nvSpPr>
-          <p:cNvPr id="20" name="ZoneTexte 19">
+          <p:cNvPr id="19" name="ZoneTexte 18">
             <a:extLst>
               <a:ext uri="{FF2B5EF4-FFF2-40B4-BE49-F238E27FC236}">
-                <a16:creationId xmlns:a16="http://schemas.microsoft.com/office/drawing/2014/main" id="{2F598E05-39CA-7388-F3B7-8C0904D50D74}"/>
+                <a16:creationId xmlns:a16="http://schemas.microsoft.com/office/drawing/2014/main" id="{F430BCC1-AFEA-9CD5-2109-F2802CCF6A55}"/>
               </a:ext>
             </a:extLst>
           </p:cNvPr>
@@ -4297,170 +4429,8 @@
         </p:nvSpPr>
         <p:spPr>
           <a:xfrm>
-            <a:off x="600924" y="385199"/>
-            <a:ext cx="6000749" cy="276999"/>
-          </a:xfrm>
-          <a:prstGeom prst="rect">
-            <a:avLst/>
-          </a:prstGeom>
-          <a:noFill/>
-        </p:spPr>
-        <p:txBody>
-          <a:bodyPr wrap="square">
-            <a:spAutoFit/>
-          </a:bodyPr>
-          <a:lstStyle/>
-          <a:p>
-            <a:pPr algn="just"/>
-            <a:r>
-              <a:rPr lang="fr-FR" sz="600" dirty="0">
-                <a:solidFill>
-                  <a:schemeClr val="tx2"/>
-                </a:solidFill>
-                <a:latin typeface="+mn-lt"/>
-              </a:rPr>
-              <a:t>LES DONNÉES RELATIVES AUX PERFORMANCES PASSÉES ONT TRAIT OU SE RÉFÈRENT À DES PÉRIODES PASSÉES ET NE SONT PAS UN INDICATEUR FIABLE DES RÉSULTATS FUTURS. CECI EST VALABLE ÉGALEMENT POUR CE QUI EST DES DONNÉES HISTORIQUES DE MARCHÉ. </a:t>
-            </a:r>
-          </a:p>
-        </p:txBody>
-      </p:sp>
-      <p:sp>
-        <p:nvSpPr>
-          <p:cNvPr id="21" name="Rectangle">
-            <a:extLst>
-              <a:ext uri="{FF2B5EF4-FFF2-40B4-BE49-F238E27FC236}">
-                <a16:creationId xmlns:a16="http://schemas.microsoft.com/office/drawing/2014/main" id="{73FE95BF-5478-6A01-9726-C38CE9FEAAF1}"/>
-              </a:ext>
-            </a:extLst>
-          </p:cNvPr>
-          <p:cNvSpPr/>
-          <p:nvPr/>
-        </p:nvSpPr>
-        <p:spPr>
-          <a:xfrm>
-            <a:off x="359839" y="9728525"/>
-            <a:ext cx="6840000" cy="6846"/>
-          </a:xfrm>
-          <a:prstGeom prst="rect">
-            <a:avLst/>
-          </a:prstGeom>
-          <a:solidFill>
-            <a:srgbClr val="C5AF5C"/>
-          </a:solidFill>
-          <a:ln w="3175">
-            <a:miter lim="400000"/>
-          </a:ln>
-        </p:spPr>
-        <p:txBody>
-          <a:bodyPr lIns="20981" tIns="20981" rIns="20981" bIns="20981" anchor="ctr"/>
-          <a:lstStyle/>
-          <a:p>
-            <a:pPr algn="ctr" defTabSz="825500">
-              <a:lnSpc>
-                <a:spcPct val="100000"/>
-              </a:lnSpc>
-              <a:defRPr sz="3200" b="0">
-                <a:solidFill>
-                  <a:srgbClr val="FFFFFF"/>
-                </a:solidFill>
-                <a:latin typeface="Helvetica Neue Medium"/>
-                <a:ea typeface="Helvetica Neue Medium"/>
-                <a:cs typeface="Helvetica Neue Medium"/>
-                <a:sym typeface="Helvetica Neue Medium"/>
-              </a:defRPr>
-            </a:pPr>
-            <a:endParaRPr/>
-          </a:p>
-        </p:txBody>
-      </p:sp>
-      <p:sp>
-        <p:nvSpPr>
-          <p:cNvPr id="23" name="ZoneTexte 22">
-            <a:extLst>
-              <a:ext uri="{FF2B5EF4-FFF2-40B4-BE49-F238E27FC236}">
-                <a16:creationId xmlns:a16="http://schemas.microsoft.com/office/drawing/2014/main" id="{5306FCE3-4601-C553-63AA-5E2C1283550B}"/>
-              </a:ext>
-            </a:extLst>
-          </p:cNvPr>
-          <p:cNvSpPr txBox="1"/>
-          <p:nvPr/>
-        </p:nvSpPr>
-        <p:spPr>
-          <a:xfrm>
-            <a:off x="458462" y="3626416"/>
-            <a:ext cx="4056888" cy="276999"/>
-          </a:xfrm>
-          <a:prstGeom prst="rect">
-            <a:avLst/>
-          </a:prstGeom>
-          <a:noFill/>
-        </p:spPr>
-        <p:txBody>
-          <a:bodyPr wrap="square">
-            <a:spAutoFit/>
-          </a:bodyPr>
-          <a:lstStyle/>
-          <a:p>
-            <a:endParaRPr lang="en-US" sz="1200" dirty="0">
-              <a:latin typeface="Futura PT" panose="020B0902020204020203" pitchFamily="34" charset="0"/>
-            </a:endParaRPr>
-          </a:p>
-        </p:txBody>
-      </p:sp>
-      <p:sp>
-        <p:nvSpPr>
-          <p:cNvPr id="25" name="ZoneTexte 24">
-            <a:extLst>
-              <a:ext uri="{FF2B5EF4-FFF2-40B4-BE49-F238E27FC236}">
-                <a16:creationId xmlns:a16="http://schemas.microsoft.com/office/drawing/2014/main" id="{DD098B59-7A37-078A-BC1C-61CE3BED2F4E}"/>
-              </a:ext>
-            </a:extLst>
-          </p:cNvPr>
-          <p:cNvSpPr txBox="1"/>
-          <p:nvPr/>
-        </p:nvSpPr>
-        <p:spPr>
-          <a:xfrm>
-            <a:off x="458462" y="8984476"/>
-            <a:ext cx="4056888" cy="215444"/>
-          </a:xfrm>
-          <a:prstGeom prst="rect">
-            <a:avLst/>
-          </a:prstGeom>
-          <a:noFill/>
-        </p:spPr>
-        <p:txBody>
-          <a:bodyPr wrap="square">
-            <a:spAutoFit/>
-          </a:bodyPr>
-          <a:lstStyle/>
-          <a:p>
-            <a:r>
-              <a:rPr lang="en-US" sz="800" dirty="0">
-                <a:latin typeface="Futura PT" panose="020B0902020204020203" pitchFamily="34" charset="0"/>
-              </a:rPr>
-              <a:t>
-EURO STOXX 50 Price EUR</a:t>
-            </a:r>
-          </a:p>
-        </p:txBody>
-      </p:sp>
-      <p:sp>
-        <p:nvSpPr>
-          <p:cNvPr id="26" name="ZoneTexte 25">
-            <a:extLst>
-              <a:ext uri="{FF2B5EF4-FFF2-40B4-BE49-F238E27FC236}">
-                <a16:creationId xmlns:a16="http://schemas.microsoft.com/office/drawing/2014/main" id="{33414381-F560-BBC5-5064-46FA4625A4C3}"/>
-              </a:ext>
-            </a:extLst>
-          </p:cNvPr>
-          <p:cNvSpPr txBox="1"/>
-          <p:nvPr/>
-        </p:nvSpPr>
-        <p:spPr>
-          <a:xfrm>
-            <a:off x="5309473" y="7911729"/>
-            <a:ext cx="1913222" cy="338554"/>
+            <a:off x="5417820" y="7967599"/>
+            <a:ext cx="1913222" cy="215444"/>
           </a:xfrm>
           <a:prstGeom prst="rect">
             <a:avLst/>
@@ -4474,7 +4444,7 @@
           <a:lstStyle/>
           <a:p>
             <a:r>
-              <a:rPr lang="fr-FR" sz="800" u="sng" dirty="0">
+              <a:rPr lang="fr-FR" sz="800" u="sng">
                 <a:highlight>
                   <a:srgbClr val="FF00FF"/>
                 </a:highlight>
@@ -4482,7 +4452,7 @@
               <a:t>Source :</a:t>
             </a:r>
             <a:r>
-              <a:rPr lang="fr-FR" sz="800" dirty="0">
+              <a:rPr lang="fr-FR" sz="800">
                 <a:highlight>
                   <a:srgbClr val="FF00FF"/>
                 </a:highlight>
@@ -4490,7 +4460,7 @@
               <a:t> Bloomberg, le </a:t>
             </a:r>
             <a:r>
-              <a:rPr lang="fr-FR" sz="800" dirty="0">
+              <a:rPr lang="fr-FR" sz="800">
                 <a:solidFill>
                   <a:schemeClr val="tx2"/>
                 </a:solidFill>
@@ -4498,9 +4468,9 @@
                   <a:srgbClr val="FF00FF"/>
                 </a:highlight>
               </a:rPr>
-              <a:t>20 juin 2022 </a:t>
-            </a:r>
-            <a:endParaRPr lang="fr-FR" sz="800" dirty="0">
+              <a:t>26 JUIN 2022</a:t>
+            </a:r>
+            <a:endParaRPr lang="fr-FR" sz="800">
               <a:highlight>
                 <a:srgbClr val="FF00FF"/>
               </a:highlight>
@@ -4510,7 +4480,7 @@
       </p:sp>
       <p:pic>
         <p:nvPicPr>
-          <p:cNvPr id="27" name="Picture 26" descr="graph5.png"/>
+          <p:cNvPr id="20" name="Picture 19" descr="graph5.png"/>
           <p:cNvPicPr>
             <a:picLocks noChangeAspect="1"/>
           </p:cNvPicPr>
@@ -4562,131 +4532,6 @@
           <a:chExt cx="0" cy="0"/>
         </a:xfrm>
       </p:grpSpPr>
-      <p:sp>
-        <p:nvSpPr>
-          <p:cNvPr id="2" name="Espace réservé du numéro de diapositive 1">
-            <a:extLst>
-              <a:ext uri="{FF2B5EF4-FFF2-40B4-BE49-F238E27FC236}">
-                <a16:creationId xmlns:a16="http://schemas.microsoft.com/office/drawing/2014/main" id="{0C33C7E1-5760-4AFF-97B6-9362D2C8CD65}"/>
-              </a:ext>
-            </a:extLst>
-          </p:cNvPr>
-          <p:cNvSpPr>
-            <a:spLocks noGrp="1"/>
-          </p:cNvSpPr>
-          <p:nvPr>
-            <p:ph type="sldNum" sz="quarter" idx="4"/>
-          </p:nvPr>
-        </p:nvSpPr>
-        <p:spPr/>
-        <p:txBody>
-          <a:bodyPr/>
-          <a:lstStyle/>
-          <a:p>
-            <a:fld id="{58F0BA28-1212-45AE-B075-64C06113A6D3}" type="slidenum">
-              <a:rPr lang="fr-FR" smtClean="0"/>
-              <a:pPr/>
-              <a:t>12</a:t>
-            </a:fld>
-            <a:endParaRPr lang="fr-FR" dirty="0"/>
-          </a:p>
-        </p:txBody>
-      </p:sp>
-      <p:sp>
-        <p:nvSpPr>
-          <p:cNvPr id="5" name="Text Box 2">
-            <a:extLst>
-              <a:ext uri="{FF2B5EF4-FFF2-40B4-BE49-F238E27FC236}">
-                <a16:creationId xmlns:a16="http://schemas.microsoft.com/office/drawing/2014/main" id="{45E1DCC2-11CD-41F7-969A-E4566F5B1573}"/>
-              </a:ext>
-            </a:extLst>
-          </p:cNvPr>
-          <p:cNvSpPr txBox="1">
-            <a:spLocks noChangeArrowheads="1"/>
-          </p:cNvSpPr>
-          <p:nvPr/>
-        </p:nvSpPr>
-        <p:spPr bwMode="auto">
-          <a:xfrm>
-            <a:off x="361950" y="9765983"/>
-            <a:ext cx="6483350" cy="430887"/>
-          </a:xfrm>
-          <a:prstGeom prst="rect">
-            <a:avLst/>
-          </a:prstGeom>
-          <a:noFill/>
-          <a:ln w="9525">
-            <a:noFill/>
-            <a:miter lim="800000"/>
-            <a:headEnd/>
-            <a:tailEnd/>
-          </a:ln>
-        </p:spPr>
-        <p:txBody>
-          <a:bodyPr wrap="square" lIns="0" tIns="0" rIns="0" bIns="0">
-            <a:spAutoFit/>
-          </a:bodyPr>
-          <a:lstStyle/>
-          <a:p>
-            <a:pPr lvl="0" algn="just" defTabSz="914400"/>
-            <a:r>
-              <a:rPr lang="fr-FR" sz="700" baseline="30000" dirty="0">
-                <a:solidFill>
-                  <a:srgbClr val="000000"/>
-                </a:solidFill>
-                <a:latin typeface="Proxima Nova Rg" panose="02000506030000020004" pitchFamily="2" charset="0"/>
-              </a:rPr>
-              <a:t>⁽¹⁾ </a:t>
-            </a:r>
-            <a:r>
-              <a:rPr lang="fr-FR" sz="700" dirty="0">
-                <a:solidFill>
-                  <a:srgbClr val="000000"/>
-                </a:solidFill>
-                <a:latin typeface="Proxima Nova Rg" panose="02000506030000020004" pitchFamily="2" charset="0"/>
-              </a:rPr>
-              <a:t>Morgan Stanley &amp; Co International Plc : Moody’s Aa3 / S&amp;P A+. Notations en vigueur au moment de la rédaction de la présente brochure le </a:t>
-            </a:r>
-            <a:r>
-              <a:rPr lang="fr-FR" sz="650" dirty="0"/>
-              <a:t>&lt;DDR_MAJ</a:t>
-            </a:r>
-            <a:r>
-              <a:rPr lang="fr-FR" sz="700" dirty="0">
-                <a:solidFill>
-                  <a:srgbClr val="000000"/>
-                </a:solidFill>
-                <a:latin typeface="Proxima Nova Rg" panose="02000506030000020004" pitchFamily="2" charset="0"/>
-              </a:rPr>
-              <a:t>&gt;, qui ne sauraient ni être une garantie de solvabilité de l’Émetteur et du Garant de la formule, ni constituer un argument de souscription au produit. Les agences de notation peuvent les modifier à tout moment. </a:t>
-            </a:r>
-          </a:p>
-          <a:p>
-            <a:pPr lvl="0" algn="just" defTabSz="914400"/>
-            <a:r>
-              <a:rPr lang="fr-FR" sz="700" baseline="30000" dirty="0">
-                <a:solidFill>
-                  <a:srgbClr val="000000"/>
-                </a:solidFill>
-                <a:latin typeface="Proxima Nova Rg" panose="02000506030000020004" pitchFamily="2" charset="0"/>
-              </a:rPr>
-              <a:t>⁽²⁾ </a:t>
-            </a:r>
-            <a:r>
-              <a:rPr lang="fr-FR" sz="700" dirty="0">
-                <a:solidFill>
-                  <a:srgbClr val="000000"/>
-                </a:solidFill>
-                <a:latin typeface="Proxima Nova Rg" panose="02000506030000020004" pitchFamily="2" charset="0"/>
-              </a:rPr>
-              <a:t>Les conflits d’intérêts seront gérés suivant la réglementation en vigueur.</a:t>
-            </a:r>
-            <a:endParaRPr lang="fr-FR" sz="650" i="1" dirty="0">
-              <a:latin typeface="Proxima Nova Rg" panose="02000506030000020004" pitchFamily="2" charset="0"/>
-            </a:endParaRPr>
-          </a:p>
-        </p:txBody>
-      </p:sp>
       <p:graphicFrame>
         <p:nvGraphicFramePr>
           <p:cNvPr id="4" name="Tableau 3">
@@ -4702,14 +4547,14 @@
           <p:nvPr>
             <p:extLst>
               <p:ext uri="{D42A27DB-BD31-4B8C-83A1-F6EECF244321}">
-                <p14:modId xmlns:p14="http://schemas.microsoft.com/office/powerpoint/2010/main" val="1831764276"/>
+                <p14:modId xmlns:p14="http://schemas.microsoft.com/office/powerpoint/2010/main" val="3416251737"/>
               </p:ext>
             </p:extLst>
           </p:nvPr>
         </p:nvGraphicFramePr>
         <p:xfrm>
-          <a:off x="361950" y="979297"/>
-          <a:ext cx="6837886" cy="7327423"/>
+          <a:off x="361950" y="659257"/>
+          <a:ext cx="6837886" cy="7673912"/>
         </p:xfrm>
         <a:graphic>
           <a:graphicData uri="http://schemas.openxmlformats.org/drawingml/2006/table">
@@ -4756,6 +4601,156 @@
                         <a:tabLst/>
                         <a:defRPr sz="700"/>
                       </a:pPr>
+                      <a:endParaRPr lang="fr-FR" sz="700" b="1" kern="1200" dirty="0">
+                        <a:solidFill>
+                          <a:srgbClr val="B9A049"/>
+                        </a:solidFill>
+                        <a:latin typeface="+mn-lt"/>
+                        <a:ea typeface="+mn-ea"/>
+                        <a:cs typeface="+mn-cs"/>
+                      </a:endParaRPr>
+                    </a:p>
+                  </a:txBody>
+                  <a:tcPr marL="72000" marR="72000" marT="46800" marB="46800" anchor="ctr">
+                    <a:lnL w="12700" cap="flat" cmpd="sng" algn="ctr">
+                      <a:noFill/>
+                      <a:prstDash val="solid"/>
+                      <a:round/>
+                      <a:headEnd type="none" w="med" len="med"/>
+                      <a:tailEnd type="none" w="med" len="med"/>
+                    </a:lnL>
+                    <a:lnR w="12700" cap="flat" cmpd="sng" algn="ctr">
+                      <a:noFill/>
+                      <a:prstDash val="solid"/>
+                      <a:round/>
+                      <a:headEnd type="none" w="med" len="med"/>
+                      <a:tailEnd type="none" w="med" len="med"/>
+                    </a:lnR>
+                    <a:lnT w="12700" cap="flat" cmpd="sng" algn="ctr">
+                      <a:noFill/>
+                      <a:prstDash val="solid"/>
+                      <a:round/>
+                      <a:headEnd type="none" w="med" len="med"/>
+                      <a:tailEnd type="none" w="med" len="med"/>
+                    </a:lnT>
+                    <a:lnB w="3175" cap="flat" cmpd="sng" algn="ctr">
+                      <a:solidFill>
+                        <a:schemeClr val="bg1">
+                          <a:lumMod val="50000"/>
+                        </a:schemeClr>
+                      </a:solidFill>
+                      <a:prstDash val="solid"/>
+                      <a:round/>
+                      <a:headEnd type="none" w="med" len="med"/>
+                      <a:tailEnd type="none" w="med" len="med"/>
+                    </a:lnB>
+                    <a:lnTlToBr w="12700" cmpd="sng">
+                      <a:noFill/>
+                      <a:prstDash val="solid"/>
+                    </a:lnTlToBr>
+                    <a:lnBlToTr w="12700" cmpd="sng">
+                      <a:noFill/>
+                      <a:prstDash val="solid"/>
+                    </a:lnBlToTr>
+                    <a:solidFill>
+                      <a:schemeClr val="bg1"/>
+                    </a:solidFill>
+                  </a:tcPr>
+                </a:tc>
+                <a:tc>
+                  <a:txBody>
+                    <a:bodyPr/>
+                    <a:lstStyle/>
+                    <a:p>
+                      <a:pPr algn="just">
+                        <a:lnSpc>
+                          <a:spcPct val="90000"/>
+                        </a:lnSpc>
+                        <a:defRPr sz="700"/>
+                      </a:pPr>
+                      <a:endParaRPr lang="fr-FR" sz="700" b="1" i="0" dirty="0">
+                        <a:solidFill>
+                          <a:schemeClr val="tx1"/>
+                        </a:solidFill>
+                        <a:latin typeface="+mn-lt"/>
+                      </a:endParaRPr>
+                    </a:p>
+                  </a:txBody>
+                  <a:tcPr marL="36000" marR="36000" marT="46800" marB="46800" anchor="ctr">
+                    <a:lnL w="12700" cap="flat" cmpd="sng" algn="ctr">
+                      <a:noFill/>
+                      <a:prstDash val="solid"/>
+                      <a:round/>
+                      <a:headEnd type="none" w="med" len="med"/>
+                      <a:tailEnd type="none" w="med" len="med"/>
+                    </a:lnL>
+                    <a:lnR w="6350" cap="flat" cmpd="sng" algn="ctr">
+                      <a:noFill/>
+                      <a:prstDash val="solid"/>
+                      <a:round/>
+                      <a:headEnd type="none" w="med" len="med"/>
+                      <a:tailEnd type="none" w="med" len="med"/>
+                    </a:lnR>
+                    <a:lnT w="12700" cap="flat" cmpd="sng" algn="ctr">
+                      <a:noFill/>
+                      <a:prstDash val="solid"/>
+                      <a:round/>
+                      <a:headEnd type="none" w="med" len="med"/>
+                      <a:tailEnd type="none" w="med" len="med"/>
+                    </a:lnT>
+                    <a:lnB w="3175" cap="flat" cmpd="sng" algn="ctr">
+                      <a:solidFill>
+                        <a:schemeClr val="bg1">
+                          <a:lumMod val="50000"/>
+                        </a:schemeClr>
+                      </a:solidFill>
+                      <a:prstDash val="solid"/>
+                      <a:round/>
+                      <a:headEnd type="none" w="med" len="med"/>
+                      <a:tailEnd type="none" w="med" len="med"/>
+                    </a:lnB>
+                    <a:lnTlToBr w="12700" cmpd="sng">
+                      <a:noFill/>
+                      <a:prstDash val="solid"/>
+                    </a:lnTlToBr>
+                    <a:lnBlToTr w="12700" cmpd="sng">
+                      <a:noFill/>
+                      <a:prstDash val="solid"/>
+                    </a:lnBlToTr>
+                    <a:solidFill>
+                      <a:schemeClr val="bg1"/>
+                    </a:solidFill>
+                  </a:tcPr>
+                </a:tc>
+                <a:extLst>
+                  <a:ext uri="{0D108BD9-81ED-4DB2-BD59-A6C34878D82A}">
+                    <a16:rowId xmlns:a16="http://schemas.microsoft.com/office/drawing/2014/main" val="490305239"/>
+                  </a:ext>
+                </a:extLst>
+              </a:tr>
+              <a:tr h="268891">
+                <a:tc>
+                  <a:txBody>
+                    <a:bodyPr/>
+                    <a:lstStyle/>
+                    <a:p>
+                      <a:pPr marL="0" marR="0" lvl="0" indent="0" algn="l" defTabSz="755934" rtl="0" eaLnBrk="1" fontAlgn="auto" latinLnBrk="0" hangingPunct="1">
+                        <a:lnSpc>
+                          <a:spcPct val="90000"/>
+                        </a:lnSpc>
+                        <a:spcBef>
+                          <a:spcPts val="0"/>
+                        </a:spcBef>
+                        <a:spcAft>
+                          <a:spcPts val="0"/>
+                        </a:spcAft>
+                        <a:buClrTx/>
+                        <a:buSzTx/>
+                        <a:buFontTx/>
+                        <a:buNone/>
+                        <a:tabLst/>
+                        <a:defRPr sz="700"/>
+                      </a:pPr>
                       <a:r>
                         <a:rPr lang="fr-FR" sz="700" b="1" kern="1200" dirty="0">
                           <a:solidFill>
@@ -4790,9 +4785,11 @@
                       <a:headEnd type="none" w="med" len="med"/>
                       <a:tailEnd type="none" w="med" len="med"/>
                     </a:lnR>
-                    <a:lnT w="12700" cap="flat" cmpd="sng" algn="ctr">
-                      <a:solidFill>
-                        <a:schemeClr val="bg1"/>
+                    <a:lnT w="3175" cap="flat" cmpd="sng" algn="ctr">
+                      <a:solidFill>
+                        <a:schemeClr val="bg1">
+                          <a:lumMod val="50000"/>
+                        </a:schemeClr>
                       </a:solidFill>
                       <a:prstDash val="solid"/>
                       <a:round/>
@@ -4857,10 +4854,10 @@
                       <a:headEnd type="none" w="med" len="med"/>
                       <a:tailEnd type="none" w="med" len="med"/>
                     </a:lnR>
-                    <a:lnT w="6350" cap="flat" cmpd="sng" algn="ctr">
+                    <a:lnT w="3175" cap="flat" cmpd="sng" algn="ctr">
                       <a:solidFill>
                         <a:schemeClr val="bg1">
-                          <a:lumMod val="65000"/>
+                          <a:lumMod val="50000"/>
                         </a:schemeClr>
                       </a:solidFill>
                       <a:prstDash val="solid"/>
@@ -4920,7 +4917,7 @@
                         <a:defRPr sz="700"/>
                       </a:pPr>
                       <a:r>
-                        <a:rPr lang="fr-FR" sz="700" b="1" kern="1200">
+                        <a:rPr lang="fr-FR" sz="700" b="1" kern="1200" dirty="0">
                           <a:solidFill>
                             <a:srgbClr val="B9A049"/>
                           </a:solidFill>
@@ -4995,7 +4992,7 @@
                         <a:defRPr sz="700"/>
                       </a:pPr>
                       <a:r>
-                        <a:t>Morgan Stanley &amp; Co. International PLC⁽¹⁾.</a:t>
+                        <a:t>SG Issuer. Filiale à 100% de Société Générale Luxembourg SA, elle-même filiale à 100% de Société Générale⁽¹⁾</a:t>
                       </a:r>
                     </a:p>
                   </a:txBody>
@@ -5056,6 +5053,169 @@
                 <a:extLst>
                   <a:ext uri="{0D108BD9-81ED-4DB2-BD59-A6C34878D82A}">
                     <a16:rowId xmlns:a16="http://schemas.microsoft.com/office/drawing/2014/main" val="2863756262"/>
+                  </a:ext>
+                </a:extLst>
+              </a:tr>
+              <a:tr h="0">
+                <a:tc>
+                  <a:txBody>
+                    <a:bodyPr/>
+                    <a:lstStyle/>
+                    <a:p>
+                      <a:pPr marL="0" marR="0" lvl="0" indent="0" algn="l" defTabSz="755934" rtl="0" eaLnBrk="1" fontAlgn="auto" latinLnBrk="0" hangingPunct="1">
+                        <a:lnSpc>
+                          <a:spcPct val="90000"/>
+                        </a:lnSpc>
+                        <a:spcBef>
+                          <a:spcPts val="0"/>
+                        </a:spcBef>
+                        <a:spcAft>
+                          <a:spcPts val="0"/>
+                        </a:spcAft>
+                        <a:buClrTx/>
+                        <a:buSzTx/>
+                        <a:buFontTx/>
+                        <a:buNone/>
+                        <a:tabLst/>
+                        <a:defRPr sz="700"/>
+                      </a:pPr>
+                      <a:r>
+                        <a:rPr lang="fr-FR" sz="700" b="1" kern="1200" dirty="0">
+                          <a:solidFill>
+                            <a:srgbClr val="B9A049"/>
+                          </a:solidFill>
+                          <a:latin typeface="+mn-lt"/>
+                          <a:ea typeface="+mn-ea"/>
+                          <a:cs typeface="+mn-cs"/>
+                        </a:rPr>
+                        <a:t>Garant de la formule et des sommes dues</a:t>
+                      </a:r>
+                    </a:p>
+                  </a:txBody>
+                  <a:tcPr marL="72000" marR="72000" marT="46800" marB="46800" anchor="ctr" horzOverflow="overflow">
+                    <a:lnL w="12700" cap="flat" cmpd="sng" algn="ctr">
+                      <a:solidFill>
+                        <a:schemeClr val="bg1">
+                          <a:lumMod val="85000"/>
+                        </a:schemeClr>
+                      </a:solidFill>
+                      <a:prstDash val="solid"/>
+                      <a:round/>
+                      <a:headEnd type="none" w="med" len="med"/>
+                      <a:tailEnd type="none" w="med" len="med"/>
+                    </a:lnL>
+                    <a:lnR w="12700" cap="flat" cmpd="sng" algn="ctr">
+                      <a:solidFill>
+                        <a:schemeClr val="bg1"/>
+                      </a:solidFill>
+                      <a:prstDash val="solid"/>
+                      <a:round/>
+                      <a:headEnd type="none" w="med" len="med"/>
+                      <a:tailEnd type="none" w="med" len="med"/>
+                    </a:lnR>
+                    <a:lnT w="12700" cap="flat" cmpd="sng" algn="ctr">
+                      <a:solidFill>
+                        <a:schemeClr val="bg1"/>
+                      </a:solidFill>
+                      <a:prstDash val="solid"/>
+                      <a:round/>
+                      <a:headEnd type="none" w="med" len="med"/>
+                      <a:tailEnd type="none" w="med" len="med"/>
+                    </a:lnT>
+                    <a:lnB w="12700" cap="flat" cmpd="sng" algn="ctr">
+                      <a:solidFill>
+                        <a:schemeClr val="bg1"/>
+                      </a:solidFill>
+                      <a:prstDash val="solid"/>
+                      <a:round/>
+                      <a:headEnd type="none" w="med" len="med"/>
+                      <a:tailEnd type="none" w="med" len="med"/>
+                    </a:lnB>
+                    <a:lnTlToBr w="12700" cmpd="sng">
+                      <a:noFill/>
+                      <a:prstDash val="solid"/>
+                    </a:lnTlToBr>
+                    <a:lnBlToTr w="12700" cmpd="sng">
+                      <a:noFill/>
+                      <a:prstDash val="solid"/>
+                    </a:lnBlToTr>
+                    <a:solidFill>
+                      <a:schemeClr val="bg1">
+                        <a:lumMod val="95000"/>
+                      </a:schemeClr>
+                    </a:solidFill>
+                  </a:tcPr>
+                </a:tc>
+                <a:tc>
+                  <a:txBody>
+                    <a:bodyPr/>
+                    <a:lstStyle/>
+                    <a:p>
+                      <a:pPr>
+                        <a:defRPr sz="700"/>
+                      </a:pPr>
+                      <a:r>
+                        <a:t>Société Générale⁽¹⁾</a:t>
+                      </a:r>
+                    </a:p>
+                  </a:txBody>
+                  <a:tcPr marL="72000" marR="72000" marT="46800" marB="46800" anchor="ctr" horzOverflow="overflow">
+                    <a:lnL w="12700" cap="flat" cmpd="sng" algn="ctr">
+                      <a:solidFill>
+                        <a:schemeClr val="bg1"/>
+                      </a:solidFill>
+                      <a:prstDash val="solid"/>
+                      <a:round/>
+                      <a:headEnd type="none" w="med" len="med"/>
+                      <a:tailEnd type="none" w="med" len="med"/>
+                    </a:lnL>
+                    <a:lnR w="6350" cap="flat" cmpd="sng" algn="ctr">
+                      <a:solidFill>
+                        <a:schemeClr val="bg1">
+                          <a:lumMod val="65000"/>
+                        </a:schemeClr>
+                      </a:solidFill>
+                      <a:prstDash val="solid"/>
+                      <a:round/>
+                      <a:headEnd type="none" w="med" len="med"/>
+                      <a:tailEnd type="none" w="med" len="med"/>
+                    </a:lnR>
+                    <a:lnT w="6350" cap="flat" cmpd="sng" algn="ctr">
+                      <a:solidFill>
+                        <a:schemeClr val="bg1">
+                          <a:lumMod val="65000"/>
+                        </a:schemeClr>
+                      </a:solidFill>
+                      <a:prstDash val="solid"/>
+                      <a:round/>
+                      <a:headEnd type="none" w="med" len="med"/>
+                      <a:tailEnd type="none" w="med" len="med"/>
+                    </a:lnT>
+                    <a:lnB w="6350" cap="flat" cmpd="sng" algn="ctr">
+                      <a:solidFill>
+                        <a:schemeClr val="bg1">
+                          <a:lumMod val="65000"/>
+                        </a:schemeClr>
+                      </a:solidFill>
+                      <a:prstDash val="solid"/>
+                      <a:round/>
+                      <a:headEnd type="none" w="med" len="med"/>
+                      <a:tailEnd type="none" w="med" len="med"/>
+                    </a:lnB>
+                    <a:lnTlToBr w="12700" cmpd="sng">
+                      <a:noFill/>
+                      <a:prstDash val="solid"/>
+                    </a:lnTlToBr>
+                    <a:lnBlToTr w="12700" cmpd="sng">
+                      <a:noFill/>
+                      <a:prstDash val="solid"/>
+                    </a:lnBlToTr>
+                    <a:noFill/>
+                  </a:tcPr>
+                </a:tc>
+                <a:extLst>
+                  <a:ext uri="{0D108BD9-81ED-4DB2-BD59-A6C34878D82A}">
+                    <a16:rowId xmlns:a16="http://schemas.microsoft.com/office/drawing/2014/main" val="168002622"/>
                   </a:ext>
                 </a:extLst>
               </a:tr>
@@ -5343,7 +5503,7 @@
                         <a:defRPr sz="700"/>
                       </a:pPr>
                       <a:r>
-                        <a:t>l'indice entre EURO STOXX 50 Price EUR (dividendes non réinvestis dans l'indice ; code Bloomberg : SX5E Index ; sponsor : sponsorSTOXX ; www.stoxx.com).</a:t>
+                        <a:t>l’action entre EURO STOXX 50 Price EUR (dividendes non réinvestis dans l'indice ; code Bloomberg : SX5E Index ; sponsor : sponsorSTOXX ; www.stoxx.com).</a:t>
                       </a:r>
                     </a:p>
                   </a:txBody>
@@ -6945,7 +7105,7 @@
                         <a:defRPr sz="700"/>
                       </a:pPr>
                       <a:r>
-                        <a:t>Le Niveau Initial correspond au niveau de clôture de l'indiceEURO STOXX 50 Price EUR le 29/07/2022</a:t>
+                        <a:t>Le Niveau Initial correspond au cour de clôture de l’actionEURO STOXX 50 Price EUR le 29/07/2022</a:t>
                       </a:r>
                     </a:p>
                   </a:txBody>
@@ -7412,7 +7572,7 @@
                         <a:defRPr sz="700"/>
                       </a:pPr>
                       <a:r>
-                        <a:t>31/07/2023, 30/10/2023, 29/01/2024, 29/04/2024, 29/07/2024, 29/10/2024, 29/01/2025, 29/04/2025, 29/07/2025, 29/10/2025, 29/01/2026, 29/04/2026, 29/07/2026, 29/10/2026, 29/01/2027, 29/04/2027, 29/07/2027, 29/10/2027, 31/01/2028, 02/05/2028, 31/07/2028, 30/10/2028, 29/01/2029, 30/04/2029, 30/07/2029, 29/10/2029, 29/01/2030, 29/04/2030, 29/07/2030, 29/10/2030, 29/01/2031, 29/04/2031, 29/07/2031, 29/10/2031, 29/01/2032, 29/04/2032, 29/07/2032, 29/07/2032(finale).</a:t>
+                        <a:t>31/07/2023, 30/10/2023, 29/01/2024, 29/04/2024, 29/07/2024, 29/10/2024, 29/01/2025, 29/04/2025, 29/07/2025, 29/10/2025, 29/01/2026, 29/04/2026, 29/07/2026, 29/10/2026, 29/01/2027, 29/04/2027, 29/07/2027, 29/10/2027, 31/01/2028, 02/05/2028, 31/07/2028, 30/10/2028, 29/01/2029, 30/04/2029, 30/07/2029, 29/10/2029, 29/01/2030, 29/04/2030, 29/07/2030, 29/10/2030, 29/01/2031, 29/04/2031, 29/07/2031, 29/10/2031, 29/01/2032, 29/04/2032, 29/07/2032, 29/07/2032</a:t>
                       </a:r>
                     </a:p>
                   </a:txBody>
@@ -7738,7 +7898,7 @@
                         <a:defRPr sz="700"/>
                       </a:pPr>
                       <a:r>
-                        <a:t>100% du Niveau Initial de l'indice</a:t>
+                        <a:t>100% du Niveau Initial de l'action</a:t>
                       </a:r>
                     </a:p>
                   </a:txBody>
@@ -7901,7 +8061,7 @@
                         <a:defRPr sz="700"/>
                       </a:pPr>
                       <a:r>
-                        <a:t>100% du Niveau Initial de l'indice</a:t>
+                        <a:t>50% du Niveau Initial de l'action</a:t>
                       </a:r>
                     </a:p>
                   </a:txBody>
@@ -8064,7 +8224,7 @@
                         <a:defRPr sz="700"/>
                       </a:pPr>
                       <a:r>
-                        <a:t>70% du Niveau Initial de l'indice</a:t>
+                        <a:t>50% du Niveau Initial de l'action</a:t>
                       </a:r>
                     </a:p>
                   </a:txBody>
@@ -8426,16 +8586,22 @@
                         <a:defRPr sz="700"/>
                       </a:pPr>
                       <a:r>
-                        <a:rPr lang="fr-FR" sz="700" b="0" i="0" kern="1200" dirty="0">
+                        <a:rPr lang="fr-FR" sz="700" cap="none" dirty="0">
                           <a:solidFill>
-                            <a:schemeClr val="tx1"/>
+                            <a:schemeClr val="tx2"/>
                           </a:solidFill>
-                          <a:latin typeface="+mn-lt"/>
-                          <a:ea typeface="+mn-ea"/>
-                          <a:cs typeface="+mn-cs"/>
+                          <a:latin typeface="Proxima Nova Rg" panose="02000506030000020004" pitchFamily="2" charset="0"/>
                         </a:rPr>
-                        <a:t>Contrat d’assurance vie ou de capitalisation</a:t>
+                        <a:t>Comptes-titres, contrats d’assurance vie et de capitalisation</a:t>
                       </a:r>
+                      <a:endParaRPr lang="fr-FR" sz="700" b="0" i="0" kern="1200" dirty="0">
+                        <a:solidFill>
+                          <a:schemeClr val="tx1"/>
+                        </a:solidFill>
+                        <a:latin typeface="+mn-lt"/>
+                        <a:ea typeface="+mn-ea"/>
+                        <a:cs typeface="+mn-cs"/>
+                      </a:endParaRPr>
                     </a:p>
                   </a:txBody>
                   <a:tcPr marT="46800" marB="46800" anchor="ctr" horzOverflow="overflow">
@@ -9148,11 +9314,33 @@
                     <a:bodyPr/>
                     <a:lstStyle/>
                     <a:p>
-                      <a:pPr>
+                      <a:pPr marL="0" marR="0" lvl="0" indent="0" algn="just" defTabSz="755934" rtl="0" eaLnBrk="1" fontAlgn="base" latinLnBrk="0" hangingPunct="1">
+                        <a:lnSpc>
+                          <a:spcPct val="90000"/>
+                        </a:lnSpc>
+                        <a:spcBef>
+                          <a:spcPct val="0"/>
+                        </a:spcBef>
+                        <a:spcAft>
+                          <a:spcPct val="0"/>
+                        </a:spcAft>
+                        <a:buClrTx/>
+                        <a:buSzTx/>
+                        <a:buFontTx/>
+                        <a:buNone/>
+                        <a:tabLst/>
                         <a:defRPr sz="700"/>
                       </a:pPr>
                       <a:r>
-                        <a:t>Morgan Stanley &amp; Co International Plc⁽¹⁾ paiera aux distributeurs une rémunération annuelle maximum inférieur à 1,50% TTC du montant de l’émission. Veuillez contacter le distributeur pour plus de précisions. Ces commissions sont incluses dans le prix d’achat.</a:t>
+                        <a:rPr lang="fr-FR" sz="700" b="0" i="0" kern="1200" noProof="0" dirty="0">
+                          <a:solidFill>
+                            <a:srgbClr val="000000"/>
+                          </a:solidFill>
+                          <a:latin typeface="Proxima Nova Rg" panose="02000506030000020004" pitchFamily="2" charset="0"/>
+                          <a:ea typeface="+mn-ea"/>
+                          <a:cs typeface="+mn-cs"/>
+                        </a:rPr>
+                        <a:t>Société Générale paiera au distributeur concerné une rémunération annuelle (calculée sur la base de la durée des titres) dont le montant maximum est égal à 1,50% du montant total des titres effectivement placés. Veuillez contacter le distributeur pour plus de précisions. Ces commissions sont incluses dans le prix d’achat.</a:t>
                       </a:r>
                     </a:p>
                   </a:txBody>
@@ -9787,7 +9975,7 @@
                         <a:defRPr sz="700"/>
                       </a:pPr>
                       <a:r>
-                        <a:rPr lang="fr-FR" sz="700" b="0" i="0" kern="1200" dirty="0">
+                        <a:rPr lang="fr-FR" sz="700" b="0" i="0" kern="1200" noProof="0" dirty="0">
                           <a:solidFill>
                             <a:srgbClr val="000000"/>
                           </a:solidFill>
@@ -9795,73 +9983,7 @@
                           <a:ea typeface="+mn-ea"/>
                           <a:cs typeface="+mn-cs"/>
                         </a:rPr>
-                        <a:t>Dans des conditions normales de marché et sous réserve (i) des lois et réglementations applicables, (ii) des règles internes de Morgan Stanley, Morgan Stanley &amp; Co. International </a:t>
-                      </a:r>
-                      <a:r>
-                        <a:rPr lang="fr-FR" sz="700" b="0" i="0" kern="1200" dirty="0" err="1">
-                          <a:solidFill>
-                            <a:srgbClr val="000000"/>
-                          </a:solidFill>
-                          <a:latin typeface="Proxima Nova Rg" panose="02000506030000020004" pitchFamily="2" charset="0"/>
-                          <a:ea typeface="+mn-ea"/>
-                          <a:cs typeface="+mn-cs"/>
-                        </a:rPr>
-                        <a:t>plc</a:t>
-                      </a:r>
-                      <a:r>
-                        <a:rPr lang="fr-FR" sz="700" b="0" i="0" kern="1200" dirty="0">
-                          <a:solidFill>
-                            <a:srgbClr val="000000"/>
-                          </a:solidFill>
-                          <a:latin typeface="Proxima Nova Rg" panose="02000506030000020004" pitchFamily="2" charset="0"/>
-                          <a:ea typeface="+mn-ea"/>
-                          <a:cs typeface="+mn-cs"/>
-                        </a:rPr>
-                        <a:t> usera de ses efforts raisonnables pour fournir une liquidité journalière avec un écart </a:t>
-                      </a:r>
-                      <a:r>
-                        <a:rPr lang="fr-FR" sz="700" b="0" i="0" kern="1200" dirty="0" err="1">
-                          <a:solidFill>
-                            <a:srgbClr val="000000"/>
-                          </a:solidFill>
-                          <a:latin typeface="Proxima Nova Rg" panose="02000506030000020004" pitchFamily="2" charset="0"/>
-                          <a:ea typeface="+mn-ea"/>
-                          <a:cs typeface="+mn-cs"/>
-                        </a:rPr>
-                        <a:t>bid</a:t>
-                      </a:r>
-                      <a:r>
-                        <a:rPr lang="fr-FR" sz="700" b="0" i="0" kern="1200" dirty="0">
-                          <a:solidFill>
-                            <a:srgbClr val="000000"/>
-                          </a:solidFill>
-                          <a:latin typeface="Proxima Nova Rg" panose="02000506030000020004" pitchFamily="2" charset="0"/>
-                          <a:ea typeface="+mn-ea"/>
-                          <a:cs typeface="+mn-cs"/>
-                        </a:rPr>
-                        <a:t>/</a:t>
-                      </a:r>
-                      <a:r>
-                        <a:rPr lang="fr-FR" sz="700" b="0" i="0" kern="1200" dirty="0" err="1">
-                          <a:solidFill>
-                            <a:srgbClr val="000000"/>
-                          </a:solidFill>
-                          <a:latin typeface="Proxima Nova Rg" panose="02000506030000020004" pitchFamily="2" charset="0"/>
-                          <a:ea typeface="+mn-ea"/>
-                          <a:cs typeface="+mn-cs"/>
-                        </a:rPr>
-                        <a:t>ask</a:t>
-                      </a:r>
-                      <a:r>
-                        <a:rPr lang="fr-FR" sz="700" b="0" i="0" kern="1200" dirty="0">
-                          <a:solidFill>
-                            <a:srgbClr val="000000"/>
-                          </a:solidFill>
-                          <a:latin typeface="Proxima Nova Rg" panose="02000506030000020004" pitchFamily="2" charset="0"/>
-                          <a:ea typeface="+mn-ea"/>
-                          <a:cs typeface="+mn-cs"/>
-                        </a:rPr>
-                        <a:t> de 1%. Toutefois, Morgan Stanley &amp; Co International Plc n’a pas d’obligation légale de le faire.</a:t>
+                        <a:t>Société Générale s’engage, dans des conditions normales de marché, à donner de manière quotidienne des prix indicatifs pendant toute la durée de vie des titres de créance avec une fourchette achat/vente de 1% de la Valeur Nominale.</a:t>
                       </a:r>
                     </a:p>
                   </a:txBody>
@@ -10013,7 +10135,7 @@
                         <a:defRPr sz="700"/>
                       </a:pPr>
                       <a:r>
-                        <a:t>Morgan Stanley &amp; Co International Plc⁽¹⁾, ce qui peut être source d’un conflit d’intérêt⁽²⁾.</a:t>
+                        <a:t>Société Générale, ce qui peut être source d’un conflit d’intérêts⁽²⁾.</a:t>
                       </a:r>
                     </a:p>
                   </a:txBody>
@@ -10248,6 +10370,126 @@
       </p:graphicFrame>
       <p:sp>
         <p:nvSpPr>
+          <p:cNvPr id="2" name="Espace réservé du numéro de diapositive 1">
+            <a:extLst>
+              <a:ext uri="{FF2B5EF4-FFF2-40B4-BE49-F238E27FC236}">
+                <a16:creationId xmlns:a16="http://schemas.microsoft.com/office/drawing/2014/main" id="{0C33C7E1-5760-4AFF-97B6-9362D2C8CD65}"/>
+              </a:ext>
+            </a:extLst>
+          </p:cNvPr>
+          <p:cNvSpPr>
+            <a:spLocks noGrp="1"/>
+          </p:cNvSpPr>
+          <p:nvPr>
+            <p:ph type="sldNum" sz="quarter" idx="4"/>
+          </p:nvPr>
+        </p:nvSpPr>
+        <p:spPr/>
+        <p:txBody>
+          <a:bodyPr/>
+          <a:lstStyle/>
+          <a:p>
+            <a:fld id="{58F0BA28-1212-45AE-B075-64C06113A6D3}" type="slidenum">
+              <a:rPr lang="fr-FR" smtClean="0"/>
+              <a:pPr/>
+              <a:t>12</a:t>
+            </a:fld>
+            <a:endParaRPr lang="fr-FR" dirty="0"/>
+          </a:p>
+        </p:txBody>
+      </p:sp>
+      <p:sp>
+        <p:nvSpPr>
+          <p:cNvPr id="5" name="Text Box 2">
+            <a:extLst>
+              <a:ext uri="{FF2B5EF4-FFF2-40B4-BE49-F238E27FC236}">
+                <a16:creationId xmlns:a16="http://schemas.microsoft.com/office/drawing/2014/main" id="{45E1DCC2-11CD-41F7-969A-E4566F5B1573}"/>
+              </a:ext>
+            </a:extLst>
+          </p:cNvPr>
+          <p:cNvSpPr txBox="1">
+            <a:spLocks noChangeArrowheads="1"/>
+          </p:cNvSpPr>
+          <p:nvPr/>
+        </p:nvSpPr>
+        <p:spPr bwMode="auto">
+          <a:xfrm>
+            <a:off x="361950" y="9765983"/>
+            <a:ext cx="6483350" cy="415498"/>
+          </a:xfrm>
+          <a:prstGeom prst="rect">
+            <a:avLst/>
+          </a:prstGeom>
+          <a:noFill/>
+          <a:ln w="9525">
+            <a:noFill/>
+            <a:miter lim="800000"/>
+            <a:headEnd/>
+            <a:tailEnd/>
+          </a:ln>
+        </p:spPr>
+        <p:txBody>
+          <a:bodyPr wrap="square" lIns="0" tIns="0" rIns="0" bIns="0">
+            <a:spAutoFit/>
+          </a:bodyPr>
+          <a:lstStyle/>
+          <a:p>
+            <a:pPr marL="228600" lvl="0" indent="-228600" algn="just" defTabSz="914400">
+              <a:buAutoNum type="arabicParenBoth"/>
+            </a:pPr>
+            <a:r>
+              <a:rPr lang="fr-FR" sz="700" dirty="0">
+                <a:solidFill>
+                  <a:srgbClr val="000000"/>
+                </a:solidFill>
+                <a:latin typeface="Proxima Nova Rg" panose="02000506030000020004" pitchFamily="2" charset="0"/>
+              </a:rPr>
+              <a:t>Crédit Suisse AG : Moody’s A1 / Standard &amp; </a:t>
+            </a:r>
+            <a:r>
+              <a:rPr lang="fr-FR" sz="700" dirty="0" err="1">
+                <a:solidFill>
+                  <a:srgbClr val="000000"/>
+                </a:solidFill>
+                <a:latin typeface="Proxima Nova Rg" panose="02000506030000020004" pitchFamily="2" charset="0"/>
+              </a:rPr>
+              <a:t>Poor’s</a:t>
+            </a:r>
+            <a:r>
+              <a:rPr lang="fr-FR" sz="700" dirty="0">
+                <a:solidFill>
+                  <a:srgbClr val="000000"/>
+                </a:solidFill>
+                <a:latin typeface="Proxima Nova Rg" panose="02000506030000020004" pitchFamily="2" charset="0"/>
+              </a:rPr>
+              <a:t> A / Fitch A. Notations en vigueur au moment de la rédaction de la présente brochure le</a:t>
+            </a:r>
+            <a:r>
+              <a:rPr lang="fr-FR" sz="650" dirty="0"/>
+              <a:t> 27 juin 2022, qui ne sauraient ni être une garantie de solvabilité de l’Émetteur et du Garant de la formule, ni constituer un argument de souscription au produit. Les agences de notation peuvent les modifier à tout moment. </a:t>
+            </a:r>
+          </a:p>
+          <a:p>
+            <a:pPr marL="228600" lvl="0" indent="-228600" algn="just" defTabSz="914400">
+              <a:buAutoNum type="arabicParenBoth"/>
+            </a:pPr>
+            <a:r>
+              <a:rPr lang="fr-FR" sz="700" dirty="0">
+                <a:solidFill>
+                  <a:srgbClr val="000000"/>
+                </a:solidFill>
+                <a:latin typeface="Proxima Nova Rg" panose="02000506030000020004" pitchFamily="2" charset="0"/>
+              </a:rPr>
+              <a:t>Les conflits d’intérêts seront gérés suivant la réglementation en vigueur.</a:t>
+            </a:r>
+            <a:endParaRPr lang="fr-FR" sz="650" i="1" dirty="0">
+              <a:latin typeface="Proxima Nova Rg" panose="02000506030000020004" pitchFamily="2" charset="0"/>
+            </a:endParaRPr>
+          </a:p>
+        </p:txBody>
+      </p:sp>
+      <p:sp>
+        <p:nvSpPr>
           <p:cNvPr id="6" name="Espace réservé du texte 11">
             <a:extLst>
               <a:ext uri="{FF2B5EF4-FFF2-40B4-BE49-F238E27FC236}">
@@ -10479,55 +10721,6 @@
         </p:spPr>
         <p:txBody>
           <a:bodyPr lIns="20981" tIns="20981" rIns="20981" bIns="20981"/>
-          <a:lstStyle/>
-          <a:p>
-            <a:pPr algn="ctr" defTabSz="825500">
-              <a:lnSpc>
-                <a:spcPct val="100000"/>
-              </a:lnSpc>
-              <a:defRPr sz="3200" b="0">
-                <a:solidFill>
-                  <a:srgbClr val="FFFFFF"/>
-                </a:solidFill>
-                <a:latin typeface="Helvetica Neue Medium"/>
-                <a:ea typeface="Helvetica Neue Medium"/>
-                <a:cs typeface="Helvetica Neue Medium"/>
-                <a:sym typeface="Helvetica Neue Medium"/>
-              </a:defRPr>
-            </a:pPr>
-            <a:endParaRPr/>
-          </a:p>
-        </p:txBody>
-      </p:sp>
-      <p:sp>
-        <p:nvSpPr>
-          <p:cNvPr id="8" name="Rectangle">
-            <a:extLst>
-              <a:ext uri="{FF2B5EF4-FFF2-40B4-BE49-F238E27FC236}">
-                <a16:creationId xmlns:a16="http://schemas.microsoft.com/office/drawing/2014/main" id="{6900565A-F48B-5B06-F008-39BAB3A261F0}"/>
-              </a:ext>
-            </a:extLst>
-          </p:cNvPr>
-          <p:cNvSpPr/>
-          <p:nvPr/>
-        </p:nvSpPr>
-        <p:spPr>
-          <a:xfrm>
-            <a:off x="357725" y="9705670"/>
-            <a:ext cx="6840000" cy="6846"/>
-          </a:xfrm>
-          <a:prstGeom prst="rect">
-            <a:avLst/>
-          </a:prstGeom>
-          <a:solidFill>
-            <a:srgbClr val="C5AF5C"/>
-          </a:solidFill>
-          <a:ln w="3175">
-            <a:miter lim="400000"/>
-          </a:ln>
-        </p:spPr>
-        <p:txBody>
-          <a:bodyPr lIns="20981" tIns="20981" rIns="20981" bIns="20981" anchor="ctr"/>
           <a:lstStyle/>
           <a:p>
             <a:pPr algn="ctr" defTabSz="825500">
@@ -10673,55 +10866,6 @@
           </a:p>
         </p:txBody>
       </p:sp>
-      <p:sp>
-        <p:nvSpPr>
-          <p:cNvPr id="4" name="Rectangle">
-            <a:extLst>
-              <a:ext uri="{FF2B5EF4-FFF2-40B4-BE49-F238E27FC236}">
-                <a16:creationId xmlns:a16="http://schemas.microsoft.com/office/drawing/2014/main" id="{520466E7-91C4-9A40-89AB-1AD05A0F35F6}"/>
-              </a:ext>
-            </a:extLst>
-          </p:cNvPr>
-          <p:cNvSpPr/>
-          <p:nvPr/>
-        </p:nvSpPr>
-        <p:spPr>
-          <a:xfrm>
-            <a:off x="359837" y="9654374"/>
-            <a:ext cx="6840000" cy="6846"/>
-          </a:xfrm>
-          <a:prstGeom prst="rect">
-            <a:avLst/>
-          </a:prstGeom>
-          <a:solidFill>
-            <a:srgbClr val="C5AF5C"/>
-          </a:solidFill>
-          <a:ln w="3175">
-            <a:miter lim="400000"/>
-          </a:ln>
-        </p:spPr>
-        <p:txBody>
-          <a:bodyPr lIns="20981" tIns="20981" rIns="20981" bIns="20981" anchor="ctr"/>
-          <a:lstStyle/>
-          <a:p>
-            <a:pPr algn="ctr" defTabSz="825500">
-              <a:lnSpc>
-                <a:spcPct val="100000"/>
-              </a:lnSpc>
-              <a:defRPr sz="3200" b="0">
-                <a:solidFill>
-                  <a:srgbClr val="FFFFFF"/>
-                </a:solidFill>
-                <a:latin typeface="Helvetica Neue Medium"/>
-                <a:ea typeface="Helvetica Neue Medium"/>
-                <a:cs typeface="Helvetica Neue Medium"/>
-                <a:sym typeface="Helvetica Neue Medium"/>
-              </a:defRPr>
-            </a:pPr>
-            <a:endParaRPr/>
-          </a:p>
-        </p:txBody>
-      </p:sp>
     </p:spTree>
     <p:extLst>
       <p:ext uri="{BB962C8B-B14F-4D97-AF65-F5344CB8AC3E}">
@@ -10892,13 +11036,13 @@
                 </a:solidFill>
                 <a:latin typeface="Proxima Nova Rg" panose="02000506030000020004" pitchFamily="2" charset="0"/>
               </a:rPr>
-              <a:t> selon les scénarios. Une sortie anticipée à l’initiative de l’investisseur se fera à un niveau dépendant de l’évolution des paramètres de marché au moment de la sortie (niveau de l'indice, des taux d’intérêt, de la volatilité et des primes de risque de crédit notamment) et pourra donc entraîner un risque de perte en capital.</a:t>
+              <a:t> selon les scénarios. Une sortie anticipée à l’initiative de l’investisseur se fera à un cours dépendant de l’évolution des paramètres de marché au moment de la sortie (cours de l'action, des taux d’intérêt, de la volatilité et des primes de risque de crédit notamment) et pourra donc entraîner un risque de perte en capital.</a:t>
             </a:r>
           </a:p>
           <a:p>
             <a:pPr algn="just"/>
             <a:r>
-              <a:rPr lang="fr-FR" sz="650" baseline="30000">
+              <a:rPr lang="fr-FR" sz="650" baseline="30000" dirty="0">
                 <a:solidFill>
                   <a:srgbClr val="000000"/>
                 </a:solidFill>
@@ -10910,7 +11054,7 @@
               <a:t>(</a:t>
             </a:r>
             <a:r>
-              <a:rPr lang="fr-FR" sz="650" baseline="30000">
+              <a:rPr lang="fr-FR" sz="650" baseline="30000" dirty="0">
                 <a:solidFill>
                   <a:srgbClr val="000000"/>
                 </a:solidFill>
@@ -10919,7 +11063,7 @@
               <a:t>3) </a:t>
             </a:r>
             <a:r>
-              <a:rPr lang="fr-FR" sz="650">
+              <a:rPr lang="fr-FR" sz="650" dirty="0">
                 <a:solidFill>
                   <a:srgbClr val="000000"/>
                 </a:solidFill>
@@ -11459,7 +11603,7 @@
         <p:spPr>
           <a:xfrm>
             <a:off x="458462" y="974579"/>
-            <a:ext cx="6741374" cy="3300391"/>
+            <a:ext cx="6741374" cy="3769237"/>
           </a:xfrm>
           <a:prstGeom prst="rect">
             <a:avLst/>
@@ -11634,10 +11778,21 @@
             </a:lvl9pPr>
           </a:lstStyle>
           <a:p>
-            <a:pPr lvl="1" algn="just">
+            <a:pPr marL="0" marR="0" lvl="1" indent="0" algn="just" defTabSz="755934" rtl="0" eaLnBrk="1" fontAlgn="auto" latinLnBrk="0" hangingPunct="1">
               <a:lnSpc>
                 <a:spcPct val="90000"/>
               </a:lnSpc>
+              <a:spcBef>
+                <a:spcPts val="800"/>
+              </a:spcBef>
+              <a:spcAft>
+                <a:spcPts val="200"/>
+              </a:spcAft>
+              <a:buClrTx/>
+              <a:buSzTx/>
+              <a:buFont typeface="Arial" panose="020B0604020202020204" pitchFamily="34" charset="0"/>
+              <a:buNone/>
+              <a:tabLst/>
               <a:defRPr/>
             </a:pPr>
             <a:r>
@@ -11655,7 +11810,7 @@
                 <a:ea typeface="+mn-ea"/>
                 <a:cs typeface="+mn-cs"/>
               </a:rPr>
-              <a:t>Les termes « capital » et « capital initial » utilisés dans cette brochure désignent la Valeur Nominale des titres de créance « guigui » soit 1 000 EUR multiplié par le nombre de titres. Le montant remboursé est brut, hors frais et fiscalité applicable au cadre d’investissement. Les taux de Rendement Annuel (« TRA ») sont nets de frais de gestion pour les contrats d’assurance vie/capitalisation ou net de droits de garde en compte-titres (en prenant comme hypothèse un taux de frais de gestion ou de droits de garde de 1,00% annuel), mais sans prise en compte des autres frais, de la fiscalité et des prélèvements sociaux applicables au cadre d’investissement. Ils sont calculés pour un investissement entre la &lt;</a:t>
+              <a:t>Les termes « capital » et « capital initial » utilisés dans cette brochure désignent la Valeur Nominale des titres de créance « guigui » soit 1 000 EUR multiplié par le nombre de titres. Le montant remboursé est brut, hors frais et fiscalité applicable au cadre d’investissement. Les taux de Rendement Annuel (« TRA ») sont nets de frais de gestion pour les contrats d’assurance vie/capitalisation ou net de droits de garde en compte-titres (en prenant comme hypothèse un taux de frais de gestion ou de droits de garde de 1,00% annuel), mais sans prise en compte des autres frais, de la fiscalité t prélèvements sociaux applicables au cadre d’investissement. Ils sont calculés pour un investissement entre la &lt;</a:t>
             </a:r>
             <a:r>
               <a:rPr kumimoji="0" lang="fr-FR" sz="800" b="0" i="0" u="none" strike="noStrike" kern="1200" cap="none" spc="0" normalizeH="0" baseline="0" noProof="0" dirty="0" err="1">
@@ -11843,7 +11998,7 @@
                 <a:ea typeface="+mn-ea"/>
                 <a:cs typeface="+mn-cs"/>
               </a:rPr>
-              <a:t>Pour un investissement dans « guigui », vous êtes exposé pour une durée de 4 à 40 trimestres à la performance positive ou négative de l'indice</a:t>
+              <a:t>Pour un investissement dans « guigui », vous êtes exposé pour une durée de 4 à 40 trimestres à la performance positive ou négative de l'action</a:t>
             </a:r>
             <a:r>
               <a:rPr lang="fr-FR" sz="800" b="1" dirty="0">
@@ -11953,7 +12108,7 @@
                 <a:ea typeface="+mn-ea"/>
                 <a:cs typeface="+mn-cs"/>
               </a:rPr>
-              <a:t> à hauteur de l’intégralité de la baisse enregistrée par l'indice </a:t>
+              <a:t> à hauteur de l’intégralité de la baisse enregistrée par l’action </a:t>
             </a:r>
             <a:r>
               <a:rPr kumimoji="0" lang="fr-FR" sz="800" b="0" i="0" u="none" strike="noStrike" kern="1200" cap="none" spc="0" normalizeH="0" baseline="0" noProof="0" dirty="0">
@@ -11967,7 +12122,7 @@
                 <a:ea typeface="+mn-ea"/>
                 <a:cs typeface="+mn-cs"/>
               </a:rPr>
-              <a:t>si celui-ci clôture, à la date de constatation finale</a:t>
+              <a:t>si celle-ci clôture, à la date de constatation finale</a:t>
             </a:r>
             <a:r>
               <a:rPr kumimoji="0" lang="fr-FR" sz="800" b="0" i="0" u="none" strike="noStrike" kern="1200" cap="none" spc="0" normalizeH="0" baseline="30000" noProof="0" dirty="0">
@@ -11995,7 +12150,7 @@
                 <a:ea typeface="+mn-ea"/>
                 <a:cs typeface="+mn-cs"/>
               </a:rPr>
-              <a:t>, à un niveau strictement inférieur à 70% de son Niveau Initial.</a:t>
+              <a:t>, à un cours strictement inférieur à 50% de son Niveau Initial.</a:t>
             </a:r>
           </a:p>
           <a:p>
@@ -12031,7 +12186,7 @@
                 <a:ea typeface="+mn-ea"/>
                 <a:cs typeface="+mn-cs"/>
               </a:rPr>
-              <a:t>… avec un mécanisme de remboursement anticipé activable automatiquement à partir de la fin du trimestre 4 jusqu'à la fin du trimestre 39</a:t>
+              <a:t>… avec un mécanisme de remboursement anticipé activable automatiquement à la fin du trimestre 4 jusqu'à la fin du trimestre 39</a:t>
             </a:r>
             <a:r>
               <a:rPr kumimoji="0" lang="fr-FR" sz="800" b="1" i="0" u="none" strike="noStrike" kern="1200" cap="none" spc="0" normalizeH="0" baseline="0" noProof="0" dirty="0">
@@ -12101,7 +12256,7 @@
                 <a:ea typeface="+mn-ea"/>
                 <a:cs typeface="+mn-cs"/>
               </a:rPr>
-              <a:t>l'indice clôture à un niveau supérieur </a:t>
+              <a:t>l’action clôture à un cours supérieur </a:t>
             </a:r>
             <a:r>
               <a:rPr kumimoji="0" lang="fr-FR" sz="800" b="0" i="0" u="none" strike="noStrike" kern="1200" cap="none" spc="0" normalizeH="0" baseline="0" noProof="0" dirty="0">
@@ -12185,7 +12340,7 @@
                 <a:ea typeface="+mn-ea"/>
                 <a:cs typeface="+mn-cs"/>
               </a:rPr>
-              <a:t>avec un objectif de gain fixe plafonné à 2,30% par trimestre écoulé depuis le 29/07/2022 (soit 9,20% par année écoulée) </a:t>
+              <a:t>avec un objectif de gain fixe plafonné à 1,00% par trimestre écoulé depuis le 29/07/2022 (soit 4,00% par année écoulée) </a:t>
             </a:r>
             <a:r>
               <a:rPr kumimoji="0" lang="fr-FR" sz="800" b="0" i="0" u="none" strike="noStrike" kern="1200" cap="none" spc="0" normalizeH="0" baseline="0" noProof="0" dirty="0">
@@ -12241,7 +12396,7 @@
                 <a:ea typeface="+mn-ea"/>
                 <a:cs typeface="+mn-cs"/>
               </a:rPr>
-              <a:t>l'indice clôture à un niveau supérieur </a:t>
+              <a:t>l’action clôture à un cours supérieur </a:t>
             </a:r>
             <a:r>
               <a:rPr kumimoji="0" lang="fr-FR" sz="800" b="0" i="0" u="none" strike="noStrike" kern="1200" cap="none" spc="0" normalizeH="0" baseline="0" noProof="0" dirty="0">
@@ -12255,38 +12410,7 @@
                 <a:ea typeface="+mn-ea"/>
                 <a:cs typeface="+mn-cs"/>
               </a:rPr>
-              <a:t>ou égal à </a:t>
-            </a:r>
-            <a:r>
-              <a:rPr kumimoji="0" lang="fr-FR" sz="800" b="0" i="0" u="none" strike="noStrike" kern="1200" cap="none" spc="0" normalizeH="0" baseline="0" noProof="0" dirty="0">
-                <a:ln>
-                  <a:noFill/>
-                </a:ln>
-                <a:effectLst/>
-                <a:highlight>
-                  <a:srgbClr val="FFFF00"/>
-                </a:highlight>
-                <a:uLnTx/>
-                <a:uFillTx/>
-                <a:latin typeface="Proxima Nova Rg"/>
-                <a:ea typeface="+mn-ea"/>
-                <a:cs typeface="+mn-cs"/>
-              </a:rPr>
-              <a:t>100 </a:t>
-            </a:r>
-            <a:r>
-              <a:rPr kumimoji="0" lang="fr-FR" sz="800" b="0" i="0" u="none" strike="noStrike" kern="1200" cap="none" spc="0" normalizeH="0" baseline="0" noProof="0" dirty="0">
-                <a:ln>
-                  <a:noFill/>
-                </a:ln>
-                <a:effectLst/>
-                <a:uLnTx/>
-                <a:uFillTx/>
-                <a:latin typeface="Proxima Nova Rg"/>
-                <a:ea typeface="+mn-ea"/>
-                <a:cs typeface="+mn-cs"/>
-              </a:rPr>
-              <a:t/>
+              <a:t>ou égal à 80 </a:t>
             </a:r>
             <a:r>
               <a:rPr kumimoji="0" lang="fr-FR" sz="800" b="0" i="0" u="none" strike="noStrike" kern="1200" cap="none" spc="0" normalizeH="0" baseline="0" noProof="0" dirty="0">
@@ -12347,7 +12471,7 @@
                 <a:ea typeface="+mn-ea"/>
                 <a:cs typeface="+mn-cs"/>
               </a:rPr>
-              <a:t>La perte en capital peut être totale si l'indice a une valeur nulle à la date de constatation finale</a:t>
+              <a:t>La perte en capital peut être totale si l’action a une valeur nulle à la date de constatation finale</a:t>
             </a:r>
             <a:r>
               <a:rPr kumimoji="0" lang="fr-FR" sz="800" b="1" i="0" u="none" strike="noStrike" kern="1200" cap="none" spc="0" normalizeH="0" baseline="30000" noProof="0" dirty="0">
@@ -12434,7 +12558,15 @@
                 <a:ea typeface="+mn-ea"/>
                 <a:cs typeface="+mn-cs"/>
               </a:rPr>
-              <a:t>: En acceptant de limiter leurs gains à 2,30% par trimestre écoulé (soit un Taux de Rendement Annuel net maximum de 8,00%%), les investisseurs recevront en contrepartie l’intégralité du capital initial si l'indice ne baisse pas de plus de </a:t>
+              <a:t>: En acceptant de limiter leurs gains à 1,00% par trimestre écoulé (soit un Taux de Rendement Annuel net maximum de 2,92%%), les investisseurs recevront en contrepartie l’intégralité du capital initial si l’action ne baisse pas de plus de &lt;</a:t>
+            </a:r>
+            <a:r>
+              <a:rPr lang="fr-FR" sz="800" dirty="0">
+                <a:solidFill>
+                  <a:srgbClr val="000000"/>
+                </a:solidFill>
+              </a:rPr>
+              <a:t>PDIPERF&gt;</a:t>
             </a:r>
             <a:r>
               <a:rPr kumimoji="0" lang="fr-FR" sz="800" b="0" i="0" u="none" strike="noStrike" kern="1200" cap="none" spc="0" normalizeH="0" baseline="0" noProof="0" dirty="0">
@@ -12445,50 +12577,35 @@
                   <a:schemeClr val="tx1"/>
                 </a:solidFill>
                 <a:effectLst/>
-                <a:highlight>
-                  <a:srgbClr val="FFFF00"/>
-                </a:highlight>
                 <a:uLnTx/>
                 <a:uFillTx/>
                 <a:latin typeface="Proxima Nova Rg"/>
                 <a:ea typeface="+mn-ea"/>
                 <a:cs typeface="+mn-cs"/>
               </a:rPr>
-              <a:t>&lt;</a:t>
-            </a:r>
-            <a:r>
-              <a:rPr lang="fr-FR" sz="800" dirty="0">
-                <a:solidFill>
-                  <a:srgbClr val="000000"/>
-                </a:solidFill>
-                <a:highlight>
-                  <a:srgbClr val="FFFF00"/>
-                </a:highlight>
-              </a:rPr>
-              <a:t>PDIPERF&gt;</a:t>
-            </a:r>
-            <a:r>
-              <a:rPr kumimoji="0" lang="fr-FR" sz="800" b="0" i="0" u="none" strike="noStrike" kern="1200" cap="none" spc="0" normalizeH="0" baseline="0" noProof="0" dirty="0">
-                <a:ln>
-                  <a:noFill/>
-                </a:ln>
-                <a:solidFill>
-                  <a:schemeClr val="tx1"/>
-                </a:solidFill>
-                <a:effectLst/>
-                <a:highlight>
-                  <a:srgbClr val="FFFF00"/>
-                </a:highlight>
-                <a:uLnTx/>
-                <a:uFillTx/>
-                <a:latin typeface="Proxima Nova Rg"/>
-                <a:ea typeface="+mn-ea"/>
-                <a:cs typeface="+mn-cs"/>
-              </a:rPr>
-              <a:t> </a:t>
-            </a:r>
-            <a:r>
-              <a:rPr kumimoji="0" lang="fr-FR" sz="800" b="0" i="0" u="none" strike="noStrike" kern="1200" cap="none" spc="0" normalizeH="0" baseline="0" noProof="0" dirty="0">
+              <a:t> par rapport à son Niveau Initial </a:t>
+            </a:r>
+          </a:p>
+          <a:p>
+            <a:pPr marL="0" marR="0" lvl="1" indent="0" algn="just" defTabSz="755934" rtl="0" eaLnBrk="1" fontAlgn="auto" latinLnBrk="0" hangingPunct="1">
+              <a:lnSpc>
+                <a:spcPct val="90000"/>
+              </a:lnSpc>
+              <a:spcBef>
+                <a:spcPts val="600"/>
+              </a:spcBef>
+              <a:spcAft>
+                <a:spcPts val="200"/>
+              </a:spcAft>
+              <a:buClrTx/>
+              <a:buSzTx/>
+              <a:buFont typeface="Arial" panose="020B0604020202020204" pitchFamily="34" charset="0"/>
+              <a:buNone/>
+              <a:tabLst/>
+              <a:defRPr/>
+            </a:pPr>
+            <a:r>
+              <a:rPr kumimoji="0" lang="fr-FR" sz="800" b="0" i="1" u="none" strike="noStrike" kern="1200" cap="none" spc="0" normalizeH="0" baseline="0" noProof="0" dirty="0">
                 <a:ln>
                   <a:noFill/>
                 </a:ln>
@@ -12502,35 +12619,64 @@
                 <a:ea typeface="+mn-ea"/>
                 <a:cs typeface="+mn-cs"/>
               </a:rPr>
-              <a:t>par rapport à son Niveau Initial </a:t>
-            </a:r>
-          </a:p>
-          <a:p>
-            <a:pPr marL="0" marR="0" lvl="4" indent="0" algn="just" defTabSz="755934" rtl="0" eaLnBrk="1" fontAlgn="auto" latinLnBrk="0" hangingPunct="1">
-              <a:lnSpc>
-                <a:spcPct val="90000"/>
-              </a:lnSpc>
-              <a:spcBef>
-                <a:spcPts val="600"/>
-              </a:spcBef>
-              <a:spcAft>
-                <a:spcPts val="0"/>
-              </a:spcAft>
-              <a:buClrTx/>
-              <a:buSzTx/>
-              <a:buFont typeface="Arial" panose="020B0604020202020204" pitchFamily="34" charset="0"/>
-              <a:buNone/>
-              <a:tabLst/>
-              <a:defRPr/>
-            </a:pPr>
-            <a:r>
-              <a:rPr lang="fr-FR" dirty="0">
+              <a:t>Les titres de créance «</a:t>
+            </a:r>
+            <a:r>
+              <a:rPr kumimoji="0" lang="fr-FR" sz="800" b="1" i="1" u="none" strike="noStrike" kern="1200" cap="none" spc="0" normalizeH="0" baseline="0" noProof="0" dirty="0">
+                <a:ln>
+                  <a:noFill/>
+                </a:ln>
                 <a:solidFill>
                   <a:schemeClr val="tx1"/>
                 </a:solidFill>
+                <a:effectLst/>
+                <a:uLnTx/>
+                <a:uFillTx/>
                 <a:latin typeface="Proxima Nova Rg"/>
-              </a:rPr>
-              <a:t> « guigui » ne peut constituer l’intégralité d’un portefeuille d’investissement. L’investisseur est exposé pour une durée de 4 à 40 trimestres à l'indice. Vous êtes sur le point d’acheter un produit qui n’est pas simple et qui peut être difficile à comprendre.</a:t>
+                <a:ea typeface="+mn-ea"/>
+                <a:cs typeface="+mn-cs"/>
+              </a:rPr>
+              <a:t> </a:t>
+            </a:r>
+            <a:r>
+              <a:rPr kumimoji="0" lang="fr-FR" sz="800" b="0" i="1" u="none" strike="noStrike" kern="1200" cap="none" spc="0" normalizeH="0" baseline="0" noProof="0" dirty="0">
+                <a:ln>
+                  <a:noFill/>
+                </a:ln>
+                <a:solidFill>
+                  <a:schemeClr val="tx1"/>
+                </a:solidFill>
+                <a:effectLst/>
+                <a:uLnTx/>
+                <a:uFillTx/>
+                <a:latin typeface="Proxima Nova Rg"/>
+                <a:ea typeface="+mn-ea"/>
+                <a:cs typeface="+mn-cs"/>
+              </a:rPr>
+              <a:t>guigui » peuvent être proposés comme un actif représentatif d’une unité de compte dans le cadre de contrats d’assurance vie et/ou de capitalisation. L’Assureur s’engage sur le nombre d’unités de compte mais pas sur leur valeur, qu’il ne garantit pas. La présente brochure décrit les caractéristiques du support « guigui » et ne prend pas en compte les spécificités des contrats d’assurance vie ou de capitalisation dans le cadre desquels ce produit est proposé. </a:t>
+            </a:r>
+            <a:r>
+              <a:rPr lang="fr-FR" sz="800" b="1" i="1" dirty="0">
+                <a:latin typeface="Proxima Nova Rg" panose="02000506030000020004" pitchFamily="2" charset="0"/>
+              </a:rPr>
+              <a:t>Dans le cadre d’un contrat d’assurance vie ou de capitalisation, l’assureur s’engage exclusivement sur le nombre d’unités de compte mais non sur leur valeur, qu’il ne garantit pas. L'émetteur ne s'engage pas sur l'éligibilité des titres dans des contrats d'assurance-vie. La détermination de cette éligibilité est du ressort de l'assureur. Il est précisé que l’Assureur d’une part et l’Émetteur d’autre part, sont des entités juridiques distinctes. Ce document n’a pas été rédigé par l’Assureur.</a:t>
+            </a:r>
+            <a:r>
+              <a:rPr kumimoji="0" lang="fr-FR" sz="800" b="1" i="1" u="none" strike="noStrike" kern="1200" cap="none" spc="0" normalizeH="0" baseline="0" noProof="0" dirty="0">
+                <a:ln>
+                  <a:noFill/>
+                </a:ln>
+                <a:solidFill>
+                  <a:schemeClr val="tx1"/>
+                </a:solidFill>
+                <a:effectLst/>
+                <a:uLnTx/>
+                <a:uFillTx/>
+                <a:latin typeface="Proxima Nova Rg"/>
+                <a:ea typeface="+mn-ea"/>
+                <a:cs typeface="+mn-cs"/>
+              </a:rPr>
+              <a:t> </a:t>
             </a:r>
           </a:p>
         </p:txBody>
@@ -12563,55 +12709,6 @@
           </a:bodyPr>
           <a:lstStyle/>
           <a:p/>
-        </p:txBody>
-      </p:sp>
-      <p:sp>
-        <p:nvSpPr>
-          <p:cNvPr id="13" name="Rectangle">
-            <a:extLst>
-              <a:ext uri="{FF2B5EF4-FFF2-40B4-BE49-F238E27FC236}">
-                <a16:creationId xmlns:a16="http://schemas.microsoft.com/office/drawing/2014/main" id="{BE2900B0-346F-9C03-3B28-C7107EF48128}"/>
-              </a:ext>
-            </a:extLst>
-          </p:cNvPr>
-          <p:cNvSpPr/>
-          <p:nvPr/>
-        </p:nvSpPr>
-        <p:spPr>
-          <a:xfrm>
-            <a:off x="283637" y="9695762"/>
-            <a:ext cx="6840000" cy="6846"/>
-          </a:xfrm>
-          <a:prstGeom prst="rect">
-            <a:avLst/>
-          </a:prstGeom>
-          <a:solidFill>
-            <a:srgbClr val="C5AF5C"/>
-          </a:solidFill>
-          <a:ln w="3175">
-            <a:miter lim="400000"/>
-          </a:ln>
-        </p:spPr>
-        <p:txBody>
-          <a:bodyPr lIns="20981" tIns="20981" rIns="20981" bIns="20981" anchor="ctr"/>
-          <a:lstStyle/>
-          <a:p>
-            <a:pPr algn="ctr" defTabSz="825500">
-              <a:lnSpc>
-                <a:spcPct val="100000"/>
-              </a:lnSpc>
-              <a:defRPr sz="3200" b="0">
-                <a:solidFill>
-                  <a:srgbClr val="FFFFFF"/>
-                </a:solidFill>
-                <a:latin typeface="Helvetica Neue Medium"/>
-                <a:ea typeface="Helvetica Neue Medium"/>
-                <a:cs typeface="Helvetica Neue Medium"/>
-                <a:sym typeface="Helvetica Neue Medium"/>
-              </a:defRPr>
-            </a:pPr>
-            <a:endParaRPr/>
-          </a:p>
         </p:txBody>
       </p:sp>
       <p:pic>
@@ -12808,7 +12905,7 @@
                 </a:solidFill>
                 <a:latin typeface="Proxima Nova Rg" panose="02000506030000020004" pitchFamily="2" charset="0"/>
               </a:rPr>
-              <a:t> selon les scénarios. Une sortie anticipée à l’initiative de l’investisseur se fera à un niveau dépendant de l’évolution des paramètres de marché au moment de la sortie (niveau de l'indice, des taux d’intérêt, de la volatilité et des primes de risque de crédit notamment) et pourra donc entraîner un risque de perte en capital.</a:t>
+              <a:t> selon les scénarios. Une sortie anticipée à l’initiative de l’investisseur se fera à un cours dépendant de l’évolution des paramètres de marché au moment de la sortie (cours de l'action, des taux d’intérêt, de la volatilité et des primes de risque de crédit notamment) et pourra donc entraîner un risque de perte en capital.</a:t>
             </a:r>
           </a:p>
         </p:txBody>
@@ -13308,7 +13405,7 @@
             </a:pPr>
             <a:r>
               <a:rPr lang="fr-FR" sz="800" dirty="0"/>
-              <a:t>Un gain plafonné fixe de 2,30% par trimestre écoulé depuis le 29/07/2022</a:t>
+              <a:t>Un gain plafonné fixe de 1,00% par trimestre écoulé depuis le 29/07/2022</a:t>
             </a:r>
           </a:p>
           <a:p>
@@ -13323,7 +13420,7 @@
             </a:pPr>
             <a:r>
               <a:rPr lang="fr-FR" sz="800" dirty="0"/>
-              <a:t>(soit un gain de 92,00% et un Taux de Rendement Annuel net de </a:t>
+              <a:t>(soit un gain de 40,00% et un Taux de Rendement Annuel net de </a:t>
             </a:r>
             <a:r>
               <a:rPr lang="fr-FR" sz="800" dirty="0">
@@ -13331,7 +13428,7 @@
                   <a:srgbClr val="FFFF00"/>
                 </a:highlight>
               </a:rPr>
-              <a:t>5,66%</a:t>
+              <a:t>2,38%</a:t>
             </a:r>
             <a:r>
               <a:rPr lang="fr-FR" sz="800" baseline="30000" dirty="0"/>
@@ -13583,7 +13680,7 @@
             </a:pPr>
             <a:r>
               <a:rPr lang="fr-FR" sz="800" dirty="0"/>
-              <a:t>Un gain de 2,30% par trimestre écoulé depuis le 29/07/2022 </a:t>
+              <a:t>Un gain plafonné fixe de 1,00% par trimestre écoulé depuis le 29/07/2022 </a:t>
             </a:r>
           </a:p>
           <a:p>
@@ -13606,7 +13703,7 @@
                   <a:srgbClr val="FFFF00"/>
                 </a:highlight>
               </a:rPr>
-              <a:t>7,23%</a:t>
+              <a:t>3,15%</a:t>
             </a:r>
             <a:r>
               <a:rPr lang="fr-FR" sz="800" baseline="30000" dirty="0"/>
@@ -13622,7 +13719,7 @@
                   <a:srgbClr val="FFFF00"/>
                 </a:highlight>
               </a:rPr>
-              <a:t>8,00%</a:t>
+              <a:t>2,92%</a:t>
             </a:r>
             <a:r>
               <a:rPr lang="fr-FR" sz="800" baseline="30000" dirty="0"/>
@@ -13686,7 +13783,7 @@
                   <a:schemeClr val="tx2"/>
                 </a:solidFill>
               </a:rPr>
-              <a:t>à partir de la fin du trimestre 4 et jusqu’à la fin du trimestre 39, on observe le niveau de clôture de l'indice</a:t>
+              <a:t>à partir de la fin du trimestre 4 et jusqu’à la fin du trimestre 39, on observe le cours de clôture de l'action</a:t>
             </a:r>
             <a:r>
               <a:rPr lang="en-US" sz="800" dirty="0">
@@ -13729,7 +13826,23 @@
                   <a:schemeClr val="tx2"/>
                 </a:solidFill>
               </a:rPr>
-              <a:t>Si </a:t>
+              <a:t>Si, à une date de constatation trimestrielle</a:t>
+            </a:r>
+            <a:r>
+              <a:rPr lang="fr-FR" sz="800" b="1" baseline="30000" dirty="0">
+                <a:solidFill>
+                  <a:schemeClr val="tx2"/>
+                </a:solidFill>
+              </a:rPr>
+              <a:t>⁽¹⁾</a:t>
+            </a:r>
+            <a:r>
+              <a:rPr lang="fr-FR" sz="800" b="1" dirty="0">
+                <a:solidFill>
+                  <a:schemeClr val="tx2"/>
+                </a:solidFill>
+              </a:rPr>
+              <a:t>, </a:t>
             </a:r>
             <a:r>
               <a:rPr lang="it-IT" sz="800" b="1" dirty="0">
@@ -13737,7 +13850,7 @@
                   <a:schemeClr val="tx2"/>
                 </a:solidFill>
               </a:rPr>
-              <a:t>l'indice </a:t>
+              <a:t>l’action </a:t>
             </a:r>
             <a:r>
               <a:rPr lang="fr-FR" sz="800" b="1" dirty="0">
@@ -13745,7 +13858,7 @@
                   <a:schemeClr val="tx2"/>
                 </a:solidFill>
               </a:rPr>
-              <a:t>clôture à un niveau supérieur ou égal à 100% de son Niveau Initial, le produit est automatiquement remboursé par anticipation et l’investisseur reçoit, à la date de remboursement anticipé automatique correspondante</a:t>
+              <a:t>clôture à un cours supérieur ou égal à 100% de son Niveau Initial, le produit est automatiquement remboursé par anticipation et l’investisseur reçoit, à la date de remboursement anticipé automatique correspondante</a:t>
             </a:r>
             <a:r>
               <a:rPr lang="fr-FR" sz="800" b="1" baseline="30000" dirty="0">
@@ -14005,7 +14118,7 @@
                   <a:schemeClr val="tx2"/>
                 </a:solidFill>
               </a:rPr>
-              <a:t>À la date de constatation finale, le 29/07/2032, en l’absence de remboursement anticipé automatique préalable, on compare le niveau de clôture de l'indice</a:t>
+              <a:t>À la date de constatation finale, le 29/07/2032, en l’absence de remboursement anticipé automatique préalable, on compare le cours de clôture de l'action</a:t>
             </a:r>
             <a:r>
               <a:rPr lang="en-US" sz="800" dirty="0">
@@ -14077,7 +14190,7 @@
                   <a:schemeClr val="tx2"/>
                 </a:solidFill>
               </a:rPr>
-              <a:t>l'indice </a:t>
+              <a:t>l’action </a:t>
             </a:r>
             <a:r>
               <a:rPr lang="fr-FR" sz="800" b="1" dirty="0">
@@ -14085,7 +14198,7 @@
                   <a:schemeClr val="tx2"/>
                 </a:solidFill>
               </a:rPr>
-              <a:t>clôture à un niveau supérieur ou égal à 100% de son Niveau Initial, l’investisseur reçoit, le 02 août 2032</a:t>
+              <a:t>clôture à un cours supérieur ou égal à 50% de son Niveau Initial, l’investisseur reçoit, le 02 août 2032</a:t>
             </a:r>
             <a:r>
               <a:rPr lang="fr-FR" sz="800" b="1" baseline="30000" dirty="0">
@@ -14121,7 +14234,7 @@
         <p:spPr>
           <a:xfrm>
             <a:off x="917672" y="8553774"/>
-            <a:ext cx="6073677" cy="123111"/>
+            <a:ext cx="6073677" cy="246221"/>
           </a:xfrm>
           <a:prstGeom prst="rect">
             <a:avLst/>
@@ -14157,7 +14270,7 @@
                   <a:schemeClr val="tx2"/>
                 </a:solidFill>
               </a:rPr>
-              <a:t>l'indice </a:t>
+              <a:t>l’action </a:t>
             </a:r>
             <a:r>
               <a:rPr lang="fr-FR" sz="800" b="1" dirty="0">
@@ -14165,23 +14278,7 @@
                   <a:schemeClr val="tx2"/>
                 </a:solidFill>
               </a:rPr>
-              <a:t>clôture à un niveau strictement inférieur à 70% de </a:t>
-            </a:r>
-            <a:r>
-              <a:rPr lang="fr-FR" sz="800" b="1">
-                <a:solidFill>
-                  <a:schemeClr val="tx2"/>
-                </a:solidFill>
-              </a:rPr>
-              <a:t>son Niveau Initial, </a:t>
-            </a:r>
-            <a:r>
-              <a:rPr lang="fr-FR" sz="800" b="1" dirty="0">
-                <a:solidFill>
-                  <a:schemeClr val="tx2"/>
-                </a:solidFill>
-              </a:rPr>
-              <a:t>l’investisseur reçoit, le 02 août 2032</a:t>
+              <a:t>clôture à un cours strictement inférieur à 50% de son cours de Référence, l’investisseur reçoit, le 02 août 2032</a:t>
             </a:r>
           </a:p>
         </p:txBody>
@@ -14410,7 +14507,7 @@
             </a:pPr>
             <a:r>
               <a:rPr lang="fr-FR" sz="800" dirty="0"/>
-              <a:t>par l'indice entre le 29/07/2022 et le 29/07/2032</a:t>
+              <a:t>par l’action entre le 29/07/2022 et le 29/07/2032</a:t>
             </a:r>
           </a:p>
           <a:p>
@@ -14429,7 +14526,7 @@
             </a:r>
             <a:r>
               <a:rPr lang="fr-FR" sz="800"/>
-              <a:t>à -4,46%</a:t>
+              <a:t>à -7,62%</a:t>
             </a:r>
             <a:r>
               <a:rPr lang="fr-FR" sz="800" baseline="30000"/>
@@ -14683,7 +14780,7 @@
                 <a:ea typeface="+mn-ea"/>
                 <a:cs typeface="+mn-cs"/>
               </a:rPr>
-              <a:t>Le Niveau Initial correspond au niveau de clôture de l'indiceEURO STOXX 50 Price EUR le 29/07/2022</a:t>
+              <a:t>Le Niveau Initial correspond au cour de clôture de l’actionEURO STOXX 50 Price EUR le 29/07/2022</a:t>
             </a:r>
             <a:endParaRPr lang="fr-FR" sz="800" i="0" kern="1200" dirty="0">
               <a:solidFill>
@@ -15114,256 +15211,6 @@
       </p:sp>
       <p:sp>
         <p:nvSpPr>
-          <p:cNvPr id="20" name="Espace réservé du texte 36">
-            <a:extLst>
-              <a:ext uri="{FF2B5EF4-FFF2-40B4-BE49-F238E27FC236}">
-                <a16:creationId xmlns:a16="http://schemas.microsoft.com/office/drawing/2014/main" id="{CF055AA2-377C-446F-B61D-3E7B366770C3}"/>
-              </a:ext>
-            </a:extLst>
-          </p:cNvPr>
-          <p:cNvSpPr txBox="1">
-            <a:spLocks/>
-          </p:cNvSpPr>
-          <p:nvPr/>
-        </p:nvSpPr>
-        <p:spPr>
-          <a:xfrm>
-            <a:off x="1273632" y="7925358"/>
-            <a:ext cx="5029482" cy="274320"/>
-          </a:xfrm>
-          <a:prstGeom prst="rect">
-            <a:avLst/>
-          </a:prstGeom>
-          <a:noFill/>
-          <a:ln w="6350">
-            <a:solidFill>
-              <a:srgbClr val="B9A049"/>
-            </a:solidFill>
-          </a:ln>
-        </p:spPr>
-        <p:txBody>
-          <a:bodyPr lIns="108000" tIns="72000" rIns="108000" bIns="72000" anchor="ctr">
-            <a:spAutoFit/>
-          </a:bodyPr>
-          <a:lstStyle>
-            <a:lvl1pPr indent="0" algn="ctr" defTabSz="755934">
-              <a:lnSpc>
-                <a:spcPct val="100000"/>
-              </a:lnSpc>
-              <a:spcBef>
-                <a:spcPts val="0"/>
-              </a:spcBef>
-              <a:buFont typeface="Arial" panose="020B0604020202020204" pitchFamily="34" charset="0"/>
-              <a:buNone/>
-              <a:defRPr sz="900" b="0" cap="none" baseline="0">
-                <a:solidFill>
-                  <a:schemeClr val="tx2"/>
-                </a:solidFill>
-                <a:latin typeface="Proxima Nova Rg" panose="02000506030000020004" pitchFamily="2" charset="0"/>
-                <a:cs typeface="Gotham Bold" pitchFamily="50" charset="0"/>
-              </a:defRPr>
-            </a:lvl1pPr>
-            <a:lvl2pPr marL="179388" indent="0" defTabSz="755934">
-              <a:lnSpc>
-                <a:spcPct val="100000"/>
-              </a:lnSpc>
-              <a:spcBef>
-                <a:spcPts val="900"/>
-              </a:spcBef>
-              <a:buFont typeface="Arial" panose="020B0604020202020204" pitchFamily="34" charset="0"/>
-              <a:buNone/>
-              <a:defRPr sz="1200" cap="all" baseline="0">
-                <a:latin typeface="Gotham Medium" pitchFamily="50" charset="0"/>
-                <a:cs typeface="Gotham Medium" pitchFamily="50" charset="0"/>
-              </a:defRPr>
-            </a:lvl2pPr>
-            <a:lvl3pPr marL="179388" indent="0" defTabSz="755934">
-              <a:lnSpc>
-                <a:spcPct val="100000"/>
-              </a:lnSpc>
-              <a:spcBef>
-                <a:spcPts val="600"/>
-              </a:spcBef>
-              <a:buFont typeface="Arial" panose="020B0604020202020204" pitchFamily="34" charset="0"/>
-              <a:buNone/>
-              <a:defRPr sz="900">
-                <a:solidFill>
-                  <a:schemeClr val="tx2"/>
-                </a:solidFill>
-              </a:defRPr>
-            </a:lvl3pPr>
-            <a:lvl4pPr marL="179388" indent="0" defTabSz="755934">
-              <a:lnSpc>
-                <a:spcPct val="100000"/>
-              </a:lnSpc>
-              <a:spcBef>
-                <a:spcPts val="600"/>
-              </a:spcBef>
-              <a:buFont typeface="Arial" panose="020B0604020202020204" pitchFamily="34" charset="0"/>
-              <a:buNone/>
-              <a:defRPr sz="900" u="sng">
-                <a:solidFill>
-                  <a:schemeClr val="tx2"/>
-                </a:solidFill>
-              </a:defRPr>
-            </a:lvl4pPr>
-            <a:lvl5pPr marL="179388" indent="0" defTabSz="755934">
-              <a:lnSpc>
-                <a:spcPct val="100000"/>
-              </a:lnSpc>
-              <a:spcBef>
-                <a:spcPts val="600"/>
-              </a:spcBef>
-              <a:buFont typeface="Arial" panose="020B0604020202020204" pitchFamily="34" charset="0"/>
-              <a:buNone/>
-              <a:defRPr sz="700">
-                <a:solidFill>
-                  <a:schemeClr val="tx2"/>
-                </a:solidFill>
-                <a:latin typeface="Ciutadella Regular Italic" panose="01000000000000000000" pitchFamily="50" charset="0"/>
-              </a:defRPr>
-            </a:lvl5pPr>
-            <a:lvl6pPr marL="2078820" indent="-188984" defTabSz="755934">
-              <a:lnSpc>
-                <a:spcPct val="90000"/>
-              </a:lnSpc>
-              <a:spcBef>
-                <a:spcPts val="413"/>
-              </a:spcBef>
-              <a:buFont typeface="Arial" panose="020B0604020202020204" pitchFamily="34" charset="0"/>
-              <a:buChar char="•"/>
-              <a:defRPr sz="1488"/>
-            </a:lvl6pPr>
-            <a:lvl7pPr marL="2456787" indent="-188984" defTabSz="755934">
-              <a:lnSpc>
-                <a:spcPct val="90000"/>
-              </a:lnSpc>
-              <a:spcBef>
-                <a:spcPts val="413"/>
-              </a:spcBef>
-              <a:buFont typeface="Arial" panose="020B0604020202020204" pitchFamily="34" charset="0"/>
-              <a:buChar char="•"/>
-              <a:defRPr sz="1488"/>
-            </a:lvl7pPr>
-            <a:lvl8pPr marL="2834754" indent="-188984" defTabSz="755934">
-              <a:lnSpc>
-                <a:spcPct val="90000"/>
-              </a:lnSpc>
-              <a:spcBef>
-                <a:spcPts val="413"/>
-              </a:spcBef>
-              <a:buFont typeface="Arial" panose="020B0604020202020204" pitchFamily="34" charset="0"/>
-              <a:buChar char="•"/>
-              <a:defRPr sz="1488"/>
-            </a:lvl8pPr>
-            <a:lvl9pPr marL="3212722" indent="-188984" defTabSz="755934">
-              <a:lnSpc>
-                <a:spcPct val="90000"/>
-              </a:lnSpc>
-              <a:spcBef>
-                <a:spcPts val="413"/>
-              </a:spcBef>
-              <a:buFont typeface="Arial" panose="020B0604020202020204" pitchFamily="34" charset="0"/>
-              <a:buChar char="•"/>
-              <a:defRPr sz="1488"/>
-            </a:lvl9pPr>
-          </a:lstStyle>
-          <a:p>
-            <a:r>
-              <a:rPr lang="fr-FR" sz="800" dirty="0">
-                <a:latin typeface="+mn-lt"/>
-              </a:rPr>
-              <a:t>L’intégralité du capital initial</a:t>
-            </a:r>
-          </a:p>
-          <a:p>
-            <a:r>
-              <a:rPr lang="fr-FR" sz="800" dirty="0">
-                <a:latin typeface="+mn-lt"/>
-              </a:rPr>
-              <a:t>(Soit un Taux de Rendement Annuel net de -1,00%</a:t>
-            </a:r>
-            <a:r>
-              <a:rPr lang="fr-FR" sz="800" baseline="30000" dirty="0">
-                <a:latin typeface="+mn-lt"/>
-              </a:rPr>
-              <a:t>⁽²⁾</a:t>
-            </a:r>
-            <a:r>
-              <a:rPr lang="fr-FR" sz="800" dirty="0">
-                <a:latin typeface="+mn-lt"/>
-              </a:rPr>
-              <a:t>)</a:t>
-            </a:r>
-          </a:p>
-        </p:txBody>
-      </p:sp>
-      <p:sp>
-        <p:nvSpPr>
-          <p:cNvPr id="21" name="ZoneTexte 20">
-            <a:extLst>
-              <a:ext uri="{FF2B5EF4-FFF2-40B4-BE49-F238E27FC236}">
-                <a16:creationId xmlns:a16="http://schemas.microsoft.com/office/drawing/2014/main" id="{13C1DC08-7523-4CEB-8E89-DD7A3070EE79}"/>
-              </a:ext>
-            </a:extLst>
-          </p:cNvPr>
-          <p:cNvSpPr txBox="1"/>
-          <p:nvPr/>
-        </p:nvSpPr>
-        <p:spPr>
-          <a:xfrm>
-            <a:off x="904289" y="7325041"/>
-            <a:ext cx="6353527" cy="246221"/>
-          </a:xfrm>
-          <a:prstGeom prst="rect">
-            <a:avLst/>
-          </a:prstGeom>
-          <a:noFill/>
-        </p:spPr>
-        <p:txBody>
-          <a:bodyPr wrap="square" lIns="0" tIns="0" rIns="0" bIns="0" rtlCol="0">
-            <a:spAutoFit/>
-          </a:bodyPr>
-          <a:lstStyle/>
-          <a:p>
-            <a:pPr algn="just"/>
-            <a:r>
-              <a:rPr lang="fr-FR" sz="800" b="1" u="sng" dirty="0">
-                <a:solidFill>
-                  <a:srgbClr val="000000"/>
-                </a:solidFill>
-              </a:rPr>
-              <a:t>Cas médian</a:t>
-            </a:r>
-            <a:r>
-              <a:rPr lang="fr-FR" sz="800" b="1" dirty="0">
-                <a:solidFill>
-                  <a:srgbClr val="000000"/>
-                </a:solidFill>
-              </a:rPr>
-              <a:t> : Si </a:t>
-            </a:r>
-            <a:r>
-              <a:rPr lang="it-IT" sz="800" b="1" dirty="0">
-                <a:solidFill>
-                  <a:schemeClr val="tx2"/>
-                </a:solidFill>
-              </a:rPr>
-              <a:t>l'indice </a:t>
-            </a:r>
-            <a:r>
-              <a:rPr lang="fr-FR" sz="800" b="1" dirty="0">
-                <a:solidFill>
-                  <a:srgbClr val="000000"/>
-                </a:solidFill>
-              </a:rPr>
-              <a:t>clôture à un niveau strictement inférieur à 100% mais supérieur ou égal à 70% de son Niveau Initial, l’investisseur reçoit, le 02 août 2032 : </a:t>
-            </a:r>
-          </a:p>
-        </p:txBody>
-      </p:sp>
-      <p:sp>
-        <p:nvSpPr>
           <p:cNvPr id="3" name="ZoneTexte 2">
             <a:extLst>
               <a:ext uri="{FF2B5EF4-FFF2-40B4-BE49-F238E27FC236}">
@@ -15392,58 +15239,21 @@
           <a:p>
             <a:r>
               <a:rPr lang="fr-FR" sz="800" dirty="0"/>
-              <a:t> 100% DU Niveau Initial de l'indice</a:t>
+              <a:t> </a:t>
+            </a:r>
+            <a:r>
+              <a:rPr lang="fr-FR" sz="800" dirty="0">
+                <a:highlight>
+                  <a:srgbClr val="FF00FF"/>
+                </a:highlight>
+              </a:rPr>
+              <a:t>&lt;balisedeg3</a:t>
+            </a:r>
+            <a:r>
+              <a:rPr lang="fr-FR" sz="800" dirty="0"/>
+              <a:t>&gt;</a:t>
             </a:r>
             <a:endParaRPr lang="en-US" sz="800" dirty="0"/>
-          </a:p>
-        </p:txBody>
-      </p:sp>
-      <p:sp>
-        <p:nvSpPr>
-          <p:cNvPr id="22" name="Rectangle">
-            <a:extLst>
-              <a:ext uri="{FF2B5EF4-FFF2-40B4-BE49-F238E27FC236}">
-                <a16:creationId xmlns:a16="http://schemas.microsoft.com/office/drawing/2014/main" id="{6B9B65C2-6288-5A83-9D8D-B46A62946578}"/>
-              </a:ext>
-            </a:extLst>
-          </p:cNvPr>
-          <p:cNvSpPr/>
-          <p:nvPr/>
-        </p:nvSpPr>
-        <p:spPr>
-          <a:xfrm>
-            <a:off x="368373" y="9702502"/>
-            <a:ext cx="6840000" cy="6846"/>
-          </a:xfrm>
-          <a:prstGeom prst="rect">
-            <a:avLst/>
-          </a:prstGeom>
-          <a:solidFill>
-            <a:srgbClr val="C5AF5C"/>
-          </a:solidFill>
-          <a:ln w="3175">
-            <a:miter lim="400000"/>
-          </a:ln>
-        </p:spPr>
-        <p:txBody>
-          <a:bodyPr lIns="20981" tIns="20981" rIns="20981" bIns="20981" anchor="ctr"/>
-          <a:lstStyle/>
-          <a:p>
-            <a:pPr algn="ctr" defTabSz="825500">
-              <a:lnSpc>
-                <a:spcPct val="100000"/>
-              </a:lnSpc>
-              <a:defRPr sz="3200" b="0">
-                <a:solidFill>
-                  <a:srgbClr val="FFFFFF"/>
-                </a:solidFill>
-                <a:latin typeface="Helvetica Neue Medium"/>
-                <a:ea typeface="Helvetica Neue Medium"/>
-                <a:cs typeface="Helvetica Neue Medium"/>
-                <a:sym typeface="Helvetica Neue Medium"/>
-              </a:defRPr>
-            </a:pPr>
-            <a:endParaRPr/>
           </a:p>
         </p:txBody>
       </p:sp>
@@ -15617,7 +15427,7 @@
                 </a:solidFill>
                 <a:latin typeface="+mn-lt"/>
               </a:rPr>
-              <a:t> selon les scénarios. Une sortie anticipée à l’initiative de l’investisseur se fera à un niveau dépendant de l’évolution des paramètres de marché au moment de la sortie (niveau de l'indice, des taux d’intérêt, de la volatilité et des primes de risque de crédit notamment) et pourra donc entraîner un risque de perte en capital.</a:t>
+              <a:t> selon les scénarios. Une sortie anticipée à l’initiative de l’investisseur se fera à un cours dépendant de l’évolution des paramètres de marché au moment de la sortie (cours de l'action, des taux d’intérêt, de la volatilité et des primes de risque de crédit notamment) et pourra donc entraîner un risque de perte en capital.</a:t>
             </a:r>
           </a:p>
         </p:txBody>
@@ -15880,55 +15690,6 @@
       </p:sp>
       <p:sp>
         <p:nvSpPr>
-          <p:cNvPr id="7" name="Rectangle">
-            <a:extLst>
-              <a:ext uri="{FF2B5EF4-FFF2-40B4-BE49-F238E27FC236}">
-                <a16:creationId xmlns:a16="http://schemas.microsoft.com/office/drawing/2014/main" id="{11CD4052-900D-4194-A69C-0AF1ADBF03E1}"/>
-              </a:ext>
-            </a:extLst>
-          </p:cNvPr>
-          <p:cNvSpPr/>
-          <p:nvPr/>
-        </p:nvSpPr>
-        <p:spPr>
-          <a:xfrm>
-            <a:off x="539837" y="9727492"/>
-            <a:ext cx="6480000" cy="6846"/>
-          </a:xfrm>
-          <a:prstGeom prst="rect">
-            <a:avLst/>
-          </a:prstGeom>
-          <a:solidFill>
-            <a:srgbClr val="C5AF5C"/>
-          </a:solidFill>
-          <a:ln w="3175">
-            <a:miter lim="400000"/>
-          </a:ln>
-        </p:spPr>
-        <p:txBody>
-          <a:bodyPr lIns="20981" tIns="20981" rIns="20981" bIns="20981" anchor="ctr"/>
-          <a:lstStyle/>
-          <a:p>
-            <a:pPr algn="ctr" defTabSz="825500">
-              <a:lnSpc>
-                <a:spcPct val="100000"/>
-              </a:lnSpc>
-              <a:defRPr sz="3200" b="0">
-                <a:solidFill>
-                  <a:srgbClr val="FFFFFF"/>
-                </a:solidFill>
-                <a:latin typeface="Helvetica Neue Medium"/>
-                <a:ea typeface="Helvetica Neue Medium"/>
-                <a:cs typeface="Helvetica Neue Medium"/>
-                <a:sym typeface="Helvetica Neue Medium"/>
-              </a:defRPr>
-            </a:pPr>
-            <a:endParaRPr/>
-          </a:p>
-        </p:txBody>
-      </p:sp>
-      <p:sp>
-        <p:nvSpPr>
           <p:cNvPr id="11" name="ZoneTexte 10">
             <a:extLst>
               <a:ext uri="{FF2B5EF4-FFF2-40B4-BE49-F238E27FC236}">
@@ -15942,7 +15703,7 @@
         <p:spPr>
           <a:xfrm>
             <a:off x="361950" y="960898"/>
-            <a:ext cx="6837887" cy="6373027"/>
+            <a:ext cx="6837887" cy="6842771"/>
           </a:xfrm>
           <a:prstGeom prst="rect">
             <a:avLst/>
@@ -15973,21 +15734,6 @@
             </a:r>
           </a:p>
           <a:p>
-            <a:pPr algn="just">
-              <a:lnSpc>
-                <a:spcPct val="95000"/>
-              </a:lnSpc>
-              <a:spcBef>
-                <a:spcPts val="600"/>
-              </a:spcBef>
-            </a:pPr>
-            <a:endParaRPr lang="fr-FR" sz="1000" b="1" dirty="0">
-              <a:solidFill>
-                <a:srgbClr val="B9A049"/>
-              </a:solidFill>
-            </a:endParaRPr>
-          </a:p>
-          <a:p>
             <a:pPr marL="171450" indent="-171450" algn="just">
               <a:lnSpc>
                 <a:spcPct val="95000"/>
@@ -16020,7 +15766,7 @@
                   <a:srgbClr val="000000"/>
                 </a:solidFill>
               </a:rPr>
-              <a:t> trimestrielle l'indice clôture à un niveau supérieur ou égal à 100% de son Niveau Initial, </a:t>
+              <a:t> trimestrielle l’action clôture à un cours supérieur ou égal à 100% de son Niveau Initial, </a:t>
             </a:r>
             <a:r>
               <a:rPr lang="fr-FR" sz="800" b="1" dirty="0">
@@ -16036,7 +15782,7 @@
                   <a:srgbClr val="000000"/>
                 </a:solidFill>
               </a:rPr>
-              <a:t>et l’investisseur récupère alors l’intégralité de son capital initial, majorée d’un gain de 2,30% par trimestre écoulé depuis le 29/07/2022 (soit 9,20%</a:t>
+              <a:t>et l’investisseur récupère alors l’intégralité de son capital initial, majorée d’un gain de 1,00% par trimestre écoulé depuis le 29/07/2022 (soit 4,00%</a:t>
             </a:r>
             <a:r>
               <a:rPr lang="fr-FR" sz="800" i="1" dirty="0">
@@ -16052,7 +15798,7 @@
                   <a:srgbClr val="000000"/>
                 </a:solidFill>
               </a:rPr>
-              <a:t>par année écoulée et un Taux de Rendement Annuel net maximum de 8,00%</a:t>
+              <a:t>par année écoulée et un Taux de Rendement Annuel net maximum de 2,92%</a:t>
             </a:r>
             <a:r>
               <a:rPr lang="fr-FR" sz="800" baseline="30000" dirty="0">
@@ -16074,18 +15820,6 @@
               </a:rPr>
               <a:t>).</a:t>
             </a:r>
-          </a:p>
-          <a:p>
-            <a:pPr marL="171450" indent="-171450" algn="just">
-              <a:lnSpc>
-                <a:spcPct val="95000"/>
-              </a:lnSpc>
-              <a:spcAft>
-                <a:spcPts val="200"/>
-              </a:spcAft>
-              <a:buFont typeface="Arial" panose="020B0604020202020204" pitchFamily="34" charset="0"/>
-              <a:buChar char="•"/>
-            </a:pPr>
             <a:endParaRPr lang="fr-FR" sz="800" dirty="0">
               <a:solidFill>
                 <a:srgbClr val="000000"/>
@@ -16125,7 +15859,7 @@
                   <a:srgbClr val="000000"/>
                 </a:solidFill>
               </a:rPr>
-              <a:t>, si le mécanisme de remboursement anticipé n’a pas été activé au préalable, et si l'indice clôture à un niveau supérieur ou égal à 100% de son Niveau Initial, l’investisseur récupère alors l’intégralité de son capital initial, majorée d’un gain de 2,30% par trimestre écoulé depuis le 29/07/2022  (soit un gain de 92,00% et un Taux de Rendement Annuel net de 5,66%</a:t>
+              <a:t>, si le mécanisme de remboursement anticipé n’a pas été activé au préalable, et si l’action clôture à un cours supérieur ou égal à 50% de son Niveau Initial, l’investisseur récupère alors l’intégralité de son capital initial, majorée d’un gain de 1,00% par trimestre écoulé depuis le 29/07/2022  (soit un gain de 40,00% et un Taux de Rendement Annuel net de 2,38%</a:t>
             </a:r>
             <a:r>
               <a:rPr lang="fr-FR" sz="800" baseline="30000" dirty="0">
@@ -16141,7 +15875,7 @@
                   <a:srgbClr val="000000"/>
                 </a:solidFill>
               </a:rPr>
-              <a:t>). </a:t>
+              <a:t>). Le capital n’est donc exposé à un risque de perte à l’échéance(¹) que si l’action clôture à un cours strictement inférieur à 50% de son Niveau Initial à la date de constatation finale⁽¹⁾.</a:t>
             </a:r>
           </a:p>
           <a:p>
@@ -16161,7 +15895,7 @@
                   <a:srgbClr val="000000"/>
                 </a:solidFill>
               </a:rPr>
-              <a:t>Sinon, si le mécanisme automatique de remboursement anticipé n’a pas été activé au préalable et si, à la date de constatation finale⁽¹⁾, l'indice clôture à un niveau strictement inférieur à 100% de son Niveau Initial mais supérieur ou égal à 70% de ce dernier, l’investisseur récupère l’intégralité de son capital initialement investi. Le capital n’est donc exposé à un risque de perte à l’échéance⁽¹⁾ que si l'indice clôture à un niveau strictement inférieur à 70% de son Niveau Initial à la date de constatation finale⁽¹⁾.</a:t>
+              <a:t/>
             </a:r>
           </a:p>
           <a:p>
@@ -16183,25 +15917,145 @@
             </a:r>
           </a:p>
           <a:p>
-            <a:pPr marL="0" lvl="1" algn="just">
+            <a:pPr marL="171450" indent="-171450" algn="just">
               <a:lnSpc>
                 <a:spcPct val="95000"/>
               </a:lnSpc>
-              <a:spcBef>
-                <a:spcPts val="600"/>
-              </a:spcBef>
+              <a:spcAft>
+                <a:spcPts val="200"/>
+              </a:spcAft>
+              <a:buFont typeface="Arial" panose="020B0604020202020204" pitchFamily="34" charset="0"/>
+              <a:buChar char="•"/>
             </a:pPr>
-            <a:endParaRPr lang="fr-FR" sz="1000" b="1" dirty="0">
-              <a:solidFill>
-                <a:srgbClr val="B9A049"/>
-              </a:solidFill>
-            </a:endParaRPr>
+            <a:r>
+              <a:rPr lang="fr-FR" sz="800" dirty="0">
+                <a:solidFill>
+                  <a:srgbClr val="000000"/>
+                </a:solidFill>
+              </a:rPr>
+              <a:t>« guigui » </a:t>
+            </a:r>
+            <a:r>
+              <a:rPr lang="fr-FR" sz="800" b="1" dirty="0">
+                <a:solidFill>
+                  <a:srgbClr val="000000"/>
+                </a:solidFill>
+              </a:rPr>
+              <a:t>présente</a:t>
+            </a:r>
+            <a:r>
+              <a:rPr lang="fr-FR" sz="800" dirty="0">
+                <a:solidFill>
+                  <a:srgbClr val="000000"/>
+                </a:solidFill>
+              </a:rPr>
+              <a:t> </a:t>
+            </a:r>
+            <a:r>
+              <a:rPr lang="fr-FR" sz="800" b="1" dirty="0">
+                <a:solidFill>
+                  <a:srgbClr val="000000"/>
+                </a:solidFill>
+              </a:rPr>
+              <a:t>un risque de perte partielle ou totale du capital en cours de vie </a:t>
+            </a:r>
+            <a:r>
+              <a:rPr lang="fr-FR" sz="800" dirty="0">
+                <a:solidFill>
+                  <a:srgbClr val="000000"/>
+                </a:solidFill>
+              </a:rPr>
+              <a:t>(en cas de revente du produit à l’initiative de l’investisseur alors que les conditions de remboursement automatique ne sont pas remplies, le prix dépendant alors des paramètres de marché le jour de la revente)</a:t>
+            </a:r>
+            <a:r>
+              <a:rPr lang="fr-FR" sz="800" b="1" dirty="0">
+                <a:solidFill>
+                  <a:srgbClr val="000000"/>
+                </a:solidFill>
+              </a:rPr>
+              <a:t> et à l’échéance</a:t>
+            </a:r>
+            <a:r>
+              <a:rPr lang="fr-FR" sz="800" b="1" baseline="30000" dirty="0">
+                <a:solidFill>
+                  <a:srgbClr val="000000"/>
+                </a:solidFill>
+              </a:rPr>
+              <a:t>⁽¹⁾</a:t>
+            </a:r>
+            <a:r>
+              <a:rPr lang="fr-FR" sz="800" b="1" dirty="0">
+                <a:solidFill>
+                  <a:srgbClr val="000000"/>
+                </a:solidFill>
+              </a:rPr>
+              <a:t> </a:t>
+            </a:r>
+            <a:r>
+              <a:rPr lang="fr-FR" sz="800" dirty="0">
+                <a:solidFill>
+                  <a:srgbClr val="000000"/>
+                </a:solidFill>
+              </a:rPr>
+              <a:t>(si, à la date de constatation finale</a:t>
+            </a:r>
+            <a:r>
+              <a:rPr lang="fr-FR" sz="800" baseline="30000" dirty="0">
+                <a:solidFill>
+                  <a:srgbClr val="000000"/>
+                </a:solidFill>
+              </a:rPr>
+              <a:t>⁽¹⁾</a:t>
+            </a:r>
+            <a:r>
+              <a:rPr lang="fr-FR" sz="800" dirty="0">
+                <a:solidFill>
+                  <a:srgbClr val="000000"/>
+                </a:solidFill>
+              </a:rPr>
+              <a:t>, l’action enregistre une baisse supérieure à 50% de son Niveau Initial). La valeur du remboursement peut être inférieure au montant du capital initialement investi. Dans le pire des scenarios, les investisseurs peuvent perdre jusqu’à la totalité de leur capital initialement investi. En cas de revente des titres de créance avant la date de remboursement final</a:t>
+            </a:r>
+            <a:r>
+              <a:rPr lang="fr-FR" sz="800" baseline="30000" dirty="0">
+                <a:solidFill>
+                  <a:srgbClr val="000000"/>
+                </a:solidFill>
+              </a:rPr>
+              <a:t>⁽¹⁾</a:t>
+            </a:r>
+            <a:r>
+              <a:rPr lang="fr-FR" sz="800" dirty="0">
+                <a:solidFill>
+                  <a:srgbClr val="000000"/>
+                </a:solidFill>
+              </a:rPr>
+              <a:t>, il est impossible de mesurer a priori le gain ou la perte possible, le prix pratiqué dépendant alors des paramètres de marché du jour. La perte en capital peut être partielle ou totale. Si le cadre d’investissement du produit est un contrat d’assurance vie ou de capitalisation, le dénouement ou le rachat partiel de celui-ci peut entraîner le désinvestissement des unités de compte adossées aux titres de créance avant leur date de remboursement final</a:t>
+            </a:r>
+            <a:r>
+              <a:rPr lang="fr-FR" sz="800" baseline="30000" dirty="0">
+                <a:solidFill>
+                  <a:srgbClr val="000000"/>
+                </a:solidFill>
+              </a:rPr>
+              <a:t>⁽¹⁾</a:t>
+            </a:r>
+            <a:r>
+              <a:rPr lang="fr-FR" sz="800" dirty="0">
+                <a:solidFill>
+                  <a:srgbClr val="000000"/>
+                </a:solidFill>
+              </a:rPr>
+              <a:t>.</a:t>
+            </a:r>
           </a:p>
           <a:p>
             <a:pPr marL="171450" indent="-171450" algn="just">
               <a:lnSpc>
-                <a:spcPct val="95000"/>
-              </a:lnSpc>
+                <a:spcPct val="92000"/>
+              </a:lnSpc>
+              <a:spcBef>
+                <a:spcPts val="200"/>
+              </a:spcBef>
               <a:spcAft>
                 <a:spcPts val="200"/>
               </a:spcAft>
@@ -16209,12 +16063,20 @@
               <a:buChar char="•"/>
             </a:pPr>
             <a:r>
+              <a:rPr lang="fr-FR" sz="800" b="1" dirty="0">
+                <a:solidFill>
+                  <a:srgbClr val="000000"/>
+                </a:solidFill>
+              </a:rPr>
+              <a:t>L’investisseur est exposé à un éventuel défaut de paiement et/ou de faillite </a:t>
+            </a:r>
+            <a:r>
               <a:rPr lang="fr-FR" sz="800" dirty="0">
                 <a:solidFill>
                   <a:srgbClr val="000000"/>
                 </a:solidFill>
               </a:rPr>
-              <a:t>« guigui » </a:t>
+              <a:t>(qui induit un risque de non remboursement) ou à une </a:t>
             </a:r>
             <a:r>
               <a:rPr lang="fr-FR" sz="800" b="1" dirty="0">
@@ -16222,7 +16084,7 @@
                   <a:srgbClr val="000000"/>
                 </a:solidFill>
               </a:rPr>
-              <a:t>présente</a:t>
+              <a:t>dégradation de la qualité de crédit</a:t>
             </a:r>
             <a:r>
               <a:rPr lang="fr-FR" sz="800" dirty="0">
@@ -16233,113 +16095,14 @@
               <a:t> </a:t>
             </a:r>
             <a:r>
-              <a:rPr lang="fr-FR" sz="800" b="1" dirty="0">
+              <a:rPr lang="fr-FR" sz="800" dirty="0">
                 <a:solidFill>
                   <a:srgbClr val="000000"/>
                 </a:solidFill>
-              </a:rPr>
-              <a:t>un risque de perte partielle ou totale du capital en cours de vie </a:t>
-            </a:r>
-            <a:r>
-              <a:rPr lang="fr-FR" sz="800" dirty="0">
-                <a:solidFill>
-                  <a:srgbClr val="000000"/>
-                </a:solidFill>
-              </a:rPr>
-              <a:t>(en cas de revente du produit à l’initiative de l’investisseur alors que les conditions de remboursement automatique ne sont pas remplies, le prix dépendant alors des paramètres de marché le jour de la revente)</a:t>
-            </a:r>
-            <a:r>
-              <a:rPr lang="fr-FR" sz="800" b="1" dirty="0">
-                <a:solidFill>
-                  <a:srgbClr val="000000"/>
-                </a:solidFill>
-              </a:rPr>
-              <a:t> et à l’échéance</a:t>
-            </a:r>
-            <a:r>
-              <a:rPr lang="fr-FR" sz="800" b="1" baseline="30000" dirty="0">
-                <a:solidFill>
-                  <a:srgbClr val="000000"/>
-                </a:solidFill>
-              </a:rPr>
-              <a:t>⁽¹⁾</a:t>
-            </a:r>
-            <a:r>
-              <a:rPr lang="fr-FR" sz="800" b="1" dirty="0">
-                <a:solidFill>
-                  <a:srgbClr val="000000"/>
-                </a:solidFill>
-              </a:rPr>
-              <a:t> </a:t>
-            </a:r>
-            <a:r>
-              <a:rPr lang="fr-FR" sz="800" dirty="0">
-                <a:solidFill>
-                  <a:srgbClr val="000000"/>
-                </a:solidFill>
-              </a:rPr>
-              <a:t>(si, à la date de constatation finale</a:t>
-            </a:r>
-            <a:r>
-              <a:rPr lang="fr-FR" sz="800" baseline="30000" dirty="0">
-                <a:solidFill>
-                  <a:srgbClr val="000000"/>
-                </a:solidFill>
-              </a:rPr>
-              <a:t>⁽¹⁾</a:t>
-            </a:r>
-            <a:r>
-              <a:rPr lang="fr-FR" sz="800" dirty="0">
-                <a:solidFill>
-                  <a:srgbClr val="000000"/>
-                </a:solidFill>
-              </a:rPr>
-              <a:t>, l'indice enregistre une baisse supérieure à 30% de son Niveau Initial). La valeur du remboursement peut être inférieure au montant du capital initialement investi. Dans le pire des scenarios, les investisseurs peuvent perdre jusqu’à la totalité de leur capital initialement investi. En cas de revente des titres de créance avant la date de remboursement final</a:t>
-            </a:r>
-            <a:r>
-              <a:rPr lang="fr-FR" sz="800" baseline="30000" dirty="0">
-                <a:solidFill>
-                  <a:srgbClr val="000000"/>
-                </a:solidFill>
-              </a:rPr>
-              <a:t>⁽¹⁾</a:t>
-            </a:r>
-            <a:r>
-              <a:rPr lang="fr-FR" sz="800" dirty="0">
-                <a:solidFill>
-                  <a:srgbClr val="000000"/>
-                </a:solidFill>
-              </a:rPr>
-              <a:t>, il est impossible de mesurer a priori le gain ou la perte possible, le prix pratiqué dépendant alors des paramètres de marché du jour. La perte en capital peut être partielle ou totale. Si le cadre d’investissement du produit est un contrat d’assurance vie ou de capitalisation, le dénouement ou le rachat partiel de celui-ci peut entraîner le désinvestissement des unités de compte adossées aux titres de créance avant leur date de remboursement final</a:t>
-            </a:r>
-            <a:r>
-              <a:rPr lang="fr-FR" sz="800" baseline="30000" dirty="0">
-                <a:solidFill>
-                  <a:srgbClr val="000000"/>
-                </a:solidFill>
-              </a:rPr>
-              <a:t>⁽¹⁾</a:t>
-            </a:r>
-            <a:r>
-              <a:rPr lang="fr-FR" sz="800" dirty="0">
-                <a:solidFill>
-                  <a:srgbClr val="000000"/>
-                </a:solidFill>
-              </a:rPr>
-              <a:t>.</a:t>
-            </a:r>
-          </a:p>
-          <a:p>
-            <a:pPr marL="171450" indent="-171450" algn="just">
-              <a:lnSpc>
-                <a:spcPct val="95000"/>
-              </a:lnSpc>
-              <a:spcAft>
-                <a:spcPts val="200"/>
-              </a:spcAft>
-              <a:buFont typeface="Arial" panose="020B0604020202020204" pitchFamily="34" charset="0"/>
-              <a:buChar char="•"/>
-            </a:pPr>
+                <a:latin typeface="Proxima Nova Rg" panose="02000506030000020004" pitchFamily="2" charset="0"/>
+              </a:rPr>
+              <a:t>(qui induit un risque sur la valeur de marché du titre de créance) de l’Émetteur.</a:t>
+            </a:r>
             <a:endParaRPr lang="fr-FR" sz="800" dirty="0">
               <a:solidFill>
                 <a:srgbClr val="000000"/>
@@ -16349,8 +16112,11 @@
           <a:p>
             <a:pPr marL="171450" indent="-171450" algn="just">
               <a:lnSpc>
-                <a:spcPct val="95000"/>
-              </a:lnSpc>
+                <a:spcPct val="92000"/>
+              </a:lnSpc>
+              <a:spcBef>
+                <a:spcPts val="200"/>
+              </a:spcBef>
               <a:spcAft>
                 <a:spcPts val="200"/>
               </a:spcAft>
@@ -16363,25 +16129,83 @@
                   <a:srgbClr val="000000"/>
                 </a:solidFill>
               </a:rPr>
-              <a:t>En cas de revente des titres de créance avant la date de remboursement final⁽¹⁾, il est impossible de mesurer a priori le gain ou la perte possible, le prix pratiqué dépendant alors des paramètres de marché du jour. La perte en capital peut être partielle ou totale. Si le cadre d’investissement du produit est un contrat d’assurance vie ou de capitalisation, le dénouement ou le rachat partiel de celui-ci peut entraîner le désinvestissement des unités de compte adossées aux titres de créance avant leur date de remboursement final.</a:t>
+              <a:t>L’investisseur ne connaît pas à l’avance la durée exacte de son investissement qui peut varier de </a:t>
+            </a:r>
+            <a:r>
+              <a:rPr lang="fr-FR" sz="800" b="1" dirty="0">
+                <a:solidFill>
+                  <a:srgbClr val="000000"/>
+                </a:solidFill>
+              </a:rPr>
+              <a:t>4 à 40 trimestres.</a:t>
             </a:r>
           </a:p>
           <a:p>
             <a:pPr marL="171450" indent="-171450" algn="just">
               <a:lnSpc>
-                <a:spcPct val="95000"/>
-              </a:lnSpc>
+                <a:spcPct val="92000"/>
+              </a:lnSpc>
+              <a:spcBef>
+                <a:spcPts val="200"/>
+              </a:spcBef>
               <a:spcAft>
                 <a:spcPts val="200"/>
               </a:spcAft>
               <a:buFont typeface="Arial" panose="020B0604020202020204" pitchFamily="34" charset="0"/>
               <a:buChar char="•"/>
             </a:pPr>
-            <a:endParaRPr lang="fr-FR" sz="800" dirty="0">
-              <a:solidFill>
-                <a:srgbClr val="000000"/>
-              </a:solidFill>
-            </a:endParaRPr>
+            <a:r>
+              <a:rPr lang="fr-FR" sz="800" dirty="0">
+                <a:solidFill>
+                  <a:srgbClr val="000000"/>
+                </a:solidFill>
+              </a:rPr>
+              <a:t>L’investisseur peut ne bénéficier que d’une hausse partielle de l'action, du fait du </a:t>
+            </a:r>
+            <a:r>
+              <a:rPr lang="fr-FR" sz="800" b="1" dirty="0">
+                <a:solidFill>
+                  <a:srgbClr val="000000"/>
+                </a:solidFill>
+              </a:rPr>
+              <a:t>mécanisme de plafonnement des gains à 1,00% par trimestre écoulé depuis le 29/07/2022 </a:t>
+            </a:r>
+            <a:r>
+              <a:rPr lang="fr-FR" sz="800" dirty="0">
+                <a:solidFill>
+                  <a:srgbClr val="000000"/>
+                </a:solidFill>
+              </a:rPr>
+              <a:t>(soit un Taux de Rendement Annuel net maximum de 2,92%</a:t>
+            </a:r>
+            <a:r>
+              <a:rPr lang="fr-FR" sz="800" baseline="30000" dirty="0">
+                <a:solidFill>
+                  <a:srgbClr val="000000"/>
+                </a:solidFill>
+                <a:ea typeface="SimSun" pitchFamily="2" charset="-122"/>
+                <a:cs typeface="Times New Roman" pitchFamily="18" charset="0"/>
+              </a:rPr>
+              <a:t>⁽²⁾</a:t>
+            </a:r>
+            <a:r>
+              <a:rPr lang="fr-FR" sz="800" dirty="0">
+                <a:solidFill>
+                  <a:srgbClr val="000000"/>
+                </a:solidFill>
+                <a:ea typeface="SimSun" pitchFamily="2" charset="-122"/>
+                <a:cs typeface="Times New Roman" pitchFamily="18" charset="0"/>
+              </a:rPr>
+              <a:t>)</a:t>
+            </a:r>
+            <a:r>
+              <a:rPr lang="fr-FR" sz="800" dirty="0">
+                <a:solidFill>
+                  <a:srgbClr val="000000"/>
+                </a:solidFill>
+              </a:rPr>
+              <a:t>.</a:t>
+            </a:r>
           </a:p>
           <a:p>
             <a:pPr marL="171450" indent="-171450" algn="just">
@@ -16403,40 +16227,38 @@
                   <a:srgbClr val="000000"/>
                 </a:solidFill>
               </a:rPr>
-              <a:t>L’investisseur est exposé à un éventuel défaut de paiement et/ou de faillite </a:t>
-            </a:r>
-            <a:r>
-              <a:rPr lang="fr-FR" sz="800" dirty="0">
+              <a:t>Le rendement de « guigui » est très sensible à une faible variation du cours de clôture de l'action autour du seuil de </a:t>
+            </a:r>
+            <a:r>
+              <a:rPr lang="fr-FR" sz="800" b="1" dirty="0">
                 <a:solidFill>
                   <a:srgbClr val="000000"/>
                 </a:solidFill>
-              </a:rPr>
-              <a:t>(qui induit un risque de non remboursement) ou à une </a:t>
+                <a:effectLst/>
+                <a:ea typeface="Calibri" panose="020F0502020204030204" pitchFamily="34" charset="0"/>
+              </a:rPr>
+              <a:t>100% de son Niveau Initial de son Niveau Initial </a:t>
             </a:r>
             <a:r>
               <a:rPr lang="fr-FR" sz="800" b="1" dirty="0">
-                <a:solidFill>
-                  <a:srgbClr val="000000"/>
-                </a:solidFill>
-              </a:rPr>
-              <a:t>dégradation de la qualité de crédit</a:t>
-            </a:r>
-            <a:r>
-              <a:rPr lang="fr-FR" sz="800" dirty="0">
-                <a:solidFill>
-                  <a:srgbClr val="000000"/>
-                </a:solidFill>
-              </a:rPr>
-              <a:t> </a:t>
-            </a:r>
-            <a:r>
-              <a:rPr lang="fr-FR" sz="800" dirty="0">
-                <a:solidFill>
-                  <a:srgbClr val="000000"/>
-                </a:solidFill>
-                <a:latin typeface="Proxima Nova Rg" panose="02000506030000020004" pitchFamily="2" charset="0"/>
-              </a:rPr>
-              <a:t>(qui induit un risque sur la valeur de marché du titre de créance) de l’Émetteur.</a:t>
+                <a:effectLst/>
+                <a:ea typeface="Calibri" panose="020F0502020204030204" pitchFamily="34" charset="0"/>
+              </a:rPr>
+              <a:t>en cours de vie, et des seuils de 50% et 50% de son Niveau Initial à la date de constatation finale</a:t>
+            </a:r>
+            <a:r>
+              <a:rPr lang="fr-FR" sz="800" b="1" baseline="30000" dirty="0">
+                <a:effectLst/>
+                <a:ea typeface="Calibri" panose="020F0502020204030204" pitchFamily="34" charset="0"/>
+              </a:rPr>
+              <a:t>⁽¹⁾</a:t>
+            </a:r>
+            <a:r>
+              <a:rPr lang="fr-FR" sz="800" b="1" dirty="0">
+                <a:effectLst/>
+                <a:ea typeface="Calibri" panose="020F0502020204030204" pitchFamily="34" charset="0"/>
+              </a:rPr>
+              <a:t>.</a:t>
             </a:r>
           </a:p>
           <a:p>
@@ -16453,248 +16275,29 @@
               <a:buFont typeface="Arial" panose="020B0604020202020204" pitchFamily="34" charset="0"/>
               <a:buChar char="•"/>
             </a:pPr>
-            <a:endParaRPr lang="fr-FR" sz="800" dirty="0">
-              <a:solidFill>
-                <a:srgbClr val="000000"/>
-              </a:solidFill>
-            </a:endParaRPr>
-          </a:p>
-          <a:p>
-            <a:pPr marL="171450" indent="-171450" algn="just">
-              <a:lnSpc>
-                <a:spcPct val="92000"/>
-              </a:lnSpc>
-              <a:spcBef>
-                <a:spcPts val="200"/>
-              </a:spcBef>
-              <a:spcAft>
-                <a:spcPts val="200"/>
-              </a:spcAft>
-              <a:buFont typeface="Arial" panose="020B0604020202020204" pitchFamily="34" charset="0"/>
-              <a:buChar char="•"/>
-            </a:pPr>
             <a:r>
               <a:rPr lang="fr-FR" sz="800" dirty="0">
                 <a:solidFill>
                   <a:srgbClr val="000000"/>
                 </a:solidFill>
               </a:rPr>
-              <a:t>L’investisseur ne connaît pas à l’avance la durée exacte de son investissement qui peut varier de </a:t>
-            </a:r>
-            <a:r>
-              <a:rPr lang="fr-FR" sz="800" b="1" dirty="0">
+              <a:t>&lt;</a:t>
+            </a:r>
+            <a:r>
+              <a:rPr lang="fr-FR" sz="800" dirty="0" err="1">
                 <a:solidFill>
                   <a:srgbClr val="000000"/>
                 </a:solidFill>
               </a:rPr>
-              <a:t>4 à 40 trimestres.</a:t>
-            </a:r>
-          </a:p>
-          <a:p>
-            <a:pPr marL="171450" indent="-171450" algn="just">
-              <a:lnSpc>
-                <a:spcPct val="92000"/>
-              </a:lnSpc>
-              <a:spcBef>
-                <a:spcPts val="200"/>
-              </a:spcBef>
-              <a:spcAft>
-                <a:spcPts val="200"/>
-              </a:spcAft>
-              <a:buFont typeface="Arial" panose="020B0604020202020204" pitchFamily="34" charset="0"/>
-              <a:buChar char="•"/>
-            </a:pPr>
-            <a:endParaRPr lang="fr-FR" sz="800" b="1" dirty="0">
-              <a:solidFill>
-                <a:srgbClr val="000000"/>
-              </a:solidFill>
-            </a:endParaRPr>
-          </a:p>
-          <a:p>
-            <a:pPr marL="171450" indent="-171450" algn="just">
-              <a:lnSpc>
-                <a:spcPct val="92000"/>
-              </a:lnSpc>
-              <a:spcBef>
-                <a:spcPts val="200"/>
-              </a:spcBef>
-              <a:spcAft>
-                <a:spcPts val="200"/>
-              </a:spcAft>
-              <a:buFont typeface="Arial" panose="020B0604020202020204" pitchFamily="34" charset="0"/>
-              <a:buChar char="•"/>
-            </a:pPr>
+              <a:t>inconv</a:t>
+            </a:r>
             <a:r>
               <a:rPr lang="fr-FR" sz="800" dirty="0">
                 <a:solidFill>
                   <a:srgbClr val="000000"/>
                 </a:solidFill>
               </a:rPr>
-              <a:t>L’investisseur peut ne bénéficier que d’une hausse partielle de l'indice, du fait du </a:t>
-            </a:r>
-            <a:r>
-              <a:rPr lang="fr-FR" sz="800" b="1" dirty="0">
-                <a:solidFill>
-                  <a:srgbClr val="000000"/>
-                </a:solidFill>
-              </a:rPr>
-              <a:t>mécanisme de plafonnement des gains à 2,30% par trimestre écoulé depuis le 29/07/2022 </a:t>
-            </a:r>
-            <a:r>
-              <a:rPr lang="fr-FR" sz="800" dirty="0">
-                <a:solidFill>
-                  <a:srgbClr val="000000"/>
-                </a:solidFill>
-              </a:rPr>
-              <a:t>(soit un Taux de Rendement Annuel net maximum de 8,00%</a:t>
-            </a:r>
-            <a:r>
-              <a:rPr lang="fr-FR" sz="800" baseline="30000" dirty="0">
-                <a:solidFill>
-                  <a:srgbClr val="000000"/>
-                </a:solidFill>
-                <a:ea typeface="SimSun" pitchFamily="2" charset="-122"/>
-                <a:cs typeface="Times New Roman" pitchFamily="18" charset="0"/>
-              </a:rPr>
-              <a:t>⁽²⁾</a:t>
-            </a:r>
-            <a:r>
-              <a:rPr lang="fr-FR" sz="800" dirty="0">
-                <a:solidFill>
-                  <a:srgbClr val="000000"/>
-                </a:solidFill>
-                <a:ea typeface="SimSun" pitchFamily="2" charset="-122"/>
-                <a:cs typeface="Times New Roman" pitchFamily="18" charset="0"/>
-              </a:rPr>
-              <a:t>)</a:t>
-            </a:r>
-            <a:r>
-              <a:rPr lang="fr-FR" sz="800" dirty="0">
-                <a:solidFill>
-                  <a:srgbClr val="000000"/>
-                </a:solidFill>
-              </a:rPr>
-              <a:t>.</a:t>
-            </a:r>
-          </a:p>
-          <a:p>
-            <a:pPr marL="171450" indent="-171450" algn="just">
-              <a:lnSpc>
-                <a:spcPct val="92000"/>
-              </a:lnSpc>
-              <a:spcBef>
-                <a:spcPts val="200"/>
-              </a:spcBef>
-              <a:spcAft>
-                <a:spcPts val="200"/>
-              </a:spcAft>
-              <a:buFont typeface="Arial" panose="020B0604020202020204" pitchFamily="34" charset="0"/>
-              <a:buChar char="•"/>
-            </a:pPr>
-            <a:endParaRPr lang="fr-FR" sz="800" dirty="0">
-              <a:solidFill>
-                <a:srgbClr val="000000"/>
-              </a:solidFill>
-            </a:endParaRPr>
-          </a:p>
-          <a:p>
-            <a:pPr marL="171450" indent="-171450" algn="just">
-              <a:lnSpc>
-                <a:spcPct val="92000"/>
-              </a:lnSpc>
-              <a:spcBef>
-                <a:spcPts val="200"/>
-              </a:spcBef>
-              <a:spcAft>
-                <a:spcPts val="200"/>
-              </a:spcAft>
-              <a:buFont typeface="Arial" panose="020B0604020202020204" pitchFamily="34" charset="0"/>
-              <a:buChar char="•"/>
-            </a:pPr>
-            <a:r>
-              <a:rPr lang="fr-FR" sz="800" b="1" dirty="0">
-                <a:solidFill>
-                  <a:srgbClr val="000000"/>
-                </a:solidFill>
-              </a:rPr>
-              <a:t>Le rendement de « guigui » est très sensible à une faible variation du niveau de clôture de l'indice autour du seuil de </a:t>
-            </a:r>
-            <a:r>
-              <a:rPr lang="fr-FR" sz="800" b="1" dirty="0">
-                <a:solidFill>
-                  <a:srgbClr val="000000"/>
-                </a:solidFill>
-                <a:effectLst/>
-                <a:ea typeface="Calibri" panose="020F0502020204030204" pitchFamily="34" charset="0"/>
-              </a:rPr>
-              <a:t>100% de son Niveau Initial   </a:t>
-            </a:r>
-            <a:r>
-              <a:rPr lang="fr-FR" sz="800" b="1" dirty="0">
-                <a:effectLst/>
-                <a:ea typeface="Calibri" panose="020F0502020204030204" pitchFamily="34" charset="0"/>
-              </a:rPr>
-              <a:t>en cours de vie, et des seuils de 100% et 70% de son Niveau Initial à la date de constatation finale</a:t>
-            </a:r>
-            <a:r>
-              <a:rPr lang="fr-FR" sz="800" b="1" baseline="30000" dirty="0">
-                <a:effectLst/>
-                <a:ea typeface="Calibri" panose="020F0502020204030204" pitchFamily="34" charset="0"/>
-              </a:rPr>
-              <a:t>⁽¹⁾</a:t>
-            </a:r>
-            <a:r>
-              <a:rPr lang="fr-FR" sz="800" b="1" dirty="0">
-                <a:effectLst/>
-                <a:ea typeface="Calibri" panose="020F0502020204030204" pitchFamily="34" charset="0"/>
-              </a:rPr>
-              <a:t>. </a:t>
-            </a:r>
-            <a:endParaRPr lang="fr-FR" sz="800" b="1" dirty="0">
-              <a:ea typeface="Calibri" panose="020F0502020204030204" pitchFamily="34" charset="0"/>
-            </a:endParaRPr>
-          </a:p>
-          <a:p>
-            <a:pPr marL="171450" indent="-171450" algn="just">
-              <a:lnSpc>
-                <a:spcPct val="92000"/>
-              </a:lnSpc>
-              <a:spcBef>
-                <a:spcPts val="200"/>
-              </a:spcBef>
-              <a:spcAft>
-                <a:spcPts val="200"/>
-              </a:spcAft>
-              <a:buFont typeface="Arial" panose="020B0604020202020204" pitchFamily="34" charset="0"/>
-              <a:buChar char="•"/>
-            </a:pPr>
-            <a:endParaRPr lang="fr-FR" sz="800" b="1" dirty="0">
-              <a:solidFill>
-                <a:srgbClr val="000000"/>
-              </a:solidFill>
-            </a:endParaRPr>
-          </a:p>
-          <a:p>
-            <a:pPr marL="171450" indent="-171450" algn="just">
-              <a:lnSpc>
-                <a:spcPct val="92000"/>
-              </a:lnSpc>
-              <a:spcBef>
-                <a:spcPts val="200"/>
-              </a:spcBef>
-              <a:spcAft>
-                <a:spcPts val="200"/>
-              </a:spcAft>
-              <a:buFont typeface="Arial" panose="020B0604020202020204" pitchFamily="34" charset="0"/>
-              <a:buChar char="•"/>
-            </a:pPr>
-            <a:r>
-              <a:rPr lang="fr-FR" sz="800" dirty="0">
-                <a:solidFill>
-                  <a:srgbClr val="000000"/>
-                </a:solidFill>
-              </a:rPr>
-              <a:t>NULL</a:t>
+              <a:t>&gt;.</a:t>
             </a:r>
             <a:endParaRPr lang="fr-FR" sz="800" dirty="0">
               <a:solidFill>
@@ -16706,73 +16309,221 @@
             </a:endParaRPr>
           </a:p>
           <a:p>
-            <a:pPr marL="171450" indent="-171450" algn="just">
-              <a:lnSpc>
-                <a:spcPct val="92000"/>
-              </a:lnSpc>
-              <a:spcBef>
-                <a:spcPts val="200"/>
+            <a:pPr marL="0" lvl="1" indent="0" algn="just">
+              <a:lnSpc>
+                <a:spcPct val="95000"/>
+              </a:lnSpc>
+              <a:spcBef>
+                <a:spcPts val="600"/>
               </a:spcBef>
               <a:spcAft>
                 <a:spcPts val="200"/>
               </a:spcAft>
-              <a:buFont typeface="Arial" panose="020B0604020202020204" pitchFamily="34" charset="0"/>
-              <a:buChar char="•"/>
+              <a:buNone/>
             </a:pPr>
-            <a:endParaRPr lang="fr-FR" sz="800" dirty="0">
+            <a:r>
+              <a:rPr lang="fr-FR" sz="1000" b="1" dirty="0">
+                <a:solidFill>
+                  <a:srgbClr val="B9A049"/>
+                </a:solidFill>
+              </a:rPr>
+              <a:t>PRINCIPAUX FACTEURS DE RISQUES</a:t>
+            </a:r>
+          </a:p>
+          <a:p>
+            <a:pPr algn="just">
+              <a:lnSpc>
+                <a:spcPct val="95000"/>
+              </a:lnSpc>
+            </a:pPr>
+            <a:r>
+              <a:rPr lang="fr-FR" sz="800" i="1" dirty="0">
+                <a:solidFill>
+                  <a:srgbClr val="000000"/>
+                </a:solidFill>
+              </a:rPr>
+              <a:t>Les investisseurs sont invités à lire attentivement la section « Facteurs de Risques » du Prospectus de base. </a:t>
+            </a:r>
+          </a:p>
+          <a:p>
+            <a:pPr algn="just">
+              <a:lnSpc>
+                <a:spcPct val="95000"/>
+              </a:lnSpc>
+              <a:spcAft>
+                <a:spcPts val="600"/>
+              </a:spcAft>
+            </a:pPr>
+            <a:r>
+              <a:rPr lang="fr-FR" sz="800" b="1" u="sng" dirty="0">
+                <a:solidFill>
+                  <a:srgbClr val="000000"/>
+                </a:solidFill>
+              </a:rPr>
+              <a:t>Ces risques sont notamment :</a:t>
+            </a:r>
+            <a:endParaRPr lang="fr-FR" sz="800" i="1" u="sng" dirty="0">
               <a:solidFill>
                 <a:srgbClr val="000000"/>
               </a:solidFill>
-              <a:highlight>
-                <a:srgbClr val="FFFF00"/>
-              </a:highlight>
             </a:endParaRPr>
           </a:p>
           <a:p>
             <a:pPr marL="171450" indent="-171450" algn="just">
               <a:lnSpc>
-                <a:spcPct val="92000"/>
-              </a:lnSpc>
-              <a:spcBef>
-                <a:spcPts val="200"/>
-              </a:spcBef>
+                <a:spcPct val="90000"/>
+              </a:lnSpc>
               <a:spcAft>
                 <a:spcPts val="200"/>
               </a:spcAft>
               <a:buFont typeface="Arial" panose="020B0604020202020204" pitchFamily="34" charset="0"/>
               <a:buChar char="•"/>
             </a:pPr>
-            <a:endParaRPr lang="fr-FR" sz="800" dirty="0">
+            <a:r>
+              <a:rPr lang="fr-FR" sz="800" b="1" dirty="0">
+                <a:solidFill>
+                  <a:srgbClr val="000000"/>
+                </a:solidFill>
+              </a:rPr>
+              <a:t>Risque de crédit : </a:t>
+            </a:r>
+            <a:r>
+              <a:rPr lang="fr-FR" sz="800" dirty="0">
+                <a:solidFill>
+                  <a:srgbClr val="000000"/>
+                </a:solidFill>
+              </a:rPr>
+              <a:t>L’investisseur supporte le risque de défaut de paiement et de faillite de l’Émetteur ainsi que le risque de défaut de paiement, de faillite et de mise en résolution du Garant de la formule. Conformément à la règlementation relative au mécanisme de renflouement interne des institutions financières (bail-in), en cas de défaillance probable ou certaine du Garant de la formule, l’investisseur est susceptible de ne pas recouvrer, le cas échéant, la totalité ou partie du montant qui est dû par le Garant de la formule au titre de la Garantie ou l’Investisseur peut être susceptible de recevoir, le cas échéant, tout autre instrument financier émis par le Garant de la formule (ou toute autre entité) en remplacement du montant qui est dû au titre des titres de créance émis par l’Émetteur.</a:t>
+            </a:r>
+            <a:endParaRPr lang="fr-FR" sz="800" b="1" dirty="0">
               <a:solidFill>
                 <a:srgbClr val="000000"/>
               </a:solidFill>
-              <a:highlight>
-                <a:srgbClr val="FFFF00"/>
-              </a:highlight>
             </a:endParaRPr>
           </a:p>
           <a:p>
             <a:pPr marL="171450" indent="-171450" algn="just">
               <a:lnSpc>
-                <a:spcPct val="92000"/>
-              </a:lnSpc>
-              <a:spcBef>
-                <a:spcPts val="200"/>
-              </a:spcBef>
+                <a:spcPct val="90000"/>
+              </a:lnSpc>
               <a:spcAft>
                 <a:spcPts val="200"/>
               </a:spcAft>
               <a:buFont typeface="Arial" panose="020B0604020202020204" pitchFamily="34" charset="0"/>
               <a:buChar char="•"/>
             </a:pPr>
-            <a:endParaRPr lang="fr-FR" sz="800" dirty="0">
-              <a:solidFill>
-                <a:srgbClr val="000000"/>
-              </a:solidFill>
-              <a:highlight>
-                <a:srgbClr val="FFFF00"/>
-              </a:highlight>
-            </a:endParaRPr>
+            <a:r>
+              <a:rPr lang="fr-FR" sz="800" b="1" dirty="0">
+                <a:solidFill>
+                  <a:srgbClr val="000000"/>
+                </a:solidFill>
+              </a:rPr>
+              <a:t>Risque de marché : </a:t>
+            </a:r>
+            <a:r>
+              <a:rPr lang="fr-FR" sz="800" dirty="0">
+                <a:solidFill>
+                  <a:srgbClr val="000000"/>
+                </a:solidFill>
+              </a:rPr>
+              <a:t>Le produit peut connaître à tout moment d’importantes fluctuations de cours (en raison notamment de l’évolution du prix, du (ou des) instrument(s) sous-jacent(s) et des taux d’intérêt), pouvant aboutir dans certains cas à la perte totale du montant investi.</a:t>
+            </a:r>
+          </a:p>
+          <a:p>
+            <a:pPr marL="171450" indent="-171450" algn="just">
+              <a:lnSpc>
+                <a:spcPct val="90000"/>
+              </a:lnSpc>
+              <a:spcAft>
+                <a:spcPts val="200"/>
+              </a:spcAft>
+              <a:buFont typeface="Arial" panose="020B0604020202020204" pitchFamily="34" charset="0"/>
+              <a:buChar char="•"/>
+            </a:pPr>
+            <a:r>
+              <a:rPr lang="fr-FR" sz="800" b="1" dirty="0">
+                <a:solidFill>
+                  <a:srgbClr val="000000"/>
+                </a:solidFill>
+              </a:rPr>
+              <a:t>Risque de liquidité : </a:t>
+            </a:r>
+            <a:r>
+              <a:rPr lang="fr-FR" sz="800" dirty="0">
+                <a:solidFill>
+                  <a:srgbClr val="000000"/>
+                </a:solidFill>
+              </a:rPr>
+              <a:t>Certaines conditions exceptionnelles de marché peuvent avoir un effet défavorable sur la liquidité du produit, voire même rendre le produit totalement illiquide, ce qui peut rendre impossible la vente du produit et entraîner la perte totale ou partielle du montant investi.</a:t>
+            </a:r>
+          </a:p>
+          <a:p>
+            <a:pPr marL="171450" indent="-171450" algn="just">
+              <a:lnSpc>
+                <a:spcPct val="90000"/>
+              </a:lnSpc>
+              <a:spcAft>
+                <a:spcPts val="200"/>
+              </a:spcAft>
+              <a:buFont typeface="Arial" panose="020B0604020202020204" pitchFamily="34" charset="0"/>
+              <a:buChar char="•"/>
+            </a:pPr>
+            <a:r>
+              <a:rPr lang="fr-FR" sz="800" b="1" dirty="0">
+                <a:solidFill>
+                  <a:srgbClr val="000000"/>
+                </a:solidFill>
+              </a:rPr>
+              <a:t>Risque de perte en capital : </a:t>
+            </a:r>
+            <a:r>
+              <a:rPr lang="fr-FR" sz="800" dirty="0">
+                <a:solidFill>
+                  <a:srgbClr val="000000"/>
+                </a:solidFill>
+              </a:rPr>
+              <a:t>Le produit présente un risque de perte en capital. La valeur de remboursement du produit peut être inférieure au montant de l’investissement initial. Dans le pire des scénarios, les investisseurs peuvent perdre jusqu’à la totalité de leur investissement.</a:t>
+            </a:r>
+          </a:p>
+          <a:p>
+            <a:pPr marL="171450" indent="-171450" algn="just">
+              <a:lnSpc>
+                <a:spcPct val="90000"/>
+              </a:lnSpc>
+              <a:spcAft>
+                <a:spcPts val="200"/>
+              </a:spcAft>
+              <a:buFont typeface="Arial" panose="020B0604020202020204" pitchFamily="34" charset="0"/>
+              <a:buChar char="•"/>
+            </a:pPr>
+            <a:r>
+              <a:rPr lang="fr-FR" sz="800" dirty="0">
+                <a:solidFill>
+                  <a:srgbClr val="000000"/>
+                </a:solidFill>
+              </a:rPr>
+              <a:t>Risque lié au sous-jacent : Le mécanisme de remboursement est lié à l’évolution du cours de l'action et donc à l’évolution des marchés actions.</a:t>
+            </a:r>
+          </a:p>
+          <a:p>
+            <a:pPr marL="171450" indent="-171450" algn="just">
+              <a:lnSpc>
+                <a:spcPct val="90000"/>
+              </a:lnSpc>
+              <a:spcAft>
+                <a:spcPts val="200"/>
+              </a:spcAft>
+              <a:buFont typeface="Arial" panose="020B0604020202020204" pitchFamily="34" charset="0"/>
+              <a:buChar char="•"/>
+            </a:pPr>
+            <a:r>
+              <a:rPr lang="fr-FR" sz="800" dirty="0">
+                <a:solidFill>
+                  <a:srgbClr val="000000"/>
+                </a:solidFill>
+              </a:rPr>
+              <a:t>Risque découlant de la nature du support : En cas de revente du produit avant l’échéance ou, selon le cas, à la date de remboursement anticipé automatique⁽¹⁾, alors que les conditions de remboursement anticipé automatique ne sont pas remplies, il est impossible de mesurer a priori le gain ou la perte possibles, le prix pratiqué dépendant alors des conditions de marché en vigueur. Si le cadre d’investissement du produit est un contrat d’assurance vie ou de capitalisation, le dénouement (notamment par rachat ou décès de l’assuré), l’arbitrage ou le rachat partiel de celui-ci peuvent entraîner le désinvestissement des unités de compte adossées aux titres avant leur dates d’échéance⁽¹⁾. Ainsi, le montant remboursé pourra être très différent (inférieur ou supérieur) du montant résultant de l’application de la formule annoncée. Il existe donc un risque de perte en capital partielle ou totale. Il est précisé que l’Assureur, d'une part, l'Emetteur et le Garant de la formule d'autre part sont des entités juridiques indépendantes.</a:t>
+            </a:r>
           </a:p>
         </p:txBody>
       </p:sp>
@@ -16852,7 +16603,7 @@
         </p:nvSpPr>
         <p:spPr bwMode="auto">
           <a:xfrm>
-            <a:off x="359409" y="9771581"/>
+            <a:off x="361950" y="9765983"/>
             <a:ext cx="6483350" cy="700192"/>
           </a:xfrm>
           <a:prstGeom prst="rect">
@@ -16946,7 +16697,7 @@
                 </a:solidFill>
                 <a:latin typeface="+mn-lt"/>
               </a:rPr>
-              <a:t> selon les scénarios. Une sortie anticipée à l’initiative de l’investisseur se fera à un niveau dépendant de l’évolution des paramètres de marché au moment de la sortie (niveau de l'indice, des taux d’intérêt, de la volatilité et des primes de risque de crédit notamment) et pourra donc entraîner un risque de perte en capital.</a:t>
+              <a:t> selon les scénarios. Une sortie anticipée à l’initiative de l’investisseur se fera à un cours dépendant de l’évolution des paramètres de marché au moment de la sortie (cours de l'action, des taux d’intérêt, de la volatilité et des primes de risque de crédit notamment) et pourra donc entraîner un risque de perte en capital.</a:t>
             </a:r>
           </a:p>
           <a:p>
@@ -16958,13 +16709,28 @@
                 </a:solidFill>
                 <a:latin typeface="+mn-lt"/>
               </a:rPr>
-              <a:t>(3) </a:t>
+              <a:t>(3</a:t>
+            </a:r>
+            <a:r>
+              <a:rPr lang="fr-FR" sz="650" baseline="30000" dirty="0">
+                <a:solidFill>
+                  <a:schemeClr val="tx2"/>
+                </a:solidFill>
+                <a:highlight>
+                  <a:srgbClr val="FFFF00"/>
+                </a:highlight>
+                <a:latin typeface="+mn-lt"/>
+              </a:rPr>
+              <a:t>) </a:t>
             </a:r>
             <a:r>
               <a:rPr lang="fr-FR" sz="650" dirty="0">
                 <a:solidFill>
                   <a:schemeClr val="tx2"/>
                 </a:solidFill>
+                <a:highlight>
+                  <a:srgbClr val="FFFF00"/>
+                </a:highlight>
                 <a:latin typeface="+mn-lt"/>
               </a:rPr>
               <a:t>Hors prise en compte des dividendes éventuels détachés par </a:t>
@@ -16974,14 +16740,20 @@
                 <a:solidFill>
                   <a:schemeClr val="tx2"/>
                 </a:solidFill>
+                <a:highlight>
+                  <a:srgbClr val="FFFF00"/>
+                </a:highlight>
                 <a:latin typeface="+mn-lt"/>
               </a:rPr>
-              <a:t>l'indice</a:t>
+              <a:t>l’action</a:t>
             </a:r>
             <a:endParaRPr lang="fr-FR" sz="650" dirty="0">
               <a:solidFill>
                 <a:schemeClr val="tx2"/>
               </a:solidFill>
+              <a:highlight>
+                <a:srgbClr val="FFFF00"/>
+              </a:highlight>
               <a:latin typeface="+mn-lt"/>
             </a:endParaRPr>
           </a:p>
@@ -17281,7 +17053,7 @@
               <a:rPr lang="fr-FR" sz="800" b="1" dirty="0">
                 <a:latin typeface="Proxima Nova Rg" panose="02000506030000020004" pitchFamily="2" charset="0"/>
               </a:rPr>
-              <a:t>Les données chiffrées utilisées dans ces exemples n’ont qu’une valeur indicative et informative, l’objectif étant de décrire le mécanisme du produit. Ces illustrations ont été réalisées de bonne foi à titre d'information uniquement. Elles ne préjugent en rien de l'évolution future de l'indice et du produit.</a:t>
+              <a:t>Les données chiffrées utilisées dans ces exemples n’ont qu’une valeur indicative et informative, l’objectif étant de décrire le mécanisme du produit. Ces illustrations ont été réalisées de bonne foi à titre d'information uniquement. Elles ne préjugent en rien de l'évolution future de l'action et du produit.</a:t>
             </a:r>
           </a:p>
         </p:txBody>
@@ -17345,7 +17117,7 @@
                   <a:srgbClr val="B9A049"/>
                 </a:solidFill>
               </a:rPr>
-              <a:t>, l'indice clôture à un niveau strictement inférieur à 70% de son Niveau Initial</a:t>
+              <a:t>, l’action clôture à un cours strictement inférieur à 50% de son Niveau Initial</a:t>
             </a:r>
           </a:p>
         </p:txBody>
@@ -17403,7 +17175,7 @@
               <a:rPr lang="fr-FR" sz="800" b="0" dirty="0">
                 <a:latin typeface="+mn-lt"/>
               </a:rPr>
-              <a:t>À la date de constatation finale(¹), l'indice clôture à un niveau strictement inférieur à 100% mais supérieur ou égal à 70% de son Niveau Initial</a:t>
+              <a:t>À la date de constatation finale(¹), l’action clôture à un cours strictement supérieur à 50% de son Niveau Initial</a:t>
             </a:r>
           </a:p>
         </p:txBody>
@@ -17461,7 +17233,7 @@
               <a:rPr lang="fr-FR" sz="800" b="0" dirty="0">
                 <a:latin typeface="+mn-lt"/>
               </a:rPr>
-              <a:t>Dès la première date de constatation du mécanisme de remboursement anticipé automatique, l'indice clôture à un niveau supérieur ou égal à 100% de son Niveau Initial</a:t>
+              <a:t>Dès la première date de constatation du mécanisme de remboursement anticipé automatique, l’action clôture à un cours supérieur ou égal à 100% de son Niveau Initial</a:t>
             </a:r>
           </a:p>
         </p:txBody>
@@ -17679,7 +17451,7 @@
                 </a:solidFill>
                 <a:latin typeface="+mn-lt"/>
               </a:rPr>
-              <a:t>LE RENDEMENT DU PRODUIT « guigui » EST TRÈS SENSIBLE À UNE FAIBLE VARIATION DU niveau DE CLÔTURE de l'indice AUTOUR DES SEUILS DE 100% ET DE 70% </a:t>
+              <a:t>LE RENDEMENT DU PRODUIT « guigui » EST TRÈS SENSIBLE À UNE FAIBLE VARIATION DU cours DE CLÔTURE de l'action AUTOUR DES SEUILS DE 50% ET DE 50% </a:t>
             </a:r>
             <a:r>
               <a:rPr lang="fr-FR" sz="800" cap="all" dirty="0">
@@ -17778,7 +17550,7 @@
             </a:r>
             <a:r>
               <a:rPr lang="fr-FR" sz="800" dirty="0"/>
-              <a:t>, l'indice clôture à un niveau strictement inférieur à 100% de son Niveau Initial. Le mécanisme de remboursement anticipé automatique n’est donc pas activé et le produit continue.</a:t>
+              <a:t>, l’action clôture à un cours strictement inférieur à 100% de son Niveau Initial. Le mécanisme de remboursement anticipé automatique n’est donc pas activé et le produit continue.</a:t>
             </a:r>
           </a:p>
           <a:p>
@@ -17815,7 +17587,7 @@
             </a:r>
             <a:r>
               <a:rPr lang="fr-FR" sz="800" dirty="0"/>
-              <a:t>, l'indice clôture à un niveau strictement inférieur à 70% de son Niveau Initial (30% dans cet exemple). L’investisseur récupère alors le capital initialement investi diminué de l’intégralité de la baisse enregistrée par l'indice, soit 30% de son capital initial dans cet exemple.</a:t>
+              <a:t>, l’action clôture à un cours strictement inférieur à 50% de son Niveau Initial (30% dans cet exemple). L’investisseur récupère alors le capital initialement investi diminué de l’intégralité de la baisse enregistrée par l’action, soit 30% de son capital initial dans cet exemple.</a:t>
             </a:r>
           </a:p>
           <a:p>
@@ -17829,7 +17601,7 @@
             </a:pPr>
             <a:r>
               <a:rPr lang="fr-FR" sz="800" dirty="0"/>
-              <a:t>Le Taux de Rendement Annuel net est alors similaire à celui d’un investissement direct dans l'indice</a:t>
+              <a:t>Le Taux de Rendement Annuel net est alors similaire à celui d’un investissement direct dans l’action</a:t>
             </a:r>
             <a:r>
               <a:rPr lang="fr-FR" sz="800" baseline="30000" dirty="0"/>
@@ -17937,7 +17709,7 @@
               <a:rPr lang="fr-FR" sz="800" dirty="0">
                 <a:latin typeface="+mn-lt"/>
               </a:rPr>
-              <a:t> des trimestres 4 à 39, l'indice clôture à </a:t>
+              <a:t> des trimestres 4 à 39, l’action clôture à </a:t>
             </a:r>
             <a:r>
               <a:rPr lang="fr-FR" sz="800" dirty="0">
@@ -17946,7 +17718,7 @@
                 </a:solidFill>
                 <a:latin typeface="+mn-lt"/>
               </a:rPr>
-              <a:t>un niveau strictement inférieur à 100% de son Niveau Initial</a:t>
+              <a:t>un cours strictement inférieur à 100% de son Niveau Initial</a:t>
             </a:r>
             <a:r>
               <a:rPr lang="fr-FR" sz="800" dirty="0">
@@ -17981,8 +17753,7 @@
               <a:rPr lang="fr-FR" sz="800" dirty="0">
                 <a:latin typeface="+mn-lt"/>
               </a:rPr>
-              <a:t>À la date de constatation finale(¹), l'indice clôture à un niveau strictement inférieur à 100% de son Niveau Initial (70% dans cet exemple). L’investisseur récupère alors l’intégralité de son capital initialement investi.
-        </a:t>
+              <a:t>À la date de constatation finale(¹), l’action clôture à un cours strictement supérieur à 50% de son Niveau Initial (65% dans cet exemple). L’investisseur récupère alors l’intégralité de son capital initialement investi majorée d’un gain de 1,00% par trimestre écoulé depuis le 2022-07-29 (soit un gain total de 40,00% total).</a:t>
             </a:r>
           </a:p>
           <a:p>
@@ -18019,7 +17790,7 @@
                 </a:solidFill>
                 <a:latin typeface="+mn-lt"/>
               </a:rPr>
-              <a:t>, contre un Taux de Rendement Annuel net de -4,46%</a:t>
+              <a:t>, contre un Taux de Rendement Annuel net de -5,17%</a:t>
             </a:r>
             <a:r>
               <a:rPr lang="fr-FR" sz="800" baseline="30000" dirty="0">
@@ -18037,7 +17808,7 @@
                 </a:solidFill>
                 <a:latin typeface="+mn-lt"/>
               </a:rPr>
-              <a:t>, pour un investissement direct dans l'indice</a:t>
+              <a:t>, pour un investissement direct dans l’action</a:t>
             </a:r>
             <a:r>
               <a:rPr lang="fr-FR" sz="800" baseline="30000" dirty="0">
@@ -18174,7 +17945,7 @@
                   <a:schemeClr val="tx2"/>
                 </a:solidFill>
               </a:rPr>
-              <a:t>l'indice </a:t>
+              <a:t>l’action </a:t>
             </a:r>
             <a:r>
               <a:rPr lang="fr-FR" sz="800" dirty="0">
@@ -18191,7 +17962,7 @@
                 </a:solidFill>
                 <a:latin typeface="Proxima Nova Rg" panose="02000506030000020004" pitchFamily="2" charset="0"/>
               </a:rPr>
-              <a:t>un niveau supérieur à 100% de son Niveau Initial 100% de son Niveau Initial </a:t>
+              <a:t>un cours supérieur à 100% de son Niveau Initial 100% de son Niveau Initial </a:t>
             </a:r>
             <a:r>
               <a:rPr lang="fr-FR" sz="800" dirty="0">
@@ -18199,7 +17970,7 @@
                   <a:schemeClr val="tx2"/>
                 </a:solidFill>
               </a:rPr>
-              <a:t>(115% dans cet exemple). Le produit est automatiquement remboursé par anticipation. Il verse alors l’intégralité du capital initial majorée d’un gain de 2,30% par trimestre écoulé depuis le 29/07/2022, soit un gain de 9,20% dans notre exemple.</a:t>
+              <a:t>(115% dans cet exemple). Le produit est automatiquement remboursé par anticipation. Il verse alors l’intégralité du capital initial majorée d’un gain de 1,00% par trimestre écoulé depuis le 29/07/2022, soit un gain de 4,00% dans notre exemple.</a:t>
             </a:r>
           </a:p>
           <a:p>
@@ -18210,7 +17981,7 @@
             </a:pPr>
             <a:r>
               <a:rPr lang="fr-FR" sz="800" dirty="0"/>
-              <a:t>Ce qui correspond à un Taux de Rendement Annuel net de 8,00%</a:t>
+              <a:t>Ce qui correspond à un Taux de Rendement Annuel net de 2,92%</a:t>
             </a:r>
             <a:r>
               <a:rPr lang="fr-FR" sz="800" baseline="30000" dirty="0"/>
@@ -18230,7 +18001,7 @@
             </a:r>
             <a:r>
               <a:rPr lang="it-IT" sz="800" dirty="0"/>
-              <a:t>l'indice</a:t>
+              <a:t>l’action</a:t>
             </a:r>
             <a:r>
               <a:rPr lang="fr-FR" sz="800" baseline="30000" dirty="0"/>
@@ -18246,7 +18017,7 @@
                   <a:schemeClr val="tx2"/>
                 </a:solidFill>
               </a:rPr>
-              <a:t>mécanisme de plafonnement des gains à 2,30% par trimestre écoulé depuis le 29/07/2022.</a:t>
+              <a:t>mécanisme de plafonnement des gains à 1,00% par trimestre écoulé depuis le 29/07/2022.</a:t>
             </a:r>
           </a:p>
         </p:txBody>
@@ -18339,55 +18110,6 @@
           </a:bodyPr>
           <a:lstStyle/>
           <a:p/>
-        </p:txBody>
-      </p:sp>
-      <p:sp>
-        <p:nvSpPr>
-          <p:cNvPr id="17" name="Rectangle">
-            <a:extLst>
-              <a:ext uri="{FF2B5EF4-FFF2-40B4-BE49-F238E27FC236}">
-                <a16:creationId xmlns:a16="http://schemas.microsoft.com/office/drawing/2014/main" id="{BEDC322A-047C-AD25-3052-3FBCB8664A82}"/>
-              </a:ext>
-            </a:extLst>
-          </p:cNvPr>
-          <p:cNvSpPr/>
-          <p:nvPr/>
-        </p:nvSpPr>
-        <p:spPr>
-          <a:xfrm>
-            <a:off x="357721" y="9671422"/>
-            <a:ext cx="6840000" cy="6846"/>
-          </a:xfrm>
-          <a:prstGeom prst="rect">
-            <a:avLst/>
-          </a:prstGeom>
-          <a:solidFill>
-            <a:srgbClr val="C5AF5C"/>
-          </a:solidFill>
-          <a:ln w="3175">
-            <a:miter lim="400000"/>
-          </a:ln>
-        </p:spPr>
-        <p:txBody>
-          <a:bodyPr lIns="20981" tIns="20981" rIns="20981" bIns="20981" anchor="ctr"/>
-          <a:lstStyle/>
-          <a:p>
-            <a:pPr algn="ctr" defTabSz="825500">
-              <a:lnSpc>
-                <a:spcPct val="100000"/>
-              </a:lnSpc>
-              <a:defRPr sz="3200" b="0">
-                <a:solidFill>
-                  <a:srgbClr val="FFFFFF"/>
-                </a:solidFill>
-                <a:latin typeface="Helvetica Neue Medium"/>
-                <a:ea typeface="Helvetica Neue Medium"/>
-                <a:cs typeface="Helvetica Neue Medium"/>
-                <a:sym typeface="Helvetica Neue Medium"/>
-              </a:defRPr>
-            </a:pPr>
-            <a:endParaRPr/>
-          </a:p>
         </p:txBody>
       </p:sp>
       <p:pic>
@@ -19207,6 +18929,27 @@
 </file>
 
 <file path=customXml/item1.xml><?xml version="1.0" encoding="utf-8"?>
+<p:properties xmlns:p="http://schemas.microsoft.com/office/2006/metadata/properties" xmlns:xsi="http://www.w3.org/2001/XMLSchema-instance" xmlns:pc="http://schemas.microsoft.com/office/infopath/2007/PartnerControls">
+  <documentManagement>
+    <_Flow_SignoffStatus xmlns="ef624bc2-1644-4d69-8362-5c28ca496374" xsi:nil="true"/>
+    <TaxCatchAll xmlns="514a554b-82b0-4359-b247-fc84018a95f0" xsi:nil="true"/>
+    <lcf76f155ced4ddcb4097134ff3c332f xmlns="ef624bc2-1644-4d69-8362-5c28ca496374">
+      <Terms xmlns="http://schemas.microsoft.com/office/infopath/2007/PartnerControls"/>
+    </lcf76f155ced4ddcb4097134ff3c332f>
+  </documentManagement>
+</p:properties>
+</file>
+
+<file path=customXml/item2.xml><?xml version="1.0" encoding="utf-8"?>
+<?mso-contentType ?>
+<FormTemplates xmlns="http://schemas.microsoft.com/sharepoint/v3/contenttype/forms">
+  <Display>DocumentLibraryForm</Display>
+  <Edit>DocumentLibraryForm</Edit>
+  <New>DocumentLibraryForm</New>
+</FormTemplates>
+</file>
+
+<file path=customXml/item3.xml><?xml version="1.0" encoding="utf-8"?>
 <ct:contentTypeSchema xmlns:ct="http://schemas.microsoft.com/office/2006/metadata/contentType" xmlns:ma="http://schemas.microsoft.com/office/2006/metadata/properties/metaAttributes" ct:_="" ma:_="" ma:contentTypeName="Document" ma:contentTypeID="0x0101005DDE610BC516E448BB8152259F39635A" ma:contentTypeVersion="17" ma:contentTypeDescription="Crée un document." ma:contentTypeScope="" ma:versionID="bfb75e103009df80b8e5001438c41194">
   <xsd:schema xmlns:xsd="http://www.w3.org/2001/XMLSchema" xmlns:xs="http://www.w3.org/2001/XMLSchema" xmlns:p="http://schemas.microsoft.com/office/2006/metadata/properties" xmlns:ns2="ef624bc2-1644-4d69-8362-5c28ca496374" xmlns:ns3="514a554b-82b0-4359-b247-fc84018a95f0" targetNamespace="http://schemas.microsoft.com/office/2006/metadata/properties" ma:root="true" ma:fieldsID="2ae3df86d13efbb4a35042af2564d386" ns2:_="" ns3:_="">
     <xsd:import namespace="ef624bc2-1644-4d69-8362-5c28ca496374"/>
@@ -19455,29 +19198,33 @@
 </ct:contentTypeSchema>
 </file>
 
-<file path=customXml/item2.xml><?xml version="1.0" encoding="utf-8"?>
-<?mso-contentType ?>
-<FormTemplates xmlns="http://schemas.microsoft.com/sharepoint/v3/contenttype/forms">
-  <Display>DocumentLibraryForm</Display>
-  <Edit>DocumentLibraryForm</Edit>
-  <New>DocumentLibraryForm</New>
-</FormTemplates>
+<file path=customXml/itemProps1.xml><?xml version="1.0" encoding="utf-8"?>
+<ds:datastoreItem xmlns:ds="http://schemas.openxmlformats.org/officeDocument/2006/customXml" ds:itemID="{25DE574B-2CD2-4078-9BEA-2A14717D9698}">
+  <ds:schemaRefs>
+    <ds:schemaRef ds:uri="514a554b-82b0-4359-b247-fc84018a95f0"/>
+    <ds:schemaRef ds:uri="ef624bc2-1644-4d69-8362-5c28ca496374"/>
+    <ds:schemaRef ds:uri="http://purl.org/dc/dcmitype/"/>
+    <ds:schemaRef ds:uri="http://purl.org/dc/elements/1.1/"/>
+    <ds:schemaRef ds:uri="http://purl.org/dc/terms/"/>
+    <ds:schemaRef ds:uri="http://schemas.microsoft.com/office/2006/documentManagement/types"/>
+    <ds:schemaRef ds:uri="http://schemas.microsoft.com/office/2006/metadata/properties"/>
+    <ds:schemaRef ds:uri="http://schemas.microsoft.com/office/infopath/2007/PartnerControls"/>
+    <ds:schemaRef ds:uri="http://schemas.openxmlformats.org/package/2006/metadata/core-properties"/>
+    <ds:schemaRef ds:uri="http://www.w3.org/XML/1998/namespace"/>
+  </ds:schemaRefs>
+</ds:datastoreItem>
 </file>
 
-<file path=customXml/item3.xml><?xml version="1.0" encoding="utf-8"?>
-<p:properties xmlns:p="http://schemas.microsoft.com/office/2006/metadata/properties" xmlns:xsi="http://www.w3.org/2001/XMLSchema-instance" xmlns:pc="http://schemas.microsoft.com/office/infopath/2007/PartnerControls">
-  <documentManagement>
-    <_Flow_SignoffStatus xmlns="ef624bc2-1644-4d69-8362-5c28ca496374" xsi:nil="true"/>
-    <TaxCatchAll xmlns="514a554b-82b0-4359-b247-fc84018a95f0" xsi:nil="true"/>
-    <lcf76f155ced4ddcb4097134ff3c332f xmlns="ef624bc2-1644-4d69-8362-5c28ca496374">
-      <Terms xmlns="http://schemas.microsoft.com/office/infopath/2007/PartnerControls"/>
-    </lcf76f155ced4ddcb4097134ff3c332f>
-  </documentManagement>
-</p:properties>
+<file path=customXml/itemProps2.xml><?xml version="1.0" encoding="utf-8"?>
+<ds:datastoreItem xmlns:ds="http://schemas.openxmlformats.org/officeDocument/2006/customXml" ds:itemID="{B00FC41E-FBDE-42E2-B58A-20EBD240A376}">
+  <ds:schemaRefs>
+    <ds:schemaRef ds:uri="http://schemas.microsoft.com/sharepoint/v3/contenttype/forms"/>
+  </ds:schemaRefs>
+</ds:datastoreItem>
 </file>
 
-<file path=customXml/itemProps1.xml><?xml version="1.0" encoding="utf-8"?>
-<ds:datastoreItem xmlns:ds="http://schemas.openxmlformats.org/officeDocument/2006/customXml" ds:itemID="{DE898DE2-83E7-42CE-B7CD-9C9DF4B16BA4}">
+<file path=customXml/itemProps3.xml><?xml version="1.0" encoding="utf-8"?>
+<ds:datastoreItem xmlns:ds="http://schemas.openxmlformats.org/officeDocument/2006/customXml" ds:itemID="{1952AB1B-D807-48E4-B821-205D428E3F5C}">
   <ds:schemaRefs>
     <ds:schemaRef ds:uri="http://schemas.microsoft.com/office/2006/metadata/contentType"/>
     <ds:schemaRef ds:uri="http://schemas.microsoft.com/office/2006/metadata/properties/metaAttributes"/>
@@ -19493,29 +19240,4 @@
     <ds:schemaRef ds:uri="http://schemas.microsoft.com/internal/obd"/>
   </ds:schemaRefs>
 </ds:datastoreItem>
-</file>
-
-<file path=customXml/itemProps2.xml><?xml version="1.0" encoding="utf-8"?>
-<ds:datastoreItem xmlns:ds="http://schemas.openxmlformats.org/officeDocument/2006/customXml" ds:itemID="{B00FC41E-FBDE-42E2-B58A-20EBD240A376}">
-  <ds:schemaRefs>
-    <ds:schemaRef ds:uri="http://schemas.microsoft.com/sharepoint/v3/contenttype/forms"/>
-  </ds:schemaRefs>
-</ds:datastoreItem>
-</file>
-
-<file path=customXml/itemProps3.xml><?xml version="1.0" encoding="utf-8"?>
-<ds:datastoreItem xmlns:ds="http://schemas.openxmlformats.org/officeDocument/2006/customXml" ds:itemID="{25DE574B-2CD2-4078-9BEA-2A14717D9698}">
-  <ds:schemaRefs>
-    <ds:schemaRef ds:uri="514a554b-82b0-4359-b247-fc84018a95f0"/>
-    <ds:schemaRef ds:uri="ef624bc2-1644-4d69-8362-5c28ca496374"/>
-    <ds:schemaRef ds:uri="http://purl.org/dc/dcmitype/"/>
-    <ds:schemaRef ds:uri="http://purl.org/dc/elements/1.1/"/>
-    <ds:schemaRef ds:uri="http://purl.org/dc/terms/"/>
-    <ds:schemaRef ds:uri="http://schemas.microsoft.com/office/2006/documentManagement/types"/>
-    <ds:schemaRef ds:uri="http://schemas.microsoft.com/office/2006/metadata/properties"/>
-    <ds:schemaRef ds:uri="http://schemas.microsoft.com/office/infopath/2007/PartnerControls"/>
-    <ds:schemaRef ds:uri="http://schemas.openxmlformats.org/package/2006/metadata/core-properties"/>
-    <ds:schemaRef ds:uri="http://www.w3.org/XML/1998/namespace"/>
-  </ds:schemaRefs>
-</ds:datastoreItem>
 </file>
--- a/result/guigui- FR001400B4A4result.pptx
+++ b/result/guigui- FR001400B4A4result.pptx
@@ -145,7 +145,7 @@
 <file path=ppt/revisionInfo.xml><?xml version="1.0" encoding="utf-8"?>
 <p1510:revInfo xmlns:a="http://schemas.openxmlformats.org/drawingml/2006/main" xmlns:r="http://schemas.openxmlformats.org/officeDocument/2006/relationships" xmlns:p1510="http://schemas.microsoft.com/office/powerpoint/2015/10/main">
   <p1510:revLst>
-    <p1510:client id="{A5289BD9-B288-479C-9C53-1CB8B081C19E}" v="554" dt="2022-05-25T07:55:00.233"/>
+    <p1510:client id="{1AF5CBAA-8B19-4E30-AE3F-FD654036B3A2}" v="14" dt="2022-06-13T14:39:49.257"/>
   </p1510:revLst>
 </p1510:revInfo>
 </file>
@@ -232,7 +232,7 @@
           <a:p>
             <a:fld id="{515CCE07-1711-4DC7-A7D8-7ED312C82FB8}" type="datetimeFigureOut">
               <a:rPr lang="fr-FR" smtClean="0"/>
-              <a:t>27/06/2022</a:t>
+              <a:t>21/06/2022</a:t>
             </a:fld>
             <a:endParaRPr lang="fr-FR"/>
           </a:p>
@@ -339,164 +339,6 @@
       </p:grpSpPr>
       <p:sp>
         <p:nvSpPr>
-          <p:cNvPr id="2" name="Espace réservé de l'en-tête 1"/>
-          <p:cNvSpPr>
-            <a:spLocks noGrp="1"/>
-          </p:cNvSpPr>
-          <p:nvPr>
-            <p:ph type="hdr" sz="quarter"/>
-          </p:nvPr>
-        </p:nvSpPr>
-        <p:spPr>
-          <a:xfrm>
-            <a:off x="0" y="0"/>
-            <a:ext cx="2945659" cy="498136"/>
-          </a:xfrm>
-          <a:prstGeom prst="rect">
-            <a:avLst/>
-          </a:prstGeom>
-        </p:spPr>
-        <p:txBody>
-          <a:bodyPr vert="horz" lIns="90999" tIns="45499" rIns="90999" bIns="45499" rtlCol="0"/>
-          <a:lstStyle>
-            <a:lvl1pPr algn="l">
-              <a:defRPr sz="1200"/>
-            </a:lvl1pPr>
-          </a:lstStyle>
-          <a:p>
-            <a:endParaRPr lang="fr-FR"/>
-          </a:p>
-        </p:txBody>
-      </p:sp>
-      <p:sp>
-        <p:nvSpPr>
-          <p:cNvPr id="3" name="Espace réservé de la date 2"/>
-          <p:cNvSpPr>
-            <a:spLocks noGrp="1"/>
-          </p:cNvSpPr>
-          <p:nvPr>
-            <p:ph type="dt" idx="1"/>
-          </p:nvPr>
-        </p:nvSpPr>
-        <p:spPr>
-          <a:xfrm>
-            <a:off x="3850444" y="0"/>
-            <a:ext cx="2945659" cy="498136"/>
-          </a:xfrm>
-          <a:prstGeom prst="rect">
-            <a:avLst/>
-          </a:prstGeom>
-        </p:spPr>
-        <p:txBody>
-          <a:bodyPr vert="horz" lIns="90999" tIns="45499" rIns="90999" bIns="45499" rtlCol="0"/>
-          <a:lstStyle>
-            <a:lvl1pPr algn="r">
-              <a:defRPr sz="1200"/>
-            </a:lvl1pPr>
-          </a:lstStyle>
-          <a:p>
-            <a:fld id="{014ABEAC-8B63-4BD1-9569-A14EB8752A94}" type="datetimeFigureOut">
-              <a:rPr lang="fr-FR" smtClean="0"/>
-              <a:t>27/06/2022</a:t>
-            </a:fld>
-            <a:endParaRPr lang="fr-FR"/>
-          </a:p>
-        </p:txBody>
-      </p:sp>
-      <p:sp>
-        <p:nvSpPr>
-          <p:cNvPr id="4" name="Espace réservé de l'image des diapositives 3"/>
-          <p:cNvSpPr>
-            <a:spLocks noGrp="1" noRot="1" noChangeAspect="1"/>
-          </p:cNvSpPr>
-          <p:nvPr>
-            <p:ph type="sldImg" idx="2"/>
-          </p:nvPr>
-        </p:nvSpPr>
-        <p:spPr>
-          <a:xfrm>
-            <a:off x="2214563" y="1241425"/>
-            <a:ext cx="2368550" cy="3351213"/>
-          </a:xfrm>
-          <a:prstGeom prst="rect">
-            <a:avLst/>
-          </a:prstGeom>
-          <a:noFill/>
-          <a:ln w="12700">
-            <a:solidFill>
-              <a:prstClr val="black"/>
-            </a:solidFill>
-          </a:ln>
-        </p:spPr>
-        <p:txBody>
-          <a:bodyPr vert="horz" lIns="90999" tIns="45499" rIns="90999" bIns="45499" rtlCol="0" anchor="ctr"/>
-          <a:lstStyle/>
-          <a:p>
-            <a:endParaRPr lang="fr-FR"/>
-          </a:p>
-        </p:txBody>
-      </p:sp>
-      <p:sp>
-        <p:nvSpPr>
-          <p:cNvPr id="5" name="Espace réservé des notes 4"/>
-          <p:cNvSpPr>
-            <a:spLocks noGrp="1"/>
-          </p:cNvSpPr>
-          <p:nvPr>
-            <p:ph type="body" sz="quarter" idx="3"/>
-          </p:nvPr>
-        </p:nvSpPr>
-        <p:spPr>
-          <a:xfrm>
-            <a:off x="679768" y="4777959"/>
-            <a:ext cx="5438140" cy="3909239"/>
-          </a:xfrm>
-          <a:prstGeom prst="rect">
-            <a:avLst/>
-          </a:prstGeom>
-        </p:spPr>
-        <p:txBody>
-          <a:bodyPr vert="horz" lIns="90999" tIns="45499" rIns="90999" bIns="45499" rtlCol="0"/>
-          <a:lstStyle/>
-          <a:p>
-            <a:pPr lvl="0"/>
-            <a:r>
-              <a:rPr lang="fr-FR"/>
-              <a:t>Modifier les styles du texte du masque</a:t>
-            </a:r>
-          </a:p>
-          <a:p>
-            <a:pPr lvl="1"/>
-            <a:r>
-              <a:rPr lang="fr-FR"/>
-              <a:t>Deuxième niveau</a:t>
-            </a:r>
-          </a:p>
-          <a:p>
-            <a:pPr lvl="2"/>
-            <a:r>
-              <a:rPr lang="fr-FR"/>
-              <a:t>Troisième niveau</a:t>
-            </a:r>
-          </a:p>
-          <a:p>
-            <a:pPr lvl="3"/>
-            <a:r>
-              <a:rPr lang="fr-FR"/>
-              <a:t>Quatrième niveau</a:t>
-            </a:r>
-          </a:p>
-          <a:p>
-            <a:pPr lvl="4"/>
-            <a:r>
-              <a:rPr lang="fr-FR"/>
-              <a:t>Cinquième niveau</a:t>
-            </a:r>
-          </a:p>
-        </p:txBody>
-      </p:sp>
-      <p:sp>
-        <p:nvSpPr>
           <p:cNvPr id="6" name="Espace réservé du pied de page 5"/>
           <p:cNvSpPr>
             <a:spLocks noGrp="1"/>
@@ -507,8 +349,8 @@
         </p:nvSpPr>
         <p:spPr>
           <a:xfrm>
-            <a:off x="0" y="9430093"/>
-            <a:ext cx="2945659" cy="498135"/>
+            <a:off x="0" y="8079289"/>
+            <a:ext cx="2945659" cy="1848940"/>
           </a:xfrm>
           <a:prstGeom prst="rect">
             <a:avLst/>
@@ -522,7 +364,7 @@
             </a:lvl1pPr>
           </a:lstStyle>
           <a:p>
-            <a:endParaRPr lang="fr-FR"/>
+            <a:endParaRPr lang="fr-FR" dirty="0"/>
           </a:p>
         </p:txBody>
       </p:sp>
@@ -728,7 +570,7 @@
         </p:nvSpPr>
         <p:spPr>
           <a:xfrm>
-            <a:off x="359837" y="589166"/>
+            <a:off x="359837" y="684422"/>
             <a:ext cx="6840000" cy="6846"/>
           </a:xfrm>
           <a:prstGeom prst="rect">
@@ -784,7 +626,7 @@
         </p:blipFill>
         <p:spPr>
           <a:xfrm>
-            <a:off x="469449" y="22704"/>
+            <a:off x="469449" y="-82081"/>
             <a:ext cx="1765100" cy="567402"/>
           </a:xfrm>
           <a:prstGeom prst="rect">
@@ -881,55 +723,6 @@
               <a:t>‹N°›</a:t>
             </a:fld>
             <a:endParaRPr lang="fr-FR" dirty="0"/>
-          </a:p>
-        </p:txBody>
-      </p:sp>
-      <p:sp>
-        <p:nvSpPr>
-          <p:cNvPr id="22" name="Rectangle">
-            <a:extLst>
-              <a:ext uri="{FF2B5EF4-FFF2-40B4-BE49-F238E27FC236}">
-                <a16:creationId xmlns:a16="http://schemas.microsoft.com/office/drawing/2014/main" id="{0C591005-A978-4017-82AC-F4C5CD330576}"/>
-              </a:ext>
-            </a:extLst>
-          </p:cNvPr>
-          <p:cNvSpPr/>
-          <p:nvPr userDrawn="1"/>
-        </p:nvSpPr>
-        <p:spPr>
-          <a:xfrm>
-            <a:off x="359837" y="9707143"/>
-            <a:ext cx="6840000" cy="6846"/>
-          </a:xfrm>
-          <a:prstGeom prst="rect">
-            <a:avLst/>
-          </a:prstGeom>
-          <a:solidFill>
-            <a:srgbClr val="C5AF5C"/>
-          </a:solidFill>
-          <a:ln w="3175">
-            <a:miter lim="400000"/>
-          </a:ln>
-        </p:spPr>
-        <p:txBody>
-          <a:bodyPr lIns="20981" tIns="20981" rIns="20981" bIns="20981" anchor="ctr"/>
-          <a:lstStyle/>
-          <a:p>
-            <a:pPr algn="ctr" defTabSz="825500">
-              <a:lnSpc>
-                <a:spcPct val="100000"/>
-              </a:lnSpc>
-              <a:defRPr sz="3200" b="0">
-                <a:solidFill>
-                  <a:srgbClr val="FFFFFF"/>
-                </a:solidFill>
-                <a:latin typeface="Helvetica Neue Medium"/>
-                <a:ea typeface="Helvetica Neue Medium"/>
-                <a:cs typeface="Helvetica Neue Medium"/>
-                <a:sym typeface="Helvetica Neue Medium"/>
-              </a:defRPr>
-            </a:pPr>
-            <a:endParaRPr/>
           </a:p>
         </p:txBody>
       </p:sp>
@@ -1072,7 +865,7 @@
         </p:nvSpPr>
         <p:spPr>
           <a:xfrm>
-            <a:off x="359837" y="589166"/>
+            <a:off x="359837" y="693949"/>
             <a:ext cx="6840000" cy="6846"/>
           </a:xfrm>
           <a:prstGeom prst="rect">
@@ -1128,7 +921,7 @@
         </p:blipFill>
         <p:spPr>
           <a:xfrm>
-            <a:off x="469449" y="22704"/>
+            <a:off x="464686" y="-53501"/>
             <a:ext cx="1765100" cy="567402"/>
           </a:xfrm>
           <a:prstGeom prst="rect">
@@ -1889,15 +1682,8 @@
           </a:lstStyle>
           <a:p>
             <a:pPr marL="171450" indent="-171450" algn="just">
-              <a:spcBef>
-                <a:spcPts val="400"/>
-              </a:spcBef>
-              <a:buClr>
-                <a:srgbClr val="000000"/>
-              </a:buClr>
-              <a:buSzPct val="120000"/>
-              <a:buFont typeface="Wingdings" panose="05000000000000000000" pitchFamily="2" charset="2"/>
-              <a:buChar char="§"/>
+              <a:buFont typeface="Arial" panose="020B0604020202020204" pitchFamily="34" charset="0"/>
+              <a:buChar char="•"/>
             </a:pPr>
             <a:r>
               <a:rPr lang="fr-FR" sz="800" b="1" dirty="0">
@@ -1910,46 +1696,35 @@
             </a:r>
             <a:r>
               <a:rPr lang="fr-FR" sz="800" b="1" cap="none" dirty="0"/>
-              <a:t>de droit français présentant un risque de perte en capital partielle ou totale en cours de vie</a:t>
-            </a:r>
-            <a:r>
-              <a:rPr lang="fr-FR" sz="800" b="1" cap="none" baseline="30000" dirty="0"/>
+              <a:t>de droit anglais </a:t>
+            </a:r>
+            <a:r>
+              <a:rPr lang="fr-FR" sz="800" b="1" cap="none" dirty="0">
+                <a:solidFill>
+                  <a:srgbClr val="000000"/>
+                </a:solidFill>
+                <a:latin typeface="Proxima Nova Rg" panose="02000506030000020004" pitchFamily="2" charset="0"/>
+              </a:rPr>
+              <a:t>pouvant être difficile à comprendre et présentant un risque de perte en capital partielle ou totale en cours de vie et à l’ échéance</a:t>
+            </a:r>
+            <a:r>
+              <a:rPr lang="fr-FR" sz="800" b="1" cap="none" baseline="30000" dirty="0">
+                <a:solidFill>
+                  <a:srgbClr val="000000"/>
+                </a:solidFill>
+                <a:latin typeface="Proxima Nova Rg" panose="02000506030000020004" pitchFamily="2" charset="0"/>
+              </a:rPr>
               <a:t>⁽¹⁾</a:t>
             </a:r>
             <a:r>
-              <a:rPr lang="fr-FR" sz="800" b="1" cap="none" dirty="0"/>
-              <a:t> et à l’échéance</a:t>
-            </a:r>
-            <a:r>
-              <a:rPr lang="fr-FR" sz="800" baseline="30000" dirty="0">
-                <a:solidFill>
-                  <a:schemeClr val="tx2"/>
-                </a:solidFill>
-              </a:rPr>
-              <a:t> </a:t>
-            </a:r>
-            <a:r>
-              <a:rPr lang="fr-FR" sz="800" b="1" baseline="30000" dirty="0">
-                <a:solidFill>
-                  <a:schemeClr val="tx2"/>
-                </a:solidFill>
-              </a:rPr>
-              <a:t>⁽¹⁾</a:t>
-            </a:r>
-            <a:r>
               <a:rPr lang="fr-FR" sz="800" b="1" cap="none" dirty="0">
                 <a:solidFill>
-                  <a:schemeClr val="tx2"/>
+                  <a:srgbClr val="000000"/>
                 </a:solidFill>
                 <a:latin typeface="Proxima Nova Rg" panose="02000506030000020004" pitchFamily="2" charset="0"/>
               </a:rPr>
-              <a:t> .</a:t>
-            </a:r>
-            <a:endParaRPr lang="fr-FR" sz="800" b="1" cap="none" dirty="0">
-              <a:highlight>
-                <a:srgbClr val="FFFF00"/>
-              </a:highlight>
-            </a:endParaRPr>
+              <a:t>.</a:t>
+            </a:r>
           </a:p>
           <a:p>
             <a:pPr marL="171450" indent="-171450" algn="just">
@@ -2000,16 +1775,8 @@
               <a:t>Durée d’investissement conseillée : </a:t>
             </a:r>
             <a:r>
-              <a:rPr lang="fr-FR" sz="800" b="1" dirty="0"/>
-              <a:t>10 ans</a:t>
-            </a:r>
-            <a:r>
-              <a:rPr lang="fr-FR" sz="800" b="1" dirty="0">
-                <a:solidFill>
-                  <a:srgbClr val="B9A049"/>
-                </a:solidFill>
-              </a:rPr>
-              <a:t> </a:t>
+              <a:rPr lang="fr-FR" sz="800" b="1" cap="none" dirty="0"/>
+              <a:t>10 ans (</a:t>
             </a:r>
             <a:r>
               <a:rPr lang="fr-FR" sz="800" cap="none" dirty="0">
@@ -2017,7 +1784,7 @@
                   <a:schemeClr val="tx2"/>
                 </a:solidFill>
               </a:rPr>
-              <a:t>(hors remboursement anticipé automatique). </a:t>
+              <a:t>hors remboursement anticipé automatique). </a:t>
             </a:r>
           </a:p>
           <a:p>
@@ -2096,7 +1863,7 @@
         <p:spPr>
           <a:xfrm>
             <a:off x="4175836" y="6069790"/>
-            <a:ext cx="3024000" cy="1754326"/>
+            <a:ext cx="3024000" cy="1815882"/>
           </a:xfrm>
           <a:prstGeom prst="rect">
             <a:avLst/>
@@ -2193,10 +1960,42 @@
           </a:p>
           <a:p>
             <a:pPr marL="171450" indent="-171450" algn="just">
+              <a:spcBef>
+                <a:spcPts val="1200"/>
+              </a:spcBef>
               <a:buClr>
-                <a:srgbClr val="000000"/>
+                <a:srgbClr val="1C1C1C"/>
               </a:buClr>
-              <a:buSzPct val="100000"/>
+              <a:buFont typeface="Wingdings" panose="05000000000000000000" pitchFamily="2" charset="2"/>
+              <a:buChar char="§"/>
+            </a:pPr>
+            <a:r>
+              <a:rPr lang="fr-FR" sz="800" b="1" cap="all" dirty="0">
+                <a:solidFill>
+                  <a:srgbClr val="B9A049"/>
+                </a:solidFill>
+                <a:latin typeface="Futura PT" panose="020B0902020204020203" pitchFamily="34" charset="0"/>
+              </a:rPr>
+              <a:t>Cotation : </a:t>
+            </a:r>
+            <a:r>
+              <a:rPr lang="fr-FR" sz="800" cap="none" dirty="0">
+                <a:solidFill>
+                  <a:schemeClr val="tx2"/>
+                </a:solidFill>
+                <a:latin typeface="Proxima Nova Rg" panose="02000506030000020004" pitchFamily="2" charset="0"/>
+              </a:rPr>
+              <a:t>Marché officiel de la bourse de Luxembourg (marché réglementé)</a:t>
+            </a:r>
+          </a:p>
+          <a:p>
+            <a:pPr marL="171450" indent="-171450" algn="just">
+              <a:spcBef>
+                <a:spcPts val="1200"/>
+              </a:spcBef>
+              <a:buClr>
+                <a:srgbClr val="1C1C1C"/>
+              </a:buClr>
               <a:buFont typeface="Wingdings" panose="05000000000000000000" pitchFamily="2" charset="2"/>
               <a:buChar char="§"/>
             </a:pPr>
@@ -2210,7 +2009,7 @@
           <a:p>
             <a:pPr marL="171450" indent="-171450" algn="just">
               <a:buClr>
-                <a:srgbClr val="04202E"/>
+                <a:srgbClr val="000000"/>
               </a:buClr>
               <a:buSzPct val="100000"/>
               <a:buFont typeface="Wingdings" panose="05000000000000000000" pitchFamily="2" charset="2"/>
@@ -2223,7 +2022,7 @@
                 </a:solidFill>
                 <a:latin typeface="Futura PT" panose="020B0902020204020203" pitchFamily="34" charset="0"/>
               </a:rPr>
-              <a:t>Titre de créance émis par Sg </a:t>
+              <a:t>Produit émis par </a:t>
             </a:r>
             <a:r>
               <a:rPr lang="fr-FR" sz="800" b="1" cap="all" dirty="0" err="1">
@@ -2232,7 +2031,7 @@
                 </a:solidFill>
                 <a:latin typeface="Futura PT" panose="020B0902020204020203" pitchFamily="34" charset="0"/>
               </a:rPr>
-              <a:t>issuer</a:t>
+              <a:t>morgan</a:t>
             </a:r>
             <a:r>
               <a:rPr lang="fr-FR" sz="800" b="1" cap="all" dirty="0">
@@ -2244,21 +2043,57 @@
               <a:t> </a:t>
             </a:r>
             <a:r>
+              <a:rPr lang="fr-FR" sz="800" b="1" cap="all" dirty="0" err="1">
+                <a:solidFill>
+                  <a:srgbClr val="B9A049"/>
+                </a:solidFill>
+                <a:latin typeface="Futura PT" panose="020B0902020204020203" pitchFamily="34" charset="0"/>
+              </a:rPr>
+              <a:t>stanley</a:t>
+            </a:r>
+            <a:r>
+              <a:rPr lang="fr-FR" sz="800" b="1" cap="all" dirty="0">
+                <a:solidFill>
+                  <a:srgbClr val="B9A049"/>
+                </a:solidFill>
+                <a:latin typeface="Futura PT" panose="020B0902020204020203" pitchFamily="34" charset="0"/>
+              </a:rPr>
+              <a:t> &amp; </a:t>
+            </a:r>
+            <a:r>
+              <a:rPr lang="fr-FR" sz="800" b="1" cap="all" dirty="0" err="1">
+                <a:solidFill>
+                  <a:srgbClr val="B9A049"/>
+                </a:solidFill>
+                <a:latin typeface="Futura PT" panose="020B0902020204020203" pitchFamily="34" charset="0"/>
+              </a:rPr>
+              <a:t>co</a:t>
+            </a:r>
+            <a:r>
+              <a:rPr lang="fr-FR" sz="800" b="1" cap="all" dirty="0">
+                <a:solidFill>
+                  <a:srgbClr val="B9A049"/>
+                </a:solidFill>
+                <a:latin typeface="Futura PT" panose="020B0902020204020203" pitchFamily="34" charset="0"/>
+              </a:rPr>
+              <a:t> international PLC</a:t>
+            </a:r>
+            <a:r>
               <a:rPr lang="fr-FR" sz="800" b="1" baseline="30000" dirty="0">
                 <a:solidFill>
                   <a:srgbClr val="B9A049"/>
                 </a:solidFill>
+                <a:latin typeface="Proxima Nova Rg" panose="02000506030000020004" pitchFamily="2" charset="0"/>
+              </a:rPr>
+              <a:t>(3)</a:t>
+            </a:r>
+            <a:r>
+              <a:rPr lang="fr-FR" sz="800" b="1" cap="all" dirty="0">
+                <a:solidFill>
+                  <a:srgbClr val="B9A049"/>
+                </a:solidFill>
                 <a:latin typeface="Futura PT" panose="020B0902020204020203" pitchFamily="34" charset="0"/>
               </a:rPr>
-              <a:t>(3)</a:t>
-            </a:r>
-            <a:r>
-              <a:rPr lang="fr-FR" sz="800" b="1" cap="all" dirty="0">
-                <a:solidFill>
-                  <a:srgbClr val="B9A049"/>
-                </a:solidFill>
-                <a:latin typeface="Futura PT" panose="020B0902020204020203" pitchFamily="34" charset="0"/>
-              </a:rPr>
               <a:t>, </a:t>
             </a:r>
             <a:r>
@@ -2268,33 +2103,17 @@
                 </a:solidFill>
                 <a:latin typeface="Proxima Nova Rg" panose="02000506030000020004" pitchFamily="2" charset="0"/>
               </a:rPr>
-              <a:t>véhicule d’émission dédié de droit luxembourgeois, bénéficiant d’une garantie donnée par Société Générale</a:t>
-            </a:r>
-            <a:r>
-              <a:rPr lang="fr-FR" sz="800" cap="none" baseline="30000" dirty="0">
-                <a:solidFill>
-                  <a:schemeClr val="tx2"/>
-                </a:solidFill>
-                <a:latin typeface="Proxima Nova Rg" panose="02000506030000020004" pitchFamily="2" charset="0"/>
-              </a:rPr>
-              <a:t> </a:t>
-            </a:r>
-            <a:r>
-              <a:rPr lang="fr-FR" sz="800" cap="none" dirty="0">
-                <a:solidFill>
-                  <a:schemeClr val="tx2"/>
-                </a:solidFill>
-                <a:latin typeface="Proxima Nova Rg" panose="02000506030000020004" pitchFamily="2" charset="0"/>
-              </a:rPr>
-              <a:t>de la formule de remboursement et du paiement des sommes dues par l’Émetteur au titre du produit. L’investisseur est par conséquent soumis au risque de défaut de paiement et de faillite de l’Émetteur, SG ISSUER, ainsi que de défaut de paiement, faillite et de mise en résolution du Garant, Société Générale.</a:t>
+              <a:t>l’investisseur est par conséquent soumis au risque de défaut de paiement, de faillite ainsi que de mise en résolution de Morgan Stanley &amp; Co International Plc.</a:t>
             </a:r>
           </a:p>
           <a:p>
-            <a:pPr algn="just">
+            <a:pPr marL="171450" indent="-171450" algn="just">
               <a:buClr>
                 <a:srgbClr val="000000"/>
               </a:buClr>
               <a:buSzPct val="100000"/>
+              <a:buFont typeface="Wingdings" panose="05000000000000000000" pitchFamily="2" charset="2"/>
+              <a:buChar char="§"/>
             </a:pPr>
             <a:endParaRPr lang="fr-FR" sz="800" cap="none" dirty="0">
               <a:solidFill>
@@ -2460,7 +2279,7 @@
         <p:spPr bwMode="auto">
           <a:xfrm>
             <a:off x="359839" y="9765983"/>
-            <a:ext cx="6485461" cy="800219"/>
+            <a:ext cx="6485461" cy="569387"/>
           </a:xfrm>
           <a:prstGeom prst="rect">
             <a:avLst/>
@@ -2481,100 +2300,82 @@
           <a:p>
             <a:pPr algn="just" defTabSz="914400"/>
             <a:r>
-              <a:rPr lang="fr-FR" sz="650" baseline="30000" dirty="0">
-                <a:solidFill>
-                  <a:srgbClr val="04202E"/>
+              <a:rPr lang="fr-FR" sz="600" i="1" baseline="30000" dirty="0">
+                <a:solidFill>
+                  <a:schemeClr val="tx2"/>
                 </a:solidFill>
                 <a:latin typeface="Proxima Nova Rg" panose="02000506030000020004" pitchFamily="2" charset="0"/>
               </a:rPr>
               <a:t>⁽¹⁾ </a:t>
             </a:r>
             <a:r>
-              <a:rPr lang="fr-FR" sz="650" dirty="0">
-                <a:solidFill>
-                  <a:srgbClr val="04202E"/>
+              <a:rPr lang="fr-FR" sz="600" i="1" dirty="0">
+                <a:solidFill>
+                  <a:schemeClr val="tx2"/>
                 </a:solidFill>
                 <a:latin typeface="Proxima Nova Rg" panose="02000506030000020004" pitchFamily="2" charset="0"/>
               </a:rPr>
-              <a:t>L’investisseur prend un risque de perte en capital non mesurable a priori si les titres de créance sont revendus avant la date d’échéance ou de remboursement automatique anticipé. L’investisseur supporte le risque de défaut de paiement et/ou de faillite de l’Émetteur et/ou Garant, ainsi que de mise en résolution du Garant. Pour les autres risques de perte en capital, voir pages suivantes. </a:t>
+              <a:t>L’investisseur prend un risque de perte en capital non mesurable a priori si les titres de créance sont revendus avant la date d’échéance ou de remboursement automatique anticipé. L'investisseur supporte le risque de défaut de paiement et/ou faillite de l’Émetteur. Pour les autres risques de perte en capital, voir pages suivantes.</a:t>
             </a:r>
           </a:p>
           <a:p>
             <a:pPr algn="just" defTabSz="914400"/>
             <a:r>
-              <a:rPr lang="fr-FR" sz="650" baseline="30000" dirty="0">
-                <a:solidFill>
-                  <a:srgbClr val="04202E"/>
+              <a:rPr lang="fr-FR" sz="600" i="1" baseline="30000" dirty="0">
+                <a:solidFill>
+                  <a:schemeClr val="tx2"/>
                 </a:solidFill>
                 <a:latin typeface="Proxima Nova Rg" panose="02000506030000020004" pitchFamily="2" charset="0"/>
               </a:rPr>
               <a:t>⁽²⁾ </a:t>
             </a:r>
             <a:r>
-              <a:rPr lang="fr-FR" sz="650" dirty="0">
-                <a:solidFill>
-                  <a:srgbClr val="04202E"/>
+              <a:rPr lang="fr-FR" sz="600" i="1" dirty="0">
+                <a:solidFill>
+                  <a:schemeClr val="tx2"/>
                 </a:solidFill>
                 <a:latin typeface="Proxima Nova Rg" panose="02000506030000020004" pitchFamily="2" charset="0"/>
               </a:rPr>
-              <a:t>L’assureur s’engage exclusivement sur le nombre d’unités de compte mais non sur leur valeur, qu’il ne garantit pas. Il est précisé que l’assureur d’une part, l’Émetteur et le Garant d’autre part sont des entités juridiques indépendantes. Ce document n’a pas été rédigé par l’assureur. </a:t>
+              <a:t>L’Assureur s’engage exclusivement sur le nombre d’unités de compte mais non sur leur valeur, qu’il ne garantit pas. Il est précisé que l’Assureur d’une part et l’Émetteur d’autre part, sont des entités juridiques indépendantes. Ce document n’a pas été rédigé par l’Assureur.</a:t>
             </a:r>
           </a:p>
           <a:p>
             <a:pPr algn="just" defTabSz="914400"/>
             <a:r>
-              <a:rPr lang="fr-FR" sz="650" baseline="30000" dirty="0">
-                <a:solidFill>
-                  <a:srgbClr val="04202E"/>
+              <a:rPr lang="fr-FR" sz="600" i="1" baseline="30000" dirty="0">
+                <a:solidFill>
+                  <a:schemeClr val="tx2"/>
                 </a:solidFill>
                 <a:latin typeface="Proxima Nova Rg" panose="02000506030000020004" pitchFamily="2" charset="0"/>
               </a:rPr>
               <a:t>(3) </a:t>
             </a:r>
             <a:r>
+              <a:rPr lang="fr-FR" sz="600" i="1" dirty="0">
+                <a:solidFill>
+                  <a:schemeClr val="tx2"/>
+                </a:solidFill>
+                <a:latin typeface="Proxima Nova Rg" panose="02000506030000020004" pitchFamily="2" charset="0"/>
+              </a:rPr>
+              <a:t>Morgan Stanley &amp; Co International Plc : Moody’s Aa3 / S&amp;P A+. Notations en vigueur au moment de la rédaction de la présente brochure le </a:t>
+            </a:r>
+            <a:r>
               <a:rPr lang="fr-FR" sz="650" dirty="0">
                 <a:solidFill>
-                  <a:srgbClr val="04202E"/>
+                  <a:schemeClr val="tx2"/>
                 </a:solidFill>
                 <a:latin typeface="Proxima Nova Rg" panose="02000506030000020004" pitchFamily="2" charset="0"/>
               </a:rPr>
-              <a:t>Filiale à 100% de Société Générale Luxembourg SA, elle-même filiale à 100% de Société Générale : Moody’s : A1 / Standard &amp; </a:t>
-            </a:r>
-            <a:r>
-              <a:rPr lang="fr-FR" sz="650" dirty="0" err="1">
-                <a:solidFill>
-                  <a:srgbClr val="04202E"/>
+              <a:t>28 juin 2022. </a:t>
+            </a:r>
+            <a:r>
+              <a:rPr lang="fr-FR" sz="600" i="1" dirty="0">
+                <a:solidFill>
+                  <a:schemeClr val="tx2"/>
                 </a:solidFill>
                 <a:latin typeface="Proxima Nova Rg" panose="02000506030000020004" pitchFamily="2" charset="0"/>
               </a:rPr>
-              <a:t>Poor’s</a:t>
-            </a:r>
-            <a:r>
-              <a:rPr lang="fr-FR" sz="650" dirty="0">
-                <a:solidFill>
-                  <a:srgbClr val="04202E"/>
-                </a:solidFill>
-                <a:latin typeface="Proxima Nova Rg" panose="02000506030000020004" pitchFamily="2" charset="0"/>
-              </a:rPr>
-              <a:t> : A. Notations en vigueur au moment de la rédaction de la présente brochure le </a:t>
-            </a:r>
-            <a:r>
-              <a:rPr lang="fr-FR" sz="650" dirty="0">
-                <a:solidFill>
-                  <a:schemeClr val="tx2"/>
-                </a:solidFill>
-                <a:latin typeface="Proxima Nova Rg" panose="02000506030000020004" pitchFamily="2" charset="0"/>
-              </a:rPr>
-              <a:t>27 juin 2022. </a:t>
-            </a:r>
-            <a:r>
-              <a:rPr lang="fr-FR" sz="650" dirty="0">
-                <a:solidFill>
-                  <a:srgbClr val="04202E"/>
-                </a:solidFill>
-                <a:latin typeface="Proxima Nova Rg" panose="02000506030000020004" pitchFamily="2" charset="0"/>
-              </a:rPr>
-              <a:t>Ces notations peuvent être révisées à tout moment et ne sont pas une garantie de solvabilité de l’Émetteur ni du Garant. Elles ne sauraient constituer un argument de souscription au titres de créance.</a:t>
+              <a:t>Ces notations peuvent être révisées à tout moment et ne sont pas une garantie de solvabilité de l’Émetteur. Elles ne sauraient constituer un argument de souscription au produit.</a:t>
             </a:r>
             <a:endParaRPr lang="fr-FR" sz="650" dirty="0">
               <a:solidFill>
@@ -2582,6 +2383,55 @@
               </a:solidFill>
               <a:latin typeface="Proxima Nova Rg" panose="02000506030000020004" pitchFamily="2" charset="0"/>
             </a:endParaRPr>
+          </a:p>
+        </p:txBody>
+      </p:sp>
+      <p:sp>
+        <p:nvSpPr>
+          <p:cNvPr id="10" name="Rectangle">
+            <a:extLst>
+              <a:ext uri="{FF2B5EF4-FFF2-40B4-BE49-F238E27FC236}">
+                <a16:creationId xmlns:a16="http://schemas.microsoft.com/office/drawing/2014/main" id="{6AB66FB1-4D6F-30FB-00E3-544C3BFCAA95}"/>
+              </a:ext>
+            </a:extLst>
+          </p:cNvPr>
+          <p:cNvSpPr/>
+          <p:nvPr/>
+        </p:nvSpPr>
+        <p:spPr>
+          <a:xfrm>
+            <a:off x="359837" y="9684283"/>
+            <a:ext cx="6840000" cy="6846"/>
+          </a:xfrm>
+          <a:prstGeom prst="rect">
+            <a:avLst/>
+          </a:prstGeom>
+          <a:solidFill>
+            <a:srgbClr val="C5AF5C"/>
+          </a:solidFill>
+          <a:ln w="3175">
+            <a:miter lim="400000"/>
+          </a:ln>
+        </p:spPr>
+        <p:txBody>
+          <a:bodyPr lIns="20981" tIns="20981" rIns="20981" bIns="20981" anchor="ctr"/>
+          <a:lstStyle/>
+          <a:p>
+            <a:pPr algn="ctr" defTabSz="825500">
+              <a:lnSpc>
+                <a:spcPct val="100000"/>
+              </a:lnSpc>
+              <a:defRPr sz="3200" b="0">
+                <a:solidFill>
+                  <a:srgbClr val="FFFFFF"/>
+                </a:solidFill>
+                <a:latin typeface="Helvetica Neue Medium"/>
+                <a:ea typeface="Helvetica Neue Medium"/>
+                <a:cs typeface="Helvetica Neue Medium"/>
+                <a:sym typeface="Helvetica Neue Medium"/>
+              </a:defRPr>
+            </a:pPr>
+            <a:endParaRPr/>
           </a:p>
         </p:txBody>
       </p:sp>
@@ -2661,7 +2511,7 @@
         </p:nvSpPr>
         <p:spPr>
           <a:xfrm>
-            <a:off x="458462" y="670080"/>
+            <a:off x="458462" y="751048"/>
             <a:ext cx="6804000" cy="230950"/>
           </a:xfrm>
           <a:prstGeom prst="rect">
@@ -2863,7 +2713,7 @@
         </p:nvSpPr>
         <p:spPr>
           <a:xfrm>
-            <a:off x="361950" y="703340"/>
+            <a:off x="361950" y="774785"/>
             <a:ext cx="45719" cy="138398"/>
           </a:xfrm>
           <a:prstGeom prst="rect">
@@ -3163,7 +3013,7 @@
           <p:nvPr>
             <p:extLst>
               <p:ext uri="{D42A27DB-BD31-4B8C-83A1-F6EECF244321}">
-                <p14:modId xmlns:p14="http://schemas.microsoft.com/office/powerpoint/2010/main" val="566184000"/>
+                <p14:modId xmlns:p14="http://schemas.microsoft.com/office/powerpoint/2010/main" val="1794499229"/>
               </p:ext>
             </p:extLst>
           </p:nvPr>
@@ -3230,7 +3080,7 @@
                         <a:defRPr sz="700"/>
                       </a:pPr>
                       <a:r>
-                        <a:t>Performances au 26/06/2022</a:t>
+                        <a:t>Performances au 27/06/2022</a:t>
                       </a:r>
                     </a:p>
                   </a:txBody>
@@ -3841,7 +3691,7 @@
         <p:spPr>
           <a:xfrm>
             <a:off x="359839" y="9771664"/>
-            <a:ext cx="6482920" cy="500137"/>
+            <a:ext cx="6482920" cy="300082"/>
           </a:xfrm>
           <a:prstGeom prst="rect">
             <a:avLst/>
@@ -4015,18 +3865,6 @@
               </a:defRPr>
             </a:lvl9pPr>
           </a:lstStyle>
-          <a:p>
-            <a:pPr algn="just"/>
-            <a:r>
-              <a:rPr lang="fr-FR" sz="650" dirty="0">
-                <a:solidFill>
-                  <a:schemeClr val="tx2"/>
-                </a:solidFill>
-                <a:latin typeface="+mn-lt"/>
-              </a:rPr>
-              <a:t>LES DONNÉES RELATIVES AUX PERFORMANCES PASSÉES ONT TRAIT OU SE RÉFÈRENT À DES PÉRIODES PASSÉES ET NE SONT PAS UN INDICATEUR FIABLE DES RÉSULTATS FUTURS. CECI EST VALABLE ÉGALEMENT POUR CE QUI EST DES DONNÉES HISTORIQUES DE MARCHÉ. </a:t>
-            </a:r>
-          </a:p>
           <a:p>
             <a:pPr lvl="1" algn="just"/>
             <a:r>
@@ -4091,14 +3929,14 @@
               <a:rPr lang="fr-FR" sz="1200" cap="none" dirty="0">
                 <a:latin typeface="Futura PT" panose="020B0902020204020203" pitchFamily="34" charset="0"/>
               </a:rPr>
-              <a:t>ÉVOLUTION DE L'ACTION  EURO STOXX 50 PRICE EUR ENTRE LE </a:t>
+              <a:t>ÉVOLUTION DE L'INDICE  EURO STOXX 50 PRICE EUR ENTRE LE </a:t>
             </a:r>
             <a:r>
               <a:rPr lang="en-US" sz="1200" b="0" dirty="0">
                 <a:effectLst/>
                 <a:latin typeface="+mj-lt"/>
               </a:rPr>
-              <a:t>26 JUIN 2010</a:t>
+              <a:t>27 JUIN 2010</a:t>
             </a:r>
             <a:r>
               <a:rPr lang="en-US" sz="1200" dirty="0">
@@ -4110,7 +3948,7 @@
               <a:rPr lang="fr-FR" sz="1200" cap="none" dirty="0">
                 <a:latin typeface="Futura PT" panose="020B0902020204020203" pitchFamily="34" charset="0"/>
               </a:rPr>
-              <a:t>ET LE 26 JUIN 2022</a:t>
+              <a:t>ET LE 27 JUIN 2022</a:t>
             </a:r>
           </a:p>
         </p:txBody>
@@ -4367,7 +4205,7 @@
         <p:spPr>
           <a:xfrm>
             <a:off x="5417820" y="9174546"/>
-            <a:ext cx="1913222" cy="215444"/>
+            <a:ext cx="1913222" cy="338554"/>
           </a:xfrm>
           <a:prstGeom prst="rect">
             <a:avLst/>
@@ -4381,7 +4219,7 @@
           <a:lstStyle/>
           <a:p>
             <a:r>
-              <a:rPr lang="fr-FR" sz="800" u="sng">
+              <a:rPr lang="fr-FR" sz="800" u="sng" dirty="0">
                 <a:highlight>
                   <a:srgbClr val="FF00FF"/>
                 </a:highlight>
@@ -4389,7 +4227,7 @@
               <a:t>Source :</a:t>
             </a:r>
             <a:r>
-              <a:rPr lang="fr-FR" sz="800">
+              <a:rPr lang="fr-FR" sz="800" dirty="0">
                 <a:highlight>
                   <a:srgbClr val="FF00FF"/>
                 </a:highlight>
@@ -4397,7 +4235,7 @@
               <a:t> Bloomberg, le </a:t>
             </a:r>
             <a:r>
-              <a:rPr lang="fr-FR" sz="800">
+              <a:rPr lang="fr-FR" sz="800" dirty="0">
                 <a:solidFill>
                   <a:schemeClr val="tx2"/>
                 </a:solidFill>
@@ -4405,9 +4243,9 @@
                   <a:srgbClr val="FF00FF"/>
                 </a:highlight>
               </a:rPr>
-              <a:t>26 JUIN 2022</a:t>
-            </a:r>
-            <a:endParaRPr lang="fr-FR" sz="800">
+              <a:t>27 juin 2022 </a:t>
+            </a:r>
+            <a:endParaRPr lang="fr-FR" sz="800" dirty="0">
               <a:highlight>
                 <a:srgbClr val="FF00FF"/>
               </a:highlight>
@@ -4417,10 +4255,10 @@
       </p:sp>
       <p:sp>
         <p:nvSpPr>
-          <p:cNvPr id="19" name="ZoneTexte 18">
+          <p:cNvPr id="20" name="ZoneTexte 19">
             <a:extLst>
               <a:ext uri="{FF2B5EF4-FFF2-40B4-BE49-F238E27FC236}">
-                <a16:creationId xmlns:a16="http://schemas.microsoft.com/office/drawing/2014/main" id="{F430BCC1-AFEA-9CD5-2109-F2802CCF6A55}"/>
+                <a16:creationId xmlns:a16="http://schemas.microsoft.com/office/drawing/2014/main" id="{2F598E05-39CA-7388-F3B7-8C0904D50D74}"/>
               </a:ext>
             </a:extLst>
           </p:cNvPr>
@@ -4429,8 +4267,170 @@
         </p:nvSpPr>
         <p:spPr>
           <a:xfrm>
-            <a:off x="5417820" y="7967599"/>
-            <a:ext cx="1913222" cy="215444"/>
+            <a:off x="600924" y="385199"/>
+            <a:ext cx="6000749" cy="276999"/>
+          </a:xfrm>
+          <a:prstGeom prst="rect">
+            <a:avLst/>
+          </a:prstGeom>
+          <a:noFill/>
+        </p:spPr>
+        <p:txBody>
+          <a:bodyPr wrap="square">
+            <a:spAutoFit/>
+          </a:bodyPr>
+          <a:lstStyle/>
+          <a:p>
+            <a:pPr algn="just"/>
+            <a:r>
+              <a:rPr lang="fr-FR" sz="600" dirty="0">
+                <a:solidFill>
+                  <a:schemeClr val="tx2"/>
+                </a:solidFill>
+                <a:latin typeface="+mn-lt"/>
+              </a:rPr>
+              <a:t>LES DONNÉES RELATIVES AUX PERFORMANCES PASSÉES ONT TRAIT OU SE RÉFÈRENT À DES PÉRIODES PASSÉES ET NE SONT PAS UN INDICATEUR FIABLE DES RÉSULTATS FUTURS. CECI EST VALABLE ÉGALEMENT POUR CE QUI EST DES DONNÉES HISTORIQUES DE MARCHÉ. </a:t>
+            </a:r>
+          </a:p>
+        </p:txBody>
+      </p:sp>
+      <p:sp>
+        <p:nvSpPr>
+          <p:cNvPr id="21" name="Rectangle">
+            <a:extLst>
+              <a:ext uri="{FF2B5EF4-FFF2-40B4-BE49-F238E27FC236}">
+                <a16:creationId xmlns:a16="http://schemas.microsoft.com/office/drawing/2014/main" id="{73FE95BF-5478-6A01-9726-C38CE9FEAAF1}"/>
+              </a:ext>
+            </a:extLst>
+          </p:cNvPr>
+          <p:cNvSpPr/>
+          <p:nvPr/>
+        </p:nvSpPr>
+        <p:spPr>
+          <a:xfrm>
+            <a:off x="359839" y="9728525"/>
+            <a:ext cx="6840000" cy="6846"/>
+          </a:xfrm>
+          <a:prstGeom prst="rect">
+            <a:avLst/>
+          </a:prstGeom>
+          <a:solidFill>
+            <a:srgbClr val="C5AF5C"/>
+          </a:solidFill>
+          <a:ln w="3175">
+            <a:miter lim="400000"/>
+          </a:ln>
+        </p:spPr>
+        <p:txBody>
+          <a:bodyPr lIns="20981" tIns="20981" rIns="20981" bIns="20981" anchor="ctr"/>
+          <a:lstStyle/>
+          <a:p>
+            <a:pPr algn="ctr" defTabSz="825500">
+              <a:lnSpc>
+                <a:spcPct val="100000"/>
+              </a:lnSpc>
+              <a:defRPr sz="3200" b="0">
+                <a:solidFill>
+                  <a:srgbClr val="FFFFFF"/>
+                </a:solidFill>
+                <a:latin typeface="Helvetica Neue Medium"/>
+                <a:ea typeface="Helvetica Neue Medium"/>
+                <a:cs typeface="Helvetica Neue Medium"/>
+                <a:sym typeface="Helvetica Neue Medium"/>
+              </a:defRPr>
+            </a:pPr>
+            <a:endParaRPr/>
+          </a:p>
+        </p:txBody>
+      </p:sp>
+      <p:sp>
+        <p:nvSpPr>
+          <p:cNvPr id="23" name="ZoneTexte 22">
+            <a:extLst>
+              <a:ext uri="{FF2B5EF4-FFF2-40B4-BE49-F238E27FC236}">
+                <a16:creationId xmlns:a16="http://schemas.microsoft.com/office/drawing/2014/main" id="{5306FCE3-4601-C553-63AA-5E2C1283550B}"/>
+              </a:ext>
+            </a:extLst>
+          </p:cNvPr>
+          <p:cNvSpPr txBox="1"/>
+          <p:nvPr/>
+        </p:nvSpPr>
+        <p:spPr>
+          <a:xfrm>
+            <a:off x="458462" y="3626416"/>
+            <a:ext cx="4056888" cy="276999"/>
+          </a:xfrm>
+          <a:prstGeom prst="rect">
+            <a:avLst/>
+          </a:prstGeom>
+          <a:noFill/>
+        </p:spPr>
+        <p:txBody>
+          <a:bodyPr wrap="square">
+            <a:spAutoFit/>
+          </a:bodyPr>
+          <a:lstStyle/>
+          <a:p>
+            <a:endParaRPr lang="en-US" sz="1200" dirty="0">
+              <a:latin typeface="Futura PT" panose="020B0902020204020203" pitchFamily="34" charset="0"/>
+            </a:endParaRPr>
+          </a:p>
+        </p:txBody>
+      </p:sp>
+      <p:sp>
+        <p:nvSpPr>
+          <p:cNvPr id="25" name="ZoneTexte 24">
+            <a:extLst>
+              <a:ext uri="{FF2B5EF4-FFF2-40B4-BE49-F238E27FC236}">
+                <a16:creationId xmlns:a16="http://schemas.microsoft.com/office/drawing/2014/main" id="{DD098B59-7A37-078A-BC1C-61CE3BED2F4E}"/>
+              </a:ext>
+            </a:extLst>
+          </p:cNvPr>
+          <p:cNvSpPr txBox="1"/>
+          <p:nvPr/>
+        </p:nvSpPr>
+        <p:spPr>
+          <a:xfrm>
+            <a:off x="458462" y="8984476"/>
+            <a:ext cx="4056888" cy="215444"/>
+          </a:xfrm>
+          <a:prstGeom prst="rect">
+            <a:avLst/>
+          </a:prstGeom>
+          <a:noFill/>
+        </p:spPr>
+        <p:txBody>
+          <a:bodyPr wrap="square">
+            <a:spAutoFit/>
+          </a:bodyPr>
+          <a:lstStyle/>
+          <a:p>
+            <a:r>
+              <a:rPr lang="en-US" sz="800" dirty="0">
+                <a:latin typeface="Futura PT" panose="020B0902020204020203" pitchFamily="34" charset="0"/>
+              </a:rPr>
+              <a:t>
+EURO STOXX 50 Price EUR</a:t>
+            </a:r>
+          </a:p>
+        </p:txBody>
+      </p:sp>
+      <p:sp>
+        <p:nvSpPr>
+          <p:cNvPr id="26" name="ZoneTexte 25">
+            <a:extLst>
+              <a:ext uri="{FF2B5EF4-FFF2-40B4-BE49-F238E27FC236}">
+                <a16:creationId xmlns:a16="http://schemas.microsoft.com/office/drawing/2014/main" id="{33414381-F560-BBC5-5064-46FA4625A4C3}"/>
+              </a:ext>
+            </a:extLst>
+          </p:cNvPr>
+          <p:cNvSpPr txBox="1"/>
+          <p:nvPr/>
+        </p:nvSpPr>
+        <p:spPr>
+          <a:xfrm>
+            <a:off x="5309473" y="7911729"/>
+            <a:ext cx="1913222" cy="338554"/>
           </a:xfrm>
           <a:prstGeom prst="rect">
             <a:avLst/>
@@ -4444,7 +4444,7 @@
           <a:lstStyle/>
           <a:p>
             <a:r>
-              <a:rPr lang="fr-FR" sz="800" u="sng">
+              <a:rPr lang="fr-FR" sz="800" u="sng" dirty="0">
                 <a:highlight>
                   <a:srgbClr val="FF00FF"/>
                 </a:highlight>
@@ -4452,7 +4452,7 @@
               <a:t>Source :</a:t>
             </a:r>
             <a:r>
-              <a:rPr lang="fr-FR" sz="800">
+              <a:rPr lang="fr-FR" sz="800" dirty="0">
                 <a:highlight>
                   <a:srgbClr val="FF00FF"/>
                 </a:highlight>
@@ -4460,7 +4460,7 @@
               <a:t> Bloomberg, le </a:t>
             </a:r>
             <a:r>
-              <a:rPr lang="fr-FR" sz="800">
+              <a:rPr lang="fr-FR" sz="800" dirty="0">
                 <a:solidFill>
                   <a:schemeClr val="tx2"/>
                 </a:solidFill>
@@ -4468,9 +4468,9 @@
                   <a:srgbClr val="FF00FF"/>
                 </a:highlight>
               </a:rPr>
-              <a:t>26 JUIN 2022</a:t>
-            </a:r>
-            <a:endParaRPr lang="fr-FR" sz="800">
+              <a:t>27 juin 2022 </a:t>
+            </a:r>
+            <a:endParaRPr lang="fr-FR" sz="800" dirty="0">
               <a:highlight>
                 <a:srgbClr val="FF00FF"/>
               </a:highlight>
@@ -4480,7 +4480,7 @@
       </p:sp>
       <p:pic>
         <p:nvPicPr>
-          <p:cNvPr id="20" name="Picture 19" descr="graph5.png"/>
+          <p:cNvPr id="27" name="Picture 26" descr="graph5.png"/>
           <p:cNvPicPr>
             <a:picLocks noChangeAspect="1"/>
           </p:cNvPicPr>
@@ -4532,6 +4532,131 @@
           <a:chExt cx="0" cy="0"/>
         </a:xfrm>
       </p:grpSpPr>
+      <p:sp>
+        <p:nvSpPr>
+          <p:cNvPr id="2" name="Espace réservé du numéro de diapositive 1">
+            <a:extLst>
+              <a:ext uri="{FF2B5EF4-FFF2-40B4-BE49-F238E27FC236}">
+                <a16:creationId xmlns:a16="http://schemas.microsoft.com/office/drawing/2014/main" id="{0C33C7E1-5760-4AFF-97B6-9362D2C8CD65}"/>
+              </a:ext>
+            </a:extLst>
+          </p:cNvPr>
+          <p:cNvSpPr>
+            <a:spLocks noGrp="1"/>
+          </p:cNvSpPr>
+          <p:nvPr>
+            <p:ph type="sldNum" sz="quarter" idx="4"/>
+          </p:nvPr>
+        </p:nvSpPr>
+        <p:spPr/>
+        <p:txBody>
+          <a:bodyPr/>
+          <a:lstStyle/>
+          <a:p>
+            <a:fld id="{58F0BA28-1212-45AE-B075-64C06113A6D3}" type="slidenum">
+              <a:rPr lang="fr-FR" smtClean="0"/>
+              <a:pPr/>
+              <a:t>12</a:t>
+            </a:fld>
+            <a:endParaRPr lang="fr-FR" dirty="0"/>
+          </a:p>
+        </p:txBody>
+      </p:sp>
+      <p:sp>
+        <p:nvSpPr>
+          <p:cNvPr id="5" name="Text Box 2">
+            <a:extLst>
+              <a:ext uri="{FF2B5EF4-FFF2-40B4-BE49-F238E27FC236}">
+                <a16:creationId xmlns:a16="http://schemas.microsoft.com/office/drawing/2014/main" id="{45E1DCC2-11CD-41F7-969A-E4566F5B1573}"/>
+              </a:ext>
+            </a:extLst>
+          </p:cNvPr>
+          <p:cNvSpPr txBox="1">
+            <a:spLocks noChangeArrowheads="1"/>
+          </p:cNvSpPr>
+          <p:nvPr/>
+        </p:nvSpPr>
+        <p:spPr bwMode="auto">
+          <a:xfrm>
+            <a:off x="361950" y="9765983"/>
+            <a:ext cx="6483350" cy="430887"/>
+          </a:xfrm>
+          <a:prstGeom prst="rect">
+            <a:avLst/>
+          </a:prstGeom>
+          <a:noFill/>
+          <a:ln w="9525">
+            <a:noFill/>
+            <a:miter lim="800000"/>
+            <a:headEnd/>
+            <a:tailEnd/>
+          </a:ln>
+        </p:spPr>
+        <p:txBody>
+          <a:bodyPr wrap="square" lIns="0" tIns="0" rIns="0" bIns="0">
+            <a:spAutoFit/>
+          </a:bodyPr>
+          <a:lstStyle/>
+          <a:p>
+            <a:pPr lvl="0" algn="just" defTabSz="914400"/>
+            <a:r>
+              <a:rPr lang="fr-FR" sz="700" baseline="30000" dirty="0">
+                <a:solidFill>
+                  <a:srgbClr val="000000"/>
+                </a:solidFill>
+                <a:latin typeface="Proxima Nova Rg" panose="02000506030000020004" pitchFamily="2" charset="0"/>
+              </a:rPr>
+              <a:t>⁽¹⁾ </a:t>
+            </a:r>
+            <a:r>
+              <a:rPr lang="fr-FR" sz="700" dirty="0">
+                <a:solidFill>
+                  <a:srgbClr val="000000"/>
+                </a:solidFill>
+                <a:latin typeface="Proxima Nova Rg" panose="02000506030000020004" pitchFamily="2" charset="0"/>
+              </a:rPr>
+              <a:t>Morgan Stanley &amp; Co International Plc : Moody’s Aa3 / S&amp;P A+. Notations en vigueur au moment de la rédaction de la présente brochure le </a:t>
+            </a:r>
+            <a:r>
+              <a:rPr lang="fr-FR" sz="650" dirty="0"/>
+              <a:t>&lt;DDR_MAJ</a:t>
+            </a:r>
+            <a:r>
+              <a:rPr lang="fr-FR" sz="700" dirty="0">
+                <a:solidFill>
+                  <a:srgbClr val="000000"/>
+                </a:solidFill>
+                <a:latin typeface="Proxima Nova Rg" panose="02000506030000020004" pitchFamily="2" charset="0"/>
+              </a:rPr>
+              <a:t>&gt;, qui ne sauraient ni être une garantie de solvabilité de l’Émetteur et du Garant de la formule, ni constituer un argument de souscription au produit. Les agences de notation peuvent les modifier à tout moment. </a:t>
+            </a:r>
+          </a:p>
+          <a:p>
+            <a:pPr lvl="0" algn="just" defTabSz="914400"/>
+            <a:r>
+              <a:rPr lang="fr-FR" sz="700" baseline="30000" dirty="0">
+                <a:solidFill>
+                  <a:srgbClr val="000000"/>
+                </a:solidFill>
+                <a:latin typeface="Proxima Nova Rg" panose="02000506030000020004" pitchFamily="2" charset="0"/>
+              </a:rPr>
+              <a:t>⁽²⁾ </a:t>
+            </a:r>
+            <a:r>
+              <a:rPr lang="fr-FR" sz="700" dirty="0">
+                <a:solidFill>
+                  <a:srgbClr val="000000"/>
+                </a:solidFill>
+                <a:latin typeface="Proxima Nova Rg" panose="02000506030000020004" pitchFamily="2" charset="0"/>
+              </a:rPr>
+              <a:t>Les conflits d’intérêts seront gérés suivant la réglementation en vigueur.</a:t>
+            </a:r>
+            <a:endParaRPr lang="fr-FR" sz="650" i="1" dirty="0">
+              <a:latin typeface="Proxima Nova Rg" panose="02000506030000020004" pitchFamily="2" charset="0"/>
+            </a:endParaRPr>
+          </a:p>
+        </p:txBody>
+      </p:sp>
       <p:graphicFrame>
         <p:nvGraphicFramePr>
           <p:cNvPr id="4" name="Tableau 3">
@@ -4547,14 +4672,14 @@
           <p:nvPr>
             <p:extLst>
               <p:ext uri="{D42A27DB-BD31-4B8C-83A1-F6EECF244321}">
-                <p14:modId xmlns:p14="http://schemas.microsoft.com/office/powerpoint/2010/main" val="3416251737"/>
+                <p14:modId xmlns:p14="http://schemas.microsoft.com/office/powerpoint/2010/main" val="1831764276"/>
               </p:ext>
             </p:extLst>
           </p:nvPr>
         </p:nvGraphicFramePr>
         <p:xfrm>
-          <a:off x="361950" y="659257"/>
-          <a:ext cx="6837886" cy="7673912"/>
+          <a:off x="361950" y="979297"/>
+          <a:ext cx="6837886" cy="7327423"/>
         </p:xfrm>
         <a:graphic>
           <a:graphicData uri="http://schemas.openxmlformats.org/drawingml/2006/table">
@@ -4601,156 +4726,6 @@
                         <a:tabLst/>
                         <a:defRPr sz="700"/>
                       </a:pPr>
-                      <a:endParaRPr lang="fr-FR" sz="700" b="1" kern="1200" dirty="0">
-                        <a:solidFill>
-                          <a:srgbClr val="B9A049"/>
-                        </a:solidFill>
-                        <a:latin typeface="+mn-lt"/>
-                        <a:ea typeface="+mn-ea"/>
-                        <a:cs typeface="+mn-cs"/>
-                      </a:endParaRPr>
-                    </a:p>
-                  </a:txBody>
-                  <a:tcPr marL="72000" marR="72000" marT="46800" marB="46800" anchor="ctr">
-                    <a:lnL w="12700" cap="flat" cmpd="sng" algn="ctr">
-                      <a:noFill/>
-                      <a:prstDash val="solid"/>
-                      <a:round/>
-                      <a:headEnd type="none" w="med" len="med"/>
-                      <a:tailEnd type="none" w="med" len="med"/>
-                    </a:lnL>
-                    <a:lnR w="12700" cap="flat" cmpd="sng" algn="ctr">
-                      <a:noFill/>
-                      <a:prstDash val="solid"/>
-                      <a:round/>
-                      <a:headEnd type="none" w="med" len="med"/>
-                      <a:tailEnd type="none" w="med" len="med"/>
-                    </a:lnR>
-                    <a:lnT w="12700" cap="flat" cmpd="sng" algn="ctr">
-                      <a:noFill/>
-                      <a:prstDash val="solid"/>
-                      <a:round/>
-                      <a:headEnd type="none" w="med" len="med"/>
-                      <a:tailEnd type="none" w="med" len="med"/>
-                    </a:lnT>
-                    <a:lnB w="3175" cap="flat" cmpd="sng" algn="ctr">
-                      <a:solidFill>
-                        <a:schemeClr val="bg1">
-                          <a:lumMod val="50000"/>
-                        </a:schemeClr>
-                      </a:solidFill>
-                      <a:prstDash val="solid"/>
-                      <a:round/>
-                      <a:headEnd type="none" w="med" len="med"/>
-                      <a:tailEnd type="none" w="med" len="med"/>
-                    </a:lnB>
-                    <a:lnTlToBr w="12700" cmpd="sng">
-                      <a:noFill/>
-                      <a:prstDash val="solid"/>
-                    </a:lnTlToBr>
-                    <a:lnBlToTr w="12700" cmpd="sng">
-                      <a:noFill/>
-                      <a:prstDash val="solid"/>
-                    </a:lnBlToTr>
-                    <a:solidFill>
-                      <a:schemeClr val="bg1"/>
-                    </a:solidFill>
-                  </a:tcPr>
-                </a:tc>
-                <a:tc>
-                  <a:txBody>
-                    <a:bodyPr/>
-                    <a:lstStyle/>
-                    <a:p>
-                      <a:pPr algn="just">
-                        <a:lnSpc>
-                          <a:spcPct val="90000"/>
-                        </a:lnSpc>
-                        <a:defRPr sz="700"/>
-                      </a:pPr>
-                      <a:endParaRPr lang="fr-FR" sz="700" b="1" i="0" dirty="0">
-                        <a:solidFill>
-                          <a:schemeClr val="tx1"/>
-                        </a:solidFill>
-                        <a:latin typeface="+mn-lt"/>
-                      </a:endParaRPr>
-                    </a:p>
-                  </a:txBody>
-                  <a:tcPr marL="36000" marR="36000" marT="46800" marB="46800" anchor="ctr">
-                    <a:lnL w="12700" cap="flat" cmpd="sng" algn="ctr">
-                      <a:noFill/>
-                      <a:prstDash val="solid"/>
-                      <a:round/>
-                      <a:headEnd type="none" w="med" len="med"/>
-                      <a:tailEnd type="none" w="med" len="med"/>
-                    </a:lnL>
-                    <a:lnR w="6350" cap="flat" cmpd="sng" algn="ctr">
-                      <a:noFill/>
-                      <a:prstDash val="solid"/>
-                      <a:round/>
-                      <a:headEnd type="none" w="med" len="med"/>
-                      <a:tailEnd type="none" w="med" len="med"/>
-                    </a:lnR>
-                    <a:lnT w="12700" cap="flat" cmpd="sng" algn="ctr">
-                      <a:noFill/>
-                      <a:prstDash val="solid"/>
-                      <a:round/>
-                      <a:headEnd type="none" w="med" len="med"/>
-                      <a:tailEnd type="none" w="med" len="med"/>
-                    </a:lnT>
-                    <a:lnB w="3175" cap="flat" cmpd="sng" algn="ctr">
-                      <a:solidFill>
-                        <a:schemeClr val="bg1">
-                          <a:lumMod val="50000"/>
-                        </a:schemeClr>
-                      </a:solidFill>
-                      <a:prstDash val="solid"/>
-                      <a:round/>
-                      <a:headEnd type="none" w="med" len="med"/>
-                      <a:tailEnd type="none" w="med" len="med"/>
-                    </a:lnB>
-                    <a:lnTlToBr w="12700" cmpd="sng">
-                      <a:noFill/>
-                      <a:prstDash val="solid"/>
-                    </a:lnTlToBr>
-                    <a:lnBlToTr w="12700" cmpd="sng">
-                      <a:noFill/>
-                      <a:prstDash val="solid"/>
-                    </a:lnBlToTr>
-                    <a:solidFill>
-                      <a:schemeClr val="bg1"/>
-                    </a:solidFill>
-                  </a:tcPr>
-                </a:tc>
-                <a:extLst>
-                  <a:ext uri="{0D108BD9-81ED-4DB2-BD59-A6C34878D82A}">
-                    <a16:rowId xmlns:a16="http://schemas.microsoft.com/office/drawing/2014/main" val="490305239"/>
-                  </a:ext>
-                </a:extLst>
-              </a:tr>
-              <a:tr h="268891">
-                <a:tc>
-                  <a:txBody>
-                    <a:bodyPr/>
-                    <a:lstStyle/>
-                    <a:p>
-                      <a:pPr marL="0" marR="0" lvl="0" indent="0" algn="l" defTabSz="755934" rtl="0" eaLnBrk="1" fontAlgn="auto" latinLnBrk="0" hangingPunct="1">
-                        <a:lnSpc>
-                          <a:spcPct val="90000"/>
-                        </a:lnSpc>
-                        <a:spcBef>
-                          <a:spcPts val="0"/>
-                        </a:spcBef>
-                        <a:spcAft>
-                          <a:spcPts val="0"/>
-                        </a:spcAft>
-                        <a:buClrTx/>
-                        <a:buSzTx/>
-                        <a:buFontTx/>
-                        <a:buNone/>
-                        <a:tabLst/>
-                        <a:defRPr sz="700"/>
-                      </a:pPr>
                       <a:r>
                         <a:rPr lang="fr-FR" sz="700" b="1" kern="1200" dirty="0">
                           <a:solidFill>
@@ -4785,11 +4760,9 @@
                       <a:headEnd type="none" w="med" len="med"/>
                       <a:tailEnd type="none" w="med" len="med"/>
                     </a:lnR>
-                    <a:lnT w="3175" cap="flat" cmpd="sng" algn="ctr">
-                      <a:solidFill>
-                        <a:schemeClr val="bg1">
-                          <a:lumMod val="50000"/>
-                        </a:schemeClr>
+                    <a:lnT w="12700" cap="flat" cmpd="sng" algn="ctr">
+                      <a:solidFill>
+                        <a:schemeClr val="bg1"/>
                       </a:solidFill>
                       <a:prstDash val="solid"/>
                       <a:round/>
@@ -4829,7 +4802,7 @@
                         <a:defRPr sz="700"/>
                       </a:pPr>
                       <a:r>
-                        <a:t>EMTN (Euro Medium Term Note), titre de créance de droit français présentant un risque de perte en capital en cours de vie et à l’échéance</a:t>
+                        <a:t>EMTN (Euro Medium Term Note), titre de créance de droit anglais présentant un risque de perte en capital en cours de vie et à l’échéance</a:t>
                       </a:r>
                     </a:p>
                   </a:txBody>
@@ -4854,10 +4827,10 @@
                       <a:headEnd type="none" w="med" len="med"/>
                       <a:tailEnd type="none" w="med" len="med"/>
                     </a:lnR>
-                    <a:lnT w="3175" cap="flat" cmpd="sng" algn="ctr">
+                    <a:lnT w="6350" cap="flat" cmpd="sng" algn="ctr">
                       <a:solidFill>
                         <a:schemeClr val="bg1">
-                          <a:lumMod val="50000"/>
+                          <a:lumMod val="65000"/>
                         </a:schemeClr>
                       </a:solidFill>
                       <a:prstDash val="solid"/>
@@ -4917,7 +4890,7 @@
                         <a:defRPr sz="700"/>
                       </a:pPr>
                       <a:r>
-                        <a:rPr lang="fr-FR" sz="700" b="1" kern="1200" dirty="0">
+                        <a:rPr lang="fr-FR" sz="700" b="1" kern="1200">
                           <a:solidFill>
                             <a:srgbClr val="B9A049"/>
                           </a:solidFill>
@@ -4992,7 +4965,7 @@
                         <a:defRPr sz="700"/>
                       </a:pPr>
                       <a:r>
-                        <a:t>SG Issuer. Filiale à 100% de Société Générale Luxembourg SA, elle-même filiale à 100% de Société Générale⁽¹⁾</a:t>
+                        <a:t>Morgan Stanley &amp; Co. International PLC⁽¹⁾.</a:t>
                       </a:r>
                     </a:p>
                   </a:txBody>
@@ -5053,169 +5026,6 @@
                 <a:extLst>
                   <a:ext uri="{0D108BD9-81ED-4DB2-BD59-A6C34878D82A}">
                     <a16:rowId xmlns:a16="http://schemas.microsoft.com/office/drawing/2014/main" val="2863756262"/>
-                  </a:ext>
-                </a:extLst>
-              </a:tr>
-              <a:tr h="0">
-                <a:tc>
-                  <a:txBody>
-                    <a:bodyPr/>
-                    <a:lstStyle/>
-                    <a:p>
-                      <a:pPr marL="0" marR="0" lvl="0" indent="0" algn="l" defTabSz="755934" rtl="0" eaLnBrk="1" fontAlgn="auto" latinLnBrk="0" hangingPunct="1">
-                        <a:lnSpc>
-                          <a:spcPct val="90000"/>
-                        </a:lnSpc>
-                        <a:spcBef>
-                          <a:spcPts val="0"/>
-                        </a:spcBef>
-                        <a:spcAft>
-                          <a:spcPts val="0"/>
-                        </a:spcAft>
-                        <a:buClrTx/>
-                        <a:buSzTx/>
-                        <a:buFontTx/>
-                        <a:buNone/>
-                        <a:tabLst/>
-                        <a:defRPr sz="700"/>
-                      </a:pPr>
-                      <a:r>
-                        <a:rPr lang="fr-FR" sz="700" b="1" kern="1200" dirty="0">
-                          <a:solidFill>
-                            <a:srgbClr val="B9A049"/>
-                          </a:solidFill>
-                          <a:latin typeface="+mn-lt"/>
-                          <a:ea typeface="+mn-ea"/>
-                          <a:cs typeface="+mn-cs"/>
-                        </a:rPr>
-                        <a:t>Garant de la formule et des sommes dues</a:t>
-                      </a:r>
-                    </a:p>
-                  </a:txBody>
-                  <a:tcPr marL="72000" marR="72000" marT="46800" marB="46800" anchor="ctr" horzOverflow="overflow">
-                    <a:lnL w="12700" cap="flat" cmpd="sng" algn="ctr">
-                      <a:solidFill>
-                        <a:schemeClr val="bg1">
-                          <a:lumMod val="85000"/>
-                        </a:schemeClr>
-                      </a:solidFill>
-                      <a:prstDash val="solid"/>
-                      <a:round/>
-                      <a:headEnd type="none" w="med" len="med"/>
-                      <a:tailEnd type="none" w="med" len="med"/>
-                    </a:lnL>
-                    <a:lnR w="12700" cap="flat" cmpd="sng" algn="ctr">
-                      <a:solidFill>
-                        <a:schemeClr val="bg1"/>
-                      </a:solidFill>
-                      <a:prstDash val="solid"/>
-                      <a:round/>
-                      <a:headEnd type="none" w="med" len="med"/>
-                      <a:tailEnd type="none" w="med" len="med"/>
-                    </a:lnR>
-                    <a:lnT w="12700" cap="flat" cmpd="sng" algn="ctr">
-                      <a:solidFill>
-                        <a:schemeClr val="bg1"/>
-                      </a:solidFill>
-                      <a:prstDash val="solid"/>
-                      <a:round/>
-                      <a:headEnd type="none" w="med" len="med"/>
-                      <a:tailEnd type="none" w="med" len="med"/>
-                    </a:lnT>
-                    <a:lnB w="12700" cap="flat" cmpd="sng" algn="ctr">
-                      <a:solidFill>
-                        <a:schemeClr val="bg1"/>
-                      </a:solidFill>
-                      <a:prstDash val="solid"/>
-                      <a:round/>
-                      <a:headEnd type="none" w="med" len="med"/>
-                      <a:tailEnd type="none" w="med" len="med"/>
-                    </a:lnB>
-                    <a:lnTlToBr w="12700" cmpd="sng">
-                      <a:noFill/>
-                      <a:prstDash val="solid"/>
-                    </a:lnTlToBr>
-                    <a:lnBlToTr w="12700" cmpd="sng">
-                      <a:noFill/>
-                      <a:prstDash val="solid"/>
-                    </a:lnBlToTr>
-                    <a:solidFill>
-                      <a:schemeClr val="bg1">
-                        <a:lumMod val="95000"/>
-                      </a:schemeClr>
-                    </a:solidFill>
-                  </a:tcPr>
-                </a:tc>
-                <a:tc>
-                  <a:txBody>
-                    <a:bodyPr/>
-                    <a:lstStyle/>
-                    <a:p>
-                      <a:pPr>
-                        <a:defRPr sz="700"/>
-                      </a:pPr>
-                      <a:r>
-                        <a:t>Société Générale⁽¹⁾</a:t>
-                      </a:r>
-                    </a:p>
-                  </a:txBody>
-                  <a:tcPr marL="72000" marR="72000" marT="46800" marB="46800" anchor="ctr" horzOverflow="overflow">
-                    <a:lnL w="12700" cap="flat" cmpd="sng" algn="ctr">
-                      <a:solidFill>
-                        <a:schemeClr val="bg1"/>
-                      </a:solidFill>
-                      <a:prstDash val="solid"/>
-                      <a:round/>
-                      <a:headEnd type="none" w="med" len="med"/>
-                      <a:tailEnd type="none" w="med" len="med"/>
-                    </a:lnL>
-                    <a:lnR w="6350" cap="flat" cmpd="sng" algn="ctr">
-                      <a:solidFill>
-                        <a:schemeClr val="bg1">
-                          <a:lumMod val="65000"/>
-                        </a:schemeClr>
-                      </a:solidFill>
-                      <a:prstDash val="solid"/>
-                      <a:round/>
-                      <a:headEnd type="none" w="med" len="med"/>
-                      <a:tailEnd type="none" w="med" len="med"/>
-                    </a:lnR>
-                    <a:lnT w="6350" cap="flat" cmpd="sng" algn="ctr">
-                      <a:solidFill>
-                        <a:schemeClr val="bg1">
-                          <a:lumMod val="65000"/>
-                        </a:schemeClr>
-                      </a:solidFill>
-                      <a:prstDash val="solid"/>
-                      <a:round/>
-                      <a:headEnd type="none" w="med" len="med"/>
-                      <a:tailEnd type="none" w="med" len="med"/>
-                    </a:lnT>
-                    <a:lnB w="6350" cap="flat" cmpd="sng" algn="ctr">
-                      <a:solidFill>
-                        <a:schemeClr val="bg1">
-                          <a:lumMod val="65000"/>
-                        </a:schemeClr>
-                      </a:solidFill>
-                      <a:prstDash val="solid"/>
-                      <a:round/>
-                      <a:headEnd type="none" w="med" len="med"/>
-                      <a:tailEnd type="none" w="med" len="med"/>
-                    </a:lnB>
-                    <a:lnTlToBr w="12700" cmpd="sng">
-                      <a:noFill/>
-                      <a:prstDash val="solid"/>
-                    </a:lnTlToBr>
-                    <a:lnBlToTr w="12700" cmpd="sng">
-                      <a:noFill/>
-                      <a:prstDash val="solid"/>
-                    </a:lnBlToTr>
-                    <a:noFill/>
-                  </a:tcPr>
-                </a:tc>
-                <a:extLst>
-                  <a:ext uri="{0D108BD9-81ED-4DB2-BD59-A6C34878D82A}">
-                    <a16:rowId xmlns:a16="http://schemas.microsoft.com/office/drawing/2014/main" val="168002622"/>
                   </a:ext>
                 </a:extLst>
               </a:tr>
@@ -5503,7 +5313,7 @@
                         <a:defRPr sz="700"/>
                       </a:pPr>
                       <a:r>
-                        <a:t>l’action entre EURO STOXX 50 Price EUR (dividendes non réinvestis dans l'indice ; code Bloomberg : SX5E Index ; sponsor : sponsorSTOXX ; www.stoxx.com).</a:t>
+                        <a:t>l'indice entre EURO STOXX 50 Price EUR (dividendes non réinvestis dans l'indice ; code Bloomberg : SX5E Index ; sponsor : sponsorSTOXX ; www.stoxx.com).</a:t>
                       </a:r>
                     </a:p>
                   </a:txBody>
@@ -7105,7 +6915,7 @@
                         <a:defRPr sz="700"/>
                       </a:pPr>
                       <a:r>
-                        <a:t>Le Niveau Initial correspond au cour de clôture de l’actionEURO STOXX 50 Price EUR le 29/07/2022</a:t>
+                        <a:t>Le Niveau Initial correspond au niveau de clôture de l'indiceEURO STOXX 50 Price EUR le 29/07/2022</a:t>
                       </a:r>
                     </a:p>
                   </a:txBody>
@@ -7505,7 +7315,7 @@
                         <a:defRPr sz="700"/>
                       </a:pPr>
                       <a:r>
-                        <a:t>Dates de constatation trimestrielle</a:t>
+                        <a:t>Dates de constatation annuelle</a:t>
                       </a:r>
                     </a:p>
                   </a:txBody>
@@ -7572,7 +7382,7 @@
                         <a:defRPr sz="700"/>
                       </a:pPr>
                       <a:r>
-                        <a:t>31/07/2023, 30/10/2023, 29/01/2024, 29/04/2024, 29/07/2024, 29/10/2024, 29/01/2025, 29/04/2025, 29/07/2025, 29/10/2025, 29/01/2026, 29/04/2026, 29/07/2026, 29/10/2026, 29/01/2027, 29/04/2027, 29/07/2027, 29/10/2027, 31/01/2028, 02/05/2028, 31/07/2028, 30/10/2028, 29/01/2029, 30/04/2029, 30/07/2029, 29/10/2029, 29/01/2030, 29/04/2030, 29/07/2030, 29/10/2030, 29/01/2031, 29/04/2031, 29/07/2031, 29/10/2031, 29/01/2032, 29/04/2032, 29/07/2032, 29/07/2032</a:t>
+                        <a:t>31/07/2023, 29/07/2024, 29/07/2025, 29/07/2026, 29/07/2027, 31/07/2028, 30/07/2029, 29/07/2030, 29/07/2031, 29/07/2032, 29/07/2032(finale).</a:t>
                       </a:r>
                     </a:p>
                   </a:txBody>
@@ -7735,7 +7545,7 @@
                         <a:defRPr sz="700"/>
                       </a:pPr>
                       <a:r>
-                        <a:t>07/08/2023, 06/11/2023, 05/02/2024, 07/05/2024, 05/08/2024, 05/11/2024, 05/02/2025, 07/05/2025, 05/08/2025, 05/11/2025, 05/02/2026, 07/05/2026, 05/08/2026, 05/11/2026, 05/02/2027, 06/05/2027, 05/08/2027, 05/11/2027, 07/02/2028, 09/05/2028, 07/08/2028, 06/11/2028, 05/02/2029, 08/05/2029, 06/08/2029, 05/11/2029, 05/02/2030, 07/05/2030, 05/08/2030, 05/11/2030, 05/02/2031, 07/05/2031, 05/08/2031, 05/11/2031, 05/02/2032, 06/05/2032</a:t>
+                        <a:t>07/08/2023, 05/08/2024, 05/08/2025, 05/08/2026, 05/08/2027, 07/08/2028, 06/08/2029, 05/08/2030, 05/08/2031</a:t>
                       </a:r>
                     </a:p>
                   </a:txBody>
@@ -7898,7 +7708,7 @@
                         <a:defRPr sz="700"/>
                       </a:pPr>
                       <a:r>
-                        <a:t>100% du Niveau Initial de l'action</a:t>
+                        <a:t>100% du Niveau Initial de l'indice</a:t>
                       </a:r>
                     </a:p>
                   </a:txBody>
@@ -8061,7 +7871,7 @@
                         <a:defRPr sz="700"/>
                       </a:pPr>
                       <a:r>
-                        <a:t>50% du Niveau Initial de l'action</a:t>
+                        <a:t>100% du Niveau Initial de l'indice</a:t>
                       </a:r>
                     </a:p>
                   </a:txBody>
@@ -8224,7 +8034,7 @@
                         <a:defRPr sz="700"/>
                       </a:pPr>
                       <a:r>
-                        <a:t>50% du Niveau Initial de l'action</a:t>
+                        <a:t>50% du Niveau Initial de l'indice</a:t>
                       </a:r>
                     </a:p>
                   </a:txBody>
@@ -8586,22 +8396,16 @@
                         <a:defRPr sz="700"/>
                       </a:pPr>
                       <a:r>
-                        <a:rPr lang="fr-FR" sz="700" cap="none" dirty="0">
+                        <a:rPr lang="fr-FR" sz="700" b="0" i="0" kern="1200" dirty="0">
                           <a:solidFill>
-                            <a:schemeClr val="tx2"/>
+                            <a:schemeClr val="tx1"/>
                           </a:solidFill>
-                          <a:latin typeface="Proxima Nova Rg" panose="02000506030000020004" pitchFamily="2" charset="0"/>
+                          <a:latin typeface="+mn-lt"/>
+                          <a:ea typeface="+mn-ea"/>
+                          <a:cs typeface="+mn-cs"/>
                         </a:rPr>
-                        <a:t>Comptes-titres, contrats d’assurance vie et de capitalisation</a:t>
+                        <a:t>Contrat d’assurance vie ou de capitalisation</a:t>
                       </a:r>
-                      <a:endParaRPr lang="fr-FR" sz="700" b="0" i="0" kern="1200" dirty="0">
-                        <a:solidFill>
-                          <a:schemeClr val="tx1"/>
-                        </a:solidFill>
-                        <a:latin typeface="+mn-lt"/>
-                        <a:ea typeface="+mn-ea"/>
-                        <a:cs typeface="+mn-cs"/>
-                      </a:endParaRPr>
                     </a:p>
                   </a:txBody>
                   <a:tcPr marT="46800" marB="46800" anchor="ctr" horzOverflow="overflow">
@@ -9314,33 +9118,11 @@
                     <a:bodyPr/>
                     <a:lstStyle/>
                     <a:p>
-                      <a:pPr marL="0" marR="0" lvl="0" indent="0" algn="just" defTabSz="755934" rtl="0" eaLnBrk="1" fontAlgn="base" latinLnBrk="0" hangingPunct="1">
-                        <a:lnSpc>
-                          <a:spcPct val="90000"/>
-                        </a:lnSpc>
-                        <a:spcBef>
-                          <a:spcPct val="0"/>
-                        </a:spcBef>
-                        <a:spcAft>
-                          <a:spcPct val="0"/>
-                        </a:spcAft>
-                        <a:buClrTx/>
-                        <a:buSzTx/>
-                        <a:buFontTx/>
-                        <a:buNone/>
-                        <a:tabLst/>
+                      <a:pPr>
                         <a:defRPr sz="700"/>
                       </a:pPr>
                       <a:r>
-                        <a:rPr lang="fr-FR" sz="700" b="0" i="0" kern="1200" noProof="0" dirty="0">
-                          <a:solidFill>
-                            <a:srgbClr val="000000"/>
-                          </a:solidFill>
-                          <a:latin typeface="Proxima Nova Rg" panose="02000506030000020004" pitchFamily="2" charset="0"/>
-                          <a:ea typeface="+mn-ea"/>
-                          <a:cs typeface="+mn-cs"/>
-                        </a:rPr>
-                        <a:t>Société Générale paiera au distributeur concerné une rémunération annuelle (calculée sur la base de la durée des titres) dont le montant maximum est égal à 1,50% du montant total des titres effectivement placés. Veuillez contacter le distributeur pour plus de précisions. Ces commissions sont incluses dans le prix d’achat.</a:t>
+                        <a:t>Morgan Stanley &amp; Co International Plc⁽¹⁾ paiera aux distributeurs une rémunération annuelle maximum inférieur à 1,50% TTC du montant de l’émission. Veuillez contacter le distributeur pour plus de précisions. Ces commissions sont incluses dans le prix d’achat.</a:t>
                       </a:r>
                     </a:p>
                   </a:txBody>
@@ -9975,7 +9757,7 @@
                         <a:defRPr sz="700"/>
                       </a:pPr>
                       <a:r>
-                        <a:rPr lang="fr-FR" sz="700" b="0" i="0" kern="1200" noProof="0" dirty="0">
+                        <a:rPr lang="fr-FR" sz="700" b="0" i="0" kern="1200" dirty="0">
                           <a:solidFill>
                             <a:srgbClr val="000000"/>
                           </a:solidFill>
@@ -9983,7 +9765,73 @@
                           <a:ea typeface="+mn-ea"/>
                           <a:cs typeface="+mn-cs"/>
                         </a:rPr>
-                        <a:t>Société Générale s’engage, dans des conditions normales de marché, à donner de manière quotidienne des prix indicatifs pendant toute la durée de vie des titres de créance avec une fourchette achat/vente de 1% de la Valeur Nominale.</a:t>
+                        <a:t>Dans des conditions normales de marché et sous réserve (i) des lois et réglementations applicables, (ii) des règles internes de Morgan Stanley, Morgan Stanley &amp; Co. International </a:t>
+                      </a:r>
+                      <a:r>
+                        <a:rPr lang="fr-FR" sz="700" b="0" i="0" kern="1200" dirty="0" err="1">
+                          <a:solidFill>
+                            <a:srgbClr val="000000"/>
+                          </a:solidFill>
+                          <a:latin typeface="Proxima Nova Rg" panose="02000506030000020004" pitchFamily="2" charset="0"/>
+                          <a:ea typeface="+mn-ea"/>
+                          <a:cs typeface="+mn-cs"/>
+                        </a:rPr>
+                        <a:t>plc</a:t>
+                      </a:r>
+                      <a:r>
+                        <a:rPr lang="fr-FR" sz="700" b="0" i="0" kern="1200" dirty="0">
+                          <a:solidFill>
+                            <a:srgbClr val="000000"/>
+                          </a:solidFill>
+                          <a:latin typeface="Proxima Nova Rg" panose="02000506030000020004" pitchFamily="2" charset="0"/>
+                          <a:ea typeface="+mn-ea"/>
+                          <a:cs typeface="+mn-cs"/>
+                        </a:rPr>
+                        <a:t> usera de ses efforts raisonnables pour fournir une liquidité journalière avec un écart </a:t>
+                      </a:r>
+                      <a:r>
+                        <a:rPr lang="fr-FR" sz="700" b="0" i="0" kern="1200" dirty="0" err="1">
+                          <a:solidFill>
+                            <a:srgbClr val="000000"/>
+                          </a:solidFill>
+                          <a:latin typeface="Proxima Nova Rg" panose="02000506030000020004" pitchFamily="2" charset="0"/>
+                          <a:ea typeface="+mn-ea"/>
+                          <a:cs typeface="+mn-cs"/>
+                        </a:rPr>
+                        <a:t>bid</a:t>
+                      </a:r>
+                      <a:r>
+                        <a:rPr lang="fr-FR" sz="700" b="0" i="0" kern="1200" dirty="0">
+                          <a:solidFill>
+                            <a:srgbClr val="000000"/>
+                          </a:solidFill>
+                          <a:latin typeface="Proxima Nova Rg" panose="02000506030000020004" pitchFamily="2" charset="0"/>
+                          <a:ea typeface="+mn-ea"/>
+                          <a:cs typeface="+mn-cs"/>
+                        </a:rPr>
+                        <a:t>/</a:t>
+                      </a:r>
+                      <a:r>
+                        <a:rPr lang="fr-FR" sz="700" b="0" i="0" kern="1200" dirty="0" err="1">
+                          <a:solidFill>
+                            <a:srgbClr val="000000"/>
+                          </a:solidFill>
+                          <a:latin typeface="Proxima Nova Rg" panose="02000506030000020004" pitchFamily="2" charset="0"/>
+                          <a:ea typeface="+mn-ea"/>
+                          <a:cs typeface="+mn-cs"/>
+                        </a:rPr>
+                        <a:t>ask</a:t>
+                      </a:r>
+                      <a:r>
+                        <a:rPr lang="fr-FR" sz="700" b="0" i="0" kern="1200" dirty="0">
+                          <a:solidFill>
+                            <a:srgbClr val="000000"/>
+                          </a:solidFill>
+                          <a:latin typeface="Proxima Nova Rg" panose="02000506030000020004" pitchFamily="2" charset="0"/>
+                          <a:ea typeface="+mn-ea"/>
+                          <a:cs typeface="+mn-cs"/>
+                        </a:rPr>
+                        <a:t> de 1%. Toutefois, Morgan Stanley &amp; Co International Plc n’a pas d’obligation légale de le faire.</a:t>
                       </a:r>
                     </a:p>
                   </a:txBody>
@@ -10135,7 +9983,7 @@
                         <a:defRPr sz="700"/>
                       </a:pPr>
                       <a:r>
-                        <a:t>Société Générale, ce qui peut être source d’un conflit d’intérêts⁽²⁾.</a:t>
+                        <a:t>Morgan Stanley &amp; Co International Plc⁽¹⁾, ce qui peut être source d’un conflit d’intérêt⁽²⁾.</a:t>
                       </a:r>
                     </a:p>
                   </a:txBody>
@@ -10370,126 +10218,6 @@
       </p:graphicFrame>
       <p:sp>
         <p:nvSpPr>
-          <p:cNvPr id="2" name="Espace réservé du numéro de diapositive 1">
-            <a:extLst>
-              <a:ext uri="{FF2B5EF4-FFF2-40B4-BE49-F238E27FC236}">
-                <a16:creationId xmlns:a16="http://schemas.microsoft.com/office/drawing/2014/main" id="{0C33C7E1-5760-4AFF-97B6-9362D2C8CD65}"/>
-              </a:ext>
-            </a:extLst>
-          </p:cNvPr>
-          <p:cNvSpPr>
-            <a:spLocks noGrp="1"/>
-          </p:cNvSpPr>
-          <p:nvPr>
-            <p:ph type="sldNum" sz="quarter" idx="4"/>
-          </p:nvPr>
-        </p:nvSpPr>
-        <p:spPr/>
-        <p:txBody>
-          <a:bodyPr/>
-          <a:lstStyle/>
-          <a:p>
-            <a:fld id="{58F0BA28-1212-45AE-B075-64C06113A6D3}" type="slidenum">
-              <a:rPr lang="fr-FR" smtClean="0"/>
-              <a:pPr/>
-              <a:t>12</a:t>
-            </a:fld>
-            <a:endParaRPr lang="fr-FR" dirty="0"/>
-          </a:p>
-        </p:txBody>
-      </p:sp>
-      <p:sp>
-        <p:nvSpPr>
-          <p:cNvPr id="5" name="Text Box 2">
-            <a:extLst>
-              <a:ext uri="{FF2B5EF4-FFF2-40B4-BE49-F238E27FC236}">
-                <a16:creationId xmlns:a16="http://schemas.microsoft.com/office/drawing/2014/main" id="{45E1DCC2-11CD-41F7-969A-E4566F5B1573}"/>
-              </a:ext>
-            </a:extLst>
-          </p:cNvPr>
-          <p:cNvSpPr txBox="1">
-            <a:spLocks noChangeArrowheads="1"/>
-          </p:cNvSpPr>
-          <p:nvPr/>
-        </p:nvSpPr>
-        <p:spPr bwMode="auto">
-          <a:xfrm>
-            <a:off x="361950" y="9765983"/>
-            <a:ext cx="6483350" cy="415498"/>
-          </a:xfrm>
-          <a:prstGeom prst="rect">
-            <a:avLst/>
-          </a:prstGeom>
-          <a:noFill/>
-          <a:ln w="9525">
-            <a:noFill/>
-            <a:miter lim="800000"/>
-            <a:headEnd/>
-            <a:tailEnd/>
-          </a:ln>
-        </p:spPr>
-        <p:txBody>
-          <a:bodyPr wrap="square" lIns="0" tIns="0" rIns="0" bIns="0">
-            <a:spAutoFit/>
-          </a:bodyPr>
-          <a:lstStyle/>
-          <a:p>
-            <a:pPr marL="228600" lvl="0" indent="-228600" algn="just" defTabSz="914400">
-              <a:buAutoNum type="arabicParenBoth"/>
-            </a:pPr>
-            <a:r>
-              <a:rPr lang="fr-FR" sz="700" dirty="0">
-                <a:solidFill>
-                  <a:srgbClr val="000000"/>
-                </a:solidFill>
-                <a:latin typeface="Proxima Nova Rg" panose="02000506030000020004" pitchFamily="2" charset="0"/>
-              </a:rPr>
-              <a:t>Crédit Suisse AG : Moody’s A1 / Standard &amp; </a:t>
-            </a:r>
-            <a:r>
-              <a:rPr lang="fr-FR" sz="700" dirty="0" err="1">
-                <a:solidFill>
-                  <a:srgbClr val="000000"/>
-                </a:solidFill>
-                <a:latin typeface="Proxima Nova Rg" panose="02000506030000020004" pitchFamily="2" charset="0"/>
-              </a:rPr>
-              <a:t>Poor’s</a:t>
-            </a:r>
-            <a:r>
-              <a:rPr lang="fr-FR" sz="700" dirty="0">
-                <a:solidFill>
-                  <a:srgbClr val="000000"/>
-                </a:solidFill>
-                <a:latin typeface="Proxima Nova Rg" panose="02000506030000020004" pitchFamily="2" charset="0"/>
-              </a:rPr>
-              <a:t> A / Fitch A. Notations en vigueur au moment de la rédaction de la présente brochure le</a:t>
-            </a:r>
-            <a:r>
-              <a:rPr lang="fr-FR" sz="650" dirty="0"/>
-              <a:t> 27 juin 2022, qui ne sauraient ni être une garantie de solvabilité de l’Émetteur et du Garant de la formule, ni constituer un argument de souscription au produit. Les agences de notation peuvent les modifier à tout moment. </a:t>
-            </a:r>
-          </a:p>
-          <a:p>
-            <a:pPr marL="228600" lvl="0" indent="-228600" algn="just" defTabSz="914400">
-              <a:buAutoNum type="arabicParenBoth"/>
-            </a:pPr>
-            <a:r>
-              <a:rPr lang="fr-FR" sz="700" dirty="0">
-                <a:solidFill>
-                  <a:srgbClr val="000000"/>
-                </a:solidFill>
-                <a:latin typeface="Proxima Nova Rg" panose="02000506030000020004" pitchFamily="2" charset="0"/>
-              </a:rPr>
-              <a:t>Les conflits d’intérêts seront gérés suivant la réglementation en vigueur.</a:t>
-            </a:r>
-            <a:endParaRPr lang="fr-FR" sz="650" i="1" dirty="0">
-              <a:latin typeface="Proxima Nova Rg" panose="02000506030000020004" pitchFamily="2" charset="0"/>
-            </a:endParaRPr>
-          </a:p>
-        </p:txBody>
-      </p:sp>
-      <p:sp>
-        <p:nvSpPr>
           <p:cNvPr id="6" name="Espace réservé du texte 11">
             <a:extLst>
               <a:ext uri="{FF2B5EF4-FFF2-40B4-BE49-F238E27FC236}">
@@ -10721,6 +10449,55 @@
         </p:spPr>
         <p:txBody>
           <a:bodyPr lIns="20981" tIns="20981" rIns="20981" bIns="20981"/>
+          <a:lstStyle/>
+          <a:p>
+            <a:pPr algn="ctr" defTabSz="825500">
+              <a:lnSpc>
+                <a:spcPct val="100000"/>
+              </a:lnSpc>
+              <a:defRPr sz="3200" b="0">
+                <a:solidFill>
+                  <a:srgbClr val="FFFFFF"/>
+                </a:solidFill>
+                <a:latin typeface="Helvetica Neue Medium"/>
+                <a:ea typeface="Helvetica Neue Medium"/>
+                <a:cs typeface="Helvetica Neue Medium"/>
+                <a:sym typeface="Helvetica Neue Medium"/>
+              </a:defRPr>
+            </a:pPr>
+            <a:endParaRPr/>
+          </a:p>
+        </p:txBody>
+      </p:sp>
+      <p:sp>
+        <p:nvSpPr>
+          <p:cNvPr id="8" name="Rectangle">
+            <a:extLst>
+              <a:ext uri="{FF2B5EF4-FFF2-40B4-BE49-F238E27FC236}">
+                <a16:creationId xmlns:a16="http://schemas.microsoft.com/office/drawing/2014/main" id="{6900565A-F48B-5B06-F008-39BAB3A261F0}"/>
+              </a:ext>
+            </a:extLst>
+          </p:cNvPr>
+          <p:cNvSpPr/>
+          <p:nvPr/>
+        </p:nvSpPr>
+        <p:spPr>
+          <a:xfrm>
+            <a:off x="357725" y="9705670"/>
+            <a:ext cx="6840000" cy="6846"/>
+          </a:xfrm>
+          <a:prstGeom prst="rect">
+            <a:avLst/>
+          </a:prstGeom>
+          <a:solidFill>
+            <a:srgbClr val="C5AF5C"/>
+          </a:solidFill>
+          <a:ln w="3175">
+            <a:miter lim="400000"/>
+          </a:ln>
+        </p:spPr>
+        <p:txBody>
+          <a:bodyPr lIns="20981" tIns="20981" rIns="20981" bIns="20981" anchor="ctr"/>
           <a:lstStyle/>
           <a:p>
             <a:pPr algn="ctr" defTabSz="825500">
@@ -10866,6 +10643,55 @@
           </a:p>
         </p:txBody>
       </p:sp>
+      <p:sp>
+        <p:nvSpPr>
+          <p:cNvPr id="4" name="Rectangle">
+            <a:extLst>
+              <a:ext uri="{FF2B5EF4-FFF2-40B4-BE49-F238E27FC236}">
+                <a16:creationId xmlns:a16="http://schemas.microsoft.com/office/drawing/2014/main" id="{520466E7-91C4-9A40-89AB-1AD05A0F35F6}"/>
+              </a:ext>
+            </a:extLst>
+          </p:cNvPr>
+          <p:cNvSpPr/>
+          <p:nvPr/>
+        </p:nvSpPr>
+        <p:spPr>
+          <a:xfrm>
+            <a:off x="359837" y="9654374"/>
+            <a:ext cx="6840000" cy="6846"/>
+          </a:xfrm>
+          <a:prstGeom prst="rect">
+            <a:avLst/>
+          </a:prstGeom>
+          <a:solidFill>
+            <a:srgbClr val="C5AF5C"/>
+          </a:solidFill>
+          <a:ln w="3175">
+            <a:miter lim="400000"/>
+          </a:ln>
+        </p:spPr>
+        <p:txBody>
+          <a:bodyPr lIns="20981" tIns="20981" rIns="20981" bIns="20981" anchor="ctr"/>
+          <a:lstStyle/>
+          <a:p>
+            <a:pPr algn="ctr" defTabSz="825500">
+              <a:lnSpc>
+                <a:spcPct val="100000"/>
+              </a:lnSpc>
+              <a:defRPr sz="3200" b="0">
+                <a:solidFill>
+                  <a:srgbClr val="FFFFFF"/>
+                </a:solidFill>
+                <a:latin typeface="Helvetica Neue Medium"/>
+                <a:ea typeface="Helvetica Neue Medium"/>
+                <a:cs typeface="Helvetica Neue Medium"/>
+                <a:sym typeface="Helvetica Neue Medium"/>
+              </a:defRPr>
+            </a:pPr>
+            <a:endParaRPr/>
+          </a:p>
+        </p:txBody>
+      </p:sp>
     </p:spTree>
     <p:extLst>
       <p:ext uri="{BB962C8B-B14F-4D97-AF65-F5344CB8AC3E}">
@@ -11036,13 +10862,13 @@
                 </a:solidFill>
                 <a:latin typeface="Proxima Nova Rg" panose="02000506030000020004" pitchFamily="2" charset="0"/>
               </a:rPr>
-              <a:t> selon les scénarios. Une sortie anticipée à l’initiative de l’investisseur se fera à un cours dépendant de l’évolution des paramètres de marché au moment de la sortie (cours de l'action, des taux d’intérêt, de la volatilité et des primes de risque de crédit notamment) et pourra donc entraîner un risque de perte en capital.</a:t>
+              <a:t> selon les scénarios. Une sortie anticipée à l’initiative de l’investisseur se fera à un niveau dépendant de l’évolution des paramètres de marché au moment de la sortie (niveau de l'indice, des taux d’intérêt, de la volatilité et des primes de risque de crédit notamment) et pourra donc entraîner un risque de perte en capital.</a:t>
             </a:r>
           </a:p>
           <a:p>
             <a:pPr algn="just"/>
             <a:r>
-              <a:rPr lang="fr-FR" sz="650" baseline="30000" dirty="0">
+              <a:rPr lang="fr-FR" sz="650" baseline="30000">
                 <a:solidFill>
                   <a:srgbClr val="000000"/>
                 </a:solidFill>
@@ -11054,7 +10880,7 @@
               <a:t>(</a:t>
             </a:r>
             <a:r>
-              <a:rPr lang="fr-FR" sz="650" baseline="30000" dirty="0">
+              <a:rPr lang="fr-FR" sz="650" baseline="30000">
                 <a:solidFill>
                   <a:srgbClr val="000000"/>
                 </a:solidFill>
@@ -11063,7 +10889,7 @@
               <a:t>3) </a:t>
             </a:r>
             <a:r>
-              <a:rPr lang="fr-FR" sz="650" dirty="0">
+              <a:rPr lang="fr-FR" sz="650">
                 <a:solidFill>
                   <a:srgbClr val="000000"/>
                 </a:solidFill>
@@ -11603,7 +11429,7 @@
         <p:spPr>
           <a:xfrm>
             <a:off x="458462" y="974579"/>
-            <a:ext cx="6741374" cy="3769237"/>
+            <a:ext cx="6741374" cy="3300391"/>
           </a:xfrm>
           <a:prstGeom prst="rect">
             <a:avLst/>
@@ -11778,21 +11604,10 @@
             </a:lvl9pPr>
           </a:lstStyle>
           <a:p>
-            <a:pPr marL="0" marR="0" lvl="1" indent="0" algn="just" defTabSz="755934" rtl="0" eaLnBrk="1" fontAlgn="auto" latinLnBrk="0" hangingPunct="1">
+            <a:pPr lvl="1" algn="just">
               <a:lnSpc>
                 <a:spcPct val="90000"/>
               </a:lnSpc>
-              <a:spcBef>
-                <a:spcPts val="800"/>
-              </a:spcBef>
-              <a:spcAft>
-                <a:spcPts val="200"/>
-              </a:spcAft>
-              <a:buClrTx/>
-              <a:buSzTx/>
-              <a:buFont typeface="Arial" panose="020B0604020202020204" pitchFamily="34" charset="0"/>
-              <a:buNone/>
-              <a:tabLst/>
               <a:defRPr/>
             </a:pPr>
             <a:r>
@@ -11810,7 +11625,7 @@
                 <a:ea typeface="+mn-ea"/>
                 <a:cs typeface="+mn-cs"/>
               </a:rPr>
-              <a:t>Les termes « capital » et « capital initial » utilisés dans cette brochure désignent la Valeur Nominale des titres de créance « guigui » soit 1 000 EUR multiplié par le nombre de titres. Le montant remboursé est brut, hors frais et fiscalité applicable au cadre d’investissement. Les taux de Rendement Annuel (« TRA ») sont nets de frais de gestion pour les contrats d’assurance vie/capitalisation ou net de droits de garde en compte-titres (en prenant comme hypothèse un taux de frais de gestion ou de droits de garde de 1,00% annuel), mais sans prise en compte des autres frais, de la fiscalité t prélèvements sociaux applicables au cadre d’investissement. Ils sont calculés pour un investissement entre la &lt;</a:t>
+              <a:t>Les termes « capital » et « capital initial » utilisés dans cette brochure désignent la Valeur Nominale des titres de créance « guigui » soit 1 000 EUR multiplié par le nombre de titres. Le montant remboursé est brut, hors frais et fiscalité applicable au cadre d’investissement. Les taux de Rendement Annuel (« TRA ») sont nets de frais de gestion pour les contrats d’assurance vie/capitalisation ou net de droits de garde en compte-titres (en prenant comme hypothèse un taux de frais de gestion ou de droits de garde de 1,00% annuel), mais sans prise en compte des autres frais, de la fiscalité et des prélèvements sociaux applicables au cadre d’investissement. Ils sont calculés pour un investissement entre la &lt;</a:t>
             </a:r>
             <a:r>
               <a:rPr kumimoji="0" lang="fr-FR" sz="800" b="0" i="0" u="none" strike="noStrike" kern="1200" cap="none" spc="0" normalizeH="0" baseline="0" noProof="0" dirty="0" err="1">
@@ -11998,7 +11813,7 @@
                 <a:ea typeface="+mn-ea"/>
                 <a:cs typeface="+mn-cs"/>
               </a:rPr>
-              <a:t>Pour un investissement dans « guigui », vous êtes exposé pour une durée de 4 à 40 trimestres à la performance positive ou négative de l'action</a:t>
+              <a:t>Pour un investissement dans « guigui », vous êtes exposé pour une durée de 2.0136986301369864 à 10 années à la performance positive ou négative de l'indice</a:t>
             </a:r>
             <a:r>
               <a:rPr lang="fr-FR" sz="800" b="1" dirty="0">
@@ -12108,7 +11923,7 @@
                 <a:ea typeface="+mn-ea"/>
                 <a:cs typeface="+mn-cs"/>
               </a:rPr>
-              <a:t> à hauteur de l’intégralité de la baisse enregistrée par l’action </a:t>
+              <a:t> à hauteur de l’intégralité de la baisse enregistrée par l'indice </a:t>
             </a:r>
             <a:r>
               <a:rPr kumimoji="0" lang="fr-FR" sz="800" b="0" i="0" u="none" strike="noStrike" kern="1200" cap="none" spc="0" normalizeH="0" baseline="0" noProof="0" dirty="0">
@@ -12122,7 +11937,7 @@
                 <a:ea typeface="+mn-ea"/>
                 <a:cs typeface="+mn-cs"/>
               </a:rPr>
-              <a:t>si celle-ci clôture, à la date de constatation finale</a:t>
+              <a:t>si celui-ci clôture, à la date de constatation finale</a:t>
             </a:r>
             <a:r>
               <a:rPr kumimoji="0" lang="fr-FR" sz="800" b="0" i="0" u="none" strike="noStrike" kern="1200" cap="none" spc="0" normalizeH="0" baseline="30000" noProof="0" dirty="0">
@@ -12150,7 +11965,7 @@
                 <a:ea typeface="+mn-ea"/>
                 <a:cs typeface="+mn-cs"/>
               </a:rPr>
-              <a:t>, à un cours strictement inférieur à 50% de son Niveau Initial.</a:t>
+              <a:t>, à un niveau strictement inférieur à 50% de son Niveau Initial.</a:t>
             </a:r>
           </a:p>
           <a:p>
@@ -12186,7 +12001,7 @@
                 <a:ea typeface="+mn-ea"/>
                 <a:cs typeface="+mn-cs"/>
               </a:rPr>
-              <a:t>… avec un mécanisme de remboursement anticipé activable automatiquement à la fin du trimestre 4 jusqu'à la fin du trimestre 39</a:t>
+              <a:t>… avec un mécanisme de remboursement anticipé activable automatiquement à partir de la fin de l'année 2.0136986301369864 jusqu'à la fin de l'année 9</a:t>
             </a:r>
             <a:r>
               <a:rPr kumimoji="0" lang="fr-FR" sz="800" b="1" i="0" u="none" strike="noStrike" kern="1200" cap="none" spc="0" normalizeH="0" baseline="0" noProof="0" dirty="0">
@@ -12214,7 +12029,7 @@
                 <a:ea typeface="+mn-ea"/>
                 <a:cs typeface="+mn-cs"/>
               </a:rPr>
-              <a:t>si à une date de constatation trimestrielle</a:t>
+              <a:t>si à une date de constatation annuelle</a:t>
             </a:r>
             <a:r>
               <a:rPr kumimoji="0" lang="fr-FR" sz="800" b="0" i="0" u="none" strike="noStrike" kern="1200" cap="none" spc="0" normalizeH="0" baseline="30000" noProof="0" dirty="0">
@@ -12256,7 +12071,7 @@
                 <a:ea typeface="+mn-ea"/>
                 <a:cs typeface="+mn-cs"/>
               </a:rPr>
-              <a:t>l’action clôture à un cours supérieur </a:t>
+              <a:t>l'indice clôture à un niveau supérieur </a:t>
             </a:r>
             <a:r>
               <a:rPr kumimoji="0" lang="fr-FR" sz="800" b="0" i="0" u="none" strike="noStrike" kern="1200" cap="none" spc="0" normalizeH="0" baseline="0" noProof="0" dirty="0">
@@ -12340,7 +12155,7 @@
                 <a:ea typeface="+mn-ea"/>
                 <a:cs typeface="+mn-cs"/>
               </a:rPr>
-              <a:t>avec un objectif de gain fixe plafonné à 1,00% par trimestre écoulé depuis le 29/07/2022 (soit 4,00% par année écoulée) </a:t>
+              <a:t>avec un objectif de gain fixe plafonné à 2,10% par année écoulée depuis le 29/07/2022 (soit 2,10% par année écoulée) </a:t>
             </a:r>
             <a:r>
               <a:rPr kumimoji="0" lang="fr-FR" sz="800" b="0" i="0" u="none" strike="noStrike" kern="1200" cap="none" spc="0" normalizeH="0" baseline="0" noProof="0" dirty="0">
@@ -12354,7 +12169,7 @@
                 <a:ea typeface="+mn-ea"/>
                 <a:cs typeface="+mn-cs"/>
               </a:rPr>
-              <a:t>si, à une date de constatation trimestrielle</a:t>
+              <a:t>si, à une date de constatation annuelle</a:t>
             </a:r>
             <a:r>
               <a:rPr kumimoji="0" lang="fr-FR" sz="800" b="0" i="0" u="none" strike="noStrike" kern="1200" cap="none" spc="0" normalizeH="0" baseline="30000" noProof="0" dirty="0">
@@ -12396,7 +12211,7 @@
                 <a:ea typeface="+mn-ea"/>
                 <a:cs typeface="+mn-cs"/>
               </a:rPr>
-              <a:t>l’action clôture à un cours supérieur </a:t>
+              <a:t>l'indice clôture à un niveau supérieur </a:t>
             </a:r>
             <a:r>
               <a:rPr kumimoji="0" lang="fr-FR" sz="800" b="0" i="0" u="none" strike="noStrike" kern="1200" cap="none" spc="0" normalizeH="0" baseline="0" noProof="0" dirty="0">
@@ -12410,7 +12225,38 @@
                 <a:ea typeface="+mn-ea"/>
                 <a:cs typeface="+mn-cs"/>
               </a:rPr>
-              <a:t>ou égal à 80 </a:t>
+              <a:t>ou égal à </a:t>
+            </a:r>
+            <a:r>
+              <a:rPr kumimoji="0" lang="fr-FR" sz="800" b="0" i="0" u="none" strike="noStrike" kern="1200" cap="none" spc="0" normalizeH="0" baseline="0" noProof="0" dirty="0">
+                <a:ln>
+                  <a:noFill/>
+                </a:ln>
+                <a:effectLst/>
+                <a:highlight>
+                  <a:srgbClr val="FFFF00"/>
+                </a:highlight>
+                <a:uLnTx/>
+                <a:uFillTx/>
+                <a:latin typeface="Proxima Nova Rg"/>
+                <a:ea typeface="+mn-ea"/>
+                <a:cs typeface="+mn-cs"/>
+              </a:rPr>
+              <a:t>80 </a:t>
+            </a:r>
+            <a:r>
+              <a:rPr kumimoji="0" lang="fr-FR" sz="800" b="0" i="0" u="none" strike="noStrike" kern="1200" cap="none" spc="0" normalizeH="0" baseline="0" noProof="0" dirty="0">
+                <a:ln>
+                  <a:noFill/>
+                </a:ln>
+                <a:effectLst/>
+                <a:uLnTx/>
+                <a:uFillTx/>
+                <a:latin typeface="Proxima Nova Rg"/>
+                <a:ea typeface="+mn-ea"/>
+                <a:cs typeface="+mn-cs"/>
+              </a:rPr>
+              <a:t/>
             </a:r>
             <a:r>
               <a:rPr kumimoji="0" lang="fr-FR" sz="800" b="0" i="0" u="none" strike="noStrike" kern="1200" cap="none" spc="0" normalizeH="0" baseline="0" noProof="0" dirty="0">
@@ -12471,7 +12317,7 @@
                 <a:ea typeface="+mn-ea"/>
                 <a:cs typeface="+mn-cs"/>
               </a:rPr>
-              <a:t>La perte en capital peut être totale si l’action a une valeur nulle à la date de constatation finale</a:t>
+              <a:t>La perte en capital peut être totale si l'indice a une valeur nulle à la date de constatation finale</a:t>
             </a:r>
             <a:r>
               <a:rPr kumimoji="0" lang="fr-FR" sz="800" b="1" i="0" u="none" strike="noStrike" kern="1200" cap="none" spc="0" normalizeH="0" baseline="30000" noProof="0" dirty="0">
@@ -12558,15 +12404,7 @@
                 <a:ea typeface="+mn-ea"/>
                 <a:cs typeface="+mn-cs"/>
               </a:rPr>
-              <a:t>: En acceptant de limiter leurs gains à 1,00% par trimestre écoulé (soit un Taux de Rendement Annuel net maximum de 2,92%%), les investisseurs recevront en contrepartie l’intégralité du capital initial si l’action ne baisse pas de plus de &lt;</a:t>
-            </a:r>
-            <a:r>
-              <a:rPr lang="fr-FR" sz="800" dirty="0">
-                <a:solidFill>
-                  <a:srgbClr val="000000"/>
-                </a:solidFill>
-              </a:rPr>
-              <a:t>PDIPERF&gt;</a:t>
+              <a:t>: En acceptant de limiter leurs gains à 2,10% par année écoulé (soit un Taux de Rendement Annuel net maximum de 1,06%%), les investisseurs recevront en contrepartie l’intégralité du capital initial si l'indice ne baisse pas de plus de </a:t>
             </a:r>
             <a:r>
               <a:rPr kumimoji="0" lang="fr-FR" sz="800" b="0" i="0" u="none" strike="noStrike" kern="1200" cap="none" spc="0" normalizeH="0" baseline="0" noProof="0" dirty="0">
@@ -12577,17 +12415,68 @@
                   <a:schemeClr val="tx1"/>
                 </a:solidFill>
                 <a:effectLst/>
+                <a:highlight>
+                  <a:srgbClr val="FFFF00"/>
+                </a:highlight>
                 <a:uLnTx/>
                 <a:uFillTx/>
                 <a:latin typeface="Proxima Nova Rg"/>
                 <a:ea typeface="+mn-ea"/>
                 <a:cs typeface="+mn-cs"/>
               </a:rPr>
-              <a:t> par rapport à son Niveau Initial </a:t>
+              <a:t>&lt;</a:t>
+            </a:r>
+            <a:r>
+              <a:rPr lang="fr-FR" sz="800" dirty="0">
+                <a:solidFill>
+                  <a:srgbClr val="000000"/>
+                </a:solidFill>
+                <a:highlight>
+                  <a:srgbClr val="FFFF00"/>
+                </a:highlight>
+              </a:rPr>
+              <a:t>PDIPERF&gt;</a:t>
+            </a:r>
+            <a:r>
+              <a:rPr kumimoji="0" lang="fr-FR" sz="800" b="0" i="0" u="none" strike="noStrike" kern="1200" cap="none" spc="0" normalizeH="0" baseline="0" noProof="0" dirty="0">
+                <a:ln>
+                  <a:noFill/>
+                </a:ln>
+                <a:solidFill>
+                  <a:schemeClr val="tx1"/>
+                </a:solidFill>
+                <a:effectLst/>
+                <a:highlight>
+                  <a:srgbClr val="FFFF00"/>
+                </a:highlight>
+                <a:uLnTx/>
+                <a:uFillTx/>
+                <a:latin typeface="Proxima Nova Rg"/>
+                <a:ea typeface="+mn-ea"/>
+                <a:cs typeface="+mn-cs"/>
+              </a:rPr>
+              <a:t> </a:t>
+            </a:r>
+            <a:r>
+              <a:rPr kumimoji="0" lang="fr-FR" sz="800" b="0" i="0" u="none" strike="noStrike" kern="1200" cap="none" spc="0" normalizeH="0" baseline="0" noProof="0" dirty="0">
+                <a:ln>
+                  <a:noFill/>
+                </a:ln>
+                <a:solidFill>
+                  <a:schemeClr val="tx1"/>
+                </a:solidFill>
+                <a:effectLst/>
+                <a:uLnTx/>
+                <a:uFillTx/>
+                <a:latin typeface="Proxima Nova Rg"/>
+                <a:ea typeface="+mn-ea"/>
+                <a:cs typeface="+mn-cs"/>
+              </a:rPr>
+              <a:t>par rapport à son Niveau Initial </a:t>
             </a:r>
           </a:p>
           <a:p>
-            <a:pPr marL="0" marR="0" lvl="1" indent="0" algn="just" defTabSz="755934" rtl="0" eaLnBrk="1" fontAlgn="auto" latinLnBrk="0" hangingPunct="1">
+            <a:pPr marL="0" marR="0" lvl="4" indent="0" algn="just" defTabSz="755934" rtl="0" eaLnBrk="1" fontAlgn="auto" latinLnBrk="0" hangingPunct="1">
               <a:lnSpc>
                 <a:spcPct val="90000"/>
               </a:lnSpc>
@@ -12595,7 +12484,7 @@
                 <a:spcPts val="600"/>
               </a:spcBef>
               <a:spcAft>
-                <a:spcPts val="200"/>
+                <a:spcPts val="0"/>
               </a:spcAft>
               <a:buClrTx/>
               <a:buSzTx/>
@@ -12605,78 +12494,13 @@
               <a:defRPr/>
             </a:pPr>
             <a:r>
-              <a:rPr kumimoji="0" lang="fr-FR" sz="800" b="0" i="1" u="none" strike="noStrike" kern="1200" cap="none" spc="0" normalizeH="0" baseline="0" noProof="0" dirty="0">
-                <a:ln>
-                  <a:noFill/>
-                </a:ln>
+              <a:rPr lang="fr-FR" dirty="0">
                 <a:solidFill>
                   <a:schemeClr val="tx1"/>
                 </a:solidFill>
-                <a:effectLst/>
-                <a:uLnTx/>
-                <a:uFillTx/>
                 <a:latin typeface="Proxima Nova Rg"/>
-                <a:ea typeface="+mn-ea"/>
-                <a:cs typeface="+mn-cs"/>
-              </a:rPr>
-              <a:t>Les titres de créance «</a:t>
-            </a:r>
-            <a:r>
-              <a:rPr kumimoji="0" lang="fr-FR" sz="800" b="1" i="1" u="none" strike="noStrike" kern="1200" cap="none" spc="0" normalizeH="0" baseline="0" noProof="0" dirty="0">
-                <a:ln>
-                  <a:noFill/>
-                </a:ln>
-                <a:solidFill>
-                  <a:schemeClr val="tx1"/>
-                </a:solidFill>
-                <a:effectLst/>
-                <a:uLnTx/>
-                <a:uFillTx/>
-                <a:latin typeface="Proxima Nova Rg"/>
-                <a:ea typeface="+mn-ea"/>
-                <a:cs typeface="+mn-cs"/>
-              </a:rPr>
-              <a:t> </a:t>
-            </a:r>
-            <a:r>
-              <a:rPr kumimoji="0" lang="fr-FR" sz="800" b="0" i="1" u="none" strike="noStrike" kern="1200" cap="none" spc="0" normalizeH="0" baseline="0" noProof="0" dirty="0">
-                <a:ln>
-                  <a:noFill/>
-                </a:ln>
-                <a:solidFill>
-                  <a:schemeClr val="tx1"/>
-                </a:solidFill>
-                <a:effectLst/>
-                <a:uLnTx/>
-                <a:uFillTx/>
-                <a:latin typeface="Proxima Nova Rg"/>
-                <a:ea typeface="+mn-ea"/>
-                <a:cs typeface="+mn-cs"/>
-              </a:rPr>
-              <a:t>guigui » peuvent être proposés comme un actif représentatif d’une unité de compte dans le cadre de contrats d’assurance vie et/ou de capitalisation. L’Assureur s’engage sur le nombre d’unités de compte mais pas sur leur valeur, qu’il ne garantit pas. La présente brochure décrit les caractéristiques du support « guigui » et ne prend pas en compte les spécificités des contrats d’assurance vie ou de capitalisation dans le cadre desquels ce produit est proposé. </a:t>
-            </a:r>
-            <a:r>
-              <a:rPr lang="fr-FR" sz="800" b="1" i="1" dirty="0">
-                <a:latin typeface="Proxima Nova Rg" panose="02000506030000020004" pitchFamily="2" charset="0"/>
-              </a:rPr>
-              <a:t>Dans le cadre d’un contrat d’assurance vie ou de capitalisation, l’assureur s’engage exclusivement sur le nombre d’unités de compte mais non sur leur valeur, qu’il ne garantit pas. L'émetteur ne s'engage pas sur l'éligibilité des titres dans des contrats d'assurance-vie. La détermination de cette éligibilité est du ressort de l'assureur. Il est précisé que l’Assureur d’une part et l’Émetteur d’autre part, sont des entités juridiques distinctes. Ce document n’a pas été rédigé par l’Assureur.</a:t>
-            </a:r>
-            <a:r>
-              <a:rPr kumimoji="0" lang="fr-FR" sz="800" b="1" i="1" u="none" strike="noStrike" kern="1200" cap="none" spc="0" normalizeH="0" baseline="0" noProof="0" dirty="0">
-                <a:ln>
-                  <a:noFill/>
-                </a:ln>
-                <a:solidFill>
-                  <a:schemeClr val="tx1"/>
-                </a:solidFill>
-                <a:effectLst/>
-                <a:uLnTx/>
-                <a:uFillTx/>
-                <a:latin typeface="Proxima Nova Rg"/>
-                <a:ea typeface="+mn-ea"/>
-                <a:cs typeface="+mn-cs"/>
-              </a:rPr>
-              <a:t> </a:t>
+              </a:rPr>
+              <a:t> « guigui » ne peut constituer l’intégralité d’un portefeuille d’investissement. L’investisseur est exposé pour une durée de 2.0136986301369864 à 10 années à l'indice. Vous êtes sur le point d’acheter un produit qui n’est pas simple et qui peut être difficile à comprendre.</a:t>
             </a:r>
           </a:p>
         </p:txBody>
@@ -12709,6 +12533,55 @@
           </a:bodyPr>
           <a:lstStyle/>
           <a:p/>
+        </p:txBody>
+      </p:sp>
+      <p:sp>
+        <p:nvSpPr>
+          <p:cNvPr id="13" name="Rectangle">
+            <a:extLst>
+              <a:ext uri="{FF2B5EF4-FFF2-40B4-BE49-F238E27FC236}">
+                <a16:creationId xmlns:a16="http://schemas.microsoft.com/office/drawing/2014/main" id="{BE2900B0-346F-9C03-3B28-C7107EF48128}"/>
+              </a:ext>
+            </a:extLst>
+          </p:cNvPr>
+          <p:cNvSpPr/>
+          <p:nvPr/>
+        </p:nvSpPr>
+        <p:spPr>
+          <a:xfrm>
+            <a:off x="283637" y="9695762"/>
+            <a:ext cx="6840000" cy="6846"/>
+          </a:xfrm>
+          <a:prstGeom prst="rect">
+            <a:avLst/>
+          </a:prstGeom>
+          <a:solidFill>
+            <a:srgbClr val="C5AF5C"/>
+          </a:solidFill>
+          <a:ln w="3175">
+            <a:miter lim="400000"/>
+          </a:ln>
+        </p:spPr>
+        <p:txBody>
+          <a:bodyPr lIns="20981" tIns="20981" rIns="20981" bIns="20981" anchor="ctr"/>
+          <a:lstStyle/>
+          <a:p>
+            <a:pPr algn="ctr" defTabSz="825500">
+              <a:lnSpc>
+                <a:spcPct val="100000"/>
+              </a:lnSpc>
+              <a:defRPr sz="3200" b="0">
+                <a:solidFill>
+                  <a:srgbClr val="FFFFFF"/>
+                </a:solidFill>
+                <a:latin typeface="Helvetica Neue Medium"/>
+                <a:ea typeface="Helvetica Neue Medium"/>
+                <a:cs typeface="Helvetica Neue Medium"/>
+                <a:sym typeface="Helvetica Neue Medium"/>
+              </a:defRPr>
+            </a:pPr>
+            <a:endParaRPr/>
+          </a:p>
         </p:txBody>
       </p:sp>
       <p:pic>
@@ -12905,7 +12778,7 @@
                 </a:solidFill>
                 <a:latin typeface="Proxima Nova Rg" panose="02000506030000020004" pitchFamily="2" charset="0"/>
               </a:rPr>
-              <a:t> selon les scénarios. Une sortie anticipée à l’initiative de l’investisseur se fera à un cours dépendant de l’évolution des paramètres de marché au moment de la sortie (cours de l'action, des taux d’intérêt, de la volatilité et des primes de risque de crédit notamment) et pourra donc entraîner un risque de perte en capital.</a:t>
+              <a:t> selon les scénarios. Une sortie anticipée à l’initiative de l’investisseur se fera à un niveau dépendant de l’évolution des paramètres de marché au moment de la sortie (niveau de l'indice, des taux d’intérêt, de la volatilité et des primes de risque de crédit notamment) et pourra donc entraîner un risque de perte en capital.</a:t>
             </a:r>
           </a:p>
         </p:txBody>
@@ -13405,7 +13278,7 @@
             </a:pPr>
             <a:r>
               <a:rPr lang="fr-FR" sz="800" dirty="0"/>
-              <a:t>Un gain plafonné fixe de 1,00% par trimestre écoulé depuis le 29/07/2022</a:t>
+              <a:t>Un gain plafonné fixe de 2,10% par année écoulée depuis le 29/07/2022</a:t>
             </a:r>
           </a:p>
           <a:p>
@@ -13420,7 +13293,7 @@
             </a:pPr>
             <a:r>
               <a:rPr lang="fr-FR" sz="800" dirty="0"/>
-              <a:t>(soit un gain de 40,00% et un Taux de Rendement Annuel net de </a:t>
+              <a:t>(soit un gain de 21,00% et un Taux de Rendement Annuel net de </a:t>
             </a:r>
             <a:r>
               <a:rPr lang="fr-FR" sz="800" dirty="0">
@@ -13428,7 +13301,7 @@
                   <a:srgbClr val="FFFF00"/>
                 </a:highlight>
               </a:rPr>
-              <a:t>2,38%</a:t>
+              <a:t>0,90%</a:t>
             </a:r>
             <a:r>
               <a:rPr lang="fr-FR" sz="800" baseline="30000" dirty="0"/>
@@ -13680,7 +13553,7 @@
             </a:pPr>
             <a:r>
               <a:rPr lang="fr-FR" sz="800" dirty="0"/>
-              <a:t>Un gain plafonné fixe de 1,00% par trimestre écoulé depuis le 29/07/2022 </a:t>
+              <a:t>Un gain de 2,10% par année écoulée depuis le 29/07/2022 </a:t>
             </a:r>
           </a:p>
           <a:p>
@@ -13703,7 +13576,7 @@
                   <a:srgbClr val="FFFF00"/>
                 </a:highlight>
               </a:rPr>
-              <a:t>3,15%</a:t>
+              <a:t>1,16%</a:t>
             </a:r>
             <a:r>
               <a:rPr lang="fr-FR" sz="800" baseline="30000" dirty="0"/>
@@ -13719,7 +13592,7 @@
                   <a:srgbClr val="FFFF00"/>
                 </a:highlight>
               </a:rPr>
-              <a:t>2,92%</a:t>
+              <a:t>1,06%</a:t>
             </a:r>
             <a:r>
               <a:rPr lang="fr-FR" sz="800" baseline="30000" dirty="0"/>
@@ -13767,7 +13640,7 @@
                   <a:schemeClr val="tx2"/>
                 </a:solidFill>
               </a:rPr>
-              <a:t>À chaque date de constatation trimestrielle</a:t>
+              <a:t>À chaque date de constatation annuelle</a:t>
             </a:r>
             <a:r>
               <a:rPr lang="fr-FR" sz="800" baseline="30000" dirty="0">
@@ -13783,7 +13656,7 @@
                   <a:schemeClr val="tx2"/>
                 </a:solidFill>
               </a:rPr>
-              <a:t>à partir de la fin du trimestre 4 et jusqu’à la fin du trimestre 39, on observe le cours de clôture de l'action</a:t>
+              <a:t>à partir de la fin de l'année 2.0136986301369864 et jusqu’à la fin de l'année 9, on observe le niveau de clôture de l'indice</a:t>
             </a:r>
             <a:r>
               <a:rPr lang="en-US" sz="800" dirty="0">
@@ -13826,15 +13699,15 @@
                   <a:schemeClr val="tx2"/>
                 </a:solidFill>
               </a:rPr>
-              <a:t>Si, à une date de constatation trimestrielle</a:t>
-            </a:r>
-            <a:r>
-              <a:rPr lang="fr-FR" sz="800" b="1" baseline="30000" dirty="0">
+              <a:t>Si </a:t>
+            </a:r>
+            <a:r>
+              <a:rPr lang="it-IT" sz="800" b="1" dirty="0">
                 <a:solidFill>
                   <a:schemeClr val="tx2"/>
                 </a:solidFill>
               </a:rPr>
-              <a:t>⁽¹⁾</a:t>
+              <a:t>l'indice </a:t>
             </a:r>
             <a:r>
               <a:rPr lang="fr-FR" sz="800" b="1" dirty="0">
@@ -13842,23 +13715,7 @@
                   <a:schemeClr val="tx2"/>
                 </a:solidFill>
               </a:rPr>
-              <a:t>, </a:t>
-            </a:r>
-            <a:r>
-              <a:rPr lang="it-IT" sz="800" b="1" dirty="0">
-                <a:solidFill>
-                  <a:schemeClr val="tx2"/>
-                </a:solidFill>
-              </a:rPr>
-              <a:t>l’action </a:t>
-            </a:r>
-            <a:r>
-              <a:rPr lang="fr-FR" sz="800" b="1" dirty="0">
-                <a:solidFill>
-                  <a:schemeClr val="tx2"/>
-                </a:solidFill>
-              </a:rPr>
-              <a:t>clôture à un cours supérieur ou égal à 100% de son Niveau Initial, le produit est automatiquement remboursé par anticipation et l’investisseur reçoit, à la date de remboursement anticipé automatique correspondante</a:t>
+              <a:t>clôture à un niveau supérieur ou égal à 100% de son Niveau Initial, le produit est automatiquement remboursé par anticipation et l’investisseur reçoit, à la date de remboursement anticipé automatique correspondante</a:t>
             </a:r>
             <a:r>
               <a:rPr lang="fr-FR" sz="800" b="1" baseline="30000" dirty="0">
@@ -14118,7 +13975,7 @@
                   <a:schemeClr val="tx2"/>
                 </a:solidFill>
               </a:rPr>
-              <a:t>À la date de constatation finale, le 29/07/2032, en l’absence de remboursement anticipé automatique préalable, on compare le cours de clôture de l'action</a:t>
+              <a:t>À la date de constatation finale, le 29/07/2032, en l’absence de remboursement anticipé automatique préalable, on compare le niveau de clôture de l'indice</a:t>
             </a:r>
             <a:r>
               <a:rPr lang="en-US" sz="800" dirty="0">
@@ -14190,7 +14047,7 @@
                   <a:schemeClr val="tx2"/>
                 </a:solidFill>
               </a:rPr>
-              <a:t>l’action </a:t>
+              <a:t>l'indice </a:t>
             </a:r>
             <a:r>
               <a:rPr lang="fr-FR" sz="800" b="1" dirty="0">
@@ -14198,7 +14055,7 @@
                   <a:schemeClr val="tx2"/>
                 </a:solidFill>
               </a:rPr>
-              <a:t>clôture à un cours supérieur ou égal à 50% de son Niveau Initial, l’investisseur reçoit, le 02 août 2032</a:t>
+              <a:t>clôture à un niveau supérieur ou égal à 100% de son Niveau Initial, l’investisseur reçoit, le 02 août 2032</a:t>
             </a:r>
             <a:r>
               <a:rPr lang="fr-FR" sz="800" b="1" baseline="30000" dirty="0">
@@ -14234,7 +14091,7 @@
         <p:spPr>
           <a:xfrm>
             <a:off x="917672" y="8553774"/>
-            <a:ext cx="6073677" cy="246221"/>
+            <a:ext cx="6073677" cy="123111"/>
           </a:xfrm>
           <a:prstGeom prst="rect">
             <a:avLst/>
@@ -14270,7 +14127,7 @@
                   <a:schemeClr val="tx2"/>
                 </a:solidFill>
               </a:rPr>
-              <a:t>l’action </a:t>
+              <a:t>l'indice </a:t>
             </a:r>
             <a:r>
               <a:rPr lang="fr-FR" sz="800" b="1" dirty="0">
@@ -14278,7 +14135,23 @@
                   <a:schemeClr val="tx2"/>
                 </a:solidFill>
               </a:rPr>
-              <a:t>clôture à un cours strictement inférieur à 50% de son cours de Référence, l’investisseur reçoit, le 02 août 2032</a:t>
+              <a:t>clôture à un niveau strictement inférieur à 50% de </a:t>
+            </a:r>
+            <a:r>
+              <a:rPr lang="fr-FR" sz="800" b="1">
+                <a:solidFill>
+                  <a:schemeClr val="tx2"/>
+                </a:solidFill>
+              </a:rPr>
+              <a:t>son Niveau Initial, </a:t>
+            </a:r>
+            <a:r>
+              <a:rPr lang="fr-FR" sz="800" b="1" dirty="0">
+                <a:solidFill>
+                  <a:schemeClr val="tx2"/>
+                </a:solidFill>
+              </a:rPr>
+              <a:t>l’investisseur reçoit, le 02 août 2032</a:t>
             </a:r>
           </a:p>
         </p:txBody>
@@ -14507,7 +14380,7 @@
             </a:pPr>
             <a:r>
               <a:rPr lang="fr-FR" sz="800" dirty="0"/>
-              <a:t>par l’action entre le 29/07/2022 et le 29/07/2032</a:t>
+              <a:t>par l'indice entre le 29/07/2022 et le 29/07/2032</a:t>
             </a:r>
           </a:p>
           <a:p>
@@ -14780,7 +14653,7 @@
                 <a:ea typeface="+mn-ea"/>
                 <a:cs typeface="+mn-cs"/>
               </a:rPr>
-              <a:t>Le Niveau Initial correspond au cour de clôture de l’actionEURO STOXX 50 Price EUR le 29/07/2022</a:t>
+              <a:t>Le Niveau Initial correspond au niveau de clôture de l'indiceEURO STOXX 50 Price EUR le 29/07/2022</a:t>
             </a:r>
             <a:endParaRPr lang="fr-FR" sz="800" i="0" kern="1200" dirty="0">
               <a:solidFill>
@@ -15211,6 +15084,256 @@
       </p:sp>
       <p:sp>
         <p:nvSpPr>
+          <p:cNvPr id="20" name="Espace réservé du texte 36">
+            <a:extLst>
+              <a:ext uri="{FF2B5EF4-FFF2-40B4-BE49-F238E27FC236}">
+                <a16:creationId xmlns:a16="http://schemas.microsoft.com/office/drawing/2014/main" id="{CF055AA2-377C-446F-B61D-3E7B366770C3}"/>
+              </a:ext>
+            </a:extLst>
+          </p:cNvPr>
+          <p:cNvSpPr txBox="1">
+            <a:spLocks/>
+          </p:cNvSpPr>
+          <p:nvPr/>
+        </p:nvSpPr>
+        <p:spPr>
+          <a:xfrm>
+            <a:off x="1273632" y="7925358"/>
+            <a:ext cx="5029482" cy="274320"/>
+          </a:xfrm>
+          <a:prstGeom prst="rect">
+            <a:avLst/>
+          </a:prstGeom>
+          <a:noFill/>
+          <a:ln w="6350">
+            <a:solidFill>
+              <a:srgbClr val="B9A049"/>
+            </a:solidFill>
+          </a:ln>
+        </p:spPr>
+        <p:txBody>
+          <a:bodyPr lIns="108000" tIns="72000" rIns="108000" bIns="72000" anchor="ctr">
+            <a:spAutoFit/>
+          </a:bodyPr>
+          <a:lstStyle>
+            <a:lvl1pPr indent="0" algn="ctr" defTabSz="755934">
+              <a:lnSpc>
+                <a:spcPct val="100000"/>
+              </a:lnSpc>
+              <a:spcBef>
+                <a:spcPts val="0"/>
+              </a:spcBef>
+              <a:buFont typeface="Arial" panose="020B0604020202020204" pitchFamily="34" charset="0"/>
+              <a:buNone/>
+              <a:defRPr sz="900" b="0" cap="none" baseline="0">
+                <a:solidFill>
+                  <a:schemeClr val="tx2"/>
+                </a:solidFill>
+                <a:latin typeface="Proxima Nova Rg" panose="02000506030000020004" pitchFamily="2" charset="0"/>
+                <a:cs typeface="Gotham Bold" pitchFamily="50" charset="0"/>
+              </a:defRPr>
+            </a:lvl1pPr>
+            <a:lvl2pPr marL="179388" indent="0" defTabSz="755934">
+              <a:lnSpc>
+                <a:spcPct val="100000"/>
+              </a:lnSpc>
+              <a:spcBef>
+                <a:spcPts val="900"/>
+              </a:spcBef>
+              <a:buFont typeface="Arial" panose="020B0604020202020204" pitchFamily="34" charset="0"/>
+              <a:buNone/>
+              <a:defRPr sz="1200" cap="all" baseline="0">
+                <a:latin typeface="Gotham Medium" pitchFamily="50" charset="0"/>
+                <a:cs typeface="Gotham Medium" pitchFamily="50" charset="0"/>
+              </a:defRPr>
+            </a:lvl2pPr>
+            <a:lvl3pPr marL="179388" indent="0" defTabSz="755934">
+              <a:lnSpc>
+                <a:spcPct val="100000"/>
+              </a:lnSpc>
+              <a:spcBef>
+                <a:spcPts val="600"/>
+              </a:spcBef>
+              <a:buFont typeface="Arial" panose="020B0604020202020204" pitchFamily="34" charset="0"/>
+              <a:buNone/>
+              <a:defRPr sz="900">
+                <a:solidFill>
+                  <a:schemeClr val="tx2"/>
+                </a:solidFill>
+              </a:defRPr>
+            </a:lvl3pPr>
+            <a:lvl4pPr marL="179388" indent="0" defTabSz="755934">
+              <a:lnSpc>
+                <a:spcPct val="100000"/>
+              </a:lnSpc>
+              <a:spcBef>
+                <a:spcPts val="600"/>
+              </a:spcBef>
+              <a:buFont typeface="Arial" panose="020B0604020202020204" pitchFamily="34" charset="0"/>
+              <a:buNone/>
+              <a:defRPr sz="900" u="sng">
+                <a:solidFill>
+                  <a:schemeClr val="tx2"/>
+                </a:solidFill>
+              </a:defRPr>
+            </a:lvl4pPr>
+            <a:lvl5pPr marL="179388" indent="0" defTabSz="755934">
+              <a:lnSpc>
+                <a:spcPct val="100000"/>
+              </a:lnSpc>
+              <a:spcBef>
+                <a:spcPts val="600"/>
+              </a:spcBef>
+              <a:buFont typeface="Arial" panose="020B0604020202020204" pitchFamily="34" charset="0"/>
+              <a:buNone/>
+              <a:defRPr sz="700">
+                <a:solidFill>
+                  <a:schemeClr val="tx2"/>
+                </a:solidFill>
+                <a:latin typeface="Ciutadella Regular Italic" panose="01000000000000000000" pitchFamily="50" charset="0"/>
+              </a:defRPr>
+            </a:lvl5pPr>
+            <a:lvl6pPr marL="2078820" indent="-188984" defTabSz="755934">
+              <a:lnSpc>
+                <a:spcPct val="90000"/>
+              </a:lnSpc>
+              <a:spcBef>
+                <a:spcPts val="413"/>
+              </a:spcBef>
+              <a:buFont typeface="Arial" panose="020B0604020202020204" pitchFamily="34" charset="0"/>
+              <a:buChar char="•"/>
+              <a:defRPr sz="1488"/>
+            </a:lvl6pPr>
+            <a:lvl7pPr marL="2456787" indent="-188984" defTabSz="755934">
+              <a:lnSpc>
+                <a:spcPct val="90000"/>
+              </a:lnSpc>
+              <a:spcBef>
+                <a:spcPts val="413"/>
+              </a:spcBef>
+              <a:buFont typeface="Arial" panose="020B0604020202020204" pitchFamily="34" charset="0"/>
+              <a:buChar char="•"/>
+              <a:defRPr sz="1488"/>
+            </a:lvl7pPr>
+            <a:lvl8pPr marL="2834754" indent="-188984" defTabSz="755934">
+              <a:lnSpc>
+                <a:spcPct val="90000"/>
+              </a:lnSpc>
+              <a:spcBef>
+                <a:spcPts val="413"/>
+              </a:spcBef>
+              <a:buFont typeface="Arial" panose="020B0604020202020204" pitchFamily="34" charset="0"/>
+              <a:buChar char="•"/>
+              <a:defRPr sz="1488"/>
+            </a:lvl8pPr>
+            <a:lvl9pPr marL="3212722" indent="-188984" defTabSz="755934">
+              <a:lnSpc>
+                <a:spcPct val="90000"/>
+              </a:lnSpc>
+              <a:spcBef>
+                <a:spcPts val="413"/>
+              </a:spcBef>
+              <a:buFont typeface="Arial" panose="020B0604020202020204" pitchFamily="34" charset="0"/>
+              <a:buChar char="•"/>
+              <a:defRPr sz="1488"/>
+            </a:lvl9pPr>
+          </a:lstStyle>
+          <a:p>
+            <a:r>
+              <a:rPr lang="fr-FR" sz="800" dirty="0">
+                <a:latin typeface="+mn-lt"/>
+              </a:rPr>
+              <a:t>L’intégralité du capital initial</a:t>
+            </a:r>
+          </a:p>
+          <a:p>
+            <a:r>
+              <a:rPr lang="fr-FR" sz="800" dirty="0">
+                <a:latin typeface="+mn-lt"/>
+              </a:rPr>
+              <a:t>(Soit un Taux de Rendement Annuel net de -1,00%</a:t>
+            </a:r>
+            <a:r>
+              <a:rPr lang="fr-FR" sz="800" baseline="30000" dirty="0">
+                <a:latin typeface="+mn-lt"/>
+              </a:rPr>
+              <a:t>⁽²⁾</a:t>
+            </a:r>
+            <a:r>
+              <a:rPr lang="fr-FR" sz="800" dirty="0">
+                <a:latin typeface="+mn-lt"/>
+              </a:rPr>
+              <a:t>)</a:t>
+            </a:r>
+          </a:p>
+        </p:txBody>
+      </p:sp>
+      <p:sp>
+        <p:nvSpPr>
+          <p:cNvPr id="21" name="ZoneTexte 20">
+            <a:extLst>
+              <a:ext uri="{FF2B5EF4-FFF2-40B4-BE49-F238E27FC236}">
+                <a16:creationId xmlns:a16="http://schemas.microsoft.com/office/drawing/2014/main" id="{13C1DC08-7523-4CEB-8E89-DD7A3070EE79}"/>
+              </a:ext>
+            </a:extLst>
+          </p:cNvPr>
+          <p:cNvSpPr txBox="1"/>
+          <p:nvPr/>
+        </p:nvSpPr>
+        <p:spPr>
+          <a:xfrm>
+            <a:off x="904289" y="7325041"/>
+            <a:ext cx="6353527" cy="246221"/>
+          </a:xfrm>
+          <a:prstGeom prst="rect">
+            <a:avLst/>
+          </a:prstGeom>
+          <a:noFill/>
+        </p:spPr>
+        <p:txBody>
+          <a:bodyPr wrap="square" lIns="0" tIns="0" rIns="0" bIns="0" rtlCol="0">
+            <a:spAutoFit/>
+          </a:bodyPr>
+          <a:lstStyle/>
+          <a:p>
+            <a:pPr algn="just"/>
+            <a:r>
+              <a:rPr lang="fr-FR" sz="800" b="1" u="sng" dirty="0">
+                <a:solidFill>
+                  <a:srgbClr val="000000"/>
+                </a:solidFill>
+              </a:rPr>
+              <a:t>Cas médian</a:t>
+            </a:r>
+            <a:r>
+              <a:rPr lang="fr-FR" sz="800" b="1" dirty="0">
+                <a:solidFill>
+                  <a:srgbClr val="000000"/>
+                </a:solidFill>
+              </a:rPr>
+              <a:t> : Si </a:t>
+            </a:r>
+            <a:r>
+              <a:rPr lang="it-IT" sz="800" b="1" dirty="0">
+                <a:solidFill>
+                  <a:schemeClr val="tx2"/>
+                </a:solidFill>
+              </a:rPr>
+              <a:t>l'indice </a:t>
+            </a:r>
+            <a:r>
+              <a:rPr lang="fr-FR" sz="800" b="1" dirty="0">
+                <a:solidFill>
+                  <a:srgbClr val="000000"/>
+                </a:solidFill>
+              </a:rPr>
+              <a:t>clôture à un niveau strictement inférieur à 100% mais supérieur ou égal à 50% de son Niveau Initial, l’investisseur reçoit, le 02 août 2032 : </a:t>
+            </a:r>
+          </a:p>
+        </p:txBody>
+      </p:sp>
+      <p:sp>
+        <p:nvSpPr>
           <p:cNvPr id="3" name="ZoneTexte 2">
             <a:extLst>
               <a:ext uri="{FF2B5EF4-FFF2-40B4-BE49-F238E27FC236}">
@@ -15239,21 +15362,58 @@
           <a:p>
             <a:r>
               <a:rPr lang="fr-FR" sz="800" dirty="0"/>
-              <a:t> </a:t>
-            </a:r>
-            <a:r>
-              <a:rPr lang="fr-FR" sz="800" dirty="0">
-                <a:highlight>
-                  <a:srgbClr val="FF00FF"/>
-                </a:highlight>
-              </a:rPr>
-              <a:t>&lt;balisedeg3</a:t>
-            </a:r>
-            <a:r>
-              <a:rPr lang="fr-FR" sz="800" dirty="0"/>
-              <a:t>&gt;</a:t>
+              <a:t> 100% DU Niveau Initial de l'indice</a:t>
             </a:r>
             <a:endParaRPr lang="en-US" sz="800" dirty="0"/>
+          </a:p>
+        </p:txBody>
+      </p:sp>
+      <p:sp>
+        <p:nvSpPr>
+          <p:cNvPr id="22" name="Rectangle">
+            <a:extLst>
+              <a:ext uri="{FF2B5EF4-FFF2-40B4-BE49-F238E27FC236}">
+                <a16:creationId xmlns:a16="http://schemas.microsoft.com/office/drawing/2014/main" id="{6B9B65C2-6288-5A83-9D8D-B46A62946578}"/>
+              </a:ext>
+            </a:extLst>
+          </p:cNvPr>
+          <p:cNvSpPr/>
+          <p:nvPr/>
+        </p:nvSpPr>
+        <p:spPr>
+          <a:xfrm>
+            <a:off x="368373" y="9702502"/>
+            <a:ext cx="6840000" cy="6846"/>
+          </a:xfrm>
+          <a:prstGeom prst="rect">
+            <a:avLst/>
+          </a:prstGeom>
+          <a:solidFill>
+            <a:srgbClr val="C5AF5C"/>
+          </a:solidFill>
+          <a:ln w="3175">
+            <a:miter lim="400000"/>
+          </a:ln>
+        </p:spPr>
+        <p:txBody>
+          <a:bodyPr lIns="20981" tIns="20981" rIns="20981" bIns="20981" anchor="ctr"/>
+          <a:lstStyle/>
+          <a:p>
+            <a:pPr algn="ctr" defTabSz="825500">
+              <a:lnSpc>
+                <a:spcPct val="100000"/>
+              </a:lnSpc>
+              <a:defRPr sz="3200" b="0">
+                <a:solidFill>
+                  <a:srgbClr val="FFFFFF"/>
+                </a:solidFill>
+                <a:latin typeface="Helvetica Neue Medium"/>
+                <a:ea typeface="Helvetica Neue Medium"/>
+                <a:cs typeface="Helvetica Neue Medium"/>
+                <a:sym typeface="Helvetica Neue Medium"/>
+              </a:defRPr>
+            </a:pPr>
+            <a:endParaRPr/>
           </a:p>
         </p:txBody>
       </p:sp>
@@ -15427,7 +15587,7 @@
                 </a:solidFill>
                 <a:latin typeface="+mn-lt"/>
               </a:rPr>
-              <a:t> selon les scénarios. Une sortie anticipée à l’initiative de l’investisseur se fera à un cours dépendant de l’évolution des paramètres de marché au moment de la sortie (cours de l'action, des taux d’intérêt, de la volatilité et des primes de risque de crédit notamment) et pourra donc entraîner un risque de perte en capital.</a:t>
+              <a:t> selon les scénarios. Une sortie anticipée à l’initiative de l’investisseur se fera à un niveau dépendant de l’évolution des paramètres de marché au moment de la sortie (niveau de l'indice, des taux d’intérêt, de la volatilité et des primes de risque de crédit notamment) et pourra donc entraîner un risque de perte en capital.</a:t>
             </a:r>
           </a:p>
         </p:txBody>
@@ -15690,6 +15850,55 @@
       </p:sp>
       <p:sp>
         <p:nvSpPr>
+          <p:cNvPr id="7" name="Rectangle">
+            <a:extLst>
+              <a:ext uri="{FF2B5EF4-FFF2-40B4-BE49-F238E27FC236}">
+                <a16:creationId xmlns:a16="http://schemas.microsoft.com/office/drawing/2014/main" id="{11CD4052-900D-4194-A69C-0AF1ADBF03E1}"/>
+              </a:ext>
+            </a:extLst>
+          </p:cNvPr>
+          <p:cNvSpPr/>
+          <p:nvPr/>
+        </p:nvSpPr>
+        <p:spPr>
+          <a:xfrm>
+            <a:off x="539837" y="9727492"/>
+            <a:ext cx="6480000" cy="6846"/>
+          </a:xfrm>
+          <a:prstGeom prst="rect">
+            <a:avLst/>
+          </a:prstGeom>
+          <a:solidFill>
+            <a:srgbClr val="C5AF5C"/>
+          </a:solidFill>
+          <a:ln w="3175">
+            <a:miter lim="400000"/>
+          </a:ln>
+        </p:spPr>
+        <p:txBody>
+          <a:bodyPr lIns="20981" tIns="20981" rIns="20981" bIns="20981" anchor="ctr"/>
+          <a:lstStyle/>
+          <a:p>
+            <a:pPr algn="ctr" defTabSz="825500">
+              <a:lnSpc>
+                <a:spcPct val="100000"/>
+              </a:lnSpc>
+              <a:defRPr sz="3200" b="0">
+                <a:solidFill>
+                  <a:srgbClr val="FFFFFF"/>
+                </a:solidFill>
+                <a:latin typeface="Helvetica Neue Medium"/>
+                <a:ea typeface="Helvetica Neue Medium"/>
+                <a:cs typeface="Helvetica Neue Medium"/>
+                <a:sym typeface="Helvetica Neue Medium"/>
+              </a:defRPr>
+            </a:pPr>
+            <a:endParaRPr/>
+          </a:p>
+        </p:txBody>
+      </p:sp>
+      <p:sp>
+        <p:nvSpPr>
           <p:cNvPr id="11" name="ZoneTexte 10">
             <a:extLst>
               <a:ext uri="{FF2B5EF4-FFF2-40B4-BE49-F238E27FC236}">
@@ -15703,7 +15912,7 @@
         <p:spPr>
           <a:xfrm>
             <a:off x="361950" y="960898"/>
-            <a:ext cx="6837887" cy="6842771"/>
+            <a:ext cx="6837887" cy="6373027"/>
           </a:xfrm>
           <a:prstGeom prst="rect">
             <a:avLst/>
@@ -15734,6 +15943,21 @@
             </a:r>
           </a:p>
           <a:p>
+            <a:pPr algn="just">
+              <a:lnSpc>
+                <a:spcPct val="95000"/>
+              </a:lnSpc>
+              <a:spcBef>
+                <a:spcPts val="600"/>
+              </a:spcBef>
+            </a:pPr>
+            <a:endParaRPr lang="fr-FR" sz="1000" b="1" dirty="0">
+              <a:solidFill>
+                <a:srgbClr val="B9A049"/>
+              </a:solidFill>
+            </a:endParaRPr>
+          </a:p>
+          <a:p>
             <a:pPr marL="171450" indent="-171450" algn="just">
               <a:lnSpc>
                 <a:spcPct val="95000"/>
@@ -15750,7 +15974,7 @@
                   <a:srgbClr val="000000"/>
                 </a:solidFill>
               </a:rPr>
-              <a:t>De la fin du trimestre 4 jusqu'à la fin du trimestre 39, si à l’une des dates de constatation</a:t>
+              <a:t>De la fin de l'année 2.0136986301369864 jusqu'à la fin de l'année 9, si à l’une des dates de constatation</a:t>
             </a:r>
             <a:r>
               <a:rPr lang="fr-FR" sz="800" baseline="30000" dirty="0">
@@ -15766,7 +15990,7 @@
                   <a:srgbClr val="000000"/>
                 </a:solidFill>
               </a:rPr>
-              <a:t> trimestrielle l’action clôture à un cours supérieur ou égal à 100% de son Niveau Initial, </a:t>
+              <a:t> annuelle l'indice clôture à un niveau supérieur ou égal à 100% de son Niveau Initial, </a:t>
             </a:r>
             <a:r>
               <a:rPr lang="fr-FR" sz="800" b="1" dirty="0">
@@ -15782,7 +16006,7 @@
                   <a:srgbClr val="000000"/>
                 </a:solidFill>
               </a:rPr>
-              <a:t>et l’investisseur récupère alors l’intégralité de son capital initial, majorée d’un gain de 1,00% par trimestre écoulé depuis le 29/07/2022 (soit 4,00%</a:t>
+              <a:t>et l’investisseur récupère alors l’intégralité de son capital initial, majorée d’un gain de 2,10% par année écoulée depuis le 29/07/2022 (soit 2,10%</a:t>
             </a:r>
             <a:r>
               <a:rPr lang="fr-FR" sz="800" i="1" dirty="0">
@@ -15798,7 +16022,7 @@
                   <a:srgbClr val="000000"/>
                 </a:solidFill>
               </a:rPr>
-              <a:t>par année écoulée et un Taux de Rendement Annuel net maximum de 2,92%</a:t>
+              <a:t>par année écoulée et un Taux de Rendement Annuel net maximum de 1,06%</a:t>
             </a:r>
             <a:r>
               <a:rPr lang="fr-FR" sz="800" baseline="30000" dirty="0">
@@ -15820,6 +16044,18 @@
               </a:rPr>
               <a:t>).</a:t>
             </a:r>
+          </a:p>
+          <a:p>
+            <a:pPr marL="171450" indent="-171450" algn="just">
+              <a:lnSpc>
+                <a:spcPct val="95000"/>
+              </a:lnSpc>
+              <a:spcAft>
+                <a:spcPts val="200"/>
+              </a:spcAft>
+              <a:buFont typeface="Arial" panose="020B0604020202020204" pitchFamily="34" charset="0"/>
+              <a:buChar char="•"/>
+            </a:pPr>
             <a:endParaRPr lang="fr-FR" sz="800" dirty="0">
               <a:solidFill>
                 <a:srgbClr val="000000"/>
@@ -15859,7 +16095,7 @@
                   <a:srgbClr val="000000"/>
                 </a:solidFill>
               </a:rPr>
-              <a:t>, si le mécanisme de remboursement anticipé n’a pas été activé au préalable, et si l’action clôture à un cours supérieur ou égal à 50% de son Niveau Initial, l’investisseur récupère alors l’intégralité de son capital initial, majorée d’un gain de 1,00% par trimestre écoulé depuis le 29/07/2022  (soit un gain de 40,00% et un Taux de Rendement Annuel net de 2,38%</a:t>
+              <a:t>, si le mécanisme de remboursement anticipé n’a pas été activé au préalable, et si l'indice clôture à un niveau supérieur ou égal à 100% de son Niveau Initial, l’investisseur récupère alors l’intégralité de son capital initial, majorée d’un gain de 2,10% par année écoulée depuis le 29/07/2022  (soit un gain de 21,00% et un Taux de Rendement Annuel net de 0,90%</a:t>
             </a:r>
             <a:r>
               <a:rPr lang="fr-FR" sz="800" baseline="30000" dirty="0">
@@ -15875,7 +16111,7 @@
                   <a:srgbClr val="000000"/>
                 </a:solidFill>
               </a:rPr>
-              <a:t>). Le capital n’est donc exposé à un risque de perte à l’échéance(¹) que si l’action clôture à un cours strictement inférieur à 50% de son Niveau Initial à la date de constatation finale⁽¹⁾.</a:t>
+              <a:t>). </a:t>
             </a:r>
           </a:p>
           <a:p>
@@ -15895,7 +16131,7 @@
                   <a:srgbClr val="000000"/>
                 </a:solidFill>
               </a:rPr>
-              <a:t/>
+              <a:t>Sinon, si le mécanisme automatique de remboursement anticipé n’a pas été activé au préalable et si, à la date de constatation finale⁽¹⁾, l'indice clôture à un niveau strictement inférieur à 100% de son Niveau Initial mais supérieur ou égal à 50% de ce dernier, l’investisseur récupère l’intégralité de son capital initialement investi. Le capital n’est donc exposé à un risque de perte à l’échéance⁽¹⁾ que si l'indice clôture à un niveau strictement inférieur à 50% de son Niveau Initial à la date de constatation finale⁽¹⁾.</a:t>
             </a:r>
           </a:p>
           <a:p>
@@ -15917,6 +16153,21 @@
             </a:r>
           </a:p>
           <a:p>
+            <a:pPr marL="0" lvl="1" algn="just">
+              <a:lnSpc>
+                <a:spcPct val="95000"/>
+              </a:lnSpc>
+              <a:spcBef>
+                <a:spcPts val="600"/>
+              </a:spcBef>
+            </a:pPr>
+            <a:endParaRPr lang="fr-FR" sz="1000" b="1" dirty="0">
+              <a:solidFill>
+                <a:srgbClr val="B9A049"/>
+              </a:solidFill>
+            </a:endParaRPr>
+          </a:p>
+          <a:p>
             <a:pPr marL="171450" indent="-171450" algn="just">
               <a:lnSpc>
                 <a:spcPct val="95000"/>
@@ -16013,7 +16264,7 @@
                   <a:srgbClr val="000000"/>
                 </a:solidFill>
               </a:rPr>
-              <a:t>, l’action enregistre une baisse supérieure à 50% de son Niveau Initial). La valeur du remboursement peut être inférieure au montant du capital initialement investi. Dans le pire des scenarios, les investisseurs peuvent perdre jusqu’à la totalité de leur capital initialement investi. En cas de revente des titres de créance avant la date de remboursement final</a:t>
+              <a:t>, l'indice enregistre une baisse supérieure à 50% de son Niveau Initial). La valeur du remboursement peut être inférieure au montant du capital initialement investi. Dans le pire des scenarios, les investisseurs peuvent perdre jusqu’à la totalité de leur capital initialement investi. En cas de revente des titres de créance avant la date de remboursement final</a:t>
             </a:r>
             <a:r>
               <a:rPr lang="fr-FR" sz="800" baseline="30000" dirty="0">
@@ -16051,58 +16302,14 @@
           <a:p>
             <a:pPr marL="171450" indent="-171450" algn="just">
               <a:lnSpc>
-                <a:spcPct val="92000"/>
-              </a:lnSpc>
-              <a:spcBef>
-                <a:spcPts val="200"/>
-              </a:spcBef>
+                <a:spcPct val="95000"/>
+              </a:lnSpc>
               <a:spcAft>
                 <a:spcPts val="200"/>
               </a:spcAft>
               <a:buFont typeface="Arial" panose="020B0604020202020204" pitchFamily="34" charset="0"/>
               <a:buChar char="•"/>
             </a:pPr>
-            <a:r>
-              <a:rPr lang="fr-FR" sz="800" b="1" dirty="0">
-                <a:solidFill>
-                  <a:srgbClr val="000000"/>
-                </a:solidFill>
-              </a:rPr>
-              <a:t>L’investisseur est exposé à un éventuel défaut de paiement et/ou de faillite </a:t>
-            </a:r>
-            <a:r>
-              <a:rPr lang="fr-FR" sz="800" dirty="0">
-                <a:solidFill>
-                  <a:srgbClr val="000000"/>
-                </a:solidFill>
-              </a:rPr>
-              <a:t>(qui induit un risque de non remboursement) ou à une </a:t>
-            </a:r>
-            <a:r>
-              <a:rPr lang="fr-FR" sz="800" b="1" dirty="0">
-                <a:solidFill>
-                  <a:srgbClr val="000000"/>
-                </a:solidFill>
-              </a:rPr>
-              <a:t>dégradation de la qualité de crédit</a:t>
-            </a:r>
-            <a:r>
-              <a:rPr lang="fr-FR" sz="800" dirty="0">
-                <a:solidFill>
-                  <a:srgbClr val="000000"/>
-                </a:solidFill>
-              </a:rPr>
-              <a:t> </a:t>
-            </a:r>
-            <a:r>
-              <a:rPr lang="fr-FR" sz="800" dirty="0">
-                <a:solidFill>
-                  <a:srgbClr val="000000"/>
-                </a:solidFill>
-                <a:latin typeface="Proxima Nova Rg" panose="02000506030000020004" pitchFamily="2" charset="0"/>
-              </a:rPr>
-              <a:t>(qui induit un risque sur la valeur de marché du titre de créance) de l’Émetteur.</a:t>
-            </a:r>
             <a:endParaRPr lang="fr-FR" sz="800" dirty="0">
               <a:solidFill>
                 <a:srgbClr val="000000"/>
@@ -16112,11 +16319,8 @@
           <a:p>
             <a:pPr marL="171450" indent="-171450" algn="just">
               <a:lnSpc>
-                <a:spcPct val="92000"/>
-              </a:lnSpc>
-              <a:spcBef>
-                <a:spcPts val="200"/>
-              </a:spcBef>
+                <a:spcPct val="95000"/>
+              </a:lnSpc>
               <a:spcAft>
                 <a:spcPts val="200"/>
               </a:spcAft>
@@ -16129,83 +16333,25 @@
                   <a:srgbClr val="000000"/>
                 </a:solidFill>
               </a:rPr>
-              <a:t>L’investisseur ne connaît pas à l’avance la durée exacte de son investissement qui peut varier de </a:t>
-            </a:r>
-            <a:r>
-              <a:rPr lang="fr-FR" sz="800" b="1" dirty="0">
-                <a:solidFill>
-                  <a:srgbClr val="000000"/>
-                </a:solidFill>
-              </a:rPr>
-              <a:t>4 à 40 trimestres.</a:t>
+              <a:t>En cas de revente des titres de créance avant la date de remboursement final⁽¹⁾, il est impossible de mesurer a priori le gain ou la perte possible, le prix pratiqué dépendant alors des paramètres de marché du jour. La perte en capital peut être partielle ou totale. Si le cadre d’investissement du produit est un contrat d’assurance vie ou de capitalisation, le dénouement ou le rachat partiel de celui-ci peut entraîner le désinvestissement des unités de compte adossées aux titres de créance avant leur date de remboursement final.</a:t>
             </a:r>
           </a:p>
           <a:p>
             <a:pPr marL="171450" indent="-171450" algn="just">
               <a:lnSpc>
-                <a:spcPct val="92000"/>
-              </a:lnSpc>
-              <a:spcBef>
-                <a:spcPts val="200"/>
-              </a:spcBef>
+                <a:spcPct val="95000"/>
+              </a:lnSpc>
               <a:spcAft>
                 <a:spcPts val="200"/>
               </a:spcAft>
               <a:buFont typeface="Arial" panose="020B0604020202020204" pitchFamily="34" charset="0"/>
               <a:buChar char="•"/>
             </a:pPr>
-            <a:r>
-              <a:rPr lang="fr-FR" sz="800" dirty="0">
-                <a:solidFill>
-                  <a:srgbClr val="000000"/>
-                </a:solidFill>
-              </a:rPr>
-              <a:t>L’investisseur peut ne bénéficier que d’une hausse partielle de l'action, du fait du </a:t>
-            </a:r>
-            <a:r>
-              <a:rPr lang="fr-FR" sz="800" b="1" dirty="0">
-                <a:solidFill>
-                  <a:srgbClr val="000000"/>
-                </a:solidFill>
-              </a:rPr>
-              <a:t>mécanisme de plafonnement des gains à 1,00% par trimestre écoulé depuis le 29/07/2022 </a:t>
-            </a:r>
-            <a:r>
-              <a:rPr lang="fr-FR" sz="800" dirty="0">
-                <a:solidFill>
-                  <a:srgbClr val="000000"/>
-                </a:solidFill>
-              </a:rPr>
-              <a:t>(soit un Taux de Rendement Annuel net maximum de 2,92%</a:t>
-            </a:r>
-            <a:r>
-              <a:rPr lang="fr-FR" sz="800" baseline="30000" dirty="0">
-                <a:solidFill>
-                  <a:srgbClr val="000000"/>
-                </a:solidFill>
-                <a:ea typeface="SimSun" pitchFamily="2" charset="-122"/>
-                <a:cs typeface="Times New Roman" pitchFamily="18" charset="0"/>
-              </a:rPr>
-              <a:t>⁽²⁾</a:t>
-            </a:r>
-            <a:r>
-              <a:rPr lang="fr-FR" sz="800" dirty="0">
-                <a:solidFill>
-                  <a:srgbClr val="000000"/>
-                </a:solidFill>
-                <a:ea typeface="SimSun" pitchFamily="2" charset="-122"/>
-                <a:cs typeface="Times New Roman" pitchFamily="18" charset="0"/>
-              </a:rPr>
-              <a:t>)</a:t>
-            </a:r>
-            <a:r>
-              <a:rPr lang="fr-FR" sz="800" dirty="0">
-                <a:solidFill>
-                  <a:srgbClr val="000000"/>
-                </a:solidFill>
-              </a:rPr>
-              <a:t>.</a:t>
-            </a:r>
+            <a:endParaRPr lang="fr-FR" sz="800" dirty="0">
+              <a:solidFill>
+                <a:srgbClr val="000000"/>
+              </a:solidFill>
+            </a:endParaRPr>
           </a:p>
           <a:p>
             <a:pPr marL="171450" indent="-171450" algn="just">
@@ -16227,7 +16373,221 @@
                   <a:srgbClr val="000000"/>
                 </a:solidFill>
               </a:rPr>
-              <a:t>Le rendement de « guigui » est très sensible à une faible variation du cours de clôture de l'action autour du seuil de </a:t>
+              <a:t>L’investisseur est exposé à un éventuel défaut de paiement et/ou de faillite </a:t>
+            </a:r>
+            <a:r>
+              <a:rPr lang="fr-FR" sz="800" dirty="0">
+                <a:solidFill>
+                  <a:srgbClr val="000000"/>
+                </a:solidFill>
+              </a:rPr>
+              <a:t>(qui induit un risque de non remboursement) ou à une </a:t>
+            </a:r>
+            <a:r>
+              <a:rPr lang="fr-FR" sz="800" b="1" dirty="0">
+                <a:solidFill>
+                  <a:srgbClr val="000000"/>
+                </a:solidFill>
+              </a:rPr>
+              <a:t>dégradation de la qualité de crédit</a:t>
+            </a:r>
+            <a:r>
+              <a:rPr lang="fr-FR" sz="800" dirty="0">
+                <a:solidFill>
+                  <a:srgbClr val="000000"/>
+                </a:solidFill>
+              </a:rPr>
+              <a:t> </a:t>
+            </a:r>
+            <a:r>
+              <a:rPr lang="fr-FR" sz="800" dirty="0">
+                <a:solidFill>
+                  <a:srgbClr val="000000"/>
+                </a:solidFill>
+                <a:latin typeface="Proxima Nova Rg" panose="02000506030000020004" pitchFamily="2" charset="0"/>
+              </a:rPr>
+              <a:t>(qui induit un risque sur la valeur de marché du titre de créance) de l’Émetteur.</a:t>
+            </a:r>
+          </a:p>
+          <a:p>
+            <a:pPr marL="171450" indent="-171450" algn="just">
+              <a:lnSpc>
+                <a:spcPct val="92000"/>
+              </a:lnSpc>
+              <a:spcBef>
+                <a:spcPts val="200"/>
+              </a:spcBef>
+              <a:spcAft>
+                <a:spcPts val="200"/>
+              </a:spcAft>
+              <a:buFont typeface="Arial" panose="020B0604020202020204" pitchFamily="34" charset="0"/>
+              <a:buChar char="•"/>
+            </a:pPr>
+            <a:endParaRPr lang="fr-FR" sz="800" dirty="0">
+              <a:solidFill>
+                <a:srgbClr val="000000"/>
+              </a:solidFill>
+            </a:endParaRPr>
+          </a:p>
+          <a:p>
+            <a:pPr marL="171450" indent="-171450" algn="just">
+              <a:lnSpc>
+                <a:spcPct val="92000"/>
+              </a:lnSpc>
+              <a:spcBef>
+                <a:spcPts val="200"/>
+              </a:spcBef>
+              <a:spcAft>
+                <a:spcPts val="200"/>
+              </a:spcAft>
+              <a:buFont typeface="Arial" panose="020B0604020202020204" pitchFamily="34" charset="0"/>
+              <a:buChar char="•"/>
+            </a:pPr>
+            <a:r>
+              <a:rPr lang="fr-FR" sz="800" dirty="0">
+                <a:solidFill>
+                  <a:srgbClr val="000000"/>
+                </a:solidFill>
+              </a:rPr>
+              <a:t>L’investisseur ne connaît pas à l’avance la durée exacte de son investissement qui peut varier de </a:t>
+            </a:r>
+            <a:r>
+              <a:rPr lang="fr-FR" sz="800" b="1" dirty="0">
+                <a:solidFill>
+                  <a:srgbClr val="000000"/>
+                </a:solidFill>
+              </a:rPr>
+              <a:t>2.0136986301369864 à 10 années.</a:t>
+            </a:r>
+          </a:p>
+          <a:p>
+            <a:pPr marL="171450" indent="-171450" algn="just">
+              <a:lnSpc>
+                <a:spcPct val="92000"/>
+              </a:lnSpc>
+              <a:spcBef>
+                <a:spcPts val="200"/>
+              </a:spcBef>
+              <a:spcAft>
+                <a:spcPts val="200"/>
+              </a:spcAft>
+              <a:buFont typeface="Arial" panose="020B0604020202020204" pitchFamily="34" charset="0"/>
+              <a:buChar char="•"/>
+            </a:pPr>
+            <a:endParaRPr lang="fr-FR" sz="800" b="1" dirty="0">
+              <a:solidFill>
+                <a:srgbClr val="000000"/>
+              </a:solidFill>
+            </a:endParaRPr>
+          </a:p>
+          <a:p>
+            <a:pPr marL="171450" indent="-171450" algn="just">
+              <a:lnSpc>
+                <a:spcPct val="92000"/>
+              </a:lnSpc>
+              <a:spcBef>
+                <a:spcPts val="200"/>
+              </a:spcBef>
+              <a:spcAft>
+                <a:spcPts val="200"/>
+              </a:spcAft>
+              <a:buFont typeface="Arial" panose="020B0604020202020204" pitchFamily="34" charset="0"/>
+              <a:buChar char="•"/>
+            </a:pPr>
+            <a:r>
+              <a:rPr lang="fr-FR" sz="800" dirty="0">
+                <a:solidFill>
+                  <a:srgbClr val="000000"/>
+                </a:solidFill>
+              </a:rPr>
+              <a:t>L’investisseur peut ne bénéficier que d’une hausse partielle de l'indice, du fait du </a:t>
+            </a:r>
+            <a:r>
+              <a:rPr lang="fr-FR" sz="800" b="1" dirty="0">
+                <a:solidFill>
+                  <a:srgbClr val="000000"/>
+                </a:solidFill>
+              </a:rPr>
+              <a:t>mécanisme de plafonnement des gains à 2,10% par année écoulée depuis le 29/07/2022 </a:t>
+            </a:r>
+            <a:r>
+              <a:rPr lang="fr-FR" sz="800" dirty="0">
+                <a:solidFill>
+                  <a:srgbClr val="000000"/>
+                </a:solidFill>
+              </a:rPr>
+              <a:t>(soit un Taux de Rendement Annuel net maximum de 1,06%</a:t>
+            </a:r>
+            <a:r>
+              <a:rPr lang="fr-FR" sz="800" baseline="30000" dirty="0">
+                <a:solidFill>
+                  <a:srgbClr val="000000"/>
+                </a:solidFill>
+                <a:ea typeface="SimSun" pitchFamily="2" charset="-122"/>
+                <a:cs typeface="Times New Roman" pitchFamily="18" charset="0"/>
+              </a:rPr>
+              <a:t>⁽²⁾</a:t>
+            </a:r>
+            <a:r>
+              <a:rPr lang="fr-FR" sz="800" dirty="0">
+                <a:solidFill>
+                  <a:srgbClr val="000000"/>
+                </a:solidFill>
+                <a:ea typeface="SimSun" pitchFamily="2" charset="-122"/>
+                <a:cs typeface="Times New Roman" pitchFamily="18" charset="0"/>
+              </a:rPr>
+              <a:t>)</a:t>
+            </a:r>
+            <a:r>
+              <a:rPr lang="fr-FR" sz="800" dirty="0">
+                <a:solidFill>
+                  <a:srgbClr val="000000"/>
+                </a:solidFill>
+              </a:rPr>
+              <a:t>.</a:t>
+            </a:r>
+          </a:p>
+          <a:p>
+            <a:pPr marL="171450" indent="-171450" algn="just">
+              <a:lnSpc>
+                <a:spcPct val="92000"/>
+              </a:lnSpc>
+              <a:spcBef>
+                <a:spcPts val="200"/>
+              </a:spcBef>
+              <a:spcAft>
+                <a:spcPts val="200"/>
+              </a:spcAft>
+              <a:buFont typeface="Arial" panose="020B0604020202020204" pitchFamily="34" charset="0"/>
+              <a:buChar char="•"/>
+            </a:pPr>
+            <a:endParaRPr lang="fr-FR" sz="800" dirty="0">
+              <a:solidFill>
+                <a:srgbClr val="000000"/>
+              </a:solidFill>
+            </a:endParaRPr>
+          </a:p>
+          <a:p>
+            <a:pPr marL="171450" indent="-171450" algn="just">
+              <a:lnSpc>
+                <a:spcPct val="92000"/>
+              </a:lnSpc>
+              <a:spcBef>
+                <a:spcPts val="200"/>
+              </a:spcBef>
+              <a:spcAft>
+                <a:spcPts val="200"/>
+              </a:spcAft>
+              <a:buFont typeface="Arial" panose="020B0604020202020204" pitchFamily="34" charset="0"/>
+              <a:buChar char="•"/>
+            </a:pPr>
+            <a:r>
+              <a:rPr lang="fr-FR" sz="800" b="1" dirty="0">
+                <a:solidFill>
+                  <a:srgbClr val="000000"/>
+                </a:solidFill>
+              </a:rPr>
+              <a:t>Le rendement de « guigui » est très sensible à une faible variation du niveau de clôture de l'indice autour du seuil de </a:t>
             </a:r>
             <a:r>
               <a:rPr lang="fr-FR" sz="800" b="1" dirty="0">
@@ -16237,14 +16597,14 @@
                 <a:effectLst/>
                 <a:ea typeface="Calibri" panose="020F0502020204030204" pitchFamily="34" charset="0"/>
               </a:rPr>
-              <a:t>100% de son Niveau Initial de son Niveau Initial </a:t>
+              <a:t>100% de son Niveau Initial   </a:t>
             </a:r>
             <a:r>
               <a:rPr lang="fr-FR" sz="800" b="1" dirty="0">
                 <a:effectLst/>
                 <a:ea typeface="Calibri" panose="020F0502020204030204" pitchFamily="34" charset="0"/>
               </a:rPr>
-              <a:t>en cours de vie, et des seuils de 50% et 50% de son Niveau Initial à la date de constatation finale</a:t>
+              <a:t>en cours de vie, et des seuils de 100% et 50% de son Niveau Initial à la date de constatation finale</a:t>
             </a:r>
             <a:r>
               <a:rPr lang="fr-FR" sz="800" b="1" baseline="30000" dirty="0">
@@ -16258,8 +16618,11 @@
                 <a:effectLst/>
                 <a:ea typeface="Calibri" panose="020F0502020204030204" pitchFamily="34" charset="0"/>
               </a:rPr>
-              <a:t>.</a:t>
-            </a:r>
+              <a:t>. </a:t>
+            </a:r>
+            <a:endParaRPr lang="fr-FR" sz="800" b="1" dirty="0">
+              <a:ea typeface="Calibri" panose="020F0502020204030204" pitchFamily="34" charset="0"/>
+            </a:endParaRPr>
           </a:p>
           <a:p>
             <a:pPr marL="171450" indent="-171450" algn="just">
@@ -16275,29 +16638,33 @@
               <a:buFont typeface="Arial" panose="020B0604020202020204" pitchFamily="34" charset="0"/>
               <a:buChar char="•"/>
             </a:pPr>
+            <a:endParaRPr lang="fr-FR" sz="800" b="1" dirty="0">
+              <a:solidFill>
+                <a:srgbClr val="000000"/>
+              </a:solidFill>
+            </a:endParaRPr>
+          </a:p>
+          <a:p>
+            <a:pPr marL="171450" indent="-171450" algn="just">
+              <a:lnSpc>
+                <a:spcPct val="92000"/>
+              </a:lnSpc>
+              <a:spcBef>
+                <a:spcPts val="200"/>
+              </a:spcBef>
+              <a:spcAft>
+                <a:spcPts val="200"/>
+              </a:spcAft>
+              <a:buFont typeface="Arial" panose="020B0604020202020204" pitchFamily="34" charset="0"/>
+              <a:buChar char="•"/>
+            </a:pPr>
             <a:r>
               <a:rPr lang="fr-FR" sz="800" dirty="0">
                 <a:solidFill>
                   <a:srgbClr val="000000"/>
                 </a:solidFill>
               </a:rPr>
-              <a:t>&lt;</a:t>
-            </a:r>
-            <a:r>
-              <a:rPr lang="fr-FR" sz="800" dirty="0" err="1">
-                <a:solidFill>
-                  <a:srgbClr val="000000"/>
-                </a:solidFill>
-              </a:rPr>
-              <a:t>inconv</a:t>
-            </a:r>
-            <a:r>
-              <a:rPr lang="fr-FR" sz="800" dirty="0">
-                <a:solidFill>
-                  <a:srgbClr val="000000"/>
-                </a:solidFill>
-              </a:rPr>
-              <a:t>&gt;.</a:t>
+              <a:t>NULL</a:t>
             </a:r>
             <a:endParaRPr lang="fr-FR" sz="800" dirty="0">
               <a:solidFill>
@@ -16309,221 +16676,73 @@
             </a:endParaRPr>
           </a:p>
           <a:p>
-            <a:pPr marL="0" lvl="1" indent="0" algn="just">
-              <a:lnSpc>
-                <a:spcPct val="95000"/>
-              </a:lnSpc>
-              <a:spcBef>
-                <a:spcPts val="600"/>
+            <a:pPr marL="171450" indent="-171450" algn="just">
+              <a:lnSpc>
+                <a:spcPct val="92000"/>
+              </a:lnSpc>
+              <a:spcBef>
+                <a:spcPts val="200"/>
               </a:spcBef>
               <a:spcAft>
                 <a:spcPts val="200"/>
               </a:spcAft>
-              <a:buNone/>
+              <a:buFont typeface="Arial" panose="020B0604020202020204" pitchFamily="34" charset="0"/>
+              <a:buChar char="•"/>
             </a:pPr>
-            <a:r>
-              <a:rPr lang="fr-FR" sz="1000" b="1" dirty="0">
-                <a:solidFill>
-                  <a:srgbClr val="B9A049"/>
-                </a:solidFill>
-              </a:rPr>
-              <a:t>PRINCIPAUX FACTEURS DE RISQUES</a:t>
-            </a:r>
-          </a:p>
-          <a:p>
-            <a:pPr algn="just">
-              <a:lnSpc>
-                <a:spcPct val="95000"/>
-              </a:lnSpc>
-            </a:pPr>
-            <a:r>
-              <a:rPr lang="fr-FR" sz="800" i="1" dirty="0">
-                <a:solidFill>
-                  <a:srgbClr val="000000"/>
-                </a:solidFill>
-              </a:rPr>
-              <a:t>Les investisseurs sont invités à lire attentivement la section « Facteurs de Risques » du Prospectus de base. </a:t>
-            </a:r>
-          </a:p>
-          <a:p>
-            <a:pPr algn="just">
-              <a:lnSpc>
-                <a:spcPct val="95000"/>
-              </a:lnSpc>
-              <a:spcAft>
-                <a:spcPts val="600"/>
-              </a:spcAft>
-            </a:pPr>
-            <a:r>
-              <a:rPr lang="fr-FR" sz="800" b="1" u="sng" dirty="0">
-                <a:solidFill>
-                  <a:srgbClr val="000000"/>
-                </a:solidFill>
-              </a:rPr>
-              <a:t>Ces risques sont notamment :</a:t>
-            </a:r>
-            <a:endParaRPr lang="fr-FR" sz="800" i="1" u="sng" dirty="0">
+            <a:endParaRPr lang="fr-FR" sz="800" dirty="0">
               <a:solidFill>
                 <a:srgbClr val="000000"/>
               </a:solidFill>
+              <a:highlight>
+                <a:srgbClr val="FFFF00"/>
+              </a:highlight>
             </a:endParaRPr>
           </a:p>
           <a:p>
             <a:pPr marL="171450" indent="-171450" algn="just">
               <a:lnSpc>
-                <a:spcPct val="90000"/>
-              </a:lnSpc>
+                <a:spcPct val="92000"/>
+              </a:lnSpc>
+              <a:spcBef>
+                <a:spcPts val="200"/>
+              </a:spcBef>
               <a:spcAft>
                 <a:spcPts val="200"/>
               </a:spcAft>
               <a:buFont typeface="Arial" panose="020B0604020202020204" pitchFamily="34" charset="0"/>
               <a:buChar char="•"/>
             </a:pPr>
-            <a:r>
-              <a:rPr lang="fr-FR" sz="800" b="1" dirty="0">
-                <a:solidFill>
-                  <a:srgbClr val="000000"/>
-                </a:solidFill>
-              </a:rPr>
-              <a:t>Risque de crédit : </a:t>
-            </a:r>
-            <a:r>
-              <a:rPr lang="fr-FR" sz="800" dirty="0">
-                <a:solidFill>
-                  <a:srgbClr val="000000"/>
-                </a:solidFill>
-              </a:rPr>
-              <a:t>L’investisseur supporte le risque de défaut de paiement et de faillite de l’Émetteur ainsi que le risque de défaut de paiement, de faillite et de mise en résolution du Garant de la formule. Conformément à la règlementation relative au mécanisme de renflouement interne des institutions financières (bail-in), en cas de défaillance probable ou certaine du Garant de la formule, l’investisseur est susceptible de ne pas recouvrer, le cas échéant, la totalité ou partie du montant qui est dû par le Garant de la formule au titre de la Garantie ou l’Investisseur peut être susceptible de recevoir, le cas échéant, tout autre instrument financier émis par le Garant de la formule (ou toute autre entité) en remplacement du montant qui est dû au titre des titres de créance émis par l’Émetteur.</a:t>
-            </a:r>
-            <a:endParaRPr lang="fr-FR" sz="800" b="1" dirty="0">
+            <a:endParaRPr lang="fr-FR" sz="800" dirty="0">
               <a:solidFill>
                 <a:srgbClr val="000000"/>
               </a:solidFill>
+              <a:highlight>
+                <a:srgbClr val="FFFF00"/>
+              </a:highlight>
             </a:endParaRPr>
           </a:p>
           <a:p>
             <a:pPr marL="171450" indent="-171450" algn="just">
               <a:lnSpc>
-                <a:spcPct val="90000"/>
-              </a:lnSpc>
+                <a:spcPct val="92000"/>
+              </a:lnSpc>
+              <a:spcBef>
+                <a:spcPts val="200"/>
+              </a:spcBef>
               <a:spcAft>
                 <a:spcPts val="200"/>
               </a:spcAft>
               <a:buFont typeface="Arial" panose="020B0604020202020204" pitchFamily="34" charset="0"/>
               <a:buChar char="•"/>
             </a:pPr>
-            <a:r>
-              <a:rPr lang="fr-FR" sz="800" b="1" dirty="0">
-                <a:solidFill>
-                  <a:srgbClr val="000000"/>
-                </a:solidFill>
-              </a:rPr>
-              <a:t>Risque de marché : </a:t>
-            </a:r>
-            <a:r>
-              <a:rPr lang="fr-FR" sz="800" dirty="0">
-                <a:solidFill>
-                  <a:srgbClr val="000000"/>
-                </a:solidFill>
-              </a:rPr>
-              <a:t>Le produit peut connaître à tout moment d’importantes fluctuations de cours (en raison notamment de l’évolution du prix, du (ou des) instrument(s) sous-jacent(s) et des taux d’intérêt), pouvant aboutir dans certains cas à la perte totale du montant investi.</a:t>
-            </a:r>
-          </a:p>
-          <a:p>
-            <a:pPr marL="171450" indent="-171450" algn="just">
-              <a:lnSpc>
-                <a:spcPct val="90000"/>
-              </a:lnSpc>
-              <a:spcAft>
-                <a:spcPts val="200"/>
-              </a:spcAft>
-              <a:buFont typeface="Arial" panose="020B0604020202020204" pitchFamily="34" charset="0"/>
-              <a:buChar char="•"/>
-            </a:pPr>
-            <a:r>
-              <a:rPr lang="fr-FR" sz="800" b="1" dirty="0">
-                <a:solidFill>
-                  <a:srgbClr val="000000"/>
-                </a:solidFill>
-              </a:rPr>
-              <a:t>Risque de liquidité : </a:t>
-            </a:r>
-            <a:r>
-              <a:rPr lang="fr-FR" sz="800" dirty="0">
-                <a:solidFill>
-                  <a:srgbClr val="000000"/>
-                </a:solidFill>
-              </a:rPr>
-              <a:t>Certaines conditions exceptionnelles de marché peuvent avoir un effet défavorable sur la liquidité du produit, voire même rendre le produit totalement illiquide, ce qui peut rendre impossible la vente du produit et entraîner la perte totale ou partielle du montant investi.</a:t>
-            </a:r>
-          </a:p>
-          <a:p>
-            <a:pPr marL="171450" indent="-171450" algn="just">
-              <a:lnSpc>
-                <a:spcPct val="90000"/>
-              </a:lnSpc>
-              <a:spcAft>
-                <a:spcPts val="200"/>
-              </a:spcAft>
-              <a:buFont typeface="Arial" panose="020B0604020202020204" pitchFamily="34" charset="0"/>
-              <a:buChar char="•"/>
-            </a:pPr>
-            <a:r>
-              <a:rPr lang="fr-FR" sz="800" b="1" dirty="0">
-                <a:solidFill>
-                  <a:srgbClr val="000000"/>
-                </a:solidFill>
-              </a:rPr>
-              <a:t>Risque de perte en capital : </a:t>
-            </a:r>
-            <a:r>
-              <a:rPr lang="fr-FR" sz="800" dirty="0">
-                <a:solidFill>
-                  <a:srgbClr val="000000"/>
-                </a:solidFill>
-              </a:rPr>
-              <a:t>Le produit présente un risque de perte en capital. La valeur de remboursement du produit peut être inférieure au montant de l’investissement initial. Dans le pire des scénarios, les investisseurs peuvent perdre jusqu’à la totalité de leur investissement.</a:t>
-            </a:r>
-          </a:p>
-          <a:p>
-            <a:pPr marL="171450" indent="-171450" algn="just">
-              <a:lnSpc>
-                <a:spcPct val="90000"/>
-              </a:lnSpc>
-              <a:spcAft>
-                <a:spcPts val="200"/>
-              </a:spcAft>
-              <a:buFont typeface="Arial" panose="020B0604020202020204" pitchFamily="34" charset="0"/>
-              <a:buChar char="•"/>
-            </a:pPr>
-            <a:r>
-              <a:rPr lang="fr-FR" sz="800" dirty="0">
-                <a:solidFill>
-                  <a:srgbClr val="000000"/>
-                </a:solidFill>
-              </a:rPr>
-              <a:t>Risque lié au sous-jacent : Le mécanisme de remboursement est lié à l’évolution du cours de l'action et donc à l’évolution des marchés actions.</a:t>
-            </a:r>
-          </a:p>
-          <a:p>
-            <a:pPr marL="171450" indent="-171450" algn="just">
-              <a:lnSpc>
-                <a:spcPct val="90000"/>
-              </a:lnSpc>
-              <a:spcAft>
-                <a:spcPts val="200"/>
-              </a:spcAft>
-              <a:buFont typeface="Arial" panose="020B0604020202020204" pitchFamily="34" charset="0"/>
-              <a:buChar char="•"/>
-            </a:pPr>
-            <a:r>
-              <a:rPr lang="fr-FR" sz="800" dirty="0">
-                <a:solidFill>
-                  <a:srgbClr val="000000"/>
-                </a:solidFill>
-              </a:rPr>
-              <a:t>Risque découlant de la nature du support : En cas de revente du produit avant l’échéance ou, selon le cas, à la date de remboursement anticipé automatique⁽¹⁾, alors que les conditions de remboursement anticipé automatique ne sont pas remplies, il est impossible de mesurer a priori le gain ou la perte possibles, le prix pratiqué dépendant alors des conditions de marché en vigueur. Si le cadre d’investissement du produit est un contrat d’assurance vie ou de capitalisation, le dénouement (notamment par rachat ou décès de l’assuré), l’arbitrage ou le rachat partiel de celui-ci peuvent entraîner le désinvestissement des unités de compte adossées aux titres avant leur dates d’échéance⁽¹⁾. Ainsi, le montant remboursé pourra être très différent (inférieur ou supérieur) du montant résultant de l’application de la formule annoncée. Il existe donc un risque de perte en capital partielle ou totale. Il est précisé que l’Assureur, d'une part, l'Emetteur et le Garant de la formule d'autre part sont des entités juridiques indépendantes.</a:t>
-            </a:r>
+            <a:endParaRPr lang="fr-FR" sz="800" dirty="0">
+              <a:solidFill>
+                <a:srgbClr val="000000"/>
+              </a:solidFill>
+              <a:highlight>
+                <a:srgbClr val="FFFF00"/>
+              </a:highlight>
+            </a:endParaRPr>
           </a:p>
         </p:txBody>
       </p:sp>
@@ -16603,7 +16822,7 @@
         </p:nvSpPr>
         <p:spPr bwMode="auto">
           <a:xfrm>
-            <a:off x="361950" y="9765983"/>
+            <a:off x="359409" y="9771581"/>
             <a:ext cx="6483350" cy="700192"/>
           </a:xfrm>
           <a:prstGeom prst="rect">
@@ -16697,7 +16916,7 @@
                 </a:solidFill>
                 <a:latin typeface="+mn-lt"/>
               </a:rPr>
-              <a:t> selon les scénarios. Une sortie anticipée à l’initiative de l’investisseur se fera à un cours dépendant de l’évolution des paramètres de marché au moment de la sortie (cours de l'action, des taux d’intérêt, de la volatilité et des primes de risque de crédit notamment) et pourra donc entraîner un risque de perte en capital.</a:t>
+              <a:t> selon les scénarios. Une sortie anticipée à l’initiative de l’investisseur se fera à un niveau dépendant de l’évolution des paramètres de marché au moment de la sortie (niveau de l'indice, des taux d’intérêt, de la volatilité et des primes de risque de crédit notamment) et pourra donc entraîner un risque de perte en capital.</a:t>
             </a:r>
           </a:p>
           <a:p>
@@ -16709,51 +16928,30 @@
                 </a:solidFill>
                 <a:latin typeface="+mn-lt"/>
               </a:rPr>
-              <a:t>(3</a:t>
-            </a:r>
-            <a:r>
-              <a:rPr lang="fr-FR" sz="650" baseline="30000" dirty="0">
+              <a:t>(3) </a:t>
+            </a:r>
+            <a:r>
+              <a:rPr lang="fr-FR" sz="650" dirty="0">
                 <a:solidFill>
                   <a:schemeClr val="tx2"/>
                 </a:solidFill>
-                <a:highlight>
-                  <a:srgbClr val="FFFF00"/>
-                </a:highlight>
                 <a:latin typeface="+mn-lt"/>
               </a:rPr>
-              <a:t>) </a:t>
-            </a:r>
-            <a:r>
-              <a:rPr lang="fr-FR" sz="650" dirty="0">
+              <a:t>Hors prise en compte des dividendes éventuels détachés par </a:t>
+            </a:r>
+            <a:r>
+              <a:rPr lang="it-IT" sz="650" dirty="0">
                 <a:solidFill>
                   <a:schemeClr val="tx2"/>
                 </a:solidFill>
-                <a:highlight>
-                  <a:srgbClr val="FFFF00"/>
-                </a:highlight>
                 <a:latin typeface="+mn-lt"/>
               </a:rPr>
-              <a:t>Hors prise en compte des dividendes éventuels détachés par </a:t>
-            </a:r>
-            <a:r>
-              <a:rPr lang="it-IT" sz="650" dirty="0">
-                <a:solidFill>
-                  <a:schemeClr val="tx2"/>
-                </a:solidFill>
-                <a:highlight>
-                  <a:srgbClr val="FFFF00"/>
-                </a:highlight>
-                <a:latin typeface="+mn-lt"/>
-              </a:rPr>
-              <a:t>l’action</a:t>
+              <a:t>l'indice</a:t>
             </a:r>
             <a:endParaRPr lang="fr-FR" sz="650" dirty="0">
               <a:solidFill>
                 <a:schemeClr val="tx2"/>
               </a:solidFill>
-              <a:highlight>
-                <a:srgbClr val="FFFF00"/>
-              </a:highlight>
               <a:latin typeface="+mn-lt"/>
             </a:endParaRPr>
           </a:p>
@@ -17053,7 +17251,7 @@
               <a:rPr lang="fr-FR" sz="800" b="1" dirty="0">
                 <a:latin typeface="Proxima Nova Rg" panose="02000506030000020004" pitchFamily="2" charset="0"/>
               </a:rPr>
-              <a:t>Les données chiffrées utilisées dans ces exemples n’ont qu’une valeur indicative et informative, l’objectif étant de décrire le mécanisme du produit. Ces illustrations ont été réalisées de bonne foi à titre d'information uniquement. Elles ne préjugent en rien de l'évolution future de l'action et du produit.</a:t>
+              <a:t>Les données chiffrées utilisées dans ces exemples n’ont qu’une valeur indicative et informative, l’objectif étant de décrire le mécanisme du produit. Ces illustrations ont été réalisées de bonne foi à titre d'information uniquement. Elles ne préjugent en rien de l'évolution future de l'indice et du produit.</a:t>
             </a:r>
           </a:p>
         </p:txBody>
@@ -17117,7 +17315,7 @@
                   <a:srgbClr val="B9A049"/>
                 </a:solidFill>
               </a:rPr>
-              <a:t>, l’action clôture à un cours strictement inférieur à 50% de son Niveau Initial</a:t>
+              <a:t>, l'indice clôture à un niveau strictement inférieur à 50% de son Niveau Initial</a:t>
             </a:r>
           </a:p>
         </p:txBody>
@@ -17175,7 +17373,7 @@
               <a:rPr lang="fr-FR" sz="800" b="0" dirty="0">
                 <a:latin typeface="+mn-lt"/>
               </a:rPr>
-              <a:t>À la date de constatation finale(¹), l’action clôture à un cours strictement supérieur à 50% de son Niveau Initial</a:t>
+              <a:t>À la date de constatation finale(¹), l'indice clôture à un niveau strictement inférieur à 100% mais supérieur ou égal à 50% de son Niveau Initial</a:t>
             </a:r>
           </a:p>
         </p:txBody>
@@ -17233,7 +17431,7 @@
               <a:rPr lang="fr-FR" sz="800" b="0" dirty="0">
                 <a:latin typeface="+mn-lt"/>
               </a:rPr>
-              <a:t>Dès la première date de constatation du mécanisme de remboursement anticipé automatique, l’action clôture à un cours supérieur ou égal à 100% de son Niveau Initial</a:t>
+              <a:t>Dès la première date de constatation du mécanisme de remboursement anticipé automatique, l'indice clôture à un niveau supérieur ou égal à 100% de son Niveau Initial</a:t>
             </a:r>
           </a:p>
         </p:txBody>
@@ -17451,7 +17649,7 @@
                 </a:solidFill>
                 <a:latin typeface="+mn-lt"/>
               </a:rPr>
-              <a:t>LE RENDEMENT DU PRODUIT « guigui » EST TRÈS SENSIBLE À UNE FAIBLE VARIATION DU cours DE CLÔTURE de l'action AUTOUR DES SEUILS DE 50% ET DE 50% </a:t>
+              <a:t>LE RENDEMENT DU PRODUIT « guigui » EST TRÈS SENSIBLE À UNE FAIBLE VARIATION DU niveau DE CLÔTURE de l'indice AUTOUR DES SEUILS DE 100% ET DE 50% </a:t>
             </a:r>
             <a:r>
               <a:rPr lang="fr-FR" sz="800" cap="all" dirty="0">
@@ -17536,7 +17734,7 @@
             </a:pPr>
             <a:r>
               <a:rPr lang="fr-FR" sz="800" dirty="0"/>
-              <a:t>À chaque date de constatation trimestrielle</a:t>
+              <a:t>À chaque date de constatation annuelle</a:t>
             </a:r>
             <a:r>
               <a:rPr lang="fr-FR" sz="800" baseline="30000" dirty="0"/>
@@ -17546,11 +17744,11 @@
               <a:rPr lang="fr-FR" sz="800" dirty="0">
                 <a:latin typeface="+mn-lt"/>
               </a:rPr>
-              <a:t>du trimestres 4 à 39</a:t>
+              <a:t>du années 2.0136986301369864 à 9</a:t>
             </a:r>
             <a:r>
               <a:rPr lang="fr-FR" sz="800" dirty="0"/>
-              <a:t>, l’action clôture à un cours strictement inférieur à 100% de son Niveau Initial. Le mécanisme de remboursement anticipé automatique n’est donc pas activé et le produit continue.</a:t>
+              <a:t>, l'indice clôture à un niveau strictement inférieur à 100% de son Niveau Initial. Le mécanisme de remboursement anticipé automatique n’est donc pas activé et le produit continue.</a:t>
             </a:r>
           </a:p>
           <a:p>
@@ -17587,7 +17785,7 @@
             </a:r>
             <a:r>
               <a:rPr lang="fr-FR" sz="800" dirty="0"/>
-              <a:t>, l’action clôture à un cours strictement inférieur à 50% de son Niveau Initial (30% dans cet exemple). L’investisseur récupère alors le capital initialement investi diminué de l’intégralité de la baisse enregistrée par l’action, soit 30% de son capital initial dans cet exemple.</a:t>
+              <a:t>, l'indice clôture à un niveau strictement inférieur à 50% de son Niveau Initial (30% dans cet exemple). L’investisseur récupère alors le capital initialement investi diminué de l’intégralité de la baisse enregistrée par l'indice, soit 30% de son capital initial dans cet exemple.</a:t>
             </a:r>
           </a:p>
           <a:p>
@@ -17601,7 +17799,7 @@
             </a:pPr>
             <a:r>
               <a:rPr lang="fr-FR" sz="800" dirty="0"/>
-              <a:t>Le Taux de Rendement Annuel net est alors similaire à celui d’un investissement direct dans l’action</a:t>
+              <a:t>Le Taux de Rendement Annuel net est alors similaire à celui d’un investissement direct dans l'indice</a:t>
             </a:r>
             <a:r>
               <a:rPr lang="fr-FR" sz="800" baseline="30000" dirty="0"/>
@@ -17694,7 +17892,7 @@
               <a:rPr lang="fr-FR" sz="800" dirty="0">
                 <a:latin typeface="+mn-lt"/>
               </a:rPr>
-              <a:t>À chaque date de constatation trimestrielle</a:t>
+              <a:t>À chaque date de constatation annuelle</a:t>
             </a:r>
             <a:r>
               <a:rPr lang="fr-FR" sz="800" baseline="30000" dirty="0">
@@ -17709,7 +17907,7 @@
               <a:rPr lang="fr-FR" sz="800" dirty="0">
                 <a:latin typeface="+mn-lt"/>
               </a:rPr>
-              <a:t> des trimestres 4 à 39, l’action clôture à </a:t>
+              <a:t> des années 2.0136986301369864 à 9, l'indice clôture à </a:t>
             </a:r>
             <a:r>
               <a:rPr lang="fr-FR" sz="800" dirty="0">
@@ -17718,7 +17916,7 @@
                 </a:solidFill>
                 <a:latin typeface="+mn-lt"/>
               </a:rPr>
-              <a:t>un cours strictement inférieur à 100% de son Niveau Initial</a:t>
+              <a:t>un niveau strictement inférieur à 100% de son Niveau Initial</a:t>
             </a:r>
             <a:r>
               <a:rPr lang="fr-FR" sz="800" dirty="0">
@@ -17753,7 +17951,8 @@
               <a:rPr lang="fr-FR" sz="800" dirty="0">
                 <a:latin typeface="+mn-lt"/>
               </a:rPr>
-              <a:t>À la date de constatation finale(¹), l’action clôture à un cours strictement supérieur à 50% de son Niveau Initial (65% dans cet exemple). L’investisseur récupère alors l’intégralité de son capital initialement investi majorée d’un gain de 1,00% par trimestre écoulé depuis le 2022-07-29 (soit un gain total de 40,00% total).</a:t>
+              <a:t>À la date de constatation finale(¹), l'indice clôture à un niveau strictement inférieur à 100% de son Niveau Initial (65% dans cet exemple). L’investisseur récupère alors l’intégralité de son capital initialement investi.
+        </a:t>
             </a:r>
           </a:p>
           <a:p>
@@ -17808,7 +18007,7 @@
                 </a:solidFill>
                 <a:latin typeface="+mn-lt"/>
               </a:rPr>
-              <a:t>, pour un investissement direct dans l’action</a:t>
+              <a:t>, pour un investissement direct dans l'indice</a:t>
             </a:r>
             <a:r>
               <a:rPr lang="fr-FR" sz="800" baseline="30000" dirty="0">
@@ -17921,7 +18120,7 @@
                   <a:schemeClr val="tx2"/>
                 </a:solidFill>
               </a:rPr>
-              <a:t>Dès la première date de constatation trimestrielle</a:t>
+              <a:t>Dès la première date de constatation annuelle</a:t>
             </a:r>
             <a:r>
               <a:rPr lang="fr-FR" sz="800" baseline="30000" dirty="0">
@@ -17945,7 +18144,7 @@
                   <a:schemeClr val="tx2"/>
                 </a:solidFill>
               </a:rPr>
-              <a:t>l’action </a:t>
+              <a:t>l'indice </a:t>
             </a:r>
             <a:r>
               <a:rPr lang="fr-FR" sz="800" dirty="0">
@@ -17962,7 +18161,7 @@
                 </a:solidFill>
                 <a:latin typeface="Proxima Nova Rg" panose="02000506030000020004" pitchFamily="2" charset="0"/>
               </a:rPr>
-              <a:t>un cours supérieur à 100% de son Niveau Initial 100% de son Niveau Initial </a:t>
+              <a:t>un niveau supérieur à 100% de son Niveau Initial 100% de son Niveau Initial </a:t>
             </a:r>
             <a:r>
               <a:rPr lang="fr-FR" sz="800" dirty="0">
@@ -17970,7 +18169,7 @@
                   <a:schemeClr val="tx2"/>
                 </a:solidFill>
               </a:rPr>
-              <a:t>(115% dans cet exemple). Le produit est automatiquement remboursé par anticipation. Il verse alors l’intégralité du capital initial majorée d’un gain de 1,00% par trimestre écoulé depuis le 29/07/2022, soit un gain de 4,00% dans notre exemple.</a:t>
+              <a:t>(115% dans cet exemple). Le produit est automatiquement remboursé par anticipation. Il verse alors l’intégralité du capital initial majorée d’un gain de 2,10% par année écoulée depuis le 29/07/2022, soit un gain de 2,10% dans notre exemple.</a:t>
             </a:r>
           </a:p>
           <a:p>
@@ -17981,7 +18180,7 @@
             </a:pPr>
             <a:r>
               <a:rPr lang="fr-FR" sz="800" dirty="0"/>
-              <a:t>Ce qui correspond à un Taux de Rendement Annuel net de 2,92%</a:t>
+              <a:t>Ce qui correspond à un Taux de Rendement Annuel net de 1,06%</a:t>
             </a:r>
             <a:r>
               <a:rPr lang="fr-FR" sz="800" baseline="30000" dirty="0"/>
@@ -17989,7 +18188,7 @@
             </a:r>
             <a:r>
               <a:rPr lang="fr-FR" sz="800" dirty="0"/>
-              <a:t>, contre un Taux de Rendement Annuel net de 13,68%</a:t>
+              <a:t>, contre un Taux de Rendement Annuel net de 6,12%</a:t>
             </a:r>
             <a:r>
               <a:rPr lang="fr-FR" sz="800" baseline="30000" dirty="0"/>
@@ -18001,7 +18200,7 @@
             </a:r>
             <a:r>
               <a:rPr lang="it-IT" sz="800" dirty="0"/>
-              <a:t>l’action</a:t>
+              <a:t>l'indice</a:t>
             </a:r>
             <a:r>
               <a:rPr lang="fr-FR" sz="800" baseline="30000" dirty="0"/>
@@ -18017,7 +18216,7 @@
                   <a:schemeClr val="tx2"/>
                 </a:solidFill>
               </a:rPr>
-              <a:t>mécanisme de plafonnement des gains à 1,00% par trimestre écoulé depuis le 29/07/2022.</a:t>
+              <a:t>mécanisme de plafonnement des gains à 2,10% par année écoulée depuis le 29/07/2022.</a:t>
             </a:r>
           </a:p>
         </p:txBody>
@@ -18110,6 +18309,55 @@
           </a:bodyPr>
           <a:lstStyle/>
           <a:p/>
+        </p:txBody>
+      </p:sp>
+      <p:sp>
+        <p:nvSpPr>
+          <p:cNvPr id="17" name="Rectangle">
+            <a:extLst>
+              <a:ext uri="{FF2B5EF4-FFF2-40B4-BE49-F238E27FC236}">
+                <a16:creationId xmlns:a16="http://schemas.microsoft.com/office/drawing/2014/main" id="{BEDC322A-047C-AD25-3052-3FBCB8664A82}"/>
+              </a:ext>
+            </a:extLst>
+          </p:cNvPr>
+          <p:cNvSpPr/>
+          <p:nvPr/>
+        </p:nvSpPr>
+        <p:spPr>
+          <a:xfrm>
+            <a:off x="357721" y="9671422"/>
+            <a:ext cx="6840000" cy="6846"/>
+          </a:xfrm>
+          <a:prstGeom prst="rect">
+            <a:avLst/>
+          </a:prstGeom>
+          <a:solidFill>
+            <a:srgbClr val="C5AF5C"/>
+          </a:solidFill>
+          <a:ln w="3175">
+            <a:miter lim="400000"/>
+          </a:ln>
+        </p:spPr>
+        <p:txBody>
+          <a:bodyPr lIns="20981" tIns="20981" rIns="20981" bIns="20981" anchor="ctr"/>
+          <a:lstStyle/>
+          <a:p>
+            <a:pPr algn="ctr" defTabSz="825500">
+              <a:lnSpc>
+                <a:spcPct val="100000"/>
+              </a:lnSpc>
+              <a:defRPr sz="3200" b="0">
+                <a:solidFill>
+                  <a:srgbClr val="FFFFFF"/>
+                </a:solidFill>
+                <a:latin typeface="Helvetica Neue Medium"/>
+                <a:ea typeface="Helvetica Neue Medium"/>
+                <a:cs typeface="Helvetica Neue Medium"/>
+                <a:sym typeface="Helvetica Neue Medium"/>
+              </a:defRPr>
+            </a:pPr>
+            <a:endParaRPr/>
+          </a:p>
         </p:txBody>
       </p:sp>
       <p:pic>
@@ -18929,27 +19177,6 @@
 </file>
 
 <file path=customXml/item1.xml><?xml version="1.0" encoding="utf-8"?>
-<p:properties xmlns:p="http://schemas.microsoft.com/office/2006/metadata/properties" xmlns:xsi="http://www.w3.org/2001/XMLSchema-instance" xmlns:pc="http://schemas.microsoft.com/office/infopath/2007/PartnerControls">
-  <documentManagement>
-    <_Flow_SignoffStatus xmlns="ef624bc2-1644-4d69-8362-5c28ca496374" xsi:nil="true"/>
-    <TaxCatchAll xmlns="514a554b-82b0-4359-b247-fc84018a95f0" xsi:nil="true"/>
-    <lcf76f155ced4ddcb4097134ff3c332f xmlns="ef624bc2-1644-4d69-8362-5c28ca496374">
-      <Terms xmlns="http://schemas.microsoft.com/office/infopath/2007/PartnerControls"/>
-    </lcf76f155ced4ddcb4097134ff3c332f>
-  </documentManagement>
-</p:properties>
-</file>
-
-<file path=customXml/item2.xml><?xml version="1.0" encoding="utf-8"?>
-<?mso-contentType ?>
-<FormTemplates xmlns="http://schemas.microsoft.com/sharepoint/v3/contenttype/forms">
-  <Display>DocumentLibraryForm</Display>
-  <Edit>DocumentLibraryForm</Edit>
-  <New>DocumentLibraryForm</New>
-</FormTemplates>
-</file>
-
-<file path=customXml/item3.xml><?xml version="1.0" encoding="utf-8"?>
 <ct:contentTypeSchema xmlns:ct="http://schemas.microsoft.com/office/2006/metadata/contentType" xmlns:ma="http://schemas.microsoft.com/office/2006/metadata/properties/metaAttributes" ct:_="" ma:_="" ma:contentTypeName="Document" ma:contentTypeID="0x0101005DDE610BC516E448BB8152259F39635A" ma:contentTypeVersion="17" ma:contentTypeDescription="Crée un document." ma:contentTypeScope="" ma:versionID="bfb75e103009df80b8e5001438c41194">
   <xsd:schema xmlns:xsd="http://www.w3.org/2001/XMLSchema" xmlns:xs="http://www.w3.org/2001/XMLSchema" xmlns:p="http://schemas.microsoft.com/office/2006/metadata/properties" xmlns:ns2="ef624bc2-1644-4d69-8362-5c28ca496374" xmlns:ns3="514a554b-82b0-4359-b247-fc84018a95f0" targetNamespace="http://schemas.microsoft.com/office/2006/metadata/properties" ma:root="true" ma:fieldsID="2ae3df86d13efbb4a35042af2564d386" ns2:_="" ns3:_="">
     <xsd:import namespace="ef624bc2-1644-4d69-8362-5c28ca496374"/>
@@ -19198,33 +19425,29 @@
 </ct:contentTypeSchema>
 </file>
 
-<file path=customXml/itemProps1.xml><?xml version="1.0" encoding="utf-8"?>
-<ds:datastoreItem xmlns:ds="http://schemas.openxmlformats.org/officeDocument/2006/customXml" ds:itemID="{25DE574B-2CD2-4078-9BEA-2A14717D9698}">
-  <ds:schemaRefs>
-    <ds:schemaRef ds:uri="514a554b-82b0-4359-b247-fc84018a95f0"/>
-    <ds:schemaRef ds:uri="ef624bc2-1644-4d69-8362-5c28ca496374"/>
-    <ds:schemaRef ds:uri="http://purl.org/dc/dcmitype/"/>
-    <ds:schemaRef ds:uri="http://purl.org/dc/elements/1.1/"/>
-    <ds:schemaRef ds:uri="http://purl.org/dc/terms/"/>
-    <ds:schemaRef ds:uri="http://schemas.microsoft.com/office/2006/documentManagement/types"/>
-    <ds:schemaRef ds:uri="http://schemas.microsoft.com/office/2006/metadata/properties"/>
-    <ds:schemaRef ds:uri="http://schemas.microsoft.com/office/infopath/2007/PartnerControls"/>
-    <ds:schemaRef ds:uri="http://schemas.openxmlformats.org/package/2006/metadata/core-properties"/>
-    <ds:schemaRef ds:uri="http://www.w3.org/XML/1998/namespace"/>
-  </ds:schemaRefs>
-</ds:datastoreItem>
+<file path=customXml/item2.xml><?xml version="1.0" encoding="utf-8"?>
+<?mso-contentType ?>
+<FormTemplates xmlns="http://schemas.microsoft.com/sharepoint/v3/contenttype/forms">
+  <Display>DocumentLibraryForm</Display>
+  <Edit>DocumentLibraryForm</Edit>
+  <New>DocumentLibraryForm</New>
+</FormTemplates>
 </file>
 
-<file path=customXml/itemProps2.xml><?xml version="1.0" encoding="utf-8"?>
-<ds:datastoreItem xmlns:ds="http://schemas.openxmlformats.org/officeDocument/2006/customXml" ds:itemID="{B00FC41E-FBDE-42E2-B58A-20EBD240A376}">
-  <ds:schemaRefs>
-    <ds:schemaRef ds:uri="http://schemas.microsoft.com/sharepoint/v3/contenttype/forms"/>
-  </ds:schemaRefs>
-</ds:datastoreItem>
+<file path=customXml/item3.xml><?xml version="1.0" encoding="utf-8"?>
+<p:properties xmlns:p="http://schemas.microsoft.com/office/2006/metadata/properties" xmlns:xsi="http://www.w3.org/2001/XMLSchema-instance" xmlns:pc="http://schemas.microsoft.com/office/infopath/2007/PartnerControls">
+  <documentManagement>
+    <_Flow_SignoffStatus xmlns="ef624bc2-1644-4d69-8362-5c28ca496374" xsi:nil="true"/>
+    <TaxCatchAll xmlns="514a554b-82b0-4359-b247-fc84018a95f0" xsi:nil="true"/>
+    <lcf76f155ced4ddcb4097134ff3c332f xmlns="ef624bc2-1644-4d69-8362-5c28ca496374">
+      <Terms xmlns="http://schemas.microsoft.com/office/infopath/2007/PartnerControls"/>
+    </lcf76f155ced4ddcb4097134ff3c332f>
+  </documentManagement>
+</p:properties>
 </file>
 
-<file path=customXml/itemProps3.xml><?xml version="1.0" encoding="utf-8"?>
-<ds:datastoreItem xmlns:ds="http://schemas.openxmlformats.org/officeDocument/2006/customXml" ds:itemID="{1952AB1B-D807-48E4-B821-205D428E3F5C}">
+<file path=customXml/itemProps1.xml><?xml version="1.0" encoding="utf-8"?>
+<ds:datastoreItem xmlns:ds="http://schemas.openxmlformats.org/officeDocument/2006/customXml" ds:itemID="{DE898DE2-83E7-42CE-B7CD-9C9DF4B16BA4}">
   <ds:schemaRefs>
     <ds:schemaRef ds:uri="http://schemas.microsoft.com/office/2006/metadata/contentType"/>
     <ds:schemaRef ds:uri="http://schemas.microsoft.com/office/2006/metadata/properties/metaAttributes"/>
@@ -19240,4 +19463,29 @@
     <ds:schemaRef ds:uri="http://schemas.microsoft.com/internal/obd"/>
   </ds:schemaRefs>
 </ds:datastoreItem>
+</file>
+
+<file path=customXml/itemProps2.xml><?xml version="1.0" encoding="utf-8"?>
+<ds:datastoreItem xmlns:ds="http://schemas.openxmlformats.org/officeDocument/2006/customXml" ds:itemID="{B00FC41E-FBDE-42E2-B58A-20EBD240A376}">
+  <ds:schemaRefs>
+    <ds:schemaRef ds:uri="http://schemas.microsoft.com/sharepoint/v3/contenttype/forms"/>
+  </ds:schemaRefs>
+</ds:datastoreItem>
+</file>
+
+<file path=customXml/itemProps3.xml><?xml version="1.0" encoding="utf-8"?>
+<ds:datastoreItem xmlns:ds="http://schemas.openxmlformats.org/officeDocument/2006/customXml" ds:itemID="{25DE574B-2CD2-4078-9BEA-2A14717D9698}">
+  <ds:schemaRefs>
+    <ds:schemaRef ds:uri="514a554b-82b0-4359-b247-fc84018a95f0"/>
+    <ds:schemaRef ds:uri="ef624bc2-1644-4d69-8362-5c28ca496374"/>
+    <ds:schemaRef ds:uri="http://purl.org/dc/dcmitype/"/>
+    <ds:schemaRef ds:uri="http://purl.org/dc/elements/1.1/"/>
+    <ds:schemaRef ds:uri="http://purl.org/dc/terms/"/>
+    <ds:schemaRef ds:uri="http://schemas.microsoft.com/office/2006/documentManagement/types"/>
+    <ds:schemaRef ds:uri="http://schemas.microsoft.com/office/2006/metadata/properties"/>
+    <ds:schemaRef ds:uri="http://schemas.microsoft.com/office/infopath/2007/PartnerControls"/>
+    <ds:schemaRef ds:uri="http://schemas.openxmlformats.org/package/2006/metadata/core-properties"/>
+    <ds:schemaRef ds:uri="http://www.w3.org/XML/1998/namespace"/>
+  </ds:schemaRefs>
+</ds:datastoreItem>
 </file>